--- a/Big Data - Driving Compitiion.pptx
+++ b/Big Data - Driving Compitiion.pptx
@@ -6842,20 +6842,20 @@
     </dgm:pt>
   </dgm:ptLst>
   <dgm:cxnLst>
-    <dgm:cxn modelId="{DF551E1B-31BD-424B-BDF9-2FEE5CDEED18}" type="presOf" srcId="{38321699-6EAC-4AD8-B27B-ACE7FFF262B6}" destId="{94DED9F9-7D3B-4917-A97F-E1AEF1F131EB}" srcOrd="0" destOrd="0" presId="urn:microsoft.com/office/officeart/2008/layout/VerticalCurvedList"/>
-    <dgm:cxn modelId="{F7B64BD6-EEFF-4977-B51C-F5FE13DE21C3}" type="presOf" srcId="{A51BC3B9-C6C3-4F90-8DEB-5FC00F55FAC3}" destId="{8ECB0D0F-B2D2-4899-8B78-A157CB1D3F6B}" srcOrd="0" destOrd="0" presId="urn:microsoft.com/office/officeart/2008/layout/VerticalCurvedList"/>
-    <dgm:cxn modelId="{E5759E99-E475-4200-9CE5-3F48B76A4C63}" type="presOf" srcId="{E95D953B-8834-475B-A90B-21464208104B}" destId="{5A5522D5-98B1-431C-862A-87D2AE6B6114}" srcOrd="0" destOrd="0" presId="urn:microsoft.com/office/officeart/2008/layout/VerticalCurvedList"/>
-    <dgm:cxn modelId="{B14053D7-E653-4001-9CED-ED4C0F94E826}" srcId="{95ECB77F-7E75-47E2-90C0-5B0DDC98D652}" destId="{87FB8AC5-8D3E-434D-AA2A-E691E1044F11}" srcOrd="5" destOrd="0" parTransId="{A0DC7861-C700-42E9-8572-8B1FF4A58B77}" sibTransId="{9C7B8D6A-BBF2-4B91-8536-09DDEF0950F6}"/>
-    <dgm:cxn modelId="{5FFF2D33-36D0-4732-A286-FA07F795F7FA}" srcId="{95ECB77F-7E75-47E2-90C0-5B0DDC98D652}" destId="{E95D953B-8834-475B-A90B-21464208104B}" srcOrd="3" destOrd="0" parTransId="{C7327062-E855-4EA7-B7F4-A7CA52F2DE57}" sibTransId="{B343315B-0F53-472F-A3F8-50E72C394E69}"/>
     <dgm:cxn modelId="{BEE2EB47-2855-42D2-AA03-68D6E06CEB79}" type="presOf" srcId="{45060046-6D24-4053-9722-CE27E4945F11}" destId="{1846E345-4193-43B8-A89A-FBAC2DEA3CE1}" srcOrd="0" destOrd="0" presId="urn:microsoft.com/office/officeart/2008/layout/VerticalCurvedList"/>
-    <dgm:cxn modelId="{516620AF-1C2B-4D03-AE69-7700D0655FC5}" srcId="{95ECB77F-7E75-47E2-90C0-5B0DDC98D652}" destId="{A51BC3B9-C6C3-4F90-8DEB-5FC00F55FAC3}" srcOrd="1" destOrd="0" parTransId="{FB4C850F-ADB2-4038-934D-454F131BB747}" sibTransId="{533DBDD4-7C73-461F-8E6E-7024B084AA9F}"/>
-    <dgm:cxn modelId="{47C04417-86FC-498B-BD14-77393C10C1DC}" type="presOf" srcId="{CD0833F7-E376-457D-A71E-09FC73BFF92B}" destId="{08F8990D-49AD-4487-90C5-A481D9A36092}" srcOrd="0" destOrd="0" presId="urn:microsoft.com/office/officeart/2008/layout/VerticalCurvedList"/>
-    <dgm:cxn modelId="{ADF612EB-E1AA-456A-A7A3-4C37D446752B}" type="presOf" srcId="{1A926AD4-CAE4-4101-AE8D-570B2C62378B}" destId="{506FFCA4-4592-4809-88A7-98FA0A62B2FE}" srcOrd="0" destOrd="0" presId="urn:microsoft.com/office/officeart/2008/layout/VerticalCurvedList"/>
-    <dgm:cxn modelId="{54C22A2C-2957-4E5B-A799-CEBDB2F2B3D6}" srcId="{95ECB77F-7E75-47E2-90C0-5B0DDC98D652}" destId="{45060046-6D24-4053-9722-CE27E4945F11}" srcOrd="4" destOrd="0" parTransId="{0C22DB43-AD4A-47E8-8690-7A0FC81803F9}" sibTransId="{9A98F613-EA9F-4553-902A-79CBE73C9130}"/>
-    <dgm:cxn modelId="{FAAB1983-77ED-4E7E-9B95-58C230122AE5}" srcId="{95ECB77F-7E75-47E2-90C0-5B0DDC98D652}" destId="{38321699-6EAC-4AD8-B27B-ACE7FFF262B6}" srcOrd="0" destOrd="0" parTransId="{BD4F7070-97CC-40EF-8C99-9322B9CA6DB3}" sibTransId="{1A926AD4-CAE4-4101-AE8D-570B2C62378B}"/>
-    <dgm:cxn modelId="{41854B80-A3E4-4FD5-A103-D70420420B0A}" type="presOf" srcId="{95ECB77F-7E75-47E2-90C0-5B0DDC98D652}" destId="{38E64900-0655-49A7-81A8-CBE292ECC20A}" srcOrd="0" destOrd="0" presId="urn:microsoft.com/office/officeart/2008/layout/VerticalCurvedList"/>
     <dgm:cxn modelId="{72457938-9B53-4279-B462-CAD957A50A6C}" srcId="{95ECB77F-7E75-47E2-90C0-5B0DDC98D652}" destId="{CD0833F7-E376-457D-A71E-09FC73BFF92B}" srcOrd="2" destOrd="0" parTransId="{D846FAC5-99A1-44AD-AC9F-8D26D376FDD3}" sibTransId="{3DA33939-57E8-47EE-992C-63D2CAB2022F}"/>
     <dgm:cxn modelId="{78A1B226-F0EC-4BEB-B691-BCF0BB22434D}" type="presOf" srcId="{87FB8AC5-8D3E-434D-AA2A-E691E1044F11}" destId="{34EAC2A8-ED4F-47AB-ABA4-B15FD3670046}" srcOrd="0" destOrd="0" presId="urn:microsoft.com/office/officeart/2008/layout/VerticalCurvedList"/>
+    <dgm:cxn modelId="{DF551E1B-31BD-424B-BDF9-2FEE5CDEED18}" type="presOf" srcId="{38321699-6EAC-4AD8-B27B-ACE7FFF262B6}" destId="{94DED9F9-7D3B-4917-A97F-E1AEF1F131EB}" srcOrd="0" destOrd="0" presId="urn:microsoft.com/office/officeart/2008/layout/VerticalCurvedList"/>
+    <dgm:cxn modelId="{516620AF-1C2B-4D03-AE69-7700D0655FC5}" srcId="{95ECB77F-7E75-47E2-90C0-5B0DDC98D652}" destId="{A51BC3B9-C6C3-4F90-8DEB-5FC00F55FAC3}" srcOrd="1" destOrd="0" parTransId="{FB4C850F-ADB2-4038-934D-454F131BB747}" sibTransId="{533DBDD4-7C73-461F-8E6E-7024B084AA9F}"/>
+    <dgm:cxn modelId="{5FFF2D33-36D0-4732-A286-FA07F795F7FA}" srcId="{95ECB77F-7E75-47E2-90C0-5B0DDC98D652}" destId="{E95D953B-8834-475B-A90B-21464208104B}" srcOrd="3" destOrd="0" parTransId="{C7327062-E855-4EA7-B7F4-A7CA52F2DE57}" sibTransId="{B343315B-0F53-472F-A3F8-50E72C394E69}"/>
+    <dgm:cxn modelId="{FAAB1983-77ED-4E7E-9B95-58C230122AE5}" srcId="{95ECB77F-7E75-47E2-90C0-5B0DDC98D652}" destId="{38321699-6EAC-4AD8-B27B-ACE7FFF262B6}" srcOrd="0" destOrd="0" parTransId="{BD4F7070-97CC-40EF-8C99-9322B9CA6DB3}" sibTransId="{1A926AD4-CAE4-4101-AE8D-570B2C62378B}"/>
+    <dgm:cxn modelId="{B14053D7-E653-4001-9CED-ED4C0F94E826}" srcId="{95ECB77F-7E75-47E2-90C0-5B0DDC98D652}" destId="{87FB8AC5-8D3E-434D-AA2A-E691E1044F11}" srcOrd="5" destOrd="0" parTransId="{A0DC7861-C700-42E9-8572-8B1FF4A58B77}" sibTransId="{9C7B8D6A-BBF2-4B91-8536-09DDEF0950F6}"/>
+    <dgm:cxn modelId="{47C04417-86FC-498B-BD14-77393C10C1DC}" type="presOf" srcId="{CD0833F7-E376-457D-A71E-09FC73BFF92B}" destId="{08F8990D-49AD-4487-90C5-A481D9A36092}" srcOrd="0" destOrd="0" presId="urn:microsoft.com/office/officeart/2008/layout/VerticalCurvedList"/>
+    <dgm:cxn modelId="{E5759E99-E475-4200-9CE5-3F48B76A4C63}" type="presOf" srcId="{E95D953B-8834-475B-A90B-21464208104B}" destId="{5A5522D5-98B1-431C-862A-87D2AE6B6114}" srcOrd="0" destOrd="0" presId="urn:microsoft.com/office/officeart/2008/layout/VerticalCurvedList"/>
+    <dgm:cxn modelId="{54C22A2C-2957-4E5B-A799-CEBDB2F2B3D6}" srcId="{95ECB77F-7E75-47E2-90C0-5B0DDC98D652}" destId="{45060046-6D24-4053-9722-CE27E4945F11}" srcOrd="4" destOrd="0" parTransId="{0C22DB43-AD4A-47E8-8690-7A0FC81803F9}" sibTransId="{9A98F613-EA9F-4553-902A-79CBE73C9130}"/>
+    <dgm:cxn modelId="{F7B64BD6-EEFF-4977-B51C-F5FE13DE21C3}" type="presOf" srcId="{A51BC3B9-C6C3-4F90-8DEB-5FC00F55FAC3}" destId="{8ECB0D0F-B2D2-4899-8B78-A157CB1D3F6B}" srcOrd="0" destOrd="0" presId="urn:microsoft.com/office/officeart/2008/layout/VerticalCurvedList"/>
+    <dgm:cxn modelId="{ADF612EB-E1AA-456A-A7A3-4C37D446752B}" type="presOf" srcId="{1A926AD4-CAE4-4101-AE8D-570B2C62378B}" destId="{506FFCA4-4592-4809-88A7-98FA0A62B2FE}" srcOrd="0" destOrd="0" presId="urn:microsoft.com/office/officeart/2008/layout/VerticalCurvedList"/>
+    <dgm:cxn modelId="{41854B80-A3E4-4FD5-A103-D70420420B0A}" type="presOf" srcId="{95ECB77F-7E75-47E2-90C0-5B0DDC98D652}" destId="{38E64900-0655-49A7-81A8-CBE292ECC20A}" srcOrd="0" destOrd="0" presId="urn:microsoft.com/office/officeart/2008/layout/VerticalCurvedList"/>
     <dgm:cxn modelId="{BB80A6C9-B112-4391-9AB4-1F3016E8C408}" type="presParOf" srcId="{38E64900-0655-49A7-81A8-CBE292ECC20A}" destId="{41921527-D604-4B3C-B292-C3FAC710B6E0}" srcOrd="0" destOrd="0" presId="urn:microsoft.com/office/officeart/2008/layout/VerticalCurvedList"/>
     <dgm:cxn modelId="{1423987F-98D3-470D-AAF2-60D4097EA5F5}" type="presParOf" srcId="{41921527-D604-4B3C-B292-C3FAC710B6E0}" destId="{24F548E7-AE07-4894-BADE-1F0E78FED5F2}" srcOrd="0" destOrd="0" presId="urn:microsoft.com/office/officeart/2008/layout/VerticalCurvedList"/>
     <dgm:cxn modelId="{28225234-F0F5-4313-A2C5-9E32A9EE7094}" type="presParOf" srcId="{24F548E7-AE07-4894-BADE-1F0E78FED5F2}" destId="{85B14CF3-E044-4530-B837-51EB3D31E253}" srcOrd="0" destOrd="0" presId="urn:microsoft.com/office/officeart/2008/layout/VerticalCurvedList"/>
@@ -7411,20 +7411,20 @@
     </dgm:pt>
   </dgm:ptLst>
   <dgm:cxnLst>
+    <dgm:cxn modelId="{516620AF-1C2B-4D03-AE69-7700D0655FC5}" srcId="{95ECB77F-7E75-47E2-90C0-5B0DDC98D652}" destId="{A51BC3B9-C6C3-4F90-8DEB-5FC00F55FAC3}" srcOrd="1" destOrd="0" parTransId="{FB4C850F-ADB2-4038-934D-454F131BB747}" sibTransId="{533DBDD4-7C73-461F-8E6E-7024B084AA9F}"/>
+    <dgm:cxn modelId="{5FFF2D33-36D0-4732-A286-FA07F795F7FA}" srcId="{95ECB77F-7E75-47E2-90C0-5B0DDC98D652}" destId="{E95D953B-8834-475B-A90B-21464208104B}" srcOrd="3" destOrd="0" parTransId="{C7327062-E855-4EA7-B7F4-A7CA52F2DE57}" sibTransId="{B343315B-0F53-472F-A3F8-50E72C394E69}"/>
+    <dgm:cxn modelId="{B14053D7-E653-4001-9CED-ED4C0F94E826}" srcId="{95ECB77F-7E75-47E2-90C0-5B0DDC98D652}" destId="{87FB8AC5-8D3E-434D-AA2A-E691E1044F11}" srcOrd="5" destOrd="0" parTransId="{A0DC7861-C700-42E9-8572-8B1FF4A58B77}" sibTransId="{9C7B8D6A-BBF2-4B91-8536-09DDEF0950F6}"/>
+    <dgm:cxn modelId="{FAAB1983-77ED-4E7E-9B95-58C230122AE5}" srcId="{95ECB77F-7E75-47E2-90C0-5B0DDC98D652}" destId="{38321699-6EAC-4AD8-B27B-ACE7FFF262B6}" srcOrd="0" destOrd="0" parTransId="{BD4F7070-97CC-40EF-8C99-9322B9CA6DB3}" sibTransId="{1A926AD4-CAE4-4101-AE8D-570B2C62378B}"/>
+    <dgm:cxn modelId="{97BFB253-4CD1-4EC1-BF38-A44EE32E7041}" type="presOf" srcId="{45060046-6D24-4053-9722-CE27E4945F11}" destId="{1846E345-4193-43B8-A89A-FBAC2DEA3CE1}" srcOrd="0" destOrd="0" presId="urn:microsoft.com/office/officeart/2008/layout/VerticalCurvedList"/>
+    <dgm:cxn modelId="{CD16FA86-09DC-409D-95E8-455E710B1723}" type="presOf" srcId="{E95D953B-8834-475B-A90B-21464208104B}" destId="{5A5522D5-98B1-431C-862A-87D2AE6B6114}" srcOrd="0" destOrd="0" presId="urn:microsoft.com/office/officeart/2008/layout/VerticalCurvedList"/>
+    <dgm:cxn modelId="{54C22A2C-2957-4E5B-A799-CEBDB2F2B3D6}" srcId="{95ECB77F-7E75-47E2-90C0-5B0DDC98D652}" destId="{45060046-6D24-4053-9722-CE27E4945F11}" srcOrd="4" destOrd="0" parTransId="{0C22DB43-AD4A-47E8-8690-7A0FC81803F9}" sibTransId="{9A98F613-EA9F-4553-902A-79CBE73C9130}"/>
+    <dgm:cxn modelId="{0D7A8B02-3679-4864-8BF0-B7916355309E}" type="presOf" srcId="{A51BC3B9-C6C3-4F90-8DEB-5FC00F55FAC3}" destId="{8ECB0D0F-B2D2-4899-8B78-A157CB1D3F6B}" srcOrd="0" destOrd="0" presId="urn:microsoft.com/office/officeart/2008/layout/VerticalCurvedList"/>
+    <dgm:cxn modelId="{7B1F762C-85CD-4986-9546-80ED24EE143D}" type="presOf" srcId="{38321699-6EAC-4AD8-B27B-ACE7FFF262B6}" destId="{94DED9F9-7D3B-4917-A97F-E1AEF1F131EB}" srcOrd="0" destOrd="0" presId="urn:microsoft.com/office/officeart/2008/layout/VerticalCurvedList"/>
+    <dgm:cxn modelId="{B0C3BD56-E49A-45BD-B49F-AF699338B469}" type="presOf" srcId="{87FB8AC5-8D3E-434D-AA2A-E691E1044F11}" destId="{34EAC2A8-ED4F-47AB-ABA4-B15FD3670046}" srcOrd="0" destOrd="0" presId="urn:microsoft.com/office/officeart/2008/layout/VerticalCurvedList"/>
+    <dgm:cxn modelId="{2BEBF359-E4F3-4673-B22F-0736E1FAEB44}" type="presOf" srcId="{1A926AD4-CAE4-4101-AE8D-570B2C62378B}" destId="{506FFCA4-4592-4809-88A7-98FA0A62B2FE}" srcOrd="0" destOrd="0" presId="urn:microsoft.com/office/officeart/2008/layout/VerticalCurvedList"/>
+    <dgm:cxn modelId="{1E01D963-0A17-47D1-AF22-5519BF601CAE}" type="presOf" srcId="{CD0833F7-E376-457D-A71E-09FC73BFF92B}" destId="{08F8990D-49AD-4487-90C5-A481D9A36092}" srcOrd="0" destOrd="0" presId="urn:microsoft.com/office/officeart/2008/layout/VerticalCurvedList"/>
     <dgm:cxn modelId="{F13829E5-C92A-4E29-9570-E460C6BFF56D}" type="presOf" srcId="{95ECB77F-7E75-47E2-90C0-5B0DDC98D652}" destId="{38E64900-0655-49A7-81A8-CBE292ECC20A}" srcOrd="0" destOrd="0" presId="urn:microsoft.com/office/officeart/2008/layout/VerticalCurvedList"/>
-    <dgm:cxn modelId="{0D7A8B02-3679-4864-8BF0-B7916355309E}" type="presOf" srcId="{A51BC3B9-C6C3-4F90-8DEB-5FC00F55FAC3}" destId="{8ECB0D0F-B2D2-4899-8B78-A157CB1D3F6B}" srcOrd="0" destOrd="0" presId="urn:microsoft.com/office/officeart/2008/layout/VerticalCurvedList"/>
-    <dgm:cxn modelId="{2BEBF359-E4F3-4673-B22F-0736E1FAEB44}" type="presOf" srcId="{1A926AD4-CAE4-4101-AE8D-570B2C62378B}" destId="{506FFCA4-4592-4809-88A7-98FA0A62B2FE}" srcOrd="0" destOrd="0" presId="urn:microsoft.com/office/officeart/2008/layout/VerticalCurvedList"/>
-    <dgm:cxn modelId="{B14053D7-E653-4001-9CED-ED4C0F94E826}" srcId="{95ECB77F-7E75-47E2-90C0-5B0DDC98D652}" destId="{87FB8AC5-8D3E-434D-AA2A-E691E1044F11}" srcOrd="5" destOrd="0" parTransId="{A0DC7861-C700-42E9-8572-8B1FF4A58B77}" sibTransId="{9C7B8D6A-BBF2-4B91-8536-09DDEF0950F6}"/>
-    <dgm:cxn modelId="{97BFB253-4CD1-4EC1-BF38-A44EE32E7041}" type="presOf" srcId="{45060046-6D24-4053-9722-CE27E4945F11}" destId="{1846E345-4193-43B8-A89A-FBAC2DEA3CE1}" srcOrd="0" destOrd="0" presId="urn:microsoft.com/office/officeart/2008/layout/VerticalCurvedList"/>
-    <dgm:cxn modelId="{5FFF2D33-36D0-4732-A286-FA07F795F7FA}" srcId="{95ECB77F-7E75-47E2-90C0-5B0DDC98D652}" destId="{E95D953B-8834-475B-A90B-21464208104B}" srcOrd="3" destOrd="0" parTransId="{C7327062-E855-4EA7-B7F4-A7CA52F2DE57}" sibTransId="{B343315B-0F53-472F-A3F8-50E72C394E69}"/>
-    <dgm:cxn modelId="{7B1F762C-85CD-4986-9546-80ED24EE143D}" type="presOf" srcId="{38321699-6EAC-4AD8-B27B-ACE7FFF262B6}" destId="{94DED9F9-7D3B-4917-A97F-E1AEF1F131EB}" srcOrd="0" destOrd="0" presId="urn:microsoft.com/office/officeart/2008/layout/VerticalCurvedList"/>
-    <dgm:cxn modelId="{516620AF-1C2B-4D03-AE69-7700D0655FC5}" srcId="{95ECB77F-7E75-47E2-90C0-5B0DDC98D652}" destId="{A51BC3B9-C6C3-4F90-8DEB-5FC00F55FAC3}" srcOrd="1" destOrd="0" parTransId="{FB4C850F-ADB2-4038-934D-454F131BB747}" sibTransId="{533DBDD4-7C73-461F-8E6E-7024B084AA9F}"/>
-    <dgm:cxn modelId="{B0C3BD56-E49A-45BD-B49F-AF699338B469}" type="presOf" srcId="{87FB8AC5-8D3E-434D-AA2A-E691E1044F11}" destId="{34EAC2A8-ED4F-47AB-ABA4-B15FD3670046}" srcOrd="0" destOrd="0" presId="urn:microsoft.com/office/officeart/2008/layout/VerticalCurvedList"/>
-    <dgm:cxn modelId="{54C22A2C-2957-4E5B-A799-CEBDB2F2B3D6}" srcId="{95ECB77F-7E75-47E2-90C0-5B0DDC98D652}" destId="{45060046-6D24-4053-9722-CE27E4945F11}" srcOrd="4" destOrd="0" parTransId="{0C22DB43-AD4A-47E8-8690-7A0FC81803F9}" sibTransId="{9A98F613-EA9F-4553-902A-79CBE73C9130}"/>
-    <dgm:cxn modelId="{FAAB1983-77ED-4E7E-9B95-58C230122AE5}" srcId="{95ECB77F-7E75-47E2-90C0-5B0DDC98D652}" destId="{38321699-6EAC-4AD8-B27B-ACE7FFF262B6}" srcOrd="0" destOrd="0" parTransId="{BD4F7070-97CC-40EF-8C99-9322B9CA6DB3}" sibTransId="{1A926AD4-CAE4-4101-AE8D-570B2C62378B}"/>
-    <dgm:cxn modelId="{1E01D963-0A17-47D1-AF22-5519BF601CAE}" type="presOf" srcId="{CD0833F7-E376-457D-A71E-09FC73BFF92B}" destId="{08F8990D-49AD-4487-90C5-A481D9A36092}" srcOrd="0" destOrd="0" presId="urn:microsoft.com/office/officeart/2008/layout/VerticalCurvedList"/>
     <dgm:cxn modelId="{72457938-9B53-4279-B462-CAD957A50A6C}" srcId="{95ECB77F-7E75-47E2-90C0-5B0DDC98D652}" destId="{CD0833F7-E376-457D-A71E-09FC73BFF92B}" srcOrd="2" destOrd="0" parTransId="{D846FAC5-99A1-44AD-AC9F-8D26D376FDD3}" sibTransId="{3DA33939-57E8-47EE-992C-63D2CAB2022F}"/>
-    <dgm:cxn modelId="{CD16FA86-09DC-409D-95E8-455E710B1723}" type="presOf" srcId="{E95D953B-8834-475B-A90B-21464208104B}" destId="{5A5522D5-98B1-431C-862A-87D2AE6B6114}" srcOrd="0" destOrd="0" presId="urn:microsoft.com/office/officeart/2008/layout/VerticalCurvedList"/>
     <dgm:cxn modelId="{5E9CADF9-E1F3-4904-B8EF-DDD662EA1027}" type="presParOf" srcId="{38E64900-0655-49A7-81A8-CBE292ECC20A}" destId="{41921527-D604-4B3C-B292-C3FAC710B6E0}" srcOrd="0" destOrd="0" presId="urn:microsoft.com/office/officeart/2008/layout/VerticalCurvedList"/>
     <dgm:cxn modelId="{7514AFD1-C1AB-4FF7-A779-C5A31EDA8688}" type="presParOf" srcId="{41921527-D604-4B3C-B292-C3FAC710B6E0}" destId="{24F548E7-AE07-4894-BADE-1F0E78FED5F2}" srcOrd="0" destOrd="0" presId="urn:microsoft.com/office/officeart/2008/layout/VerticalCurvedList"/>
     <dgm:cxn modelId="{7151021E-454D-4400-95AE-223C42AB7940}" type="presParOf" srcId="{24F548E7-AE07-4894-BADE-1F0E78FED5F2}" destId="{85B14CF3-E044-4530-B837-51EB3D31E253}" srcOrd="0" destOrd="0" presId="urn:microsoft.com/office/officeart/2008/layout/VerticalCurvedList"/>
@@ -7980,20 +7980,20 @@
     </dgm:pt>
   </dgm:ptLst>
   <dgm:cxnLst>
+    <dgm:cxn modelId="{516620AF-1C2B-4D03-AE69-7700D0655FC5}" srcId="{95ECB77F-7E75-47E2-90C0-5B0DDC98D652}" destId="{A51BC3B9-C6C3-4F90-8DEB-5FC00F55FAC3}" srcOrd="1" destOrd="0" parTransId="{FB4C850F-ADB2-4038-934D-454F131BB747}" sibTransId="{533DBDD4-7C73-461F-8E6E-7024B084AA9F}"/>
     <dgm:cxn modelId="{F837E7A3-2B05-4144-9DF6-CCD678B94268}" type="presOf" srcId="{CD0833F7-E376-457D-A71E-09FC73BFF92B}" destId="{08F8990D-49AD-4487-90C5-A481D9A36092}" srcOrd="0" destOrd="0" presId="urn:microsoft.com/office/officeart/2008/layout/VerticalCurvedList"/>
+    <dgm:cxn modelId="{ED208BF1-0905-4C84-927E-D8854D1EF74E}" type="presOf" srcId="{87FB8AC5-8D3E-434D-AA2A-E691E1044F11}" destId="{34EAC2A8-ED4F-47AB-ABA4-B15FD3670046}" srcOrd="0" destOrd="0" presId="urn:microsoft.com/office/officeart/2008/layout/VerticalCurvedList"/>
+    <dgm:cxn modelId="{A4BB2906-C715-48D7-8FB8-0894F16806CC}" type="presOf" srcId="{95ECB77F-7E75-47E2-90C0-5B0DDC98D652}" destId="{38E64900-0655-49A7-81A8-CBE292ECC20A}" srcOrd="0" destOrd="0" presId="urn:microsoft.com/office/officeart/2008/layout/VerticalCurvedList"/>
+    <dgm:cxn modelId="{5FFF2D33-36D0-4732-A286-FA07F795F7FA}" srcId="{95ECB77F-7E75-47E2-90C0-5B0DDC98D652}" destId="{E95D953B-8834-475B-A90B-21464208104B}" srcOrd="3" destOrd="0" parTransId="{C7327062-E855-4EA7-B7F4-A7CA52F2DE57}" sibTransId="{B343315B-0F53-472F-A3F8-50E72C394E69}"/>
+    <dgm:cxn modelId="{B14053D7-E653-4001-9CED-ED4C0F94E826}" srcId="{95ECB77F-7E75-47E2-90C0-5B0DDC98D652}" destId="{87FB8AC5-8D3E-434D-AA2A-E691E1044F11}" srcOrd="5" destOrd="0" parTransId="{A0DC7861-C700-42E9-8572-8B1FF4A58B77}" sibTransId="{9C7B8D6A-BBF2-4B91-8536-09DDEF0950F6}"/>
+    <dgm:cxn modelId="{FEAC6C6D-A73D-4AFA-AC7E-82E3DAC4F4E4}" type="presOf" srcId="{A51BC3B9-C6C3-4F90-8DEB-5FC00F55FAC3}" destId="{8ECB0D0F-B2D2-4899-8B78-A157CB1D3F6B}" srcOrd="0" destOrd="0" presId="urn:microsoft.com/office/officeart/2008/layout/VerticalCurvedList"/>
+    <dgm:cxn modelId="{FAAB1983-77ED-4E7E-9B95-58C230122AE5}" srcId="{95ECB77F-7E75-47E2-90C0-5B0DDC98D652}" destId="{38321699-6EAC-4AD8-B27B-ACE7FFF262B6}" srcOrd="0" destOrd="0" parTransId="{BD4F7070-97CC-40EF-8C99-9322B9CA6DB3}" sibTransId="{1A926AD4-CAE4-4101-AE8D-570B2C62378B}"/>
     <dgm:cxn modelId="{54C22A2C-2957-4E5B-A799-CEBDB2F2B3D6}" srcId="{95ECB77F-7E75-47E2-90C0-5B0DDC98D652}" destId="{45060046-6D24-4053-9722-CE27E4945F11}" srcOrd="4" destOrd="0" parTransId="{0C22DB43-AD4A-47E8-8690-7A0FC81803F9}" sibTransId="{9A98F613-EA9F-4553-902A-79CBE73C9130}"/>
-    <dgm:cxn modelId="{FEAC6C6D-A73D-4AFA-AC7E-82E3DAC4F4E4}" type="presOf" srcId="{A51BC3B9-C6C3-4F90-8DEB-5FC00F55FAC3}" destId="{8ECB0D0F-B2D2-4899-8B78-A157CB1D3F6B}" srcOrd="0" destOrd="0" presId="urn:microsoft.com/office/officeart/2008/layout/VerticalCurvedList"/>
-    <dgm:cxn modelId="{A4BB2906-C715-48D7-8FB8-0894F16806CC}" type="presOf" srcId="{95ECB77F-7E75-47E2-90C0-5B0DDC98D652}" destId="{38E64900-0655-49A7-81A8-CBE292ECC20A}" srcOrd="0" destOrd="0" presId="urn:microsoft.com/office/officeart/2008/layout/VerticalCurvedList"/>
     <dgm:cxn modelId="{C5ED56E1-87F2-4F94-97E9-CCF361235724}" type="presOf" srcId="{45060046-6D24-4053-9722-CE27E4945F11}" destId="{1846E345-4193-43B8-A89A-FBAC2DEA3CE1}" srcOrd="0" destOrd="0" presId="urn:microsoft.com/office/officeart/2008/layout/VerticalCurvedList"/>
-    <dgm:cxn modelId="{9A797A83-20B1-45C3-BE18-24AB279B8AEE}" type="presOf" srcId="{38321699-6EAC-4AD8-B27B-ACE7FFF262B6}" destId="{94DED9F9-7D3B-4917-A97F-E1AEF1F131EB}" srcOrd="0" destOrd="0" presId="urn:microsoft.com/office/officeart/2008/layout/VerticalCurvedList"/>
-    <dgm:cxn modelId="{516620AF-1C2B-4D03-AE69-7700D0655FC5}" srcId="{95ECB77F-7E75-47E2-90C0-5B0DDC98D652}" destId="{A51BC3B9-C6C3-4F90-8DEB-5FC00F55FAC3}" srcOrd="1" destOrd="0" parTransId="{FB4C850F-ADB2-4038-934D-454F131BB747}" sibTransId="{533DBDD4-7C73-461F-8E6E-7024B084AA9F}"/>
-    <dgm:cxn modelId="{ED208BF1-0905-4C84-927E-D8854D1EF74E}" type="presOf" srcId="{87FB8AC5-8D3E-434D-AA2A-E691E1044F11}" destId="{34EAC2A8-ED4F-47AB-ABA4-B15FD3670046}" srcOrd="0" destOrd="0" presId="urn:microsoft.com/office/officeart/2008/layout/VerticalCurvedList"/>
-    <dgm:cxn modelId="{B14053D7-E653-4001-9CED-ED4C0F94E826}" srcId="{95ECB77F-7E75-47E2-90C0-5B0DDC98D652}" destId="{87FB8AC5-8D3E-434D-AA2A-E691E1044F11}" srcOrd="5" destOrd="0" parTransId="{A0DC7861-C700-42E9-8572-8B1FF4A58B77}" sibTransId="{9C7B8D6A-BBF2-4B91-8536-09DDEF0950F6}"/>
-    <dgm:cxn modelId="{FAAB1983-77ED-4E7E-9B95-58C230122AE5}" srcId="{95ECB77F-7E75-47E2-90C0-5B0DDC98D652}" destId="{38321699-6EAC-4AD8-B27B-ACE7FFF262B6}" srcOrd="0" destOrd="0" parTransId="{BD4F7070-97CC-40EF-8C99-9322B9CA6DB3}" sibTransId="{1A926AD4-CAE4-4101-AE8D-570B2C62378B}"/>
     <dgm:cxn modelId="{39F90D4A-7135-4C76-9E86-19B4D1902525}" type="presOf" srcId="{1A926AD4-CAE4-4101-AE8D-570B2C62378B}" destId="{506FFCA4-4592-4809-88A7-98FA0A62B2FE}" srcOrd="0" destOrd="0" presId="urn:microsoft.com/office/officeart/2008/layout/VerticalCurvedList"/>
     <dgm:cxn modelId="{7FC0D8EE-3B2A-4636-BF1F-AF268860819D}" type="presOf" srcId="{E95D953B-8834-475B-A90B-21464208104B}" destId="{5A5522D5-98B1-431C-862A-87D2AE6B6114}" srcOrd="0" destOrd="0" presId="urn:microsoft.com/office/officeart/2008/layout/VerticalCurvedList"/>
-    <dgm:cxn modelId="{5FFF2D33-36D0-4732-A286-FA07F795F7FA}" srcId="{95ECB77F-7E75-47E2-90C0-5B0DDC98D652}" destId="{E95D953B-8834-475B-A90B-21464208104B}" srcOrd="3" destOrd="0" parTransId="{C7327062-E855-4EA7-B7F4-A7CA52F2DE57}" sibTransId="{B343315B-0F53-472F-A3F8-50E72C394E69}"/>
     <dgm:cxn modelId="{72457938-9B53-4279-B462-CAD957A50A6C}" srcId="{95ECB77F-7E75-47E2-90C0-5B0DDC98D652}" destId="{CD0833F7-E376-457D-A71E-09FC73BFF92B}" srcOrd="2" destOrd="0" parTransId="{D846FAC5-99A1-44AD-AC9F-8D26D376FDD3}" sibTransId="{3DA33939-57E8-47EE-992C-63D2CAB2022F}"/>
+    <dgm:cxn modelId="{9A797A83-20B1-45C3-BE18-24AB279B8AEE}" type="presOf" srcId="{38321699-6EAC-4AD8-B27B-ACE7FFF262B6}" destId="{94DED9F9-7D3B-4917-A97F-E1AEF1F131EB}" srcOrd="0" destOrd="0" presId="urn:microsoft.com/office/officeart/2008/layout/VerticalCurvedList"/>
     <dgm:cxn modelId="{F9ACA018-FCDC-499A-B6AB-8D848426B5D2}" type="presParOf" srcId="{38E64900-0655-49A7-81A8-CBE292ECC20A}" destId="{41921527-D604-4B3C-B292-C3FAC710B6E0}" srcOrd="0" destOrd="0" presId="urn:microsoft.com/office/officeart/2008/layout/VerticalCurvedList"/>
     <dgm:cxn modelId="{89E5C1AF-89C6-4465-AE9E-43F05C20275A}" type="presParOf" srcId="{41921527-D604-4B3C-B292-C3FAC710B6E0}" destId="{24F548E7-AE07-4894-BADE-1F0E78FED5F2}" srcOrd="0" destOrd="0" presId="urn:microsoft.com/office/officeart/2008/layout/VerticalCurvedList"/>
     <dgm:cxn modelId="{B4B46AD3-FFF7-4D08-8540-B4AD3A54C91B}" type="presParOf" srcId="{24F548E7-AE07-4894-BADE-1F0E78FED5F2}" destId="{85B14CF3-E044-4530-B837-51EB3D31E253}" srcOrd="0" destOrd="0" presId="urn:microsoft.com/office/officeart/2008/layout/VerticalCurvedList"/>
@@ -26520,7 +26520,7 @@
             <a:fld id="{A32DC80D-291A-4ABB-A78B-0417274A267C}" type="datetime4">
               <a:rPr lang="de-DE"/>
               <a:pPr/>
-              <a:t>7. Juli 2015</a:t>
+              <a:t>9. Juli 2015</a:t>
             </a:fld>
             <a:endParaRPr lang="de-DE"/>
           </a:p>
@@ -26903,7 +26903,7 @@
             <a:fld id="{065B079B-E513-489A-8A1B-D7C78493EA86}" type="datetime4">
               <a:rPr lang="de-DE"/>
               <a:pPr/>
-              <a:t>7. Juli 2015</a:t>
+              <a:t>9. Juli 2015</a:t>
             </a:fld>
             <a:endParaRPr lang="de-DE"/>
           </a:p>
@@ -27836,7 +27836,7 @@
                 <a:tabLst/>
                 <a:defRPr/>
               </a:pPr>
-              <a:t>07.07.2015</a:t>
+              <a:t>09.07.2015</a:t>
             </a:fld>
             <a:r>
               <a:rPr kumimoji="0" lang="de-DE" sz="1000" b="0" i="0" u="none" strike="noStrike" kern="1200" cap="none" spc="0" normalizeH="0" baseline="0" noProof="0" dirty="0" smtClean="0">
@@ -29605,7 +29605,7 @@
                 <a:tabLst/>
                 <a:defRPr/>
               </a:pPr>
-              <a:t>07.07.2015</a:t>
+              <a:t>09.07.2015</a:t>
             </a:fld>
             <a:r>
               <a:rPr kumimoji="0" lang="de-DE" sz="1000" b="0" i="0" u="none" strike="noStrike" kern="1200" cap="none" spc="0" normalizeH="0" baseline="0" noProof="0" dirty="0" smtClean="0">
@@ -30661,9 +30661,30 @@
           <a:bodyPr/>
           <a:lstStyle/>
           <a:p>
+            <a:pPr>
+              <a:lnSpc>
+                <a:spcPct val="100000"/>
+              </a:lnSpc>
+            </a:pPr>
             <a:r>
               <a:rPr lang="de-DE" dirty="0" smtClean="0"/>
-              <a:t>Wir bedanken uns für die Aufmerksamkeit und hoffen auf eine rege Diskussion</a:t>
+              <a:t>Wir bedanken uns für die Aufmerksamkeit und </a:t>
+            </a:r>
+            <a:endParaRPr lang="de-DE" dirty="0" smtClean="0"/>
+          </a:p>
+          <a:p>
+            <a:pPr>
+              <a:lnSpc>
+                <a:spcPct val="100000"/>
+              </a:lnSpc>
+            </a:pPr>
+            <a:r>
+              <a:rPr lang="de-DE" dirty="0" smtClean="0"/>
+              <a:t>hoffen </a:t>
+            </a:r>
+            <a:r>
+              <a:rPr lang="de-DE" dirty="0" smtClean="0"/>
+              <a:t>auf eine rege Diskussion</a:t>
             </a:r>
             <a:endParaRPr lang="de-DE" dirty="0"/>
           </a:p>
@@ -30722,7 +30743,7 @@
   </p:clrMapOvr>
   <mc:AlternateContent xmlns:mc="http://schemas.openxmlformats.org/markup-compatibility/2006">
     <mc:Choice xmlns:p14="http://schemas.microsoft.com/office/powerpoint/2010/main" Requires="p14">
-      <p:transition p14:dur="0"/>
+      <p:transition p14:dur="10"/>
     </mc:Choice>
     <mc:Fallback>
       <p:transition/>

--- a/Big Data - Driving Compitiion.pptx
+++ b/Big Data - Driving Compitiion.pptx
@@ -6842,20 +6842,20 @@
     </dgm:pt>
   </dgm:ptLst>
   <dgm:cxnLst>
+    <dgm:cxn modelId="{DF551E1B-31BD-424B-BDF9-2FEE5CDEED18}" type="presOf" srcId="{38321699-6EAC-4AD8-B27B-ACE7FFF262B6}" destId="{94DED9F9-7D3B-4917-A97F-E1AEF1F131EB}" srcOrd="0" destOrd="0" presId="urn:microsoft.com/office/officeart/2008/layout/VerticalCurvedList"/>
+    <dgm:cxn modelId="{F7B64BD6-EEFF-4977-B51C-F5FE13DE21C3}" type="presOf" srcId="{A51BC3B9-C6C3-4F90-8DEB-5FC00F55FAC3}" destId="{8ECB0D0F-B2D2-4899-8B78-A157CB1D3F6B}" srcOrd="0" destOrd="0" presId="urn:microsoft.com/office/officeart/2008/layout/VerticalCurvedList"/>
+    <dgm:cxn modelId="{E5759E99-E475-4200-9CE5-3F48B76A4C63}" type="presOf" srcId="{E95D953B-8834-475B-A90B-21464208104B}" destId="{5A5522D5-98B1-431C-862A-87D2AE6B6114}" srcOrd="0" destOrd="0" presId="urn:microsoft.com/office/officeart/2008/layout/VerticalCurvedList"/>
+    <dgm:cxn modelId="{B14053D7-E653-4001-9CED-ED4C0F94E826}" srcId="{95ECB77F-7E75-47E2-90C0-5B0DDC98D652}" destId="{87FB8AC5-8D3E-434D-AA2A-E691E1044F11}" srcOrd="5" destOrd="0" parTransId="{A0DC7861-C700-42E9-8572-8B1FF4A58B77}" sibTransId="{9C7B8D6A-BBF2-4B91-8536-09DDEF0950F6}"/>
+    <dgm:cxn modelId="{5FFF2D33-36D0-4732-A286-FA07F795F7FA}" srcId="{95ECB77F-7E75-47E2-90C0-5B0DDC98D652}" destId="{E95D953B-8834-475B-A90B-21464208104B}" srcOrd="3" destOrd="0" parTransId="{C7327062-E855-4EA7-B7F4-A7CA52F2DE57}" sibTransId="{B343315B-0F53-472F-A3F8-50E72C394E69}"/>
     <dgm:cxn modelId="{BEE2EB47-2855-42D2-AA03-68D6E06CEB79}" type="presOf" srcId="{45060046-6D24-4053-9722-CE27E4945F11}" destId="{1846E345-4193-43B8-A89A-FBAC2DEA3CE1}" srcOrd="0" destOrd="0" presId="urn:microsoft.com/office/officeart/2008/layout/VerticalCurvedList"/>
+    <dgm:cxn modelId="{516620AF-1C2B-4D03-AE69-7700D0655FC5}" srcId="{95ECB77F-7E75-47E2-90C0-5B0DDC98D652}" destId="{A51BC3B9-C6C3-4F90-8DEB-5FC00F55FAC3}" srcOrd="1" destOrd="0" parTransId="{FB4C850F-ADB2-4038-934D-454F131BB747}" sibTransId="{533DBDD4-7C73-461F-8E6E-7024B084AA9F}"/>
+    <dgm:cxn modelId="{47C04417-86FC-498B-BD14-77393C10C1DC}" type="presOf" srcId="{CD0833F7-E376-457D-A71E-09FC73BFF92B}" destId="{08F8990D-49AD-4487-90C5-A481D9A36092}" srcOrd="0" destOrd="0" presId="urn:microsoft.com/office/officeart/2008/layout/VerticalCurvedList"/>
+    <dgm:cxn modelId="{ADF612EB-E1AA-456A-A7A3-4C37D446752B}" type="presOf" srcId="{1A926AD4-CAE4-4101-AE8D-570B2C62378B}" destId="{506FFCA4-4592-4809-88A7-98FA0A62B2FE}" srcOrd="0" destOrd="0" presId="urn:microsoft.com/office/officeart/2008/layout/VerticalCurvedList"/>
+    <dgm:cxn modelId="{54C22A2C-2957-4E5B-A799-CEBDB2F2B3D6}" srcId="{95ECB77F-7E75-47E2-90C0-5B0DDC98D652}" destId="{45060046-6D24-4053-9722-CE27E4945F11}" srcOrd="4" destOrd="0" parTransId="{0C22DB43-AD4A-47E8-8690-7A0FC81803F9}" sibTransId="{9A98F613-EA9F-4553-902A-79CBE73C9130}"/>
+    <dgm:cxn modelId="{FAAB1983-77ED-4E7E-9B95-58C230122AE5}" srcId="{95ECB77F-7E75-47E2-90C0-5B0DDC98D652}" destId="{38321699-6EAC-4AD8-B27B-ACE7FFF262B6}" srcOrd="0" destOrd="0" parTransId="{BD4F7070-97CC-40EF-8C99-9322B9CA6DB3}" sibTransId="{1A926AD4-CAE4-4101-AE8D-570B2C62378B}"/>
+    <dgm:cxn modelId="{41854B80-A3E4-4FD5-A103-D70420420B0A}" type="presOf" srcId="{95ECB77F-7E75-47E2-90C0-5B0DDC98D652}" destId="{38E64900-0655-49A7-81A8-CBE292ECC20A}" srcOrd="0" destOrd="0" presId="urn:microsoft.com/office/officeart/2008/layout/VerticalCurvedList"/>
     <dgm:cxn modelId="{72457938-9B53-4279-B462-CAD957A50A6C}" srcId="{95ECB77F-7E75-47E2-90C0-5B0DDC98D652}" destId="{CD0833F7-E376-457D-A71E-09FC73BFF92B}" srcOrd="2" destOrd="0" parTransId="{D846FAC5-99A1-44AD-AC9F-8D26D376FDD3}" sibTransId="{3DA33939-57E8-47EE-992C-63D2CAB2022F}"/>
     <dgm:cxn modelId="{78A1B226-F0EC-4BEB-B691-BCF0BB22434D}" type="presOf" srcId="{87FB8AC5-8D3E-434D-AA2A-E691E1044F11}" destId="{34EAC2A8-ED4F-47AB-ABA4-B15FD3670046}" srcOrd="0" destOrd="0" presId="urn:microsoft.com/office/officeart/2008/layout/VerticalCurvedList"/>
-    <dgm:cxn modelId="{DF551E1B-31BD-424B-BDF9-2FEE5CDEED18}" type="presOf" srcId="{38321699-6EAC-4AD8-B27B-ACE7FFF262B6}" destId="{94DED9F9-7D3B-4917-A97F-E1AEF1F131EB}" srcOrd="0" destOrd="0" presId="urn:microsoft.com/office/officeart/2008/layout/VerticalCurvedList"/>
-    <dgm:cxn modelId="{516620AF-1C2B-4D03-AE69-7700D0655FC5}" srcId="{95ECB77F-7E75-47E2-90C0-5B0DDC98D652}" destId="{A51BC3B9-C6C3-4F90-8DEB-5FC00F55FAC3}" srcOrd="1" destOrd="0" parTransId="{FB4C850F-ADB2-4038-934D-454F131BB747}" sibTransId="{533DBDD4-7C73-461F-8E6E-7024B084AA9F}"/>
-    <dgm:cxn modelId="{5FFF2D33-36D0-4732-A286-FA07F795F7FA}" srcId="{95ECB77F-7E75-47E2-90C0-5B0DDC98D652}" destId="{E95D953B-8834-475B-A90B-21464208104B}" srcOrd="3" destOrd="0" parTransId="{C7327062-E855-4EA7-B7F4-A7CA52F2DE57}" sibTransId="{B343315B-0F53-472F-A3F8-50E72C394E69}"/>
-    <dgm:cxn modelId="{FAAB1983-77ED-4E7E-9B95-58C230122AE5}" srcId="{95ECB77F-7E75-47E2-90C0-5B0DDC98D652}" destId="{38321699-6EAC-4AD8-B27B-ACE7FFF262B6}" srcOrd="0" destOrd="0" parTransId="{BD4F7070-97CC-40EF-8C99-9322B9CA6DB3}" sibTransId="{1A926AD4-CAE4-4101-AE8D-570B2C62378B}"/>
-    <dgm:cxn modelId="{B14053D7-E653-4001-9CED-ED4C0F94E826}" srcId="{95ECB77F-7E75-47E2-90C0-5B0DDC98D652}" destId="{87FB8AC5-8D3E-434D-AA2A-E691E1044F11}" srcOrd="5" destOrd="0" parTransId="{A0DC7861-C700-42E9-8572-8B1FF4A58B77}" sibTransId="{9C7B8D6A-BBF2-4B91-8536-09DDEF0950F6}"/>
-    <dgm:cxn modelId="{47C04417-86FC-498B-BD14-77393C10C1DC}" type="presOf" srcId="{CD0833F7-E376-457D-A71E-09FC73BFF92B}" destId="{08F8990D-49AD-4487-90C5-A481D9A36092}" srcOrd="0" destOrd="0" presId="urn:microsoft.com/office/officeart/2008/layout/VerticalCurvedList"/>
-    <dgm:cxn modelId="{E5759E99-E475-4200-9CE5-3F48B76A4C63}" type="presOf" srcId="{E95D953B-8834-475B-A90B-21464208104B}" destId="{5A5522D5-98B1-431C-862A-87D2AE6B6114}" srcOrd="0" destOrd="0" presId="urn:microsoft.com/office/officeart/2008/layout/VerticalCurvedList"/>
-    <dgm:cxn modelId="{54C22A2C-2957-4E5B-A799-CEBDB2F2B3D6}" srcId="{95ECB77F-7E75-47E2-90C0-5B0DDC98D652}" destId="{45060046-6D24-4053-9722-CE27E4945F11}" srcOrd="4" destOrd="0" parTransId="{0C22DB43-AD4A-47E8-8690-7A0FC81803F9}" sibTransId="{9A98F613-EA9F-4553-902A-79CBE73C9130}"/>
-    <dgm:cxn modelId="{F7B64BD6-EEFF-4977-B51C-F5FE13DE21C3}" type="presOf" srcId="{A51BC3B9-C6C3-4F90-8DEB-5FC00F55FAC3}" destId="{8ECB0D0F-B2D2-4899-8B78-A157CB1D3F6B}" srcOrd="0" destOrd="0" presId="urn:microsoft.com/office/officeart/2008/layout/VerticalCurvedList"/>
-    <dgm:cxn modelId="{ADF612EB-E1AA-456A-A7A3-4C37D446752B}" type="presOf" srcId="{1A926AD4-CAE4-4101-AE8D-570B2C62378B}" destId="{506FFCA4-4592-4809-88A7-98FA0A62B2FE}" srcOrd="0" destOrd="0" presId="urn:microsoft.com/office/officeart/2008/layout/VerticalCurvedList"/>
-    <dgm:cxn modelId="{41854B80-A3E4-4FD5-A103-D70420420B0A}" type="presOf" srcId="{95ECB77F-7E75-47E2-90C0-5B0DDC98D652}" destId="{38E64900-0655-49A7-81A8-CBE292ECC20A}" srcOrd="0" destOrd="0" presId="urn:microsoft.com/office/officeart/2008/layout/VerticalCurvedList"/>
     <dgm:cxn modelId="{BB80A6C9-B112-4391-9AB4-1F3016E8C408}" type="presParOf" srcId="{38E64900-0655-49A7-81A8-CBE292ECC20A}" destId="{41921527-D604-4B3C-B292-C3FAC710B6E0}" srcOrd="0" destOrd="0" presId="urn:microsoft.com/office/officeart/2008/layout/VerticalCurvedList"/>
     <dgm:cxn modelId="{1423987F-98D3-470D-AAF2-60D4097EA5F5}" type="presParOf" srcId="{41921527-D604-4B3C-B292-C3FAC710B6E0}" destId="{24F548E7-AE07-4894-BADE-1F0E78FED5F2}" srcOrd="0" destOrd="0" presId="urn:microsoft.com/office/officeart/2008/layout/VerticalCurvedList"/>
     <dgm:cxn modelId="{28225234-F0F5-4313-A2C5-9E32A9EE7094}" type="presParOf" srcId="{24F548E7-AE07-4894-BADE-1F0E78FED5F2}" destId="{85B14CF3-E044-4530-B837-51EB3D31E253}" srcOrd="0" destOrd="0" presId="urn:microsoft.com/office/officeart/2008/layout/VerticalCurvedList"/>
@@ -27501,7 +27501,7 @@
             <a:avLst/>
           </a:prstGeom>
           <a:solidFill>
-            <a:schemeClr val="accent2"/>
+            <a:srgbClr val="005AA9"/>
           </a:solidFill>
           <a:ln w="9525">
             <a:noFill/>
@@ -27567,7 +27567,7 @@
           <p:cNvSpPr>
             <a:spLocks noChangeArrowheads="1"/>
           </p:cNvSpPr>
-          <p:nvPr/>
+          <p:nvPr userDrawn="1"/>
         </p:nvSpPr>
         <p:spPr bwMode="auto">
           <a:xfrm>
@@ -27578,7 +27578,7 @@
             <a:avLst/>
           </a:prstGeom>
           <a:solidFill>
-            <a:schemeClr val="accent2"/>
+            <a:srgbClr val="005AA9"/>
           </a:solidFill>
           <a:ln w="3175">
             <a:noFill/>
@@ -27764,7 +27764,7 @@
       </p:sp>
       <p:sp>
         <p:nvSpPr>
-          <p:cNvPr id="15" name="Fußzeilenplatzhalter 3"/>
+          <p:cNvPr id="13" name="Fußzeilenplatzhalter 3"/>
           <p:cNvSpPr txBox="1">
             <a:spLocks/>
           </p:cNvSpPr>
@@ -27853,7 +27853,160 @@
                 <a:ea typeface="+mn-ea"/>
                 <a:cs typeface="Tahoma" pitchFamily="34" charset="0"/>
               </a:rPr>
-              <a:t>  |  Fachbereich BBBBB  |  Institut AAAA  |  Prof. TTTTTT  |  </a:t>
+              <a:t>  |  Fachbereich </a:t>
+            </a:r>
+            <a:r>
+              <a:rPr kumimoji="0" lang="de-DE" sz="1000" b="0" i="0" u="none" strike="noStrike" kern="1200" cap="none" spc="0" normalizeH="0" baseline="0" noProof="0" dirty="0" smtClean="0">
+                <a:ln>
+                  <a:noFill/>
+                </a:ln>
+                <a:solidFill>
+                  <a:schemeClr val="tx1"/>
+                </a:solidFill>
+                <a:effectLst/>
+                <a:uLnTx/>
+                <a:uFillTx/>
+                <a:latin typeface="+mn-lt"/>
+                <a:ea typeface="+mn-ea"/>
+                <a:cs typeface="Tahoma" pitchFamily="34" charset="0"/>
+              </a:rPr>
+              <a:t>1 |  Prof</a:t>
+            </a:r>
+            <a:r>
+              <a:rPr kumimoji="0" lang="de-DE" sz="1000" b="0" i="0" u="none" strike="noStrike" kern="1200" cap="none" spc="0" normalizeH="0" baseline="0" noProof="0" dirty="0" smtClean="0">
+                <a:ln>
+                  <a:noFill/>
+                </a:ln>
+                <a:solidFill>
+                  <a:schemeClr val="tx1"/>
+                </a:solidFill>
+                <a:effectLst/>
+                <a:uLnTx/>
+                <a:uFillTx/>
+                <a:latin typeface="+mn-lt"/>
+                <a:ea typeface="+mn-ea"/>
+                <a:cs typeface="Tahoma" pitchFamily="34" charset="0"/>
+              </a:rPr>
+              <a:t>. </a:t>
+            </a:r>
+            <a:r>
+              <a:rPr kumimoji="0" lang="de-DE" sz="1000" b="0" i="0" u="none" strike="noStrike" kern="1200" cap="none" spc="0" normalizeH="0" baseline="0" noProof="0" dirty="0" smtClean="0">
+                <a:ln>
+                  <a:noFill/>
+                </a:ln>
+                <a:solidFill>
+                  <a:schemeClr val="tx1"/>
+                </a:solidFill>
+                <a:effectLst/>
+                <a:uLnTx/>
+                <a:uFillTx/>
+                <a:latin typeface="+mn-lt"/>
+                <a:ea typeface="+mn-ea"/>
+                <a:cs typeface="Tahoma" pitchFamily="34" charset="0"/>
+              </a:rPr>
+              <a:t>Dr. </a:t>
+            </a:r>
+            <a:r>
+              <a:rPr kumimoji="0" lang="de-DE" sz="1000" b="0" i="0" u="none" strike="noStrike" kern="1200" cap="none" spc="0" normalizeH="0" baseline="0" noProof="0" dirty="0" err="1" smtClean="0">
+                <a:ln>
+                  <a:noFill/>
+                </a:ln>
+                <a:solidFill>
+                  <a:schemeClr val="tx1"/>
+                </a:solidFill>
+                <a:effectLst/>
+                <a:uLnTx/>
+                <a:uFillTx/>
+                <a:latin typeface="+mn-lt"/>
+                <a:ea typeface="+mn-ea"/>
+                <a:cs typeface="Tahoma" pitchFamily="34" charset="0"/>
+              </a:rPr>
+              <a:t>Buxmann</a:t>
+            </a:r>
+            <a:r>
+              <a:rPr kumimoji="0" lang="de-DE" sz="1000" b="0" i="0" u="none" strike="noStrike" kern="1200" cap="none" spc="0" normalizeH="0" baseline="0" noProof="0" dirty="0" smtClean="0">
+                <a:ln>
+                  <a:noFill/>
+                </a:ln>
+                <a:solidFill>
+                  <a:schemeClr val="tx1"/>
+                </a:solidFill>
+                <a:effectLst/>
+                <a:uLnTx/>
+                <a:uFillTx/>
+                <a:latin typeface="+mn-lt"/>
+                <a:ea typeface="+mn-ea"/>
+                <a:cs typeface="Tahoma" pitchFamily="34" charset="0"/>
+              </a:rPr>
+              <a:t> | Projekt: „ </a:t>
+            </a:r>
+            <a:r>
+              <a:rPr kumimoji="0" lang="de-DE" sz="1000" b="0" i="0" u="none" strike="noStrike" kern="1200" cap="none" spc="0" normalizeH="0" baseline="0" noProof="0" dirty="0" err="1" smtClean="0">
+                <a:ln>
+                  <a:noFill/>
+                </a:ln>
+                <a:solidFill>
+                  <a:schemeClr val="tx1"/>
+                </a:solidFill>
+                <a:effectLst/>
+                <a:uLnTx/>
+                <a:uFillTx/>
+                <a:latin typeface="+mn-lt"/>
+                <a:ea typeface="+mn-ea"/>
+                <a:cs typeface="Tahoma" pitchFamily="34" charset="0"/>
+              </a:rPr>
+              <a:t>Driving</a:t>
+            </a:r>
+            <a:r>
+              <a:rPr kumimoji="0" lang="de-DE" sz="1000" b="0" i="0" u="none" strike="noStrike" kern="1200" cap="none" spc="0" normalizeH="0" baseline="0" noProof="0" dirty="0" smtClean="0">
+                <a:ln>
+                  <a:noFill/>
+                </a:ln>
+                <a:solidFill>
+                  <a:schemeClr val="tx1"/>
+                </a:solidFill>
+                <a:effectLst/>
+                <a:uLnTx/>
+                <a:uFillTx/>
+                <a:latin typeface="+mn-lt"/>
+                <a:ea typeface="+mn-ea"/>
+                <a:cs typeface="Tahoma" pitchFamily="34" charset="0"/>
+              </a:rPr>
+              <a:t> </a:t>
+            </a:r>
+            <a:r>
+              <a:rPr kumimoji="0" lang="de-DE" sz="1000" b="0" i="0" u="none" strike="noStrike" kern="1200" cap="none" spc="0" normalizeH="0" baseline="0" noProof="0" dirty="0" err="1" smtClean="0">
+                <a:ln>
+                  <a:noFill/>
+                </a:ln>
+                <a:solidFill>
+                  <a:schemeClr val="tx1"/>
+                </a:solidFill>
+                <a:effectLst/>
+                <a:uLnTx/>
+                <a:uFillTx/>
+                <a:latin typeface="+mn-lt"/>
+                <a:ea typeface="+mn-ea"/>
+                <a:cs typeface="Tahoma" pitchFamily="34" charset="0"/>
+              </a:rPr>
+              <a:t>Competition</a:t>
+            </a:r>
+            <a:r>
+              <a:rPr kumimoji="0" lang="de-DE" sz="1000" b="0" i="0" u="none" strike="noStrike" kern="1200" cap="none" spc="0" normalizeH="0" baseline="0" noProof="0" dirty="0" smtClean="0">
+                <a:ln>
+                  <a:noFill/>
+                </a:ln>
+                <a:solidFill>
+                  <a:schemeClr val="tx1"/>
+                </a:solidFill>
+                <a:effectLst/>
+                <a:uLnTx/>
+                <a:uFillTx/>
+                <a:latin typeface="+mn-lt"/>
+                <a:ea typeface="+mn-ea"/>
+                <a:cs typeface="Tahoma" pitchFamily="34" charset="0"/>
+              </a:rPr>
+              <a:t>“ | </a:t>
             </a:r>
             <a:fld id="{8E9B2640-8CD7-45FF-9440-54608BC46479}" type="slidenum">
               <a:rPr kumimoji="0" lang="de-DE" sz="1000" b="0" i="0" u="none" strike="noStrike" kern="1200" cap="none" spc="0" normalizeH="0" baseline="0" noProof="0" smtClean="0">
@@ -27939,6 +28092,88 @@
           </a:p>
         </p:txBody>
       </p:sp>
+      <p:pic>
+        <p:nvPicPr>
+          <p:cNvPr id="21" name="Picture 2" descr="https://upload.wikimedia.org/wikipedia/commons/thumb/5/59/SAP_2011_logo.svg/640px-SAP_2011_logo.svg.png"/>
+          <p:cNvPicPr>
+            <a:picLocks noChangeAspect="1" noChangeArrowheads="1"/>
+          </p:cNvPicPr>
+          <p:nvPr userDrawn="1"/>
+        </p:nvPicPr>
+        <p:blipFill>
+          <a:blip r:embed="rId3" cstate="print">
+            <a:extLst>
+              <a:ext uri="{28A0092B-C50C-407E-A947-70E740481C1C}">
+                <a14:useLocalDpi xmlns:a14="http://schemas.microsoft.com/office/drawing/2010/main" val="0"/>
+              </a:ext>
+            </a:extLst>
+          </a:blip>
+          <a:srcRect/>
+          <a:stretch>
+            <a:fillRect/>
+          </a:stretch>
+        </p:blipFill>
+        <p:spPr bwMode="auto">
+          <a:xfrm>
+            <a:off x="7074523" y="6426027"/>
+            <a:ext cx="665829" cy="338133"/>
+          </a:xfrm>
+          <a:prstGeom prst="rect">
+            <a:avLst/>
+          </a:prstGeom>
+          <a:noFill/>
+          <a:extLst>
+            <a:ext uri="{909E8E84-426E-40DD-AFC4-6F175D3DCCD1}">
+              <a14:hiddenFill xmlns:a14="http://schemas.microsoft.com/office/drawing/2010/main">
+                <a:solidFill>
+                  <a:srgbClr val="FFFFFF"/>
+                </a:solidFill>
+              </a14:hiddenFill>
+            </a:ext>
+          </a:extLst>
+        </p:spPr>
+      </p:pic>
+      <p:pic>
+        <p:nvPicPr>
+          <p:cNvPr id="22" name="Picture 2" descr="http://www.is.tu-darmstadt.de/media/bwl5_is/WI_182x0.jpg"/>
+          <p:cNvPicPr>
+            <a:picLocks noChangeAspect="1" noChangeArrowheads="1"/>
+          </p:cNvPicPr>
+          <p:nvPr userDrawn="1"/>
+        </p:nvPicPr>
+        <p:blipFill>
+          <a:blip r:embed="rId4" cstate="print">
+            <a:extLst>
+              <a:ext uri="{28A0092B-C50C-407E-A947-70E740481C1C}">
+                <a14:useLocalDpi xmlns:a14="http://schemas.microsoft.com/office/drawing/2010/main" val="0"/>
+              </a:ext>
+            </a:extLst>
+          </a:blip>
+          <a:srcRect/>
+          <a:stretch>
+            <a:fillRect/>
+          </a:stretch>
+        </p:blipFill>
+        <p:spPr bwMode="auto">
+          <a:xfrm>
+            <a:off x="7884368" y="6376813"/>
+            <a:ext cx="957281" cy="436563"/>
+          </a:xfrm>
+          <a:prstGeom prst="rect">
+            <a:avLst/>
+          </a:prstGeom>
+          <a:noFill/>
+          <a:extLst>
+            <a:ext uri="{909E8E84-426E-40DD-AFC4-6F175D3DCCD1}">
+              <a14:hiddenFill xmlns:a14="http://schemas.microsoft.com/office/drawing/2010/main">
+                <a:solidFill>
+                  <a:srgbClr val="FFFFFF"/>
+                </a:solidFill>
+              </a14:hiddenFill>
+            </a:ext>
+          </a:extLst>
+        </p:spPr>
+      </p:pic>
     </p:spTree>
   </p:cSld>
   <p:clrMapOvr>
@@ -28197,7 +28432,7 @@
         <p:spPr>
           <a:xfrm>
             <a:off x="363284" y="1012741"/>
-            <a:ext cx="6640875" cy="328027"/>
+            <a:ext cx="6945020" cy="328027"/>
           </a:xfrm>
           <a:noFill/>
           <a:ln w="9525">
@@ -28217,6 +28452,9 @@
           <a:lstStyle>
             <a:lvl1pPr>
               <a:defRPr lang="de-DE" sz="1800" b="0" dirty="0">
+                <a:solidFill>
+                  <a:srgbClr val="C00000"/>
+                </a:solidFill>
                 <a:ea typeface="+mj-ea"/>
               </a:defRPr>
             </a:lvl1pPr>
@@ -28263,7 +28501,7 @@
       </p:par>
     </p:tnLst>
   </p:timing>
-  <p:extLst>
+  <p:extLst mod="1">
     <p:ext uri="{DCECCB84-F9BA-43D5-87BE-67443E8EF086}">
       <p15:sldGuideLst xmlns:p15="http://schemas.microsoft.com/office/powerpoint/2012/main">
         <p15:guide id="1" orient="horz" pos="2160" userDrawn="1">
@@ -29367,7 +29605,7 @@
             <a:avLst/>
           </a:prstGeom>
           <a:solidFill>
-            <a:schemeClr val="accent2"/>
+            <a:srgbClr val="005AA9"/>
           </a:solidFill>
           <a:ln w="3175">
             <a:noFill/>
@@ -29622,7 +29860,160 @@
                 <a:ea typeface="+mn-ea"/>
                 <a:cs typeface="Tahoma" pitchFamily="34" charset="0"/>
               </a:rPr>
-              <a:t>  |  Fachbereich BBBBB  |  Institut AAAA  |  Prof. TTTTTT  |  </a:t>
+              <a:t>  |  Fachbereich </a:t>
+            </a:r>
+            <a:r>
+              <a:rPr kumimoji="0" lang="de-DE" sz="1000" b="0" i="0" u="none" strike="noStrike" kern="1200" cap="none" spc="0" normalizeH="0" baseline="0" noProof="0" dirty="0" smtClean="0">
+                <a:ln>
+                  <a:noFill/>
+                </a:ln>
+                <a:solidFill>
+                  <a:schemeClr val="tx1"/>
+                </a:solidFill>
+                <a:effectLst/>
+                <a:uLnTx/>
+                <a:uFillTx/>
+                <a:latin typeface="+mn-lt"/>
+                <a:ea typeface="+mn-ea"/>
+                <a:cs typeface="Tahoma" pitchFamily="34" charset="0"/>
+              </a:rPr>
+              <a:t>1 |  Prof</a:t>
+            </a:r>
+            <a:r>
+              <a:rPr kumimoji="0" lang="de-DE" sz="1000" b="0" i="0" u="none" strike="noStrike" kern="1200" cap="none" spc="0" normalizeH="0" baseline="0" noProof="0" dirty="0" smtClean="0">
+                <a:ln>
+                  <a:noFill/>
+                </a:ln>
+                <a:solidFill>
+                  <a:schemeClr val="tx1"/>
+                </a:solidFill>
+                <a:effectLst/>
+                <a:uLnTx/>
+                <a:uFillTx/>
+                <a:latin typeface="+mn-lt"/>
+                <a:ea typeface="+mn-ea"/>
+                <a:cs typeface="Tahoma" pitchFamily="34" charset="0"/>
+              </a:rPr>
+              <a:t>. </a:t>
+            </a:r>
+            <a:r>
+              <a:rPr kumimoji="0" lang="de-DE" sz="1000" b="0" i="0" u="none" strike="noStrike" kern="1200" cap="none" spc="0" normalizeH="0" baseline="0" noProof="0" dirty="0" smtClean="0">
+                <a:ln>
+                  <a:noFill/>
+                </a:ln>
+                <a:solidFill>
+                  <a:schemeClr val="tx1"/>
+                </a:solidFill>
+                <a:effectLst/>
+                <a:uLnTx/>
+                <a:uFillTx/>
+                <a:latin typeface="+mn-lt"/>
+                <a:ea typeface="+mn-ea"/>
+                <a:cs typeface="Tahoma" pitchFamily="34" charset="0"/>
+              </a:rPr>
+              <a:t>Dr. </a:t>
+            </a:r>
+            <a:r>
+              <a:rPr kumimoji="0" lang="de-DE" sz="1000" b="0" i="0" u="none" strike="noStrike" kern="1200" cap="none" spc="0" normalizeH="0" baseline="0" noProof="0" dirty="0" err="1" smtClean="0">
+                <a:ln>
+                  <a:noFill/>
+                </a:ln>
+                <a:solidFill>
+                  <a:schemeClr val="tx1"/>
+                </a:solidFill>
+                <a:effectLst/>
+                <a:uLnTx/>
+                <a:uFillTx/>
+                <a:latin typeface="+mn-lt"/>
+                <a:ea typeface="+mn-ea"/>
+                <a:cs typeface="Tahoma" pitchFamily="34" charset="0"/>
+              </a:rPr>
+              <a:t>Buxmann</a:t>
+            </a:r>
+            <a:r>
+              <a:rPr kumimoji="0" lang="de-DE" sz="1000" b="0" i="0" u="none" strike="noStrike" kern="1200" cap="none" spc="0" normalizeH="0" baseline="0" noProof="0" dirty="0" smtClean="0">
+                <a:ln>
+                  <a:noFill/>
+                </a:ln>
+                <a:solidFill>
+                  <a:schemeClr val="tx1"/>
+                </a:solidFill>
+                <a:effectLst/>
+                <a:uLnTx/>
+                <a:uFillTx/>
+                <a:latin typeface="+mn-lt"/>
+                <a:ea typeface="+mn-ea"/>
+                <a:cs typeface="Tahoma" pitchFamily="34" charset="0"/>
+              </a:rPr>
+              <a:t> | Projekt: „ </a:t>
+            </a:r>
+            <a:r>
+              <a:rPr kumimoji="0" lang="de-DE" sz="1000" b="0" i="0" u="none" strike="noStrike" kern="1200" cap="none" spc="0" normalizeH="0" baseline="0" noProof="0" dirty="0" err="1" smtClean="0">
+                <a:ln>
+                  <a:noFill/>
+                </a:ln>
+                <a:solidFill>
+                  <a:schemeClr val="tx1"/>
+                </a:solidFill>
+                <a:effectLst/>
+                <a:uLnTx/>
+                <a:uFillTx/>
+                <a:latin typeface="+mn-lt"/>
+                <a:ea typeface="+mn-ea"/>
+                <a:cs typeface="Tahoma" pitchFamily="34" charset="0"/>
+              </a:rPr>
+              <a:t>Driving</a:t>
+            </a:r>
+            <a:r>
+              <a:rPr kumimoji="0" lang="de-DE" sz="1000" b="0" i="0" u="none" strike="noStrike" kern="1200" cap="none" spc="0" normalizeH="0" baseline="0" noProof="0" dirty="0" smtClean="0">
+                <a:ln>
+                  <a:noFill/>
+                </a:ln>
+                <a:solidFill>
+                  <a:schemeClr val="tx1"/>
+                </a:solidFill>
+                <a:effectLst/>
+                <a:uLnTx/>
+                <a:uFillTx/>
+                <a:latin typeface="+mn-lt"/>
+                <a:ea typeface="+mn-ea"/>
+                <a:cs typeface="Tahoma" pitchFamily="34" charset="0"/>
+              </a:rPr>
+              <a:t> </a:t>
+            </a:r>
+            <a:r>
+              <a:rPr kumimoji="0" lang="de-DE" sz="1000" b="0" i="0" u="none" strike="noStrike" kern="1200" cap="none" spc="0" normalizeH="0" baseline="0" noProof="0" dirty="0" err="1" smtClean="0">
+                <a:ln>
+                  <a:noFill/>
+                </a:ln>
+                <a:solidFill>
+                  <a:schemeClr val="tx1"/>
+                </a:solidFill>
+                <a:effectLst/>
+                <a:uLnTx/>
+                <a:uFillTx/>
+                <a:latin typeface="+mn-lt"/>
+                <a:ea typeface="+mn-ea"/>
+                <a:cs typeface="Tahoma" pitchFamily="34" charset="0"/>
+              </a:rPr>
+              <a:t>Competition</a:t>
+            </a:r>
+            <a:r>
+              <a:rPr kumimoji="0" lang="de-DE" sz="1000" b="0" i="0" u="none" strike="noStrike" kern="1200" cap="none" spc="0" normalizeH="0" baseline="0" noProof="0" dirty="0" smtClean="0">
+                <a:ln>
+                  <a:noFill/>
+                </a:ln>
+                <a:solidFill>
+                  <a:schemeClr val="tx1"/>
+                </a:solidFill>
+                <a:effectLst/>
+                <a:uLnTx/>
+                <a:uFillTx/>
+                <a:latin typeface="+mn-lt"/>
+                <a:ea typeface="+mn-ea"/>
+                <a:cs typeface="Tahoma" pitchFamily="34" charset="0"/>
+              </a:rPr>
+              <a:t>“ | </a:t>
             </a:r>
             <a:fld id="{8E9B2640-8CD7-45FF-9440-54608BC46479}" type="slidenum">
               <a:rPr kumimoji="0" lang="de-DE" sz="1000" b="0" i="0" u="none" strike="noStrike" kern="1200" cap="none" spc="0" normalizeH="0" baseline="0" noProof="0" smtClean="0">
@@ -29708,6 +30099,88 @@
           </a:p>
         </p:txBody>
       </p:sp>
+      <p:pic>
+        <p:nvPicPr>
+          <p:cNvPr id="12" name="Picture 2" descr="https://upload.wikimedia.org/wikipedia/commons/thumb/5/59/SAP_2011_logo.svg/640px-SAP_2011_logo.svg.png"/>
+          <p:cNvPicPr>
+            <a:picLocks noChangeAspect="1" noChangeArrowheads="1"/>
+          </p:cNvPicPr>
+          <p:nvPr userDrawn="1"/>
+        </p:nvPicPr>
+        <p:blipFill>
+          <a:blip r:embed="rId12" cstate="print">
+            <a:extLst>
+              <a:ext uri="{28A0092B-C50C-407E-A947-70E740481C1C}">
+                <a14:useLocalDpi xmlns:a14="http://schemas.microsoft.com/office/drawing/2010/main" val="0"/>
+              </a:ext>
+            </a:extLst>
+          </a:blip>
+          <a:srcRect/>
+          <a:stretch>
+            <a:fillRect/>
+          </a:stretch>
+        </p:blipFill>
+        <p:spPr bwMode="auto">
+          <a:xfrm>
+            <a:off x="7074523" y="6426027"/>
+            <a:ext cx="665829" cy="338133"/>
+          </a:xfrm>
+          <a:prstGeom prst="rect">
+            <a:avLst/>
+          </a:prstGeom>
+          <a:noFill/>
+          <a:extLst>
+            <a:ext uri="{909E8E84-426E-40DD-AFC4-6F175D3DCCD1}">
+              <a14:hiddenFill xmlns:a14="http://schemas.microsoft.com/office/drawing/2010/main">
+                <a:solidFill>
+                  <a:srgbClr val="FFFFFF"/>
+                </a:solidFill>
+              </a14:hiddenFill>
+            </a:ext>
+          </a:extLst>
+        </p:spPr>
+      </p:pic>
+      <p:pic>
+        <p:nvPicPr>
+          <p:cNvPr id="2" name="Picture 2" descr="http://www.is.tu-darmstadt.de/media/bwl5_is/WI_182x0.jpg"/>
+          <p:cNvPicPr>
+            <a:picLocks noChangeAspect="1" noChangeArrowheads="1"/>
+          </p:cNvPicPr>
+          <p:nvPr userDrawn="1"/>
+        </p:nvPicPr>
+        <p:blipFill>
+          <a:blip r:embed="rId13" cstate="print">
+            <a:extLst>
+              <a:ext uri="{28A0092B-C50C-407E-A947-70E740481C1C}">
+                <a14:useLocalDpi xmlns:a14="http://schemas.microsoft.com/office/drawing/2010/main" val="0"/>
+              </a:ext>
+            </a:extLst>
+          </a:blip>
+          <a:srcRect/>
+          <a:stretch>
+            <a:fillRect/>
+          </a:stretch>
+        </p:blipFill>
+        <p:spPr bwMode="auto">
+          <a:xfrm>
+            <a:off x="7884368" y="6376813"/>
+            <a:ext cx="957281" cy="436563"/>
+          </a:xfrm>
+          <a:prstGeom prst="rect">
+            <a:avLst/>
+          </a:prstGeom>
+          <a:noFill/>
+          <a:extLst>
+            <a:ext uri="{909E8E84-426E-40DD-AFC4-6F175D3DCCD1}">
+              <a14:hiddenFill xmlns:a14="http://schemas.microsoft.com/office/drawing/2010/main">
+                <a:solidFill>
+                  <a:srgbClr val="FFFFFF"/>
+                </a:solidFill>
+              </a14:hiddenFill>
+            </a:ext>
+          </a:extLst>
+        </p:spPr>
+      </p:pic>
     </p:spTree>
   </p:cSld>
   <p:clrMap bg1="lt1" tx1="dk1" bg2="lt2" tx2="dk2" accent1="accent1" accent2="accent2" accent3="accent3" accent4="accent4" accent5="accent5" accent6="accent6" hlink="hlink" folHlink="folHlink"/>
@@ -29749,7 +30222,7 @@
         </a:spcAft>
         <a:defRPr sz="2400" b="1">
           <a:solidFill>
-            <a:schemeClr val="tx1"/>
+            <a:srgbClr val="005AA9"/>
           </a:solidFill>
           <a:latin typeface="+mn-lt"/>
           <a:ea typeface="+mj-ea"/>
@@ -30162,18 +30635,50 @@
             <p:ph type="subTitle" idx="1"/>
           </p:nvPr>
         </p:nvSpPr>
-        <p:spPr/>
+        <p:spPr>
+          <a:xfrm>
+            <a:off x="358775" y="1449388"/>
+            <a:ext cx="8533705" cy="944562"/>
+          </a:xfrm>
+        </p:spPr>
         <p:txBody>
           <a:bodyPr/>
           <a:lstStyle/>
           <a:p>
+            <a:pPr>
+              <a:lnSpc>
+                <a:spcPct val="150000"/>
+              </a:lnSpc>
+            </a:pPr>
             <a:r>
-              <a:rPr lang="de-DE" sz="2800" b="0" dirty="0" smtClean="0"/>
-              <a:t>Big Data Seminar</a:t>
+              <a:rPr lang="de-DE" dirty="0" smtClean="0"/>
+              <a:t>Big Data </a:t>
             </a:r>
+            <a:r>
+              <a:rPr lang="de-DE" dirty="0" smtClean="0"/>
+              <a:t>Seminar: Die Nutzung von Fahrzeugbezogenen Sensordaten</a:t>
+            </a:r>
+            <a:endParaRPr lang="de-DE" dirty="0" smtClean="0"/>
           </a:p>
           <a:p>
-            <a:endParaRPr lang="de-DE" sz="2800" b="0" dirty="0"/>
+            <a:pPr>
+              <a:lnSpc>
+                <a:spcPct val="150000"/>
+              </a:lnSpc>
+            </a:pPr>
+            <a:r>
+              <a:rPr lang="de-DE" sz="1400" dirty="0" smtClean="0"/>
+              <a:t>Max </a:t>
+            </a:r>
+            <a:r>
+              <a:rPr lang="de-DE" sz="1400" dirty="0" err="1" smtClean="0"/>
+              <a:t>Kolhagen</a:t>
+            </a:r>
+            <a:r>
+              <a:rPr lang="de-DE" sz="1400" dirty="0" smtClean="0"/>
+              <a:t>, Markus Braun, Young-Hwan Kim</a:t>
+            </a:r>
+            <a:endParaRPr lang="de-DE" sz="1400" dirty="0"/>
           </a:p>
         </p:txBody>
       </p:sp>
@@ -30193,22 +30698,34 @@
           <a:lstStyle/>
           <a:p>
             <a:r>
-              <a:rPr lang="de-DE" sz="3200" dirty="0" smtClean="0"/>
-              <a:t>Project: </a:t>
+              <a:rPr lang="de-DE" sz="3400" dirty="0" smtClean="0"/>
+              <a:t>Projekt</a:t>
             </a:r>
             <a:r>
-              <a:rPr lang="de-DE" sz="3200" dirty="0" err="1" smtClean="0"/>
+              <a:rPr lang="de-DE" sz="3400" dirty="0"/>
+              <a:t>: </a:t>
+            </a:r>
+            <a:r>
+              <a:rPr lang="de-DE" sz="3400" dirty="0" smtClean="0"/>
+              <a:t>„</a:t>
+            </a:r>
+            <a:r>
+              <a:rPr lang="de-DE" sz="3400" dirty="0" err="1" smtClean="0"/>
               <a:t>Driving</a:t>
             </a:r>
             <a:r>
-              <a:rPr lang="de-DE" sz="3200" dirty="0" smtClean="0"/>
+              <a:rPr lang="de-DE" sz="3400" dirty="0" smtClean="0"/>
               <a:t> </a:t>
             </a:r>
             <a:r>
-              <a:rPr lang="de-DE" sz="3200" dirty="0" err="1"/>
+              <a:rPr lang="de-DE" sz="3400" dirty="0" err="1"/>
               <a:t>Competition</a:t>
             </a:r>
-            <a:endParaRPr lang="de-DE" sz="3200" dirty="0"/>
+            <a:r>
+              <a:rPr lang="de-DE" sz="3400" dirty="0"/>
+              <a:t>“</a:t>
+            </a:r>
+            <a:endParaRPr lang="de-DE" sz="3400" dirty="0"/>
           </a:p>
         </p:txBody>
       </p:sp>
@@ -30670,7 +31187,6 @@
               <a:rPr lang="de-DE" dirty="0" smtClean="0"/>
               <a:t>Wir bedanken uns für die Aufmerksamkeit und </a:t>
             </a:r>
-            <a:endParaRPr lang="de-DE" dirty="0" smtClean="0"/>
           </a:p>
           <a:p>
             <a:pPr>
@@ -30680,11 +31196,7 @@
             </a:pPr>
             <a:r>
               <a:rPr lang="de-DE" dirty="0" smtClean="0"/>
-              <a:t>hoffen </a:t>
-            </a:r>
-            <a:r>
-              <a:rPr lang="de-DE" dirty="0" smtClean="0"/>
-              <a:t>auf eine rege Diskussion</a:t>
+              <a:t>hoffen auf eine rege Diskussion</a:t>
             </a:r>
             <a:endParaRPr lang="de-DE" dirty="0"/>
           </a:p>
@@ -30741,11 +31253,11 @@
   <p:clrMapOvr>
     <a:masterClrMapping/>
   </p:clrMapOvr>
-  <mc:AlternateContent xmlns:mc="http://schemas.openxmlformats.org/markup-compatibility/2006">
-    <mc:Choice xmlns:p14="http://schemas.microsoft.com/office/powerpoint/2010/main" Requires="p14">
+  <mc:AlternateContent xmlns:mc="http://schemas.openxmlformats.org/markup-compatibility/2006" xmlns:p14="http://schemas.microsoft.com/office/powerpoint/2010/main">
+    <mc:Choice Requires="p14">
       <p:transition p14:dur="10"/>
     </mc:Choice>
-    <mc:Fallback>
+    <mc:Fallback xmlns="">
       <p:transition/>
     </mc:Fallback>
   </mc:AlternateContent>

--- a/Big Data - Driving Compitiion.pptx
+++ b/Big Data - Driving Compitiion.pptx
@@ -4693,7 +4693,7 @@
       <dgm:prSet phldrT="[Text]"/>
       <dgm:spPr>
         <a:solidFill>
-          <a:schemeClr val="accent2"/>
+          <a:srgbClr val="005AA9"/>
         </a:solidFill>
       </dgm:spPr>
       <dgm:t>
@@ -4722,9 +4722,12 @@
     <dgm:pt modelId="{1A926AD4-CAE4-4101-AE8D-570B2C62378B}" type="sibTrans" cxnId="{FAAB1983-77ED-4E7E-9B95-58C230122AE5}">
       <dgm:prSet/>
       <dgm:spPr>
+        <a:solidFill>
+          <a:srgbClr val="005AA9"/>
+        </a:solidFill>
         <a:ln>
           <a:solidFill>
-            <a:schemeClr val="accent2"/>
+            <a:srgbClr val="005AA9"/>
           </a:solidFill>
         </a:ln>
       </dgm:spPr>
@@ -4740,7 +4743,7 @@
       <dgm:prSet phldrT="[Text]"/>
       <dgm:spPr>
         <a:solidFill>
-          <a:schemeClr val="accent2"/>
+          <a:srgbClr val="005AA9"/>
         </a:solidFill>
       </dgm:spPr>
       <dgm:t>
@@ -4749,7 +4752,7 @@
         <a:p>
           <a:r>
             <a:rPr lang="de-DE" dirty="0" smtClean="0"/>
-            <a:t>Umsetzung</a:t>
+            <a:t>Unsere Umsetzung</a:t>
           </a:r>
           <a:endParaRPr lang="de-DE" dirty="0"/>
         </a:p>
@@ -4781,7 +4784,7 @@
       <dgm:prSet phldrT="[Text]"/>
       <dgm:spPr>
         <a:solidFill>
-          <a:schemeClr val="accent2"/>
+          <a:srgbClr val="005AA9"/>
         </a:solidFill>
       </dgm:spPr>
       <dgm:t>
@@ -4790,7 +4793,7 @@
         <a:p>
           <a:r>
             <a:rPr lang="de-DE" dirty="0" smtClean="0"/>
-            <a:t>Projektverlauf</a:t>
+            <a:t>Der Projektverlauf</a:t>
           </a:r>
           <a:endParaRPr lang="de-DE" dirty="0"/>
         </a:p>
@@ -4822,7 +4825,7 @@
       <dgm:prSet phldrT="[Text]"/>
       <dgm:spPr>
         <a:solidFill>
-          <a:schemeClr val="accent2"/>
+          <a:srgbClr val="005AA9"/>
         </a:solidFill>
       </dgm:spPr>
       <dgm:t>
@@ -4863,7 +4866,7 @@
       <dgm:prSet phldrT="[Text]"/>
       <dgm:spPr>
         <a:solidFill>
-          <a:schemeClr val="accent2"/>
+          <a:srgbClr val="005AA9"/>
         </a:solidFill>
       </dgm:spPr>
       <dgm:t>
@@ -4872,7 +4875,11 @@
         <a:p>
           <a:r>
             <a:rPr lang="de-DE" dirty="0" smtClean="0"/>
-            <a:t>Zukünftige Vision</a:t>
+            <a:t>Die zukünftige </a:t>
+          </a:r>
+          <a:r>
+            <a:rPr lang="de-DE" dirty="0" smtClean="0"/>
+            <a:t>Vision</a:t>
           </a:r>
           <a:endParaRPr lang="de-DE" dirty="0"/>
         </a:p>
@@ -4904,7 +4911,7 @@
       <dgm:prSet phldrT="[Text]"/>
       <dgm:spPr>
         <a:solidFill>
-          <a:schemeClr val="accent2"/>
+          <a:srgbClr val="005AA9"/>
         </a:solidFill>
       </dgm:spPr>
       <dgm:t>
@@ -5013,10 +5020,17 @@
       <dgm:spPr>
         <a:ln>
           <a:solidFill>
-            <a:schemeClr val="accent2"/>
+            <a:srgbClr val="005AA9"/>
           </a:solidFill>
         </a:ln>
       </dgm:spPr>
+      <dgm:t>
+        <a:bodyPr/>
+        <a:lstStyle/>
+        <a:p>
+          <a:endParaRPr lang="de-DE"/>
+        </a:p>
+      </dgm:t>
     </dgm:pt>
     <dgm:pt modelId="{8ECB0D0F-B2D2-4899-8B78-A157CB1D3F6B}" type="pres">
       <dgm:prSet presAssocID="{A51BC3B9-C6C3-4F90-8DEB-5FC00F55FAC3}" presName="text_2" presStyleLbl="node1" presStyleIdx="1" presStyleCnt="6">
@@ -5042,10 +5056,17 @@
       <dgm:spPr>
         <a:ln>
           <a:solidFill>
-            <a:schemeClr val="accent2"/>
+            <a:srgbClr val="005AA9"/>
           </a:solidFill>
         </a:ln>
       </dgm:spPr>
+      <dgm:t>
+        <a:bodyPr/>
+        <a:lstStyle/>
+        <a:p>
+          <a:endParaRPr lang="de-DE"/>
+        </a:p>
+      </dgm:t>
     </dgm:pt>
     <dgm:pt modelId="{08F8990D-49AD-4487-90C5-A481D9A36092}" type="pres">
       <dgm:prSet presAssocID="{CD0833F7-E376-457D-A71E-09FC73BFF92B}" presName="text_3" presStyleLbl="node1" presStyleIdx="2" presStyleCnt="6">
@@ -5071,10 +5092,17 @@
       <dgm:spPr>
         <a:ln>
           <a:solidFill>
-            <a:schemeClr val="accent2"/>
+            <a:srgbClr val="005AA9"/>
           </a:solidFill>
         </a:ln>
       </dgm:spPr>
+      <dgm:t>
+        <a:bodyPr/>
+        <a:lstStyle/>
+        <a:p>
+          <a:endParaRPr lang="de-DE"/>
+        </a:p>
+      </dgm:t>
     </dgm:pt>
     <dgm:pt modelId="{5A5522D5-98B1-431C-862A-87D2AE6B6114}" type="pres">
       <dgm:prSet presAssocID="{E95D953B-8834-475B-A90B-21464208104B}" presName="text_4" presStyleLbl="node1" presStyleIdx="3" presStyleCnt="6">
@@ -5100,10 +5128,17 @@
       <dgm:spPr>
         <a:ln>
           <a:solidFill>
-            <a:schemeClr val="accent2"/>
+            <a:srgbClr val="005AA9"/>
           </a:solidFill>
         </a:ln>
       </dgm:spPr>
+      <dgm:t>
+        <a:bodyPr/>
+        <a:lstStyle/>
+        <a:p>
+          <a:endParaRPr lang="de-DE"/>
+        </a:p>
+      </dgm:t>
     </dgm:pt>
     <dgm:pt modelId="{1846E345-4193-43B8-A89A-FBAC2DEA3CE1}" type="pres">
       <dgm:prSet presAssocID="{45060046-6D24-4053-9722-CE27E4945F11}" presName="text_5" presStyleLbl="node1" presStyleIdx="4" presStyleCnt="6">
@@ -5129,10 +5164,17 @@
       <dgm:spPr>
         <a:ln>
           <a:solidFill>
-            <a:schemeClr val="accent2"/>
+            <a:srgbClr val="005AA9"/>
           </a:solidFill>
         </a:ln>
       </dgm:spPr>
+      <dgm:t>
+        <a:bodyPr/>
+        <a:lstStyle/>
+        <a:p>
+          <a:endParaRPr lang="de-DE"/>
+        </a:p>
+      </dgm:t>
     </dgm:pt>
     <dgm:pt modelId="{34EAC2A8-ED4F-47AB-ABA4-B15FD3670046}" type="pres">
       <dgm:prSet presAssocID="{87FB8AC5-8D3E-434D-AA2A-E691E1044F11}" presName="text_6" presStyleLbl="node1" presStyleIdx="5" presStyleCnt="6">
@@ -5158,10 +5200,17 @@
       <dgm:spPr>
         <a:ln>
           <a:solidFill>
-            <a:schemeClr val="accent2"/>
+            <a:srgbClr val="005AA9"/>
           </a:solidFill>
         </a:ln>
       </dgm:spPr>
+      <dgm:t>
+        <a:bodyPr/>
+        <a:lstStyle/>
+        <a:p>
+          <a:endParaRPr lang="de-DE"/>
+        </a:p>
+      </dgm:t>
     </dgm:pt>
   </dgm:ptLst>
   <dgm:cxnLst>
@@ -5232,7 +5281,7 @@
       <dgm:prSet phldrT="[Text]"/>
       <dgm:spPr>
         <a:solidFill>
-          <a:schemeClr val="accent2"/>
+          <a:srgbClr val="005AA9"/>
         </a:solidFill>
       </dgm:spPr>
       <dgm:t>
@@ -5263,7 +5312,7 @@
       <dgm:spPr>
         <a:ln>
           <a:solidFill>
-            <a:schemeClr val="accent2"/>
+            <a:srgbClr val="005AA9"/>
           </a:solidFill>
         </a:ln>
       </dgm:spPr>
@@ -5290,7 +5339,7 @@
         <a:p>
           <a:r>
             <a:rPr lang="de-DE" dirty="0" smtClean="0"/>
-            <a:t>Umsetzung</a:t>
+            <a:t>Unsere Umsetzung</a:t>
           </a:r>
           <a:endParaRPr lang="de-DE" dirty="0"/>
         </a:p>
@@ -5333,7 +5382,7 @@
         <a:p>
           <a:r>
             <a:rPr lang="de-DE" dirty="0" smtClean="0"/>
-            <a:t>Projektverlauf</a:t>
+            <a:t>Der Projektverlauf</a:t>
           </a:r>
           <a:endParaRPr lang="de-DE" dirty="0"/>
         </a:p>
@@ -5562,10 +5611,17 @@
       <dgm:spPr>
         <a:ln>
           <a:solidFill>
-            <a:schemeClr val="accent2"/>
+            <a:srgbClr val="005AA9"/>
           </a:solidFill>
         </a:ln>
       </dgm:spPr>
+      <dgm:t>
+        <a:bodyPr/>
+        <a:lstStyle/>
+        <a:p>
+          <a:endParaRPr lang="de-DE"/>
+        </a:p>
+      </dgm:t>
     </dgm:pt>
     <dgm:pt modelId="{8ECB0D0F-B2D2-4899-8B78-A157CB1D3F6B}" type="pres">
       <dgm:prSet presAssocID="{A51BC3B9-C6C3-4F90-8DEB-5FC00F55FAC3}" presName="text_2" presStyleLbl="node1" presStyleIdx="1" presStyleCnt="6">
@@ -5824,7 +5880,7 @@
       <dgm:spPr>
         <a:ln>
           <a:solidFill>
-            <a:schemeClr val="accent2"/>
+            <a:srgbClr val="005AA9"/>
           </a:solidFill>
         </a:ln>
       </dgm:spPr>
@@ -5840,7 +5896,7 @@
       <dgm:prSet phldrT="[Text]"/>
       <dgm:spPr>
         <a:solidFill>
-          <a:schemeClr val="accent2"/>
+          <a:srgbClr val="005AA9"/>
         </a:solidFill>
       </dgm:spPr>
       <dgm:t>
@@ -5849,7 +5905,7 @@
         <a:p>
           <a:r>
             <a:rPr lang="de-DE" dirty="0" smtClean="0"/>
-            <a:t>Umsetzung</a:t>
+            <a:t>Unsere Umsetzung</a:t>
           </a:r>
           <a:endParaRPr lang="de-DE" dirty="0"/>
         </a:p>
@@ -5892,7 +5948,7 @@
         <a:p>
           <a:r>
             <a:rPr lang="de-DE" dirty="0" smtClean="0"/>
-            <a:t>Projektverlauf</a:t>
+            <a:t>Der Projektverlauf</a:t>
           </a:r>
           <a:endParaRPr lang="de-DE" dirty="0"/>
         </a:p>
@@ -6152,10 +6208,17 @@
       <dgm:spPr>
         <a:ln>
           <a:solidFill>
-            <a:schemeClr val="accent2"/>
+            <a:srgbClr val="005AA9"/>
           </a:solidFill>
         </a:ln>
       </dgm:spPr>
+      <dgm:t>
+        <a:bodyPr/>
+        <a:lstStyle/>
+        <a:p>
+          <a:endParaRPr lang="de-DE"/>
+        </a:p>
+      </dgm:t>
     </dgm:pt>
     <dgm:pt modelId="{08F8990D-49AD-4487-90C5-A481D9A36092}" type="pres">
       <dgm:prSet presAssocID="{CD0833F7-E376-457D-A71E-09FC73BFF92B}" presName="text_3" presStyleLbl="node1" presStyleIdx="2" presStyleCnt="6">
@@ -6383,7 +6446,7 @@
       <dgm:spPr>
         <a:ln>
           <a:solidFill>
-            <a:schemeClr val="accent2"/>
+            <a:srgbClr val="005AA9"/>
           </a:solidFill>
         </a:ln>
       </dgm:spPr>
@@ -6410,7 +6473,7 @@
         <a:p>
           <a:r>
             <a:rPr lang="de-DE" dirty="0" smtClean="0"/>
-            <a:t>Umsetzung</a:t>
+            <a:t>Unsere Umsetzung</a:t>
           </a:r>
           <a:endParaRPr lang="de-DE" dirty="0"/>
         </a:p>
@@ -6442,7 +6505,7 @@
       <dgm:prSet phldrT="[Text]"/>
       <dgm:spPr>
         <a:solidFill>
-          <a:schemeClr val="accent2"/>
+          <a:srgbClr val="005AA9"/>
         </a:solidFill>
       </dgm:spPr>
       <dgm:t>
@@ -6451,7 +6514,7 @@
         <a:p>
           <a:r>
             <a:rPr lang="de-DE" dirty="0" smtClean="0"/>
-            <a:t>Projektverlauf</a:t>
+            <a:t>Der Projektverlauf</a:t>
           </a:r>
           <a:endParaRPr lang="de-DE" dirty="0"/>
         </a:p>
@@ -6742,10 +6805,17 @@
       <dgm:spPr>
         <a:ln>
           <a:solidFill>
-            <a:schemeClr val="accent2"/>
+            <a:srgbClr val="005AA9"/>
           </a:solidFill>
         </a:ln>
       </dgm:spPr>
+      <dgm:t>
+        <a:bodyPr/>
+        <a:lstStyle/>
+        <a:p>
+          <a:endParaRPr lang="de-DE"/>
+        </a:p>
+      </dgm:t>
     </dgm:pt>
     <dgm:pt modelId="{5A5522D5-98B1-431C-862A-87D2AE6B6114}" type="pres">
       <dgm:prSet presAssocID="{E95D953B-8834-475B-A90B-21464208104B}" presName="text_4" presStyleLbl="node1" presStyleIdx="3" presStyleCnt="6">
@@ -6842,20 +6912,20 @@
     </dgm:pt>
   </dgm:ptLst>
   <dgm:cxnLst>
-    <dgm:cxn modelId="{DF551E1B-31BD-424B-BDF9-2FEE5CDEED18}" type="presOf" srcId="{38321699-6EAC-4AD8-B27B-ACE7FFF262B6}" destId="{94DED9F9-7D3B-4917-A97F-E1AEF1F131EB}" srcOrd="0" destOrd="0" presId="urn:microsoft.com/office/officeart/2008/layout/VerticalCurvedList"/>
-    <dgm:cxn modelId="{F7B64BD6-EEFF-4977-B51C-F5FE13DE21C3}" type="presOf" srcId="{A51BC3B9-C6C3-4F90-8DEB-5FC00F55FAC3}" destId="{8ECB0D0F-B2D2-4899-8B78-A157CB1D3F6B}" srcOrd="0" destOrd="0" presId="urn:microsoft.com/office/officeart/2008/layout/VerticalCurvedList"/>
-    <dgm:cxn modelId="{E5759E99-E475-4200-9CE5-3F48B76A4C63}" type="presOf" srcId="{E95D953B-8834-475B-A90B-21464208104B}" destId="{5A5522D5-98B1-431C-862A-87D2AE6B6114}" srcOrd="0" destOrd="0" presId="urn:microsoft.com/office/officeart/2008/layout/VerticalCurvedList"/>
-    <dgm:cxn modelId="{B14053D7-E653-4001-9CED-ED4C0F94E826}" srcId="{95ECB77F-7E75-47E2-90C0-5B0DDC98D652}" destId="{87FB8AC5-8D3E-434D-AA2A-E691E1044F11}" srcOrd="5" destOrd="0" parTransId="{A0DC7861-C700-42E9-8572-8B1FF4A58B77}" sibTransId="{9C7B8D6A-BBF2-4B91-8536-09DDEF0950F6}"/>
-    <dgm:cxn modelId="{5FFF2D33-36D0-4732-A286-FA07F795F7FA}" srcId="{95ECB77F-7E75-47E2-90C0-5B0DDC98D652}" destId="{E95D953B-8834-475B-A90B-21464208104B}" srcOrd="3" destOrd="0" parTransId="{C7327062-E855-4EA7-B7F4-A7CA52F2DE57}" sibTransId="{B343315B-0F53-472F-A3F8-50E72C394E69}"/>
     <dgm:cxn modelId="{BEE2EB47-2855-42D2-AA03-68D6E06CEB79}" type="presOf" srcId="{45060046-6D24-4053-9722-CE27E4945F11}" destId="{1846E345-4193-43B8-A89A-FBAC2DEA3CE1}" srcOrd="0" destOrd="0" presId="urn:microsoft.com/office/officeart/2008/layout/VerticalCurvedList"/>
-    <dgm:cxn modelId="{516620AF-1C2B-4D03-AE69-7700D0655FC5}" srcId="{95ECB77F-7E75-47E2-90C0-5B0DDC98D652}" destId="{A51BC3B9-C6C3-4F90-8DEB-5FC00F55FAC3}" srcOrd="1" destOrd="0" parTransId="{FB4C850F-ADB2-4038-934D-454F131BB747}" sibTransId="{533DBDD4-7C73-461F-8E6E-7024B084AA9F}"/>
-    <dgm:cxn modelId="{47C04417-86FC-498B-BD14-77393C10C1DC}" type="presOf" srcId="{CD0833F7-E376-457D-A71E-09FC73BFF92B}" destId="{08F8990D-49AD-4487-90C5-A481D9A36092}" srcOrd="0" destOrd="0" presId="urn:microsoft.com/office/officeart/2008/layout/VerticalCurvedList"/>
-    <dgm:cxn modelId="{ADF612EB-E1AA-456A-A7A3-4C37D446752B}" type="presOf" srcId="{1A926AD4-CAE4-4101-AE8D-570B2C62378B}" destId="{506FFCA4-4592-4809-88A7-98FA0A62B2FE}" srcOrd="0" destOrd="0" presId="urn:microsoft.com/office/officeart/2008/layout/VerticalCurvedList"/>
-    <dgm:cxn modelId="{54C22A2C-2957-4E5B-A799-CEBDB2F2B3D6}" srcId="{95ECB77F-7E75-47E2-90C0-5B0DDC98D652}" destId="{45060046-6D24-4053-9722-CE27E4945F11}" srcOrd="4" destOrd="0" parTransId="{0C22DB43-AD4A-47E8-8690-7A0FC81803F9}" sibTransId="{9A98F613-EA9F-4553-902A-79CBE73C9130}"/>
-    <dgm:cxn modelId="{FAAB1983-77ED-4E7E-9B95-58C230122AE5}" srcId="{95ECB77F-7E75-47E2-90C0-5B0DDC98D652}" destId="{38321699-6EAC-4AD8-B27B-ACE7FFF262B6}" srcOrd="0" destOrd="0" parTransId="{BD4F7070-97CC-40EF-8C99-9322B9CA6DB3}" sibTransId="{1A926AD4-CAE4-4101-AE8D-570B2C62378B}"/>
-    <dgm:cxn modelId="{41854B80-A3E4-4FD5-A103-D70420420B0A}" type="presOf" srcId="{95ECB77F-7E75-47E2-90C0-5B0DDC98D652}" destId="{38E64900-0655-49A7-81A8-CBE292ECC20A}" srcOrd="0" destOrd="0" presId="urn:microsoft.com/office/officeart/2008/layout/VerticalCurvedList"/>
     <dgm:cxn modelId="{72457938-9B53-4279-B462-CAD957A50A6C}" srcId="{95ECB77F-7E75-47E2-90C0-5B0DDC98D652}" destId="{CD0833F7-E376-457D-A71E-09FC73BFF92B}" srcOrd="2" destOrd="0" parTransId="{D846FAC5-99A1-44AD-AC9F-8D26D376FDD3}" sibTransId="{3DA33939-57E8-47EE-992C-63D2CAB2022F}"/>
     <dgm:cxn modelId="{78A1B226-F0EC-4BEB-B691-BCF0BB22434D}" type="presOf" srcId="{87FB8AC5-8D3E-434D-AA2A-E691E1044F11}" destId="{34EAC2A8-ED4F-47AB-ABA4-B15FD3670046}" srcOrd="0" destOrd="0" presId="urn:microsoft.com/office/officeart/2008/layout/VerticalCurvedList"/>
+    <dgm:cxn modelId="{DF551E1B-31BD-424B-BDF9-2FEE5CDEED18}" type="presOf" srcId="{38321699-6EAC-4AD8-B27B-ACE7FFF262B6}" destId="{94DED9F9-7D3B-4917-A97F-E1AEF1F131EB}" srcOrd="0" destOrd="0" presId="urn:microsoft.com/office/officeart/2008/layout/VerticalCurvedList"/>
+    <dgm:cxn modelId="{516620AF-1C2B-4D03-AE69-7700D0655FC5}" srcId="{95ECB77F-7E75-47E2-90C0-5B0DDC98D652}" destId="{A51BC3B9-C6C3-4F90-8DEB-5FC00F55FAC3}" srcOrd="1" destOrd="0" parTransId="{FB4C850F-ADB2-4038-934D-454F131BB747}" sibTransId="{533DBDD4-7C73-461F-8E6E-7024B084AA9F}"/>
+    <dgm:cxn modelId="{5FFF2D33-36D0-4732-A286-FA07F795F7FA}" srcId="{95ECB77F-7E75-47E2-90C0-5B0DDC98D652}" destId="{E95D953B-8834-475B-A90B-21464208104B}" srcOrd="3" destOrd="0" parTransId="{C7327062-E855-4EA7-B7F4-A7CA52F2DE57}" sibTransId="{B343315B-0F53-472F-A3F8-50E72C394E69}"/>
+    <dgm:cxn modelId="{FAAB1983-77ED-4E7E-9B95-58C230122AE5}" srcId="{95ECB77F-7E75-47E2-90C0-5B0DDC98D652}" destId="{38321699-6EAC-4AD8-B27B-ACE7FFF262B6}" srcOrd="0" destOrd="0" parTransId="{BD4F7070-97CC-40EF-8C99-9322B9CA6DB3}" sibTransId="{1A926AD4-CAE4-4101-AE8D-570B2C62378B}"/>
+    <dgm:cxn modelId="{B14053D7-E653-4001-9CED-ED4C0F94E826}" srcId="{95ECB77F-7E75-47E2-90C0-5B0DDC98D652}" destId="{87FB8AC5-8D3E-434D-AA2A-E691E1044F11}" srcOrd="5" destOrd="0" parTransId="{A0DC7861-C700-42E9-8572-8B1FF4A58B77}" sibTransId="{9C7B8D6A-BBF2-4B91-8536-09DDEF0950F6}"/>
+    <dgm:cxn modelId="{47C04417-86FC-498B-BD14-77393C10C1DC}" type="presOf" srcId="{CD0833F7-E376-457D-A71E-09FC73BFF92B}" destId="{08F8990D-49AD-4487-90C5-A481D9A36092}" srcOrd="0" destOrd="0" presId="urn:microsoft.com/office/officeart/2008/layout/VerticalCurvedList"/>
+    <dgm:cxn modelId="{E5759E99-E475-4200-9CE5-3F48B76A4C63}" type="presOf" srcId="{E95D953B-8834-475B-A90B-21464208104B}" destId="{5A5522D5-98B1-431C-862A-87D2AE6B6114}" srcOrd="0" destOrd="0" presId="urn:microsoft.com/office/officeart/2008/layout/VerticalCurvedList"/>
+    <dgm:cxn modelId="{54C22A2C-2957-4E5B-A799-CEBDB2F2B3D6}" srcId="{95ECB77F-7E75-47E2-90C0-5B0DDC98D652}" destId="{45060046-6D24-4053-9722-CE27E4945F11}" srcOrd="4" destOrd="0" parTransId="{0C22DB43-AD4A-47E8-8690-7A0FC81803F9}" sibTransId="{9A98F613-EA9F-4553-902A-79CBE73C9130}"/>
+    <dgm:cxn modelId="{F7B64BD6-EEFF-4977-B51C-F5FE13DE21C3}" type="presOf" srcId="{A51BC3B9-C6C3-4F90-8DEB-5FC00F55FAC3}" destId="{8ECB0D0F-B2D2-4899-8B78-A157CB1D3F6B}" srcOrd="0" destOrd="0" presId="urn:microsoft.com/office/officeart/2008/layout/VerticalCurvedList"/>
+    <dgm:cxn modelId="{ADF612EB-E1AA-456A-A7A3-4C37D446752B}" type="presOf" srcId="{1A926AD4-CAE4-4101-AE8D-570B2C62378B}" destId="{506FFCA4-4592-4809-88A7-98FA0A62B2FE}" srcOrd="0" destOrd="0" presId="urn:microsoft.com/office/officeart/2008/layout/VerticalCurvedList"/>
+    <dgm:cxn modelId="{41854B80-A3E4-4FD5-A103-D70420420B0A}" type="presOf" srcId="{95ECB77F-7E75-47E2-90C0-5B0DDC98D652}" destId="{38E64900-0655-49A7-81A8-CBE292ECC20A}" srcOrd="0" destOrd="0" presId="urn:microsoft.com/office/officeart/2008/layout/VerticalCurvedList"/>
     <dgm:cxn modelId="{BB80A6C9-B112-4391-9AB4-1F3016E8C408}" type="presParOf" srcId="{38E64900-0655-49A7-81A8-CBE292ECC20A}" destId="{41921527-D604-4B3C-B292-C3FAC710B6E0}" srcOrd="0" destOrd="0" presId="urn:microsoft.com/office/officeart/2008/layout/VerticalCurvedList"/>
     <dgm:cxn modelId="{1423987F-98D3-470D-AAF2-60D4097EA5F5}" type="presParOf" srcId="{41921527-D604-4B3C-B292-C3FAC710B6E0}" destId="{24F548E7-AE07-4894-BADE-1F0E78FED5F2}" srcOrd="0" destOrd="0" presId="urn:microsoft.com/office/officeart/2008/layout/VerticalCurvedList"/>
     <dgm:cxn modelId="{28225234-F0F5-4313-A2C5-9E32A9EE7094}" type="presParOf" srcId="{24F548E7-AE07-4894-BADE-1F0E78FED5F2}" destId="{85B14CF3-E044-4530-B837-51EB3D31E253}" srcOrd="0" destOrd="0" presId="urn:microsoft.com/office/officeart/2008/layout/VerticalCurvedList"/>
@@ -6942,7 +7012,7 @@
       <dgm:spPr>
         <a:ln>
           <a:solidFill>
-            <a:schemeClr val="accent2"/>
+            <a:srgbClr val="005AA9"/>
           </a:solidFill>
         </a:ln>
       </dgm:spPr>
@@ -6969,7 +7039,7 @@
         <a:p>
           <a:r>
             <a:rPr lang="de-DE" dirty="0" smtClean="0"/>
-            <a:t>Umsetzung</a:t>
+            <a:t>Unsere Umsetzung</a:t>
           </a:r>
           <a:endParaRPr lang="de-DE" dirty="0"/>
         </a:p>
@@ -7010,7 +7080,7 @@
         <a:p>
           <a:r>
             <a:rPr lang="de-DE" dirty="0" smtClean="0"/>
-            <a:t>Projektverlauf</a:t>
+            <a:t>Der Projektverlauf</a:t>
           </a:r>
           <a:endParaRPr lang="de-DE" dirty="0"/>
         </a:p>
@@ -7085,7 +7155,7 @@
       <dgm:prSet phldrT="[Text]"/>
       <dgm:spPr>
         <a:solidFill>
-          <a:schemeClr val="accent2"/>
+          <a:srgbClr val="005AA9"/>
         </a:solidFill>
       </dgm:spPr>
       <dgm:t>
@@ -7335,7 +7405,7 @@
       <dgm:spPr>
         <a:ln>
           <a:solidFill>
-            <a:srgbClr val="333399"/>
+            <a:srgbClr val="005AA9"/>
           </a:solidFill>
         </a:ln>
       </dgm:spPr>
@@ -7509,7 +7579,7 @@
       <dgm:spPr>
         <a:ln>
           <a:solidFill>
-            <a:schemeClr val="accent2"/>
+            <a:srgbClr val="005AA9"/>
           </a:solidFill>
         </a:ln>
       </dgm:spPr>
@@ -7697,7 +7767,7 @@
       <dgm:prSet phldrT="[Text]"/>
       <dgm:spPr>
         <a:solidFill>
-          <a:srgbClr val="333399"/>
+          <a:srgbClr val="005AA9"/>
         </a:solidFill>
       </dgm:spPr>
       <dgm:t>
@@ -7966,7 +8036,7 @@
       <dgm:spPr>
         <a:ln>
           <a:solidFill>
-            <a:srgbClr val="333399"/>
+            <a:srgbClr val="005AA9"/>
           </a:solidFill>
         </a:ln>
       </dgm:spPr>
@@ -8054,10 +8124,12 @@
             <a:gd name="adj3" fmla="val 354"/>
           </a:avLst>
         </a:prstGeom>
-        <a:noFill/>
+        <a:solidFill>
+          <a:srgbClr val="005AA9"/>
+        </a:solidFill>
         <a:ln w="25400" cap="flat" cmpd="sng" algn="ctr">
           <a:solidFill>
-            <a:schemeClr val="accent2"/>
+            <a:srgbClr val="005AA9"/>
           </a:solidFill>
           <a:prstDash val="solid"/>
         </a:ln>
@@ -8090,7 +8162,7 @@
           <a:avLst/>
         </a:prstGeom>
         <a:solidFill>
-          <a:schemeClr val="accent2"/>
+          <a:srgbClr val="005AA9"/>
         </a:solidFill>
         <a:ln w="25400" cap="flat" cmpd="sng" algn="ctr">
           <a:solidFill>
@@ -8171,7 +8243,7 @@
         </a:solidFill>
         <a:ln w="25400" cap="flat" cmpd="sng" algn="ctr">
           <a:solidFill>
-            <a:schemeClr val="accent2"/>
+            <a:srgbClr val="005AA9"/>
           </a:solidFill>
           <a:prstDash val="solid"/>
         </a:ln>
@@ -8204,7 +8276,7 @@
           <a:avLst/>
         </a:prstGeom>
         <a:solidFill>
-          <a:schemeClr val="accent2"/>
+          <a:srgbClr val="005AA9"/>
         </a:solidFill>
         <a:ln w="25400" cap="flat" cmpd="sng" algn="ctr">
           <a:solidFill>
@@ -8252,7 +8324,7 @@
           </a:pPr>
           <a:r>
             <a:rPr lang="de-DE" sz="2600" kern="1200" dirty="0" smtClean="0"/>
-            <a:t>Umsetzung</a:t>
+            <a:t>Unsere Umsetzung</a:t>
           </a:r>
           <a:endParaRPr lang="de-DE" sz="2600" kern="1200" dirty="0"/>
         </a:p>
@@ -8285,7 +8357,7 @@
         </a:solidFill>
         <a:ln w="25400" cap="flat" cmpd="sng" algn="ctr">
           <a:solidFill>
-            <a:schemeClr val="accent2"/>
+            <a:srgbClr val="005AA9"/>
           </a:solidFill>
           <a:prstDash val="solid"/>
         </a:ln>
@@ -8318,7 +8390,7 @@
           <a:avLst/>
         </a:prstGeom>
         <a:solidFill>
-          <a:schemeClr val="accent2"/>
+          <a:srgbClr val="005AA9"/>
         </a:solidFill>
         <a:ln w="25400" cap="flat" cmpd="sng" algn="ctr">
           <a:solidFill>
@@ -8366,7 +8438,7 @@
           </a:pPr>
           <a:r>
             <a:rPr lang="de-DE" sz="2600" kern="1200" dirty="0" smtClean="0"/>
-            <a:t>Projektverlauf</a:t>
+            <a:t>Der Projektverlauf</a:t>
           </a:r>
           <a:endParaRPr lang="de-DE" sz="2600" kern="1200" dirty="0"/>
         </a:p>
@@ -8399,7 +8471,7 @@
         </a:solidFill>
         <a:ln w="25400" cap="flat" cmpd="sng" algn="ctr">
           <a:solidFill>
-            <a:schemeClr val="accent2"/>
+            <a:srgbClr val="005AA9"/>
           </a:solidFill>
           <a:prstDash val="solid"/>
         </a:ln>
@@ -8432,7 +8504,7 @@
           <a:avLst/>
         </a:prstGeom>
         <a:solidFill>
-          <a:schemeClr val="accent2"/>
+          <a:srgbClr val="005AA9"/>
         </a:solidFill>
         <a:ln w="25400" cap="flat" cmpd="sng" algn="ctr">
           <a:solidFill>
@@ -8480,7 +8552,11 @@
           </a:pPr>
           <a:r>
             <a:rPr lang="de-DE" sz="2600" kern="1200" dirty="0" smtClean="0"/>
-            <a:t>Zukünftige Vision</a:t>
+            <a:t>Die zukünftige </a:t>
+          </a:r>
+          <a:r>
+            <a:rPr lang="de-DE" sz="2600" kern="1200" dirty="0" smtClean="0"/>
+            <a:t>Vision</a:t>
           </a:r>
           <a:endParaRPr lang="de-DE" sz="2600" kern="1200" dirty="0"/>
         </a:p>
@@ -8513,7 +8589,7 @@
         </a:solidFill>
         <a:ln w="25400" cap="flat" cmpd="sng" algn="ctr">
           <a:solidFill>
-            <a:schemeClr val="accent2"/>
+            <a:srgbClr val="005AA9"/>
           </a:solidFill>
           <a:prstDash val="solid"/>
         </a:ln>
@@ -8546,7 +8622,7 @@
           <a:avLst/>
         </a:prstGeom>
         <a:solidFill>
-          <a:schemeClr val="accent2"/>
+          <a:srgbClr val="005AA9"/>
         </a:solidFill>
         <a:ln w="25400" cap="flat" cmpd="sng" algn="ctr">
           <a:solidFill>
@@ -8627,7 +8703,7 @@
         </a:solidFill>
         <a:ln w="25400" cap="flat" cmpd="sng" algn="ctr">
           <a:solidFill>
-            <a:schemeClr val="accent2"/>
+            <a:srgbClr val="005AA9"/>
           </a:solidFill>
           <a:prstDash val="solid"/>
         </a:ln>
@@ -8660,7 +8736,7 @@
           <a:avLst/>
         </a:prstGeom>
         <a:solidFill>
-          <a:schemeClr val="accent2"/>
+          <a:srgbClr val="005AA9"/>
         </a:solidFill>
         <a:ln w="25400" cap="flat" cmpd="sng" algn="ctr">
           <a:solidFill>
@@ -8741,7 +8817,7 @@
         </a:solidFill>
         <a:ln w="25400" cap="flat" cmpd="sng" algn="ctr">
           <a:solidFill>
-            <a:schemeClr val="accent2"/>
+            <a:srgbClr val="005AA9"/>
           </a:solidFill>
           <a:prstDash val="solid"/>
         </a:ln>
@@ -8792,7 +8868,7 @@
         <a:noFill/>
         <a:ln w="25400" cap="flat" cmpd="sng" algn="ctr">
           <a:solidFill>
-            <a:schemeClr val="accent2"/>
+            <a:srgbClr val="005AA9"/>
           </a:solidFill>
           <a:prstDash val="solid"/>
         </a:ln>
@@ -8825,7 +8901,7 @@
           <a:avLst/>
         </a:prstGeom>
         <a:solidFill>
-          <a:schemeClr val="accent2"/>
+          <a:srgbClr val="005AA9"/>
         </a:solidFill>
         <a:ln w="25400" cap="flat" cmpd="sng" algn="ctr">
           <a:solidFill>
@@ -8906,7 +8982,7 @@
         </a:solidFill>
         <a:ln w="25400" cap="flat" cmpd="sng" algn="ctr">
           <a:solidFill>
-            <a:schemeClr val="accent2"/>
+            <a:srgbClr val="005AA9"/>
           </a:solidFill>
           <a:prstDash val="solid"/>
         </a:ln>
@@ -8989,7 +9065,7 @@
           </a:pPr>
           <a:r>
             <a:rPr lang="de-DE" sz="2600" kern="1200" dirty="0" smtClean="0"/>
-            <a:t>Umsetzung</a:t>
+            <a:t>Unsere Umsetzung</a:t>
           </a:r>
           <a:endParaRPr lang="de-DE" sz="2600" kern="1200" dirty="0"/>
         </a:p>
@@ -9107,7 +9183,7 @@
           </a:pPr>
           <a:r>
             <a:rPr lang="de-DE" sz="2600" kern="1200" dirty="0" smtClean="0"/>
-            <a:t>Projektverlauf</a:t>
+            <a:t>Der Projektverlauf</a:t>
           </a:r>
           <a:endParaRPr lang="de-DE" sz="2600" kern="1200" dirty="0"/>
         </a:p>
@@ -9547,7 +9623,7 @@
         <a:noFill/>
         <a:ln w="25400" cap="flat" cmpd="sng" algn="ctr">
           <a:solidFill>
-            <a:schemeClr val="accent2"/>
+            <a:srgbClr val="005AA9"/>
           </a:solidFill>
           <a:prstDash val="solid"/>
         </a:ln>
@@ -9698,7 +9774,7 @@
           <a:avLst/>
         </a:prstGeom>
         <a:solidFill>
-          <a:schemeClr val="accent2"/>
+          <a:srgbClr val="005AA9"/>
         </a:solidFill>
         <a:ln w="25400" cap="flat" cmpd="sng" algn="ctr">
           <a:solidFill>
@@ -9746,7 +9822,7 @@
           </a:pPr>
           <a:r>
             <a:rPr lang="de-DE" sz="2600" kern="1200" dirty="0" smtClean="0"/>
-            <a:t>Umsetzung</a:t>
+            <a:t>Unsere Umsetzung</a:t>
           </a:r>
           <a:endParaRPr lang="de-DE" sz="2600" kern="1200" dirty="0"/>
         </a:p>
@@ -9779,7 +9855,7 @@
         </a:solidFill>
         <a:ln w="25400" cap="flat" cmpd="sng" algn="ctr">
           <a:solidFill>
-            <a:schemeClr val="accent2"/>
+            <a:srgbClr val="005AA9"/>
           </a:solidFill>
           <a:prstDash val="solid"/>
         </a:ln>
@@ -9862,7 +9938,7 @@
           </a:pPr>
           <a:r>
             <a:rPr lang="de-DE" sz="2600" kern="1200" dirty="0" smtClean="0"/>
-            <a:t>Projektverlauf</a:t>
+            <a:t>Der Projektverlauf</a:t>
           </a:r>
           <a:endParaRPr lang="de-DE" sz="2600" kern="1200" dirty="0"/>
         </a:p>
@@ -10302,7 +10378,7 @@
         <a:noFill/>
         <a:ln w="25400" cap="flat" cmpd="sng" algn="ctr">
           <a:solidFill>
-            <a:schemeClr val="accent2"/>
+            <a:srgbClr val="005AA9"/>
           </a:solidFill>
           <a:prstDash val="solid"/>
         </a:ln>
@@ -10503,7 +10579,7 @@
           </a:pPr>
           <a:r>
             <a:rPr lang="de-DE" sz="2600" kern="1200" dirty="0" smtClean="0"/>
-            <a:t>Umsetzung</a:t>
+            <a:t>Unsere Umsetzung</a:t>
           </a:r>
           <a:endParaRPr lang="de-DE" sz="2600" kern="1200" dirty="0"/>
         </a:p>
@@ -10571,7 +10647,7 @@
           <a:avLst/>
         </a:prstGeom>
         <a:solidFill>
-          <a:schemeClr val="accent2"/>
+          <a:srgbClr val="005AA9"/>
         </a:solidFill>
         <a:ln w="25400" cap="flat" cmpd="sng" algn="ctr">
           <a:solidFill>
@@ -10619,7 +10695,7 @@
           </a:pPr>
           <a:r>
             <a:rPr lang="de-DE" sz="2600" kern="1200" dirty="0" smtClean="0"/>
-            <a:t>Projektverlauf</a:t>
+            <a:t>Der Projektverlauf</a:t>
           </a:r>
           <a:endParaRPr lang="de-DE" sz="2600" kern="1200" dirty="0"/>
         </a:p>
@@ -10652,7 +10728,7 @@
         </a:solidFill>
         <a:ln w="25400" cap="flat" cmpd="sng" algn="ctr">
           <a:solidFill>
-            <a:schemeClr val="accent2"/>
+            <a:srgbClr val="005AA9"/>
           </a:solidFill>
           <a:prstDash val="solid"/>
         </a:ln>
@@ -11057,7 +11133,7 @@
         <a:noFill/>
         <a:ln w="25400" cap="flat" cmpd="sng" algn="ctr">
           <a:solidFill>
-            <a:schemeClr val="accent2"/>
+            <a:srgbClr val="005AA9"/>
           </a:solidFill>
           <a:prstDash val="solid"/>
         </a:ln>
@@ -11258,7 +11334,7 @@
           </a:pPr>
           <a:r>
             <a:rPr lang="de-DE" sz="2600" kern="1200" dirty="0" smtClean="0"/>
-            <a:t>Umsetzung</a:t>
+            <a:t>Unsere Umsetzung</a:t>
           </a:r>
           <a:endParaRPr lang="de-DE" sz="2600" kern="1200" dirty="0"/>
         </a:p>
@@ -11374,7 +11450,7 @@
           </a:pPr>
           <a:r>
             <a:rPr lang="de-DE" sz="2600" kern="1200" dirty="0" smtClean="0"/>
-            <a:t>Projektverlauf</a:t>
+            <a:t>Der Projektverlauf</a:t>
           </a:r>
           <a:endParaRPr lang="de-DE" sz="2600" kern="1200" dirty="0"/>
         </a:p>
@@ -11440,7 +11516,7 @@
           <a:avLst/>
         </a:prstGeom>
         <a:solidFill>
-          <a:schemeClr val="accent2"/>
+          <a:srgbClr val="005AA9"/>
         </a:solidFill>
         <a:ln w="25400" cap="flat" cmpd="sng" algn="ctr">
           <a:solidFill>
@@ -11521,7 +11597,7 @@
         </a:solidFill>
         <a:ln w="25400" cap="flat" cmpd="sng" algn="ctr">
           <a:solidFill>
-            <a:srgbClr val="333399"/>
+            <a:srgbClr val="005AA9"/>
           </a:solidFill>
           <a:prstDash val="solid"/>
         </a:ln>
@@ -11808,7 +11884,7 @@
         <a:noFill/>
         <a:ln w="25400" cap="flat" cmpd="sng" algn="ctr">
           <a:solidFill>
-            <a:schemeClr val="accent2"/>
+            <a:srgbClr val="005AA9"/>
           </a:solidFill>
           <a:prstDash val="solid"/>
         </a:ln>
@@ -12427,7 +12503,7 @@
           <a:avLst/>
         </a:prstGeom>
         <a:solidFill>
-          <a:srgbClr val="333399"/>
+          <a:srgbClr val="005AA9"/>
         </a:solidFill>
         <a:ln w="25400" cap="flat" cmpd="sng" algn="ctr">
           <a:solidFill>
@@ -12508,7 +12584,7 @@
         </a:solidFill>
         <a:ln w="25400" cap="flat" cmpd="sng" algn="ctr">
           <a:solidFill>
-            <a:srgbClr val="333399"/>
+            <a:srgbClr val="005AA9"/>
           </a:solidFill>
           <a:prstDash val="solid"/>
         </a:ln>
@@ -27853,58 +27929,7 @@
                 <a:ea typeface="+mn-ea"/>
                 <a:cs typeface="Tahoma" pitchFamily="34" charset="0"/>
               </a:rPr>
-              <a:t>  |  Fachbereich </a:t>
-            </a:r>
-            <a:r>
-              <a:rPr kumimoji="0" lang="de-DE" sz="1000" b="0" i="0" u="none" strike="noStrike" kern="1200" cap="none" spc="0" normalizeH="0" baseline="0" noProof="0" dirty="0" smtClean="0">
-                <a:ln>
-                  <a:noFill/>
-                </a:ln>
-                <a:solidFill>
-                  <a:schemeClr val="tx1"/>
-                </a:solidFill>
-                <a:effectLst/>
-                <a:uLnTx/>
-                <a:uFillTx/>
-                <a:latin typeface="+mn-lt"/>
-                <a:ea typeface="+mn-ea"/>
-                <a:cs typeface="Tahoma" pitchFamily="34" charset="0"/>
-              </a:rPr>
-              <a:t>1 |  Prof</a:t>
-            </a:r>
-            <a:r>
-              <a:rPr kumimoji="0" lang="de-DE" sz="1000" b="0" i="0" u="none" strike="noStrike" kern="1200" cap="none" spc="0" normalizeH="0" baseline="0" noProof="0" dirty="0" smtClean="0">
-                <a:ln>
-                  <a:noFill/>
-                </a:ln>
-                <a:solidFill>
-                  <a:schemeClr val="tx1"/>
-                </a:solidFill>
-                <a:effectLst/>
-                <a:uLnTx/>
-                <a:uFillTx/>
-                <a:latin typeface="+mn-lt"/>
-                <a:ea typeface="+mn-ea"/>
-                <a:cs typeface="Tahoma" pitchFamily="34" charset="0"/>
-              </a:rPr>
-              <a:t>. </a:t>
-            </a:r>
-            <a:r>
-              <a:rPr kumimoji="0" lang="de-DE" sz="1000" b="0" i="0" u="none" strike="noStrike" kern="1200" cap="none" spc="0" normalizeH="0" baseline="0" noProof="0" dirty="0" smtClean="0">
-                <a:ln>
-                  <a:noFill/>
-                </a:ln>
-                <a:solidFill>
-                  <a:schemeClr val="tx1"/>
-                </a:solidFill>
-                <a:effectLst/>
-                <a:uLnTx/>
-                <a:uFillTx/>
-                <a:latin typeface="+mn-lt"/>
-                <a:ea typeface="+mn-ea"/>
-                <a:cs typeface="Tahoma" pitchFamily="34" charset="0"/>
-              </a:rPr>
-              <a:t>Dr. </a:t>
+              <a:t>  |  Fachbereich 1 |  Prof. Dr. </a:t>
             </a:r>
             <a:r>
               <a:rPr kumimoji="0" lang="de-DE" sz="1000" b="0" i="0" u="none" strike="noStrike" kern="1200" cap="none" spc="0" normalizeH="0" baseline="0" noProof="0" dirty="0" err="1" smtClean="0">
@@ -29860,58 +29885,7 @@
                 <a:ea typeface="+mn-ea"/>
                 <a:cs typeface="Tahoma" pitchFamily="34" charset="0"/>
               </a:rPr>
-              <a:t>  |  Fachbereich </a:t>
-            </a:r>
-            <a:r>
-              <a:rPr kumimoji="0" lang="de-DE" sz="1000" b="0" i="0" u="none" strike="noStrike" kern="1200" cap="none" spc="0" normalizeH="0" baseline="0" noProof="0" dirty="0" smtClean="0">
-                <a:ln>
-                  <a:noFill/>
-                </a:ln>
-                <a:solidFill>
-                  <a:schemeClr val="tx1"/>
-                </a:solidFill>
-                <a:effectLst/>
-                <a:uLnTx/>
-                <a:uFillTx/>
-                <a:latin typeface="+mn-lt"/>
-                <a:ea typeface="+mn-ea"/>
-                <a:cs typeface="Tahoma" pitchFamily="34" charset="0"/>
-              </a:rPr>
-              <a:t>1 |  Prof</a:t>
-            </a:r>
-            <a:r>
-              <a:rPr kumimoji="0" lang="de-DE" sz="1000" b="0" i="0" u="none" strike="noStrike" kern="1200" cap="none" spc="0" normalizeH="0" baseline="0" noProof="0" dirty="0" smtClean="0">
-                <a:ln>
-                  <a:noFill/>
-                </a:ln>
-                <a:solidFill>
-                  <a:schemeClr val="tx1"/>
-                </a:solidFill>
-                <a:effectLst/>
-                <a:uLnTx/>
-                <a:uFillTx/>
-                <a:latin typeface="+mn-lt"/>
-                <a:ea typeface="+mn-ea"/>
-                <a:cs typeface="Tahoma" pitchFamily="34" charset="0"/>
-              </a:rPr>
-              <a:t>. </a:t>
-            </a:r>
-            <a:r>
-              <a:rPr kumimoji="0" lang="de-DE" sz="1000" b="0" i="0" u="none" strike="noStrike" kern="1200" cap="none" spc="0" normalizeH="0" baseline="0" noProof="0" dirty="0" smtClean="0">
-                <a:ln>
-                  <a:noFill/>
-                </a:ln>
-                <a:solidFill>
-                  <a:schemeClr val="tx1"/>
-                </a:solidFill>
-                <a:effectLst/>
-                <a:uLnTx/>
-                <a:uFillTx/>
-                <a:latin typeface="+mn-lt"/>
-                <a:ea typeface="+mn-ea"/>
-                <a:cs typeface="Tahoma" pitchFamily="34" charset="0"/>
-              </a:rPr>
-              <a:t>Dr. </a:t>
+              <a:t>  |  Fachbereich 1 |  Prof. Dr. </a:t>
             </a:r>
             <a:r>
               <a:rPr kumimoji="0" lang="de-DE" sz="1000" b="0" i="0" u="none" strike="noStrike" kern="1200" cap="none" spc="0" normalizeH="0" baseline="0" noProof="0" dirty="0" err="1" smtClean="0">
@@ -30652,13 +30626,8 @@
             </a:pPr>
             <a:r>
               <a:rPr lang="de-DE" dirty="0" smtClean="0"/>
-              <a:t>Big Data </a:t>
+              <a:t>Big Data Seminar: Die Nutzung von Fahrzeugbezogenen Sensordaten</a:t>
             </a:r>
-            <a:r>
-              <a:rPr lang="de-DE" dirty="0" smtClean="0"/>
-              <a:t>Seminar: Die Nutzung von Fahrzeugbezogenen Sensordaten</a:t>
-            </a:r>
-            <a:endParaRPr lang="de-DE" dirty="0" smtClean="0"/>
           </a:p>
           <a:p>
             <a:pPr>
@@ -30725,7 +30694,6 @@
               <a:rPr lang="de-DE" sz="3400" dirty="0"/>
               <a:t>“</a:t>
             </a:r>
-            <a:endParaRPr lang="de-DE" sz="3400" dirty="0"/>
           </a:p>
         </p:txBody>
       </p:sp>
@@ -30948,6 +30916,34 @@
               </a:rPr>
               <a:t>Compitition</a:t>
             </a:r>
+            <a:endParaRPr lang="de-DE" dirty="0" smtClean="0">
+              <a:sym typeface="Wingdings" panose="05000000000000000000" pitchFamily="2" charset="2"/>
+            </a:endParaRPr>
+          </a:p>
+          <a:p>
+            <a:endParaRPr lang="de-DE" dirty="0">
+              <a:sym typeface="Wingdings" panose="05000000000000000000" pitchFamily="2" charset="2"/>
+            </a:endParaRPr>
+          </a:p>
+          <a:p>
+            <a:r>
+              <a:rPr lang="de-DE" dirty="0" smtClean="0">
+                <a:sym typeface="Wingdings" panose="05000000000000000000" pitchFamily="2" charset="2"/>
+              </a:rPr>
+              <a:t>Verbesserung des Scoring (mittels mehr Zeit </a:t>
+            </a:r>
+            <a:r>
+              <a:rPr lang="de-DE" dirty="0" err="1" smtClean="0">
+                <a:sym typeface="Wingdings" panose="05000000000000000000" pitchFamily="2" charset="2"/>
+              </a:rPr>
+              <a:t>investition</a:t>
+            </a:r>
+            <a:r>
+              <a:rPr lang="de-DE" dirty="0" smtClean="0">
+                <a:sym typeface="Wingdings" panose="05000000000000000000" pitchFamily="2" charset="2"/>
+              </a:rPr>
+              <a:t>)</a:t>
+            </a:r>
             <a:endParaRPr lang="de-DE" dirty="0" smtClean="0"/>
           </a:p>
           <a:p>
@@ -31080,7 +31076,7 @@
           <p:nvPr>
             <p:extLst>
               <p:ext uri="{D42A27DB-BD31-4B8C-83A1-F6EECF244321}">
-                <p14:modId xmlns:p14="http://schemas.microsoft.com/office/powerpoint/2010/main" val="1389104272"/>
+                <p14:modId xmlns:p14="http://schemas.microsoft.com/office/powerpoint/2010/main" val="3130559446"/>
               </p:ext>
             </p:extLst>
           </p:nvPr>
@@ -31318,7 +31314,7 @@
           <p:nvPr>
             <p:extLst>
               <p:ext uri="{D42A27DB-BD31-4B8C-83A1-F6EECF244321}">
-                <p14:modId xmlns:p14="http://schemas.microsoft.com/office/powerpoint/2010/main" val="1462829819"/>
+                <p14:modId xmlns:p14="http://schemas.microsoft.com/office/powerpoint/2010/main" val="4281692705"/>
               </p:ext>
             </p:extLst>
           </p:nvPr>
@@ -31408,7 +31404,7 @@
           <p:nvPr>
             <p:extLst>
               <p:ext uri="{D42A27DB-BD31-4B8C-83A1-F6EECF244321}">
-                <p14:modId xmlns:p14="http://schemas.microsoft.com/office/powerpoint/2010/main" val="2395182882"/>
+                <p14:modId xmlns:p14="http://schemas.microsoft.com/office/powerpoint/2010/main" val="1857788428"/>
               </p:ext>
             </p:extLst>
           </p:nvPr>
@@ -31485,16 +31481,13 @@
           <a:p>
             <a:r>
               <a:rPr lang="de-DE" dirty="0" smtClean="0"/>
-              <a:t>Durch einen „</a:t>
-            </a:r>
-            <a:r>
-              <a:rPr lang="de-DE" dirty="0" err="1" smtClean="0"/>
-              <a:t>spielerichen</a:t>
+              <a:t>Durch einen </a:t>
             </a:r>
             <a:r>
               <a:rPr lang="de-DE" dirty="0" smtClean="0"/>
-              <a:t>“ Unternehmensinternen Mitarbeiterwettkampf:</a:t>
+              <a:t>„spielerische“ und unternehmensinternen Mitarbeiterwettbewerb sollen die Mitarbeiter dazu angehalten werden Vorsichtiger und „Effizienter“ zu fahren:</a:t>
             </a:r>
+            <a:endParaRPr lang="de-DE" dirty="0" smtClean="0"/>
           </a:p>
           <a:p>
             <a:pPr marL="342900" indent="-342900">
@@ -31503,7 +31496,27 @@
             </a:pPr>
             <a:r>
               <a:rPr lang="de-DE" dirty="0" smtClean="0"/>
-              <a:t>Kleine Boni / Geschenke für sichere und effiziente Fahrweisen (pro Monat / pro Quartal / pro Jahr)</a:t>
+              <a:t>Kleinere Boni </a:t>
+            </a:r>
+            <a:r>
+              <a:rPr lang="de-DE" dirty="0" smtClean="0"/>
+              <a:t>/ Geschenke für </a:t>
+            </a:r>
+            <a:r>
+              <a:rPr lang="de-DE" dirty="0" smtClean="0"/>
+              <a:t>eine sichere </a:t>
+            </a:r>
+            <a:r>
+              <a:rPr lang="de-DE" dirty="0" smtClean="0"/>
+              <a:t>und effiziente Fahrweisen (pro Monat / </a:t>
+            </a:r>
+            <a:r>
+              <a:rPr lang="de-DE" strike="sngStrike" dirty="0" smtClean="0"/>
+              <a:t>pro Quartal / pro Jahr</a:t>
+            </a:r>
+            <a:r>
+              <a:rPr lang="de-DE" dirty="0" smtClean="0"/>
+              <a:t>)</a:t>
             </a:r>
           </a:p>
           <a:p>
@@ -31516,13 +31529,26 @@
               <a:t>geringe Abnutzung / Kosten durch </a:t>
             </a:r>
             <a:r>
-              <a:rPr lang="de-DE" dirty="0" err="1" smtClean="0"/>
-              <a:t>uneffiziente</a:t>
+              <a:rPr lang="de-DE" dirty="0" smtClean="0"/>
+              <a:t>ineffiziente und waghalsige</a:t>
             </a:r>
             <a:r>
               <a:rPr lang="de-DE" dirty="0" smtClean="0"/>
-              <a:t> Fahrweise mittels Mitarbeitermotivation verringern</a:t>
+              <a:t> Fahrweisen können </a:t>
             </a:r>
+            <a:r>
+              <a:rPr lang="de-DE" dirty="0" smtClean="0"/>
+              <a:t>mittels </a:t>
+            </a:r>
+            <a:r>
+              <a:rPr lang="de-DE" dirty="0" smtClean="0"/>
+              <a:t>Mitarbeitermotivation </a:t>
+            </a:r>
+            <a:r>
+              <a:rPr lang="de-DE" dirty="0" smtClean="0"/>
+              <a:t>verringert werden</a:t>
+            </a:r>
+            <a:endParaRPr lang="de-DE" dirty="0" smtClean="0"/>
           </a:p>
           <a:p>
             <a:pPr marL="342900" indent="-342900">
@@ -31661,7 +31687,7 @@
           <p:nvPr>
             <p:extLst>
               <p:ext uri="{D42A27DB-BD31-4B8C-83A1-F6EECF244321}">
-                <p14:modId xmlns:p14="http://schemas.microsoft.com/office/powerpoint/2010/main" val="1879312270"/>
+                <p14:modId xmlns:p14="http://schemas.microsoft.com/office/powerpoint/2010/main" val="4289601421"/>
               </p:ext>
             </p:extLst>
           </p:nvPr>
@@ -31760,7 +31786,25 @@
             </a:r>
             <a:r>
               <a:rPr lang="de-DE" dirty="0" smtClean="0"/>
-              <a:t> / Glättungsfaktoren und Kategorisierungen (Rot Gelb Grün)</a:t>
+              <a:t> / </a:t>
+            </a:r>
+            <a:r>
+              <a:rPr lang="de-DE" dirty="0" smtClean="0"/>
+              <a:t>Glättungsfaktoren</a:t>
+            </a:r>
+          </a:p>
+          <a:p>
+            <a:r>
+              <a:rPr lang="de-DE" dirty="0" smtClean="0"/>
+              <a:t>(zur Zeit einfach durch </a:t>
+            </a:r>
+            <a:r>
+              <a:rPr lang="de-DE" dirty="0" err="1" smtClean="0"/>
+              <a:t>kmh</a:t>
+            </a:r>
+            <a:r>
+              <a:rPr lang="de-DE" dirty="0" smtClean="0"/>
+              <a:t> / Pedalposition vom Gas / RPM)</a:t>
             </a:r>
           </a:p>
           <a:p>
@@ -31769,11 +31813,22 @@
           <a:p>
             <a:r>
               <a:rPr lang="de-DE" dirty="0" smtClean="0"/>
-              <a:t>UI -&gt; benutzerfreundlich / einfach / geringer Kostenaufwand für die </a:t>
+              <a:t>UI -&gt; benutzerfreundlich / einfach </a:t>
+            </a:r>
+            <a:endParaRPr lang="de-DE" dirty="0" smtClean="0"/>
+          </a:p>
+          <a:p>
+            <a:r>
+              <a:rPr lang="de-DE" dirty="0" smtClean="0"/>
+              <a:t>Ziel: geringer </a:t>
             </a:r>
             <a:r>
-              <a:rPr lang="de-DE" dirty="0" err="1" smtClean="0"/>
-              <a:t>Implementierun</a:t>
+              <a:rPr lang="de-DE" dirty="0" smtClean="0"/>
+              <a:t>Kostenaufwand für die </a:t>
+            </a:r>
+            <a:r>
+              <a:rPr lang="de-DE" dirty="0" smtClean="0"/>
+              <a:t>Implementierung und Umsetzung für die unternehmensinterne Nutzung</a:t>
             </a:r>
             <a:endParaRPr lang="de-DE" dirty="0" smtClean="0"/>
           </a:p>
@@ -31813,7 +31868,7 @@
           <a:p>
             <a:r>
               <a:rPr lang="de-DE" dirty="0" smtClean="0"/>
-              <a:t>Die Umsetzung</a:t>
+              <a:t>Unsere Umsetzung</a:t>
             </a:r>
             <a:endParaRPr lang="de-DE" dirty="0"/>
           </a:p>
@@ -31917,7 +31972,7 @@
           <p:nvPr>
             <p:extLst>
               <p:ext uri="{D42A27DB-BD31-4B8C-83A1-F6EECF244321}">
-                <p14:modId xmlns:p14="http://schemas.microsoft.com/office/powerpoint/2010/main" val="1858132234"/>
+                <p14:modId xmlns:p14="http://schemas.microsoft.com/office/powerpoint/2010/main" val="405356158"/>
               </p:ext>
             </p:extLst>
           </p:nvPr>
@@ -32199,7 +32254,7 @@
           <p:nvPr>
             <p:extLst>
               <p:ext uri="{D42A27DB-BD31-4B8C-83A1-F6EECF244321}">
-                <p14:modId xmlns:p14="http://schemas.microsoft.com/office/powerpoint/2010/main" val="3259226634"/>
+                <p14:modId xmlns:p14="http://schemas.microsoft.com/office/powerpoint/2010/main" val="936880154"/>
               </p:ext>
             </p:extLst>
           </p:nvPr>

--- a/Big Data - Driving Compitiion.pptx
+++ b/Big Data - Driving Compitiion.pptx
@@ -4875,11 +4875,7 @@
         <a:p>
           <a:r>
             <a:rPr lang="de-DE" dirty="0" smtClean="0"/>
-            <a:t>Die zukünftige </a:t>
-          </a:r>
-          <a:r>
-            <a:rPr lang="de-DE" dirty="0" smtClean="0"/>
-            <a:t>Vision</a:t>
+            <a:t>Die zukünftige Vision</a:t>
           </a:r>
           <a:endParaRPr lang="de-DE" dirty="0"/>
         </a:p>
@@ -6912,20 +6908,20 @@
     </dgm:pt>
   </dgm:ptLst>
   <dgm:cxnLst>
+    <dgm:cxn modelId="{DF551E1B-31BD-424B-BDF9-2FEE5CDEED18}" type="presOf" srcId="{38321699-6EAC-4AD8-B27B-ACE7FFF262B6}" destId="{94DED9F9-7D3B-4917-A97F-E1AEF1F131EB}" srcOrd="0" destOrd="0" presId="urn:microsoft.com/office/officeart/2008/layout/VerticalCurvedList"/>
+    <dgm:cxn modelId="{F7B64BD6-EEFF-4977-B51C-F5FE13DE21C3}" type="presOf" srcId="{A51BC3B9-C6C3-4F90-8DEB-5FC00F55FAC3}" destId="{8ECB0D0F-B2D2-4899-8B78-A157CB1D3F6B}" srcOrd="0" destOrd="0" presId="urn:microsoft.com/office/officeart/2008/layout/VerticalCurvedList"/>
+    <dgm:cxn modelId="{E5759E99-E475-4200-9CE5-3F48B76A4C63}" type="presOf" srcId="{E95D953B-8834-475B-A90B-21464208104B}" destId="{5A5522D5-98B1-431C-862A-87D2AE6B6114}" srcOrd="0" destOrd="0" presId="urn:microsoft.com/office/officeart/2008/layout/VerticalCurvedList"/>
+    <dgm:cxn modelId="{B14053D7-E653-4001-9CED-ED4C0F94E826}" srcId="{95ECB77F-7E75-47E2-90C0-5B0DDC98D652}" destId="{87FB8AC5-8D3E-434D-AA2A-E691E1044F11}" srcOrd="5" destOrd="0" parTransId="{A0DC7861-C700-42E9-8572-8B1FF4A58B77}" sibTransId="{9C7B8D6A-BBF2-4B91-8536-09DDEF0950F6}"/>
+    <dgm:cxn modelId="{5FFF2D33-36D0-4732-A286-FA07F795F7FA}" srcId="{95ECB77F-7E75-47E2-90C0-5B0DDC98D652}" destId="{E95D953B-8834-475B-A90B-21464208104B}" srcOrd="3" destOrd="0" parTransId="{C7327062-E855-4EA7-B7F4-A7CA52F2DE57}" sibTransId="{B343315B-0F53-472F-A3F8-50E72C394E69}"/>
     <dgm:cxn modelId="{BEE2EB47-2855-42D2-AA03-68D6E06CEB79}" type="presOf" srcId="{45060046-6D24-4053-9722-CE27E4945F11}" destId="{1846E345-4193-43B8-A89A-FBAC2DEA3CE1}" srcOrd="0" destOrd="0" presId="urn:microsoft.com/office/officeart/2008/layout/VerticalCurvedList"/>
+    <dgm:cxn modelId="{516620AF-1C2B-4D03-AE69-7700D0655FC5}" srcId="{95ECB77F-7E75-47E2-90C0-5B0DDC98D652}" destId="{A51BC3B9-C6C3-4F90-8DEB-5FC00F55FAC3}" srcOrd="1" destOrd="0" parTransId="{FB4C850F-ADB2-4038-934D-454F131BB747}" sibTransId="{533DBDD4-7C73-461F-8E6E-7024B084AA9F}"/>
+    <dgm:cxn modelId="{47C04417-86FC-498B-BD14-77393C10C1DC}" type="presOf" srcId="{CD0833F7-E376-457D-A71E-09FC73BFF92B}" destId="{08F8990D-49AD-4487-90C5-A481D9A36092}" srcOrd="0" destOrd="0" presId="urn:microsoft.com/office/officeart/2008/layout/VerticalCurvedList"/>
+    <dgm:cxn modelId="{ADF612EB-E1AA-456A-A7A3-4C37D446752B}" type="presOf" srcId="{1A926AD4-CAE4-4101-AE8D-570B2C62378B}" destId="{506FFCA4-4592-4809-88A7-98FA0A62B2FE}" srcOrd="0" destOrd="0" presId="urn:microsoft.com/office/officeart/2008/layout/VerticalCurvedList"/>
+    <dgm:cxn modelId="{54C22A2C-2957-4E5B-A799-CEBDB2F2B3D6}" srcId="{95ECB77F-7E75-47E2-90C0-5B0DDC98D652}" destId="{45060046-6D24-4053-9722-CE27E4945F11}" srcOrd="4" destOrd="0" parTransId="{0C22DB43-AD4A-47E8-8690-7A0FC81803F9}" sibTransId="{9A98F613-EA9F-4553-902A-79CBE73C9130}"/>
+    <dgm:cxn modelId="{FAAB1983-77ED-4E7E-9B95-58C230122AE5}" srcId="{95ECB77F-7E75-47E2-90C0-5B0DDC98D652}" destId="{38321699-6EAC-4AD8-B27B-ACE7FFF262B6}" srcOrd="0" destOrd="0" parTransId="{BD4F7070-97CC-40EF-8C99-9322B9CA6DB3}" sibTransId="{1A926AD4-CAE4-4101-AE8D-570B2C62378B}"/>
+    <dgm:cxn modelId="{41854B80-A3E4-4FD5-A103-D70420420B0A}" type="presOf" srcId="{95ECB77F-7E75-47E2-90C0-5B0DDC98D652}" destId="{38E64900-0655-49A7-81A8-CBE292ECC20A}" srcOrd="0" destOrd="0" presId="urn:microsoft.com/office/officeart/2008/layout/VerticalCurvedList"/>
     <dgm:cxn modelId="{72457938-9B53-4279-B462-CAD957A50A6C}" srcId="{95ECB77F-7E75-47E2-90C0-5B0DDC98D652}" destId="{CD0833F7-E376-457D-A71E-09FC73BFF92B}" srcOrd="2" destOrd="0" parTransId="{D846FAC5-99A1-44AD-AC9F-8D26D376FDD3}" sibTransId="{3DA33939-57E8-47EE-992C-63D2CAB2022F}"/>
     <dgm:cxn modelId="{78A1B226-F0EC-4BEB-B691-BCF0BB22434D}" type="presOf" srcId="{87FB8AC5-8D3E-434D-AA2A-E691E1044F11}" destId="{34EAC2A8-ED4F-47AB-ABA4-B15FD3670046}" srcOrd="0" destOrd="0" presId="urn:microsoft.com/office/officeart/2008/layout/VerticalCurvedList"/>
-    <dgm:cxn modelId="{DF551E1B-31BD-424B-BDF9-2FEE5CDEED18}" type="presOf" srcId="{38321699-6EAC-4AD8-B27B-ACE7FFF262B6}" destId="{94DED9F9-7D3B-4917-A97F-E1AEF1F131EB}" srcOrd="0" destOrd="0" presId="urn:microsoft.com/office/officeart/2008/layout/VerticalCurvedList"/>
-    <dgm:cxn modelId="{516620AF-1C2B-4D03-AE69-7700D0655FC5}" srcId="{95ECB77F-7E75-47E2-90C0-5B0DDC98D652}" destId="{A51BC3B9-C6C3-4F90-8DEB-5FC00F55FAC3}" srcOrd="1" destOrd="0" parTransId="{FB4C850F-ADB2-4038-934D-454F131BB747}" sibTransId="{533DBDD4-7C73-461F-8E6E-7024B084AA9F}"/>
-    <dgm:cxn modelId="{5FFF2D33-36D0-4732-A286-FA07F795F7FA}" srcId="{95ECB77F-7E75-47E2-90C0-5B0DDC98D652}" destId="{E95D953B-8834-475B-A90B-21464208104B}" srcOrd="3" destOrd="0" parTransId="{C7327062-E855-4EA7-B7F4-A7CA52F2DE57}" sibTransId="{B343315B-0F53-472F-A3F8-50E72C394E69}"/>
-    <dgm:cxn modelId="{FAAB1983-77ED-4E7E-9B95-58C230122AE5}" srcId="{95ECB77F-7E75-47E2-90C0-5B0DDC98D652}" destId="{38321699-6EAC-4AD8-B27B-ACE7FFF262B6}" srcOrd="0" destOrd="0" parTransId="{BD4F7070-97CC-40EF-8C99-9322B9CA6DB3}" sibTransId="{1A926AD4-CAE4-4101-AE8D-570B2C62378B}"/>
-    <dgm:cxn modelId="{B14053D7-E653-4001-9CED-ED4C0F94E826}" srcId="{95ECB77F-7E75-47E2-90C0-5B0DDC98D652}" destId="{87FB8AC5-8D3E-434D-AA2A-E691E1044F11}" srcOrd="5" destOrd="0" parTransId="{A0DC7861-C700-42E9-8572-8B1FF4A58B77}" sibTransId="{9C7B8D6A-BBF2-4B91-8536-09DDEF0950F6}"/>
-    <dgm:cxn modelId="{47C04417-86FC-498B-BD14-77393C10C1DC}" type="presOf" srcId="{CD0833F7-E376-457D-A71E-09FC73BFF92B}" destId="{08F8990D-49AD-4487-90C5-A481D9A36092}" srcOrd="0" destOrd="0" presId="urn:microsoft.com/office/officeart/2008/layout/VerticalCurvedList"/>
-    <dgm:cxn modelId="{E5759E99-E475-4200-9CE5-3F48B76A4C63}" type="presOf" srcId="{E95D953B-8834-475B-A90B-21464208104B}" destId="{5A5522D5-98B1-431C-862A-87D2AE6B6114}" srcOrd="0" destOrd="0" presId="urn:microsoft.com/office/officeart/2008/layout/VerticalCurvedList"/>
-    <dgm:cxn modelId="{54C22A2C-2957-4E5B-A799-CEBDB2F2B3D6}" srcId="{95ECB77F-7E75-47E2-90C0-5B0DDC98D652}" destId="{45060046-6D24-4053-9722-CE27E4945F11}" srcOrd="4" destOrd="0" parTransId="{0C22DB43-AD4A-47E8-8690-7A0FC81803F9}" sibTransId="{9A98F613-EA9F-4553-902A-79CBE73C9130}"/>
-    <dgm:cxn modelId="{F7B64BD6-EEFF-4977-B51C-F5FE13DE21C3}" type="presOf" srcId="{A51BC3B9-C6C3-4F90-8DEB-5FC00F55FAC3}" destId="{8ECB0D0F-B2D2-4899-8B78-A157CB1D3F6B}" srcOrd="0" destOrd="0" presId="urn:microsoft.com/office/officeart/2008/layout/VerticalCurvedList"/>
-    <dgm:cxn modelId="{ADF612EB-E1AA-456A-A7A3-4C37D446752B}" type="presOf" srcId="{1A926AD4-CAE4-4101-AE8D-570B2C62378B}" destId="{506FFCA4-4592-4809-88A7-98FA0A62B2FE}" srcOrd="0" destOrd="0" presId="urn:microsoft.com/office/officeart/2008/layout/VerticalCurvedList"/>
-    <dgm:cxn modelId="{41854B80-A3E4-4FD5-A103-D70420420B0A}" type="presOf" srcId="{95ECB77F-7E75-47E2-90C0-5B0DDC98D652}" destId="{38E64900-0655-49A7-81A8-CBE292ECC20A}" srcOrd="0" destOrd="0" presId="urn:microsoft.com/office/officeart/2008/layout/VerticalCurvedList"/>
     <dgm:cxn modelId="{BB80A6C9-B112-4391-9AB4-1F3016E8C408}" type="presParOf" srcId="{38E64900-0655-49A7-81A8-CBE292ECC20A}" destId="{41921527-D604-4B3C-B292-C3FAC710B6E0}" srcOrd="0" destOrd="0" presId="urn:microsoft.com/office/officeart/2008/layout/VerticalCurvedList"/>
     <dgm:cxn modelId="{1423987F-98D3-470D-AAF2-60D4097EA5F5}" type="presParOf" srcId="{41921527-D604-4B3C-B292-C3FAC710B6E0}" destId="{24F548E7-AE07-4894-BADE-1F0E78FED5F2}" srcOrd="0" destOrd="0" presId="urn:microsoft.com/office/officeart/2008/layout/VerticalCurvedList"/>
     <dgm:cxn modelId="{28225234-F0F5-4313-A2C5-9E32A9EE7094}" type="presParOf" srcId="{24F548E7-AE07-4894-BADE-1F0E78FED5F2}" destId="{85B14CF3-E044-4530-B837-51EB3D31E253}" srcOrd="0" destOrd="0" presId="urn:microsoft.com/office/officeart/2008/layout/VerticalCurvedList"/>
@@ -8552,11 +8548,7 @@
           </a:pPr>
           <a:r>
             <a:rPr lang="de-DE" sz="2600" kern="1200" dirty="0" smtClean="0"/>
-            <a:t>Die zukünftige </a:t>
-          </a:r>
-          <a:r>
-            <a:rPr lang="de-DE" sz="2600" kern="1200" dirty="0" smtClean="0"/>
-            <a:t>Vision</a:t>
+            <a:t>Die zukünftige Vision</a:t>
           </a:r>
           <a:endParaRPr lang="de-DE" sz="2600" kern="1200" dirty="0"/>
         </a:p>
@@ -30995,7 +30987,7 @@
           <a:p>
             <a:r>
               <a:rPr lang="de-DE" dirty="0" smtClean="0"/>
-              <a:t>Umsetzung, Änderung und Anwendung</a:t>
+              <a:t>Veränderung, Verbesserung und Erweiterung</a:t>
             </a:r>
             <a:endParaRPr lang="de-DE" dirty="0"/>
           </a:p>
@@ -31481,13 +31473,8 @@
           <a:p>
             <a:r>
               <a:rPr lang="de-DE" dirty="0" smtClean="0"/>
-              <a:t>Durch einen </a:t>
+              <a:t>Durch einen „spielerische“ und unternehmensinternen Mitarbeiterwettbewerb sollen die Mitarbeiter dazu angehalten werden Vorsichtiger und „Effizienter“ zu fahren:</a:t>
             </a:r>
-            <a:r>
-              <a:rPr lang="de-DE" dirty="0" smtClean="0"/>
-              <a:t>„spielerische“ und unternehmensinternen Mitarbeiterwettbewerb sollen die Mitarbeiter dazu angehalten werden Vorsichtiger und „Effizienter“ zu fahren:</a:t>
-            </a:r>
-            <a:endParaRPr lang="de-DE" dirty="0" smtClean="0"/>
           </a:p>
           <a:p>
             <a:pPr marL="342900" indent="-342900">
@@ -31496,19 +31483,7 @@
             </a:pPr>
             <a:r>
               <a:rPr lang="de-DE" dirty="0" smtClean="0"/>
-              <a:t>Kleinere Boni </a:t>
-            </a:r>
-            <a:r>
-              <a:rPr lang="de-DE" dirty="0" smtClean="0"/>
-              <a:t>/ Geschenke für </a:t>
-            </a:r>
-            <a:r>
-              <a:rPr lang="de-DE" dirty="0" smtClean="0"/>
-              <a:t>eine sichere </a:t>
-            </a:r>
-            <a:r>
-              <a:rPr lang="de-DE" dirty="0" smtClean="0"/>
-              <a:t>und effiziente Fahrweisen (pro Monat / </a:t>
+              <a:t>Kleinere Boni / Geschenke für eine sichere und effiziente Fahrweisen (pro Monat / </a:t>
             </a:r>
             <a:r>
               <a:rPr lang="de-DE" strike="sngStrike" dirty="0" smtClean="0"/>
@@ -31526,29 +31501,8 @@
             </a:pPr>
             <a:r>
               <a:rPr lang="de-DE" dirty="0" smtClean="0"/>
-              <a:t>geringe Abnutzung / Kosten durch </a:t>
+              <a:t>geringe Abnutzung / Kosten durch ineffiziente und waghalsige Fahrweisen können mittels Mitarbeitermotivation verringert werden</a:t>
             </a:r>
-            <a:r>
-              <a:rPr lang="de-DE" dirty="0" smtClean="0"/>
-              <a:t>ineffiziente und waghalsige</a:t>
-            </a:r>
-            <a:r>
-              <a:rPr lang="de-DE" dirty="0" smtClean="0"/>
-              <a:t> Fahrweisen können </a:t>
-            </a:r>
-            <a:r>
-              <a:rPr lang="de-DE" dirty="0" smtClean="0"/>
-              <a:t>mittels </a:t>
-            </a:r>
-            <a:r>
-              <a:rPr lang="de-DE" dirty="0" smtClean="0"/>
-              <a:t>Mitarbeitermotivation </a:t>
-            </a:r>
-            <a:r>
-              <a:rPr lang="de-DE" dirty="0" smtClean="0"/>
-              <a:t>verringert werden</a:t>
-            </a:r>
-            <a:endParaRPr lang="de-DE" dirty="0" smtClean="0"/>
           </a:p>
           <a:p>
             <a:pPr marL="342900" indent="-342900">
@@ -31786,11 +31740,7 @@
             </a:r>
             <a:r>
               <a:rPr lang="de-DE" dirty="0" smtClean="0"/>
-              <a:t> / </a:t>
-            </a:r>
-            <a:r>
-              <a:rPr lang="de-DE" dirty="0" smtClean="0"/>
-              <a:t>Glättungsfaktoren</a:t>
+              <a:t> / Glättungsfaktoren</a:t>
             </a:r>
           </a:p>
           <a:p>
@@ -31815,22 +31765,12 @@
               <a:rPr lang="de-DE" dirty="0" smtClean="0"/>
               <a:t>UI -&gt; benutzerfreundlich / einfach </a:t>
             </a:r>
-            <a:endParaRPr lang="de-DE" dirty="0" smtClean="0"/>
           </a:p>
           <a:p>
             <a:r>
               <a:rPr lang="de-DE" dirty="0" smtClean="0"/>
-              <a:t>Ziel: geringer </a:t>
+              <a:t>Ziel: geringer Kostenaufwand für die Implementierung und Umsetzung für die unternehmensinterne Nutzung</a:t>
             </a:r>
-            <a:r>
-              <a:rPr lang="de-DE" dirty="0" smtClean="0"/>
-              <a:t>Kostenaufwand für die </a:t>
-            </a:r>
-            <a:r>
-              <a:rPr lang="de-DE" dirty="0" smtClean="0"/>
-              <a:t>Implementierung und Umsetzung für die unternehmensinterne Nutzung</a:t>
-            </a:r>
-            <a:endParaRPr lang="de-DE" dirty="0" smtClean="0"/>
           </a:p>
           <a:p>
             <a:endParaRPr lang="de-DE" dirty="0" smtClean="0"/>

--- a/Big Data - Driving Compitiion.pptx
+++ b/Big Data - Driving Compitiion.pptx
@@ -5,10 +5,10 @@
     <p:sldMasterId id="2147483648" r:id="rId1"/>
   </p:sldMasterIdLst>
   <p:notesMasterIdLst>
-    <p:notesMasterId r:id="rId14"/>
+    <p:notesMasterId r:id="rId17"/>
   </p:notesMasterIdLst>
   <p:handoutMasterIdLst>
-    <p:handoutMasterId r:id="rId15"/>
+    <p:handoutMasterId r:id="rId18"/>
   </p:handoutMasterIdLst>
   <p:sldIdLst>
     <p:sldId id="256" r:id="rId2"/>
@@ -20,9 +20,12 @@
     <p:sldId id="262" r:id="rId8"/>
     <p:sldId id="263" r:id="rId9"/>
     <p:sldId id="264" r:id="rId10"/>
-    <p:sldId id="265" r:id="rId11"/>
-    <p:sldId id="266" r:id="rId12"/>
-    <p:sldId id="267" r:id="rId13"/>
+    <p:sldId id="269" r:id="rId11"/>
+    <p:sldId id="268" r:id="rId12"/>
+    <p:sldId id="265" r:id="rId13"/>
+    <p:sldId id="266" r:id="rId14"/>
+    <p:sldId id="267" r:id="rId15"/>
+    <p:sldId id="270" r:id="rId16"/>
   </p:sldIdLst>
   <p:sldSz cx="9144000" cy="6858000" type="screen4x3"/>
   <p:notesSz cx="6858000" cy="9144000"/>
@@ -4675,6 +4678,753 @@
 </dgm:colorsDef>
 </file>
 
+<file path=ppt/diagrams/colors7.xml><?xml version="1.0" encoding="utf-8"?>
+<dgm:colorsDef xmlns:dgm="http://schemas.openxmlformats.org/drawingml/2006/diagram" xmlns:a="http://schemas.openxmlformats.org/drawingml/2006/main" uniqueId="urn:microsoft.com/office/officeart/2005/8/colors/accent1_2">
+  <dgm:title val=""/>
+  <dgm:desc val=""/>
+  <dgm:catLst>
+    <dgm:cat type="accent1" pri="11200"/>
+  </dgm:catLst>
+  <dgm:styleLbl name="node0">
+    <dgm:fillClrLst meth="repeat">
+      <a:schemeClr val="accent1"/>
+    </dgm:fillClrLst>
+    <dgm:linClrLst meth="repeat">
+      <a:schemeClr val="lt1"/>
+    </dgm:linClrLst>
+    <dgm:effectClrLst/>
+    <dgm:txLinClrLst/>
+    <dgm:txFillClrLst/>
+    <dgm:txEffectClrLst/>
+  </dgm:styleLbl>
+  <dgm:styleLbl name="alignNode1">
+    <dgm:fillClrLst meth="repeat">
+      <a:schemeClr val="accent1"/>
+    </dgm:fillClrLst>
+    <dgm:linClrLst meth="repeat">
+      <a:schemeClr val="accent1"/>
+    </dgm:linClrLst>
+    <dgm:effectClrLst/>
+    <dgm:txLinClrLst/>
+    <dgm:txFillClrLst/>
+    <dgm:txEffectClrLst/>
+  </dgm:styleLbl>
+  <dgm:styleLbl name="node1">
+    <dgm:fillClrLst meth="repeat">
+      <a:schemeClr val="accent1"/>
+    </dgm:fillClrLst>
+    <dgm:linClrLst meth="repeat">
+      <a:schemeClr val="lt1"/>
+    </dgm:linClrLst>
+    <dgm:effectClrLst/>
+    <dgm:txLinClrLst/>
+    <dgm:txFillClrLst/>
+    <dgm:txEffectClrLst/>
+  </dgm:styleLbl>
+  <dgm:styleLbl name="lnNode1">
+    <dgm:fillClrLst meth="repeat">
+      <a:schemeClr val="accent1"/>
+    </dgm:fillClrLst>
+    <dgm:linClrLst meth="repeat">
+      <a:schemeClr val="lt1"/>
+    </dgm:linClrLst>
+    <dgm:effectClrLst/>
+    <dgm:txLinClrLst/>
+    <dgm:txFillClrLst/>
+    <dgm:txEffectClrLst/>
+  </dgm:styleLbl>
+  <dgm:styleLbl name="vennNode1">
+    <dgm:fillClrLst meth="repeat">
+      <a:schemeClr val="accent1">
+        <a:alpha val="50000"/>
+      </a:schemeClr>
+    </dgm:fillClrLst>
+    <dgm:linClrLst meth="repeat">
+      <a:schemeClr val="lt1"/>
+    </dgm:linClrLst>
+    <dgm:effectClrLst/>
+    <dgm:txLinClrLst/>
+    <dgm:txFillClrLst/>
+    <dgm:txEffectClrLst/>
+  </dgm:styleLbl>
+  <dgm:styleLbl name="node2">
+    <dgm:fillClrLst meth="repeat">
+      <a:schemeClr val="accent1"/>
+    </dgm:fillClrLst>
+    <dgm:linClrLst meth="repeat">
+      <a:schemeClr val="lt1"/>
+    </dgm:linClrLst>
+    <dgm:effectClrLst/>
+    <dgm:txLinClrLst/>
+    <dgm:txFillClrLst/>
+    <dgm:txEffectClrLst/>
+  </dgm:styleLbl>
+  <dgm:styleLbl name="node3">
+    <dgm:fillClrLst meth="repeat">
+      <a:schemeClr val="accent1"/>
+    </dgm:fillClrLst>
+    <dgm:linClrLst meth="repeat">
+      <a:schemeClr val="lt1"/>
+    </dgm:linClrLst>
+    <dgm:effectClrLst/>
+    <dgm:txLinClrLst/>
+    <dgm:txFillClrLst/>
+    <dgm:txEffectClrLst/>
+  </dgm:styleLbl>
+  <dgm:styleLbl name="node4">
+    <dgm:fillClrLst meth="repeat">
+      <a:schemeClr val="accent1"/>
+    </dgm:fillClrLst>
+    <dgm:linClrLst meth="repeat">
+      <a:schemeClr val="lt1"/>
+    </dgm:linClrLst>
+    <dgm:effectClrLst/>
+    <dgm:txLinClrLst/>
+    <dgm:txFillClrLst/>
+    <dgm:txEffectClrLst/>
+  </dgm:styleLbl>
+  <dgm:styleLbl name="fgImgPlace1">
+    <dgm:fillClrLst meth="repeat">
+      <a:schemeClr val="accent1">
+        <a:tint val="50000"/>
+      </a:schemeClr>
+    </dgm:fillClrLst>
+    <dgm:linClrLst meth="repeat">
+      <a:schemeClr val="lt1"/>
+    </dgm:linClrLst>
+    <dgm:effectClrLst/>
+    <dgm:txLinClrLst/>
+    <dgm:txFillClrLst meth="repeat">
+      <a:schemeClr val="lt1"/>
+    </dgm:txFillClrLst>
+    <dgm:txEffectClrLst/>
+  </dgm:styleLbl>
+  <dgm:styleLbl name="alignImgPlace1">
+    <dgm:fillClrLst meth="repeat">
+      <a:schemeClr val="accent1">
+        <a:tint val="50000"/>
+      </a:schemeClr>
+    </dgm:fillClrLst>
+    <dgm:linClrLst meth="repeat">
+      <a:schemeClr val="lt1"/>
+    </dgm:linClrLst>
+    <dgm:effectClrLst/>
+    <dgm:txLinClrLst/>
+    <dgm:txFillClrLst meth="repeat">
+      <a:schemeClr val="lt1"/>
+    </dgm:txFillClrLst>
+    <dgm:txEffectClrLst/>
+  </dgm:styleLbl>
+  <dgm:styleLbl name="bgImgPlace1">
+    <dgm:fillClrLst meth="repeat">
+      <a:schemeClr val="accent1">
+        <a:tint val="50000"/>
+      </a:schemeClr>
+    </dgm:fillClrLst>
+    <dgm:linClrLst meth="repeat">
+      <a:schemeClr val="lt1"/>
+    </dgm:linClrLst>
+    <dgm:effectClrLst/>
+    <dgm:txLinClrLst/>
+    <dgm:txFillClrLst meth="repeat">
+      <a:schemeClr val="lt1"/>
+    </dgm:txFillClrLst>
+    <dgm:txEffectClrLst/>
+  </dgm:styleLbl>
+  <dgm:styleLbl name="sibTrans2D1">
+    <dgm:fillClrLst meth="repeat">
+      <a:schemeClr val="accent1">
+        <a:tint val="60000"/>
+      </a:schemeClr>
+    </dgm:fillClrLst>
+    <dgm:linClrLst meth="repeat">
+      <a:schemeClr val="accent1">
+        <a:tint val="60000"/>
+      </a:schemeClr>
+    </dgm:linClrLst>
+    <dgm:effectClrLst/>
+    <dgm:txLinClrLst/>
+    <dgm:txFillClrLst/>
+    <dgm:txEffectClrLst/>
+  </dgm:styleLbl>
+  <dgm:styleLbl name="fgSibTrans2D1">
+    <dgm:fillClrLst meth="repeat">
+      <a:schemeClr val="accent1">
+        <a:tint val="60000"/>
+      </a:schemeClr>
+    </dgm:fillClrLst>
+    <dgm:linClrLst meth="repeat">
+      <a:schemeClr val="accent1">
+        <a:tint val="60000"/>
+      </a:schemeClr>
+    </dgm:linClrLst>
+    <dgm:effectClrLst/>
+    <dgm:txLinClrLst/>
+    <dgm:txFillClrLst/>
+    <dgm:txEffectClrLst/>
+  </dgm:styleLbl>
+  <dgm:styleLbl name="bgSibTrans2D1">
+    <dgm:fillClrLst meth="repeat">
+      <a:schemeClr val="accent1">
+        <a:tint val="60000"/>
+      </a:schemeClr>
+    </dgm:fillClrLst>
+    <dgm:linClrLst meth="repeat">
+      <a:schemeClr val="accent1">
+        <a:tint val="60000"/>
+      </a:schemeClr>
+    </dgm:linClrLst>
+    <dgm:effectClrLst/>
+    <dgm:txLinClrLst/>
+    <dgm:txFillClrLst/>
+    <dgm:txEffectClrLst/>
+  </dgm:styleLbl>
+  <dgm:styleLbl name="sibTrans1D1">
+    <dgm:fillClrLst meth="repeat">
+      <a:schemeClr val="accent1"/>
+    </dgm:fillClrLst>
+    <dgm:linClrLst meth="repeat">
+      <a:schemeClr val="accent1"/>
+    </dgm:linClrLst>
+    <dgm:effectClrLst/>
+    <dgm:txLinClrLst/>
+    <dgm:txFillClrLst meth="repeat">
+      <a:schemeClr val="tx1"/>
+    </dgm:txFillClrLst>
+    <dgm:txEffectClrLst/>
+  </dgm:styleLbl>
+  <dgm:styleLbl name="callout">
+    <dgm:fillClrLst meth="repeat">
+      <a:schemeClr val="accent1"/>
+    </dgm:fillClrLst>
+    <dgm:linClrLst meth="repeat">
+      <a:schemeClr val="accent1">
+        <a:tint val="50000"/>
+      </a:schemeClr>
+    </dgm:linClrLst>
+    <dgm:effectClrLst/>
+    <dgm:txLinClrLst/>
+    <dgm:txFillClrLst meth="repeat">
+      <a:schemeClr val="tx1"/>
+    </dgm:txFillClrLst>
+    <dgm:txEffectClrLst/>
+  </dgm:styleLbl>
+  <dgm:styleLbl name="asst0">
+    <dgm:fillClrLst meth="repeat">
+      <a:schemeClr val="accent1"/>
+    </dgm:fillClrLst>
+    <dgm:linClrLst meth="repeat">
+      <a:schemeClr val="lt1"/>
+    </dgm:linClrLst>
+    <dgm:effectClrLst/>
+    <dgm:txLinClrLst/>
+    <dgm:txFillClrLst/>
+    <dgm:txEffectClrLst/>
+  </dgm:styleLbl>
+  <dgm:styleLbl name="asst1">
+    <dgm:fillClrLst meth="repeat">
+      <a:schemeClr val="accent1"/>
+    </dgm:fillClrLst>
+    <dgm:linClrLst meth="repeat">
+      <a:schemeClr val="lt1"/>
+    </dgm:linClrLst>
+    <dgm:effectClrLst/>
+    <dgm:txLinClrLst/>
+    <dgm:txFillClrLst/>
+    <dgm:txEffectClrLst/>
+  </dgm:styleLbl>
+  <dgm:styleLbl name="asst2">
+    <dgm:fillClrLst meth="repeat">
+      <a:schemeClr val="accent1"/>
+    </dgm:fillClrLst>
+    <dgm:linClrLst meth="repeat">
+      <a:schemeClr val="lt1"/>
+    </dgm:linClrLst>
+    <dgm:effectClrLst/>
+    <dgm:txLinClrLst/>
+    <dgm:txFillClrLst/>
+    <dgm:txEffectClrLst/>
+  </dgm:styleLbl>
+  <dgm:styleLbl name="asst3">
+    <dgm:fillClrLst meth="repeat">
+      <a:schemeClr val="accent1"/>
+    </dgm:fillClrLst>
+    <dgm:linClrLst meth="repeat">
+      <a:schemeClr val="lt1"/>
+    </dgm:linClrLst>
+    <dgm:effectClrLst/>
+    <dgm:txLinClrLst/>
+    <dgm:txFillClrLst/>
+    <dgm:txEffectClrLst/>
+  </dgm:styleLbl>
+  <dgm:styleLbl name="asst4">
+    <dgm:fillClrLst meth="repeat">
+      <a:schemeClr val="accent1"/>
+    </dgm:fillClrLst>
+    <dgm:linClrLst meth="repeat">
+      <a:schemeClr val="lt1"/>
+    </dgm:linClrLst>
+    <dgm:effectClrLst/>
+    <dgm:txLinClrLst/>
+    <dgm:txFillClrLst/>
+    <dgm:txEffectClrLst/>
+  </dgm:styleLbl>
+  <dgm:styleLbl name="parChTrans2D1">
+    <dgm:fillClrLst meth="repeat">
+      <a:schemeClr val="accent1">
+        <a:tint val="60000"/>
+      </a:schemeClr>
+    </dgm:fillClrLst>
+    <dgm:linClrLst meth="repeat">
+      <a:schemeClr val="accent1">
+        <a:tint val="60000"/>
+      </a:schemeClr>
+    </dgm:linClrLst>
+    <dgm:effectClrLst/>
+    <dgm:txLinClrLst/>
+    <dgm:txFillClrLst meth="repeat">
+      <a:schemeClr val="lt1"/>
+    </dgm:txFillClrLst>
+    <dgm:txEffectClrLst/>
+  </dgm:styleLbl>
+  <dgm:styleLbl name="parChTrans2D2">
+    <dgm:fillClrLst meth="repeat">
+      <a:schemeClr val="accent1"/>
+    </dgm:fillClrLst>
+    <dgm:linClrLst meth="repeat">
+      <a:schemeClr val="accent1"/>
+    </dgm:linClrLst>
+    <dgm:effectClrLst/>
+    <dgm:txLinClrLst/>
+    <dgm:txFillClrLst meth="repeat">
+      <a:schemeClr val="lt1"/>
+    </dgm:txFillClrLst>
+    <dgm:txEffectClrLst/>
+  </dgm:styleLbl>
+  <dgm:styleLbl name="parChTrans2D3">
+    <dgm:fillClrLst meth="repeat">
+      <a:schemeClr val="accent1"/>
+    </dgm:fillClrLst>
+    <dgm:linClrLst meth="repeat">
+      <a:schemeClr val="accent1"/>
+    </dgm:linClrLst>
+    <dgm:effectClrLst/>
+    <dgm:txLinClrLst/>
+    <dgm:txFillClrLst meth="repeat">
+      <a:schemeClr val="lt1"/>
+    </dgm:txFillClrLst>
+    <dgm:txEffectClrLst/>
+  </dgm:styleLbl>
+  <dgm:styleLbl name="parChTrans2D4">
+    <dgm:fillClrLst meth="repeat">
+      <a:schemeClr val="accent1"/>
+    </dgm:fillClrLst>
+    <dgm:linClrLst meth="repeat">
+      <a:schemeClr val="accent1"/>
+    </dgm:linClrLst>
+    <dgm:effectClrLst/>
+    <dgm:txLinClrLst/>
+    <dgm:txFillClrLst meth="repeat">
+      <a:schemeClr val="lt1"/>
+    </dgm:txFillClrLst>
+    <dgm:txEffectClrLst/>
+  </dgm:styleLbl>
+  <dgm:styleLbl name="parChTrans1D1">
+    <dgm:fillClrLst meth="repeat">
+      <a:schemeClr val="accent1"/>
+    </dgm:fillClrLst>
+    <dgm:linClrLst meth="repeat">
+      <a:schemeClr val="accent1">
+        <a:shade val="60000"/>
+      </a:schemeClr>
+    </dgm:linClrLst>
+    <dgm:effectClrLst/>
+    <dgm:txLinClrLst/>
+    <dgm:txFillClrLst meth="repeat">
+      <a:schemeClr val="tx1"/>
+    </dgm:txFillClrLst>
+    <dgm:txEffectClrLst/>
+  </dgm:styleLbl>
+  <dgm:styleLbl name="parChTrans1D2">
+    <dgm:fillClrLst meth="repeat">
+      <a:schemeClr val="accent1"/>
+    </dgm:fillClrLst>
+    <dgm:linClrLst meth="repeat">
+      <a:schemeClr val="accent1">
+        <a:shade val="60000"/>
+      </a:schemeClr>
+    </dgm:linClrLst>
+    <dgm:effectClrLst/>
+    <dgm:txLinClrLst/>
+    <dgm:txFillClrLst meth="repeat">
+      <a:schemeClr val="tx1"/>
+    </dgm:txFillClrLst>
+    <dgm:txEffectClrLst/>
+  </dgm:styleLbl>
+  <dgm:styleLbl name="parChTrans1D3">
+    <dgm:fillClrLst meth="repeat">
+      <a:schemeClr val="accent1"/>
+    </dgm:fillClrLst>
+    <dgm:linClrLst meth="repeat">
+      <a:schemeClr val="accent1">
+        <a:shade val="80000"/>
+      </a:schemeClr>
+    </dgm:linClrLst>
+    <dgm:effectClrLst/>
+    <dgm:txLinClrLst/>
+    <dgm:txFillClrLst meth="repeat">
+      <a:schemeClr val="tx1"/>
+    </dgm:txFillClrLst>
+    <dgm:txEffectClrLst/>
+  </dgm:styleLbl>
+  <dgm:styleLbl name="parChTrans1D4">
+    <dgm:fillClrLst meth="repeat">
+      <a:schemeClr val="accent1"/>
+    </dgm:fillClrLst>
+    <dgm:linClrLst meth="repeat">
+      <a:schemeClr val="accent1">
+        <a:shade val="80000"/>
+      </a:schemeClr>
+    </dgm:linClrLst>
+    <dgm:effectClrLst/>
+    <dgm:txLinClrLst/>
+    <dgm:txFillClrLst meth="repeat">
+      <a:schemeClr val="tx1"/>
+    </dgm:txFillClrLst>
+    <dgm:txEffectClrLst/>
+  </dgm:styleLbl>
+  <dgm:styleLbl name="fgAcc1">
+    <dgm:fillClrLst meth="repeat">
+      <a:schemeClr val="lt1">
+        <a:alpha val="90000"/>
+      </a:schemeClr>
+    </dgm:fillClrLst>
+    <dgm:linClrLst meth="repeat">
+      <a:schemeClr val="accent1"/>
+    </dgm:linClrLst>
+    <dgm:effectClrLst/>
+    <dgm:txLinClrLst/>
+    <dgm:txFillClrLst meth="repeat">
+      <a:schemeClr val="dk1"/>
+    </dgm:txFillClrLst>
+    <dgm:txEffectClrLst/>
+  </dgm:styleLbl>
+  <dgm:styleLbl name="conFgAcc1">
+    <dgm:fillClrLst meth="repeat">
+      <a:schemeClr val="lt1">
+        <a:alpha val="90000"/>
+      </a:schemeClr>
+    </dgm:fillClrLst>
+    <dgm:linClrLst meth="repeat">
+      <a:schemeClr val="accent1"/>
+    </dgm:linClrLst>
+    <dgm:effectClrLst/>
+    <dgm:txLinClrLst/>
+    <dgm:txFillClrLst meth="repeat">
+      <a:schemeClr val="dk1"/>
+    </dgm:txFillClrLst>
+    <dgm:txEffectClrLst/>
+  </dgm:styleLbl>
+  <dgm:styleLbl name="alignAcc1">
+    <dgm:fillClrLst meth="repeat">
+      <a:schemeClr val="lt1">
+        <a:alpha val="90000"/>
+      </a:schemeClr>
+    </dgm:fillClrLst>
+    <dgm:linClrLst meth="repeat">
+      <a:schemeClr val="accent1"/>
+    </dgm:linClrLst>
+    <dgm:effectClrLst/>
+    <dgm:txLinClrLst/>
+    <dgm:txFillClrLst meth="repeat">
+      <a:schemeClr val="dk1"/>
+    </dgm:txFillClrLst>
+    <dgm:txEffectClrLst/>
+  </dgm:styleLbl>
+  <dgm:styleLbl name="trAlignAcc1">
+    <dgm:fillClrLst meth="repeat">
+      <a:schemeClr val="lt1">
+        <a:alpha val="40000"/>
+      </a:schemeClr>
+    </dgm:fillClrLst>
+    <dgm:linClrLst meth="repeat">
+      <a:schemeClr val="accent1"/>
+    </dgm:linClrLst>
+    <dgm:effectClrLst/>
+    <dgm:txLinClrLst/>
+    <dgm:txFillClrLst meth="repeat">
+      <a:schemeClr val="dk1"/>
+    </dgm:txFillClrLst>
+    <dgm:txEffectClrLst/>
+  </dgm:styleLbl>
+  <dgm:styleLbl name="bgAcc1">
+    <dgm:fillClrLst meth="repeat">
+      <a:schemeClr val="lt1">
+        <a:alpha val="90000"/>
+      </a:schemeClr>
+    </dgm:fillClrLst>
+    <dgm:linClrLst meth="repeat">
+      <a:schemeClr val="accent1"/>
+    </dgm:linClrLst>
+    <dgm:effectClrLst/>
+    <dgm:txLinClrLst/>
+    <dgm:txFillClrLst meth="repeat">
+      <a:schemeClr val="dk1"/>
+    </dgm:txFillClrLst>
+    <dgm:txEffectClrLst/>
+  </dgm:styleLbl>
+  <dgm:styleLbl name="solidFgAcc1">
+    <dgm:fillClrLst meth="repeat">
+      <a:schemeClr val="lt1"/>
+    </dgm:fillClrLst>
+    <dgm:linClrLst meth="repeat">
+      <a:schemeClr val="accent1"/>
+    </dgm:linClrLst>
+    <dgm:effectClrLst/>
+    <dgm:txLinClrLst/>
+    <dgm:txFillClrLst meth="repeat">
+      <a:schemeClr val="dk1"/>
+    </dgm:txFillClrLst>
+    <dgm:txEffectClrLst/>
+  </dgm:styleLbl>
+  <dgm:styleLbl name="solidAlignAcc1">
+    <dgm:fillClrLst meth="repeat">
+      <a:schemeClr val="lt1"/>
+    </dgm:fillClrLst>
+    <dgm:linClrLst meth="repeat">
+      <a:schemeClr val="accent1"/>
+    </dgm:linClrLst>
+    <dgm:effectClrLst/>
+    <dgm:txLinClrLst/>
+    <dgm:txFillClrLst meth="repeat">
+      <a:schemeClr val="dk1"/>
+    </dgm:txFillClrLst>
+    <dgm:txEffectClrLst/>
+  </dgm:styleLbl>
+  <dgm:styleLbl name="solidBgAcc1">
+    <dgm:fillClrLst meth="repeat">
+      <a:schemeClr val="lt1"/>
+    </dgm:fillClrLst>
+    <dgm:linClrLst meth="repeat">
+      <a:schemeClr val="accent1"/>
+    </dgm:linClrLst>
+    <dgm:effectClrLst/>
+    <dgm:txLinClrLst/>
+    <dgm:txFillClrLst meth="repeat">
+      <a:schemeClr val="dk1"/>
+    </dgm:txFillClrLst>
+    <dgm:txEffectClrLst/>
+  </dgm:styleLbl>
+  <dgm:styleLbl name="fgAccFollowNode1">
+    <dgm:fillClrLst meth="repeat">
+      <a:schemeClr val="accent1">
+        <a:alpha val="90000"/>
+        <a:tint val="40000"/>
+      </a:schemeClr>
+    </dgm:fillClrLst>
+    <dgm:linClrLst meth="repeat">
+      <a:schemeClr val="accent1">
+        <a:alpha val="90000"/>
+        <a:tint val="40000"/>
+      </a:schemeClr>
+    </dgm:linClrLst>
+    <dgm:effectClrLst/>
+    <dgm:txLinClrLst/>
+    <dgm:txFillClrLst meth="repeat">
+      <a:schemeClr val="dk1"/>
+    </dgm:txFillClrLst>
+    <dgm:txEffectClrLst/>
+  </dgm:styleLbl>
+  <dgm:styleLbl name="alignAccFollowNode1">
+    <dgm:fillClrLst meth="repeat">
+      <a:schemeClr val="accent1">
+        <a:alpha val="90000"/>
+        <a:tint val="40000"/>
+      </a:schemeClr>
+    </dgm:fillClrLst>
+    <dgm:linClrLst meth="repeat">
+      <a:schemeClr val="accent1">
+        <a:alpha val="90000"/>
+        <a:tint val="40000"/>
+      </a:schemeClr>
+    </dgm:linClrLst>
+    <dgm:effectClrLst/>
+    <dgm:txLinClrLst/>
+    <dgm:txFillClrLst meth="repeat">
+      <a:schemeClr val="dk1"/>
+    </dgm:txFillClrLst>
+    <dgm:txEffectClrLst/>
+  </dgm:styleLbl>
+  <dgm:styleLbl name="bgAccFollowNode1">
+    <dgm:fillClrLst meth="repeat">
+      <a:schemeClr val="accent1">
+        <a:alpha val="90000"/>
+        <a:tint val="40000"/>
+      </a:schemeClr>
+    </dgm:fillClrLst>
+    <dgm:linClrLst meth="repeat">
+      <a:schemeClr val="accent1">
+        <a:alpha val="90000"/>
+        <a:tint val="40000"/>
+      </a:schemeClr>
+    </dgm:linClrLst>
+    <dgm:effectClrLst/>
+    <dgm:txLinClrLst/>
+    <dgm:txFillClrLst meth="repeat">
+      <a:schemeClr val="dk1"/>
+    </dgm:txFillClrLst>
+    <dgm:txEffectClrLst/>
+  </dgm:styleLbl>
+  <dgm:styleLbl name="fgAcc0">
+    <dgm:fillClrLst meth="repeat">
+      <a:schemeClr val="lt1">
+        <a:alpha val="90000"/>
+      </a:schemeClr>
+    </dgm:fillClrLst>
+    <dgm:linClrLst meth="repeat">
+      <a:schemeClr val="accent1"/>
+    </dgm:linClrLst>
+    <dgm:effectClrLst/>
+    <dgm:txLinClrLst/>
+    <dgm:txFillClrLst meth="repeat">
+      <a:schemeClr val="dk1"/>
+    </dgm:txFillClrLst>
+    <dgm:txEffectClrLst/>
+  </dgm:styleLbl>
+  <dgm:styleLbl name="fgAcc2">
+    <dgm:fillClrLst meth="repeat">
+      <a:schemeClr val="lt1">
+        <a:alpha val="90000"/>
+      </a:schemeClr>
+    </dgm:fillClrLst>
+    <dgm:linClrLst meth="repeat">
+      <a:schemeClr val="accent1"/>
+    </dgm:linClrLst>
+    <dgm:effectClrLst/>
+    <dgm:txLinClrLst/>
+    <dgm:txFillClrLst meth="repeat">
+      <a:schemeClr val="dk1"/>
+    </dgm:txFillClrLst>
+    <dgm:txEffectClrLst/>
+  </dgm:styleLbl>
+  <dgm:styleLbl name="fgAcc3">
+    <dgm:fillClrLst meth="repeat">
+      <a:schemeClr val="lt1">
+        <a:alpha val="90000"/>
+      </a:schemeClr>
+    </dgm:fillClrLst>
+    <dgm:linClrLst meth="repeat">
+      <a:schemeClr val="accent1"/>
+    </dgm:linClrLst>
+    <dgm:effectClrLst/>
+    <dgm:txLinClrLst/>
+    <dgm:txFillClrLst meth="repeat">
+      <a:schemeClr val="dk1"/>
+    </dgm:txFillClrLst>
+    <dgm:txEffectClrLst/>
+  </dgm:styleLbl>
+  <dgm:styleLbl name="fgAcc4">
+    <dgm:fillClrLst meth="repeat">
+      <a:schemeClr val="lt1">
+        <a:alpha val="90000"/>
+      </a:schemeClr>
+    </dgm:fillClrLst>
+    <dgm:linClrLst meth="repeat">
+      <a:schemeClr val="accent1"/>
+    </dgm:linClrLst>
+    <dgm:effectClrLst/>
+    <dgm:txLinClrLst/>
+    <dgm:txFillClrLst meth="repeat">
+      <a:schemeClr val="dk1"/>
+    </dgm:txFillClrLst>
+    <dgm:txEffectClrLst/>
+  </dgm:styleLbl>
+  <dgm:styleLbl name="bgShp">
+    <dgm:fillClrLst meth="repeat">
+      <a:schemeClr val="accent1">
+        <a:tint val="40000"/>
+      </a:schemeClr>
+    </dgm:fillClrLst>
+    <dgm:linClrLst meth="repeat">
+      <a:schemeClr val="accent1"/>
+    </dgm:linClrLst>
+    <dgm:effectClrLst/>
+    <dgm:txLinClrLst/>
+    <dgm:txFillClrLst meth="repeat">
+      <a:schemeClr val="dk1"/>
+    </dgm:txFillClrLst>
+    <dgm:txEffectClrLst/>
+  </dgm:styleLbl>
+  <dgm:styleLbl name="dkBgShp">
+    <dgm:fillClrLst meth="repeat">
+      <a:schemeClr val="accent1">
+        <a:shade val="80000"/>
+      </a:schemeClr>
+    </dgm:fillClrLst>
+    <dgm:linClrLst meth="repeat">
+      <a:schemeClr val="accent1"/>
+    </dgm:linClrLst>
+    <dgm:effectClrLst/>
+    <dgm:txLinClrLst/>
+    <dgm:txFillClrLst meth="repeat">
+      <a:schemeClr val="lt1"/>
+    </dgm:txFillClrLst>
+    <dgm:txEffectClrLst/>
+  </dgm:styleLbl>
+  <dgm:styleLbl name="trBgShp">
+    <dgm:fillClrLst meth="repeat">
+      <a:schemeClr val="accent1">
+        <a:tint val="50000"/>
+        <a:alpha val="40000"/>
+      </a:schemeClr>
+    </dgm:fillClrLst>
+    <dgm:linClrLst meth="repeat">
+      <a:schemeClr val="accent1"/>
+    </dgm:linClrLst>
+    <dgm:effectClrLst/>
+    <dgm:txLinClrLst/>
+    <dgm:txFillClrLst meth="repeat">
+      <a:schemeClr val="lt1"/>
+    </dgm:txFillClrLst>
+    <dgm:txEffectClrLst/>
+  </dgm:styleLbl>
+  <dgm:styleLbl name="fgShp">
+    <dgm:fillClrLst meth="repeat">
+      <a:schemeClr val="accent1">
+        <a:tint val="60000"/>
+      </a:schemeClr>
+    </dgm:fillClrLst>
+    <dgm:linClrLst meth="repeat">
+      <a:schemeClr val="lt1"/>
+    </dgm:linClrLst>
+    <dgm:effectClrLst/>
+    <dgm:txLinClrLst/>
+    <dgm:txFillClrLst meth="repeat">
+      <a:schemeClr val="dk1"/>
+    </dgm:txFillClrLst>
+    <dgm:txEffectClrLst/>
+  </dgm:styleLbl>
+  <dgm:styleLbl name="revTx">
+    <dgm:fillClrLst meth="repeat">
+      <a:schemeClr val="lt1">
+        <a:alpha val="0"/>
+      </a:schemeClr>
+    </dgm:fillClrLst>
+    <dgm:linClrLst meth="repeat">
+      <a:schemeClr val="dk1">
+        <a:alpha val="0"/>
+      </a:schemeClr>
+    </dgm:linClrLst>
+    <dgm:effectClrLst/>
+    <dgm:txLinClrLst/>
+    <dgm:txFillClrLst meth="repeat">
+      <a:schemeClr val="tx1"/>
+    </dgm:txFillClrLst>
+    <dgm:txEffectClrLst/>
+  </dgm:styleLbl>
+</dgm:colorsDef>
+</file>
+
 <file path=ppt/diagrams/data1.xml><?xml version="1.0" encoding="utf-8"?>
 <dgm:dataModel xmlns:dgm="http://schemas.openxmlformats.org/drawingml/2006/diagram" xmlns:a="http://schemas.openxmlformats.org/drawingml/2006/main">
   <dgm:ptLst>
@@ -4834,7 +5584,7 @@
         <a:p>
           <a:r>
             <a:rPr lang="de-DE" dirty="0" smtClean="0"/>
-            <a:t>Platzhalter</a:t>
+            <a:t>Die zukünftige Vision</a:t>
           </a:r>
           <a:endParaRPr lang="de-DE" dirty="0"/>
         </a:p>
@@ -4875,7 +5625,7 @@
         <a:p>
           <a:r>
             <a:rPr lang="de-DE" dirty="0" smtClean="0"/>
-            <a:t>Die zukünftige Vision</a:t>
+            <a:t>Live Demo</a:t>
           </a:r>
           <a:endParaRPr lang="de-DE" dirty="0"/>
         </a:p>
@@ -5421,7 +6171,7 @@
         <a:p>
           <a:r>
             <a:rPr lang="de-DE" dirty="0" smtClean="0"/>
-            <a:t>Platzhalter</a:t>
+            <a:t>Zukünftige Vision</a:t>
           </a:r>
           <a:endParaRPr lang="de-DE" dirty="0"/>
         </a:p>
@@ -5464,7 +6214,7 @@
         <a:p>
           <a:r>
             <a:rPr lang="de-DE" dirty="0" smtClean="0"/>
-            <a:t>Zukünftige Vision</a:t>
+            <a:t>Live Demo</a:t>
           </a:r>
           <a:endParaRPr lang="de-DE" dirty="0"/>
         </a:p>
@@ -5987,7 +6737,7 @@
         <a:p>
           <a:r>
             <a:rPr lang="de-DE" dirty="0" smtClean="0"/>
-            <a:t>Platzhalter</a:t>
+            <a:t>Zukünftige Vision</a:t>
           </a:r>
           <a:endParaRPr lang="de-DE" dirty="0"/>
         </a:p>
@@ -6030,7 +6780,7 @@
         <a:p>
           <a:r>
             <a:rPr lang="de-DE" dirty="0" smtClean="0"/>
-            <a:t>Zukünftige Vision</a:t>
+            <a:t>Live Demo</a:t>
           </a:r>
           <a:endParaRPr lang="de-DE" dirty="0"/>
         </a:p>
@@ -6553,7 +7303,7 @@
         <a:p>
           <a:r>
             <a:rPr lang="de-DE" dirty="0" smtClean="0"/>
-            <a:t>Platzhalter</a:t>
+            <a:t>Zukünftige Vision</a:t>
           </a:r>
           <a:endParaRPr lang="de-DE" dirty="0"/>
         </a:p>
@@ -6596,7 +7346,7 @@
         <a:p>
           <a:r>
             <a:rPr lang="de-DE" dirty="0" smtClean="0"/>
-            <a:t>Zukünftige Vision</a:t>
+            <a:t>Live Demo</a:t>
           </a:r>
           <a:endParaRPr lang="de-DE" dirty="0"/>
         </a:p>
@@ -6908,20 +7658,20 @@
     </dgm:pt>
   </dgm:ptLst>
   <dgm:cxnLst>
-    <dgm:cxn modelId="{DF551E1B-31BD-424B-BDF9-2FEE5CDEED18}" type="presOf" srcId="{38321699-6EAC-4AD8-B27B-ACE7FFF262B6}" destId="{94DED9F9-7D3B-4917-A97F-E1AEF1F131EB}" srcOrd="0" destOrd="0" presId="urn:microsoft.com/office/officeart/2008/layout/VerticalCurvedList"/>
-    <dgm:cxn modelId="{F7B64BD6-EEFF-4977-B51C-F5FE13DE21C3}" type="presOf" srcId="{A51BC3B9-C6C3-4F90-8DEB-5FC00F55FAC3}" destId="{8ECB0D0F-B2D2-4899-8B78-A157CB1D3F6B}" srcOrd="0" destOrd="0" presId="urn:microsoft.com/office/officeart/2008/layout/VerticalCurvedList"/>
-    <dgm:cxn modelId="{E5759E99-E475-4200-9CE5-3F48B76A4C63}" type="presOf" srcId="{E95D953B-8834-475B-A90B-21464208104B}" destId="{5A5522D5-98B1-431C-862A-87D2AE6B6114}" srcOrd="0" destOrd="0" presId="urn:microsoft.com/office/officeart/2008/layout/VerticalCurvedList"/>
-    <dgm:cxn modelId="{B14053D7-E653-4001-9CED-ED4C0F94E826}" srcId="{95ECB77F-7E75-47E2-90C0-5B0DDC98D652}" destId="{87FB8AC5-8D3E-434D-AA2A-E691E1044F11}" srcOrd="5" destOrd="0" parTransId="{A0DC7861-C700-42E9-8572-8B1FF4A58B77}" sibTransId="{9C7B8D6A-BBF2-4B91-8536-09DDEF0950F6}"/>
-    <dgm:cxn modelId="{5FFF2D33-36D0-4732-A286-FA07F795F7FA}" srcId="{95ECB77F-7E75-47E2-90C0-5B0DDC98D652}" destId="{E95D953B-8834-475B-A90B-21464208104B}" srcOrd="3" destOrd="0" parTransId="{C7327062-E855-4EA7-B7F4-A7CA52F2DE57}" sibTransId="{B343315B-0F53-472F-A3F8-50E72C394E69}"/>
     <dgm:cxn modelId="{BEE2EB47-2855-42D2-AA03-68D6E06CEB79}" type="presOf" srcId="{45060046-6D24-4053-9722-CE27E4945F11}" destId="{1846E345-4193-43B8-A89A-FBAC2DEA3CE1}" srcOrd="0" destOrd="0" presId="urn:microsoft.com/office/officeart/2008/layout/VerticalCurvedList"/>
-    <dgm:cxn modelId="{516620AF-1C2B-4D03-AE69-7700D0655FC5}" srcId="{95ECB77F-7E75-47E2-90C0-5B0DDC98D652}" destId="{A51BC3B9-C6C3-4F90-8DEB-5FC00F55FAC3}" srcOrd="1" destOrd="0" parTransId="{FB4C850F-ADB2-4038-934D-454F131BB747}" sibTransId="{533DBDD4-7C73-461F-8E6E-7024B084AA9F}"/>
-    <dgm:cxn modelId="{47C04417-86FC-498B-BD14-77393C10C1DC}" type="presOf" srcId="{CD0833F7-E376-457D-A71E-09FC73BFF92B}" destId="{08F8990D-49AD-4487-90C5-A481D9A36092}" srcOrd="0" destOrd="0" presId="urn:microsoft.com/office/officeart/2008/layout/VerticalCurvedList"/>
-    <dgm:cxn modelId="{ADF612EB-E1AA-456A-A7A3-4C37D446752B}" type="presOf" srcId="{1A926AD4-CAE4-4101-AE8D-570B2C62378B}" destId="{506FFCA4-4592-4809-88A7-98FA0A62B2FE}" srcOrd="0" destOrd="0" presId="urn:microsoft.com/office/officeart/2008/layout/VerticalCurvedList"/>
-    <dgm:cxn modelId="{54C22A2C-2957-4E5B-A799-CEBDB2F2B3D6}" srcId="{95ECB77F-7E75-47E2-90C0-5B0DDC98D652}" destId="{45060046-6D24-4053-9722-CE27E4945F11}" srcOrd="4" destOrd="0" parTransId="{0C22DB43-AD4A-47E8-8690-7A0FC81803F9}" sibTransId="{9A98F613-EA9F-4553-902A-79CBE73C9130}"/>
-    <dgm:cxn modelId="{FAAB1983-77ED-4E7E-9B95-58C230122AE5}" srcId="{95ECB77F-7E75-47E2-90C0-5B0DDC98D652}" destId="{38321699-6EAC-4AD8-B27B-ACE7FFF262B6}" srcOrd="0" destOrd="0" parTransId="{BD4F7070-97CC-40EF-8C99-9322B9CA6DB3}" sibTransId="{1A926AD4-CAE4-4101-AE8D-570B2C62378B}"/>
-    <dgm:cxn modelId="{41854B80-A3E4-4FD5-A103-D70420420B0A}" type="presOf" srcId="{95ECB77F-7E75-47E2-90C0-5B0DDC98D652}" destId="{38E64900-0655-49A7-81A8-CBE292ECC20A}" srcOrd="0" destOrd="0" presId="urn:microsoft.com/office/officeart/2008/layout/VerticalCurvedList"/>
     <dgm:cxn modelId="{72457938-9B53-4279-B462-CAD957A50A6C}" srcId="{95ECB77F-7E75-47E2-90C0-5B0DDC98D652}" destId="{CD0833F7-E376-457D-A71E-09FC73BFF92B}" srcOrd="2" destOrd="0" parTransId="{D846FAC5-99A1-44AD-AC9F-8D26D376FDD3}" sibTransId="{3DA33939-57E8-47EE-992C-63D2CAB2022F}"/>
     <dgm:cxn modelId="{78A1B226-F0EC-4BEB-B691-BCF0BB22434D}" type="presOf" srcId="{87FB8AC5-8D3E-434D-AA2A-E691E1044F11}" destId="{34EAC2A8-ED4F-47AB-ABA4-B15FD3670046}" srcOrd="0" destOrd="0" presId="urn:microsoft.com/office/officeart/2008/layout/VerticalCurvedList"/>
+    <dgm:cxn modelId="{DF551E1B-31BD-424B-BDF9-2FEE5CDEED18}" type="presOf" srcId="{38321699-6EAC-4AD8-B27B-ACE7FFF262B6}" destId="{94DED9F9-7D3B-4917-A97F-E1AEF1F131EB}" srcOrd="0" destOrd="0" presId="urn:microsoft.com/office/officeart/2008/layout/VerticalCurvedList"/>
+    <dgm:cxn modelId="{516620AF-1C2B-4D03-AE69-7700D0655FC5}" srcId="{95ECB77F-7E75-47E2-90C0-5B0DDC98D652}" destId="{A51BC3B9-C6C3-4F90-8DEB-5FC00F55FAC3}" srcOrd="1" destOrd="0" parTransId="{FB4C850F-ADB2-4038-934D-454F131BB747}" sibTransId="{533DBDD4-7C73-461F-8E6E-7024B084AA9F}"/>
+    <dgm:cxn modelId="{5FFF2D33-36D0-4732-A286-FA07F795F7FA}" srcId="{95ECB77F-7E75-47E2-90C0-5B0DDC98D652}" destId="{E95D953B-8834-475B-A90B-21464208104B}" srcOrd="3" destOrd="0" parTransId="{C7327062-E855-4EA7-B7F4-A7CA52F2DE57}" sibTransId="{B343315B-0F53-472F-A3F8-50E72C394E69}"/>
+    <dgm:cxn modelId="{FAAB1983-77ED-4E7E-9B95-58C230122AE5}" srcId="{95ECB77F-7E75-47E2-90C0-5B0DDC98D652}" destId="{38321699-6EAC-4AD8-B27B-ACE7FFF262B6}" srcOrd="0" destOrd="0" parTransId="{BD4F7070-97CC-40EF-8C99-9322B9CA6DB3}" sibTransId="{1A926AD4-CAE4-4101-AE8D-570B2C62378B}"/>
+    <dgm:cxn modelId="{B14053D7-E653-4001-9CED-ED4C0F94E826}" srcId="{95ECB77F-7E75-47E2-90C0-5B0DDC98D652}" destId="{87FB8AC5-8D3E-434D-AA2A-E691E1044F11}" srcOrd="5" destOrd="0" parTransId="{A0DC7861-C700-42E9-8572-8B1FF4A58B77}" sibTransId="{9C7B8D6A-BBF2-4B91-8536-09DDEF0950F6}"/>
+    <dgm:cxn modelId="{47C04417-86FC-498B-BD14-77393C10C1DC}" type="presOf" srcId="{CD0833F7-E376-457D-A71E-09FC73BFF92B}" destId="{08F8990D-49AD-4487-90C5-A481D9A36092}" srcOrd="0" destOrd="0" presId="urn:microsoft.com/office/officeart/2008/layout/VerticalCurvedList"/>
+    <dgm:cxn modelId="{E5759E99-E475-4200-9CE5-3F48B76A4C63}" type="presOf" srcId="{E95D953B-8834-475B-A90B-21464208104B}" destId="{5A5522D5-98B1-431C-862A-87D2AE6B6114}" srcOrd="0" destOrd="0" presId="urn:microsoft.com/office/officeart/2008/layout/VerticalCurvedList"/>
+    <dgm:cxn modelId="{54C22A2C-2957-4E5B-A799-CEBDB2F2B3D6}" srcId="{95ECB77F-7E75-47E2-90C0-5B0DDC98D652}" destId="{45060046-6D24-4053-9722-CE27E4945F11}" srcOrd="4" destOrd="0" parTransId="{0C22DB43-AD4A-47E8-8690-7A0FC81803F9}" sibTransId="{9A98F613-EA9F-4553-902A-79CBE73C9130}"/>
+    <dgm:cxn modelId="{F7B64BD6-EEFF-4977-B51C-F5FE13DE21C3}" type="presOf" srcId="{A51BC3B9-C6C3-4F90-8DEB-5FC00F55FAC3}" destId="{8ECB0D0F-B2D2-4899-8B78-A157CB1D3F6B}" srcOrd="0" destOrd="0" presId="urn:microsoft.com/office/officeart/2008/layout/VerticalCurvedList"/>
+    <dgm:cxn modelId="{ADF612EB-E1AA-456A-A7A3-4C37D446752B}" type="presOf" srcId="{1A926AD4-CAE4-4101-AE8D-570B2C62378B}" destId="{506FFCA4-4592-4809-88A7-98FA0A62B2FE}" srcOrd="0" destOrd="0" presId="urn:microsoft.com/office/officeart/2008/layout/VerticalCurvedList"/>
+    <dgm:cxn modelId="{41854B80-A3E4-4FD5-A103-D70420420B0A}" type="presOf" srcId="{95ECB77F-7E75-47E2-90C0-5B0DDC98D652}" destId="{38E64900-0655-49A7-81A8-CBE292ECC20A}" srcOrd="0" destOrd="0" presId="urn:microsoft.com/office/officeart/2008/layout/VerticalCurvedList"/>
     <dgm:cxn modelId="{BB80A6C9-B112-4391-9AB4-1F3016E8C408}" type="presParOf" srcId="{38E64900-0655-49A7-81A8-CBE292ECC20A}" destId="{41921527-D604-4B3C-B292-C3FAC710B6E0}" srcOrd="0" destOrd="0" presId="urn:microsoft.com/office/officeart/2008/layout/VerticalCurvedList"/>
     <dgm:cxn modelId="{1423987F-98D3-470D-AAF2-60D4097EA5F5}" type="presParOf" srcId="{41921527-D604-4B3C-B292-C3FAC710B6E0}" destId="{24F548E7-AE07-4894-BADE-1F0E78FED5F2}" srcOrd="0" destOrd="0" presId="urn:microsoft.com/office/officeart/2008/layout/VerticalCurvedList"/>
     <dgm:cxn modelId="{28225234-F0F5-4313-A2C5-9E32A9EE7094}" type="presParOf" srcId="{24F548E7-AE07-4894-BADE-1F0E78FED5F2}" destId="{85B14CF3-E044-4530-B837-51EB3D31E253}" srcOrd="0" destOrd="0" presId="urn:microsoft.com/office/officeart/2008/layout/VerticalCurvedList"/>
@@ -7119,7 +7869,7 @@
         <a:p>
           <a:r>
             <a:rPr lang="de-DE" dirty="0" smtClean="0"/>
-            <a:t>Platzhalter</a:t>
+            <a:t>Zukünftige Vision</a:t>
           </a:r>
           <a:endParaRPr lang="de-DE" dirty="0"/>
         </a:p>
@@ -7160,7 +7910,7 @@
         <a:p>
           <a:r>
             <a:rPr lang="de-DE" dirty="0" smtClean="0"/>
-            <a:t>Zukünftige Vision</a:t>
+            <a:t>Live Demo</a:t>
           </a:r>
           <a:endParaRPr lang="de-DE" dirty="0"/>
         </a:p>
@@ -7477,20 +8227,20 @@
     </dgm:pt>
   </dgm:ptLst>
   <dgm:cxnLst>
+    <dgm:cxn modelId="{72457938-9B53-4279-B462-CAD957A50A6C}" srcId="{95ECB77F-7E75-47E2-90C0-5B0DDC98D652}" destId="{CD0833F7-E376-457D-A71E-09FC73BFF92B}" srcOrd="2" destOrd="0" parTransId="{D846FAC5-99A1-44AD-AC9F-8D26D376FDD3}" sibTransId="{3DA33939-57E8-47EE-992C-63D2CAB2022F}"/>
+    <dgm:cxn modelId="{F13829E5-C92A-4E29-9570-E460C6BFF56D}" type="presOf" srcId="{95ECB77F-7E75-47E2-90C0-5B0DDC98D652}" destId="{38E64900-0655-49A7-81A8-CBE292ECC20A}" srcOrd="0" destOrd="0" presId="urn:microsoft.com/office/officeart/2008/layout/VerticalCurvedList"/>
     <dgm:cxn modelId="{516620AF-1C2B-4D03-AE69-7700D0655FC5}" srcId="{95ECB77F-7E75-47E2-90C0-5B0DDC98D652}" destId="{A51BC3B9-C6C3-4F90-8DEB-5FC00F55FAC3}" srcOrd="1" destOrd="0" parTransId="{FB4C850F-ADB2-4038-934D-454F131BB747}" sibTransId="{533DBDD4-7C73-461F-8E6E-7024B084AA9F}"/>
     <dgm:cxn modelId="{5FFF2D33-36D0-4732-A286-FA07F795F7FA}" srcId="{95ECB77F-7E75-47E2-90C0-5B0DDC98D652}" destId="{E95D953B-8834-475B-A90B-21464208104B}" srcOrd="3" destOrd="0" parTransId="{C7327062-E855-4EA7-B7F4-A7CA52F2DE57}" sibTransId="{B343315B-0F53-472F-A3F8-50E72C394E69}"/>
+    <dgm:cxn modelId="{1E01D963-0A17-47D1-AF22-5519BF601CAE}" type="presOf" srcId="{CD0833F7-E376-457D-A71E-09FC73BFF92B}" destId="{08F8990D-49AD-4487-90C5-A481D9A36092}" srcOrd="0" destOrd="0" presId="urn:microsoft.com/office/officeart/2008/layout/VerticalCurvedList"/>
+    <dgm:cxn modelId="{97BFB253-4CD1-4EC1-BF38-A44EE32E7041}" type="presOf" srcId="{45060046-6D24-4053-9722-CE27E4945F11}" destId="{1846E345-4193-43B8-A89A-FBAC2DEA3CE1}" srcOrd="0" destOrd="0" presId="urn:microsoft.com/office/officeart/2008/layout/VerticalCurvedList"/>
+    <dgm:cxn modelId="{FAAB1983-77ED-4E7E-9B95-58C230122AE5}" srcId="{95ECB77F-7E75-47E2-90C0-5B0DDC98D652}" destId="{38321699-6EAC-4AD8-B27B-ACE7FFF262B6}" srcOrd="0" destOrd="0" parTransId="{BD4F7070-97CC-40EF-8C99-9322B9CA6DB3}" sibTransId="{1A926AD4-CAE4-4101-AE8D-570B2C62378B}"/>
+    <dgm:cxn modelId="{2BEBF359-E4F3-4673-B22F-0736E1FAEB44}" type="presOf" srcId="{1A926AD4-CAE4-4101-AE8D-570B2C62378B}" destId="{506FFCA4-4592-4809-88A7-98FA0A62B2FE}" srcOrd="0" destOrd="0" presId="urn:microsoft.com/office/officeart/2008/layout/VerticalCurvedList"/>
     <dgm:cxn modelId="{B14053D7-E653-4001-9CED-ED4C0F94E826}" srcId="{95ECB77F-7E75-47E2-90C0-5B0DDC98D652}" destId="{87FB8AC5-8D3E-434D-AA2A-E691E1044F11}" srcOrd="5" destOrd="0" parTransId="{A0DC7861-C700-42E9-8572-8B1FF4A58B77}" sibTransId="{9C7B8D6A-BBF2-4B91-8536-09DDEF0950F6}"/>
-    <dgm:cxn modelId="{FAAB1983-77ED-4E7E-9B95-58C230122AE5}" srcId="{95ECB77F-7E75-47E2-90C0-5B0DDC98D652}" destId="{38321699-6EAC-4AD8-B27B-ACE7FFF262B6}" srcOrd="0" destOrd="0" parTransId="{BD4F7070-97CC-40EF-8C99-9322B9CA6DB3}" sibTransId="{1A926AD4-CAE4-4101-AE8D-570B2C62378B}"/>
-    <dgm:cxn modelId="{97BFB253-4CD1-4EC1-BF38-A44EE32E7041}" type="presOf" srcId="{45060046-6D24-4053-9722-CE27E4945F11}" destId="{1846E345-4193-43B8-A89A-FBAC2DEA3CE1}" srcOrd="0" destOrd="0" presId="urn:microsoft.com/office/officeart/2008/layout/VerticalCurvedList"/>
     <dgm:cxn modelId="{CD16FA86-09DC-409D-95E8-455E710B1723}" type="presOf" srcId="{E95D953B-8834-475B-A90B-21464208104B}" destId="{5A5522D5-98B1-431C-862A-87D2AE6B6114}" srcOrd="0" destOrd="0" presId="urn:microsoft.com/office/officeart/2008/layout/VerticalCurvedList"/>
+    <dgm:cxn modelId="{B0C3BD56-E49A-45BD-B49F-AF699338B469}" type="presOf" srcId="{87FB8AC5-8D3E-434D-AA2A-E691E1044F11}" destId="{34EAC2A8-ED4F-47AB-ABA4-B15FD3670046}" srcOrd="0" destOrd="0" presId="urn:microsoft.com/office/officeart/2008/layout/VerticalCurvedList"/>
     <dgm:cxn modelId="{54C22A2C-2957-4E5B-A799-CEBDB2F2B3D6}" srcId="{95ECB77F-7E75-47E2-90C0-5B0DDC98D652}" destId="{45060046-6D24-4053-9722-CE27E4945F11}" srcOrd="4" destOrd="0" parTransId="{0C22DB43-AD4A-47E8-8690-7A0FC81803F9}" sibTransId="{9A98F613-EA9F-4553-902A-79CBE73C9130}"/>
+    <dgm:cxn modelId="{7B1F762C-85CD-4986-9546-80ED24EE143D}" type="presOf" srcId="{38321699-6EAC-4AD8-B27B-ACE7FFF262B6}" destId="{94DED9F9-7D3B-4917-A97F-E1AEF1F131EB}" srcOrd="0" destOrd="0" presId="urn:microsoft.com/office/officeart/2008/layout/VerticalCurvedList"/>
     <dgm:cxn modelId="{0D7A8B02-3679-4864-8BF0-B7916355309E}" type="presOf" srcId="{A51BC3B9-C6C3-4F90-8DEB-5FC00F55FAC3}" destId="{8ECB0D0F-B2D2-4899-8B78-A157CB1D3F6B}" srcOrd="0" destOrd="0" presId="urn:microsoft.com/office/officeart/2008/layout/VerticalCurvedList"/>
-    <dgm:cxn modelId="{7B1F762C-85CD-4986-9546-80ED24EE143D}" type="presOf" srcId="{38321699-6EAC-4AD8-B27B-ACE7FFF262B6}" destId="{94DED9F9-7D3B-4917-A97F-E1AEF1F131EB}" srcOrd="0" destOrd="0" presId="urn:microsoft.com/office/officeart/2008/layout/VerticalCurvedList"/>
-    <dgm:cxn modelId="{B0C3BD56-E49A-45BD-B49F-AF699338B469}" type="presOf" srcId="{87FB8AC5-8D3E-434D-AA2A-E691E1044F11}" destId="{34EAC2A8-ED4F-47AB-ABA4-B15FD3670046}" srcOrd="0" destOrd="0" presId="urn:microsoft.com/office/officeart/2008/layout/VerticalCurvedList"/>
-    <dgm:cxn modelId="{2BEBF359-E4F3-4673-B22F-0736E1FAEB44}" type="presOf" srcId="{1A926AD4-CAE4-4101-AE8D-570B2C62378B}" destId="{506FFCA4-4592-4809-88A7-98FA0A62B2FE}" srcOrd="0" destOrd="0" presId="urn:microsoft.com/office/officeart/2008/layout/VerticalCurvedList"/>
-    <dgm:cxn modelId="{1E01D963-0A17-47D1-AF22-5519BF601CAE}" type="presOf" srcId="{CD0833F7-E376-457D-A71E-09FC73BFF92B}" destId="{08F8990D-49AD-4487-90C5-A481D9A36092}" srcOrd="0" destOrd="0" presId="urn:microsoft.com/office/officeart/2008/layout/VerticalCurvedList"/>
-    <dgm:cxn modelId="{F13829E5-C92A-4E29-9570-E460C6BFF56D}" type="presOf" srcId="{95ECB77F-7E75-47E2-90C0-5B0DDC98D652}" destId="{38E64900-0655-49A7-81A8-CBE292ECC20A}" srcOrd="0" destOrd="0" presId="urn:microsoft.com/office/officeart/2008/layout/VerticalCurvedList"/>
-    <dgm:cxn modelId="{72457938-9B53-4279-B462-CAD957A50A6C}" srcId="{95ECB77F-7E75-47E2-90C0-5B0DDC98D652}" destId="{CD0833F7-E376-457D-A71E-09FC73BFF92B}" srcOrd="2" destOrd="0" parTransId="{D846FAC5-99A1-44AD-AC9F-8D26D376FDD3}" sibTransId="{3DA33939-57E8-47EE-992C-63D2CAB2022F}"/>
     <dgm:cxn modelId="{5E9CADF9-E1F3-4904-B8EF-DDD662EA1027}" type="presParOf" srcId="{38E64900-0655-49A7-81A8-CBE292ECC20A}" destId="{41921527-D604-4B3C-B292-C3FAC710B6E0}" srcOrd="0" destOrd="0" presId="urn:microsoft.com/office/officeart/2008/layout/VerticalCurvedList"/>
     <dgm:cxn modelId="{7514AFD1-C1AB-4FF7-A779-C5A31EDA8688}" type="presParOf" srcId="{41921527-D604-4B3C-B292-C3FAC710B6E0}" destId="{24F548E7-AE07-4894-BADE-1F0E78FED5F2}" srcOrd="0" destOrd="0" presId="urn:microsoft.com/office/officeart/2008/layout/VerticalCurvedList"/>
     <dgm:cxn modelId="{7151021E-454D-4400-95AE-223C42AB7940}" type="presParOf" srcId="{24F548E7-AE07-4894-BADE-1F0E78FED5F2}" destId="{85B14CF3-E044-4530-B837-51EB3D31E253}" srcOrd="0" destOrd="0" presId="urn:microsoft.com/office/officeart/2008/layout/VerticalCurvedList"/>
@@ -7527,6 +8277,578 @@
 </file>
 
 <file path=ppt/diagrams/data6.xml><?xml version="1.0" encoding="utf-8"?>
+<dgm:dataModel xmlns:dgm="http://schemas.openxmlformats.org/drawingml/2006/diagram" xmlns:a="http://schemas.openxmlformats.org/drawingml/2006/main">
+  <dgm:ptLst>
+    <dgm:pt modelId="{95ECB77F-7E75-47E2-90C0-5B0DDC98D652}" type="doc">
+      <dgm:prSet loTypeId="urn:microsoft.com/office/officeart/2008/layout/VerticalCurvedList" loCatId="list" qsTypeId="urn:microsoft.com/office/officeart/2005/8/quickstyle/simple1" qsCatId="simple" csTypeId="urn:microsoft.com/office/officeart/2005/8/colors/accent1_2" csCatId="accent1" phldr="1"/>
+      <dgm:spPr/>
+      <dgm:t>
+        <a:bodyPr/>
+        <a:lstStyle/>
+        <a:p>
+          <a:endParaRPr lang="de-DE"/>
+        </a:p>
+      </dgm:t>
+    </dgm:pt>
+    <dgm:pt modelId="{38321699-6EAC-4AD8-B27B-ACE7FFF262B6}">
+      <dgm:prSet phldrT="[Text]"/>
+      <dgm:spPr>
+        <a:solidFill>
+          <a:schemeClr val="accent3">
+            <a:lumMod val="85000"/>
+          </a:schemeClr>
+        </a:solidFill>
+      </dgm:spPr>
+      <dgm:t>
+        <a:bodyPr/>
+        <a:lstStyle/>
+        <a:p>
+          <a:r>
+            <a:rPr lang="de-DE" dirty="0" smtClean="0"/>
+            <a:t>Die Idee</a:t>
+          </a:r>
+          <a:endParaRPr lang="de-DE" dirty="0"/>
+        </a:p>
+      </dgm:t>
+    </dgm:pt>
+    <dgm:pt modelId="{BD4F7070-97CC-40EF-8C99-9322B9CA6DB3}" type="parTrans" cxnId="{FAAB1983-77ED-4E7E-9B95-58C230122AE5}">
+      <dgm:prSet/>
+      <dgm:spPr/>
+      <dgm:t>
+        <a:bodyPr/>
+        <a:lstStyle/>
+        <a:p>
+          <a:endParaRPr lang="de-DE"/>
+        </a:p>
+      </dgm:t>
+    </dgm:pt>
+    <dgm:pt modelId="{1A926AD4-CAE4-4101-AE8D-570B2C62378B}" type="sibTrans" cxnId="{FAAB1983-77ED-4E7E-9B95-58C230122AE5}">
+      <dgm:prSet/>
+      <dgm:spPr>
+        <a:ln>
+          <a:solidFill>
+            <a:srgbClr val="005AA9"/>
+          </a:solidFill>
+        </a:ln>
+      </dgm:spPr>
+      <dgm:t>
+        <a:bodyPr/>
+        <a:lstStyle/>
+        <a:p>
+          <a:endParaRPr lang="de-DE"/>
+        </a:p>
+      </dgm:t>
+    </dgm:pt>
+    <dgm:pt modelId="{A51BC3B9-C6C3-4F90-8DEB-5FC00F55FAC3}">
+      <dgm:prSet phldrT="[Text]"/>
+      <dgm:spPr>
+        <a:solidFill>
+          <a:schemeClr val="accent3">
+            <a:lumMod val="85000"/>
+          </a:schemeClr>
+        </a:solidFill>
+      </dgm:spPr>
+      <dgm:t>
+        <a:bodyPr/>
+        <a:lstStyle/>
+        <a:p>
+          <a:r>
+            <a:rPr lang="de-DE" dirty="0" smtClean="0"/>
+            <a:t>Unsere Umsetzung</a:t>
+          </a:r>
+          <a:endParaRPr lang="de-DE" dirty="0"/>
+        </a:p>
+      </dgm:t>
+    </dgm:pt>
+    <dgm:pt modelId="{FB4C850F-ADB2-4038-934D-454F131BB747}" type="parTrans" cxnId="{516620AF-1C2B-4D03-AE69-7700D0655FC5}">
+      <dgm:prSet/>
+      <dgm:spPr/>
+      <dgm:t>
+        <a:bodyPr/>
+        <a:lstStyle/>
+        <a:p>
+          <a:endParaRPr lang="de-DE"/>
+        </a:p>
+      </dgm:t>
+    </dgm:pt>
+    <dgm:pt modelId="{533DBDD4-7C73-461F-8E6E-7024B084AA9F}" type="sibTrans" cxnId="{516620AF-1C2B-4D03-AE69-7700D0655FC5}">
+      <dgm:prSet/>
+      <dgm:spPr/>
+      <dgm:t>
+        <a:bodyPr/>
+        <a:lstStyle/>
+        <a:p>
+          <a:endParaRPr lang="de-DE"/>
+        </a:p>
+      </dgm:t>
+    </dgm:pt>
+    <dgm:pt modelId="{CD0833F7-E376-457D-A71E-09FC73BFF92B}">
+      <dgm:prSet phldrT="[Text]"/>
+      <dgm:spPr>
+        <a:solidFill>
+          <a:srgbClr val="D9D9D9"/>
+        </a:solidFill>
+      </dgm:spPr>
+      <dgm:t>
+        <a:bodyPr/>
+        <a:lstStyle/>
+        <a:p>
+          <a:r>
+            <a:rPr lang="de-DE" dirty="0" smtClean="0"/>
+            <a:t>Der Projektverlauf</a:t>
+          </a:r>
+          <a:endParaRPr lang="de-DE" dirty="0"/>
+        </a:p>
+      </dgm:t>
+    </dgm:pt>
+    <dgm:pt modelId="{D846FAC5-99A1-44AD-AC9F-8D26D376FDD3}" type="parTrans" cxnId="{72457938-9B53-4279-B462-CAD957A50A6C}">
+      <dgm:prSet/>
+      <dgm:spPr/>
+      <dgm:t>
+        <a:bodyPr/>
+        <a:lstStyle/>
+        <a:p>
+          <a:endParaRPr lang="de-DE"/>
+        </a:p>
+      </dgm:t>
+    </dgm:pt>
+    <dgm:pt modelId="{3DA33939-57E8-47EE-992C-63D2CAB2022F}" type="sibTrans" cxnId="{72457938-9B53-4279-B462-CAD957A50A6C}">
+      <dgm:prSet/>
+      <dgm:spPr/>
+      <dgm:t>
+        <a:bodyPr/>
+        <a:lstStyle/>
+        <a:p>
+          <a:endParaRPr lang="de-DE"/>
+        </a:p>
+      </dgm:t>
+    </dgm:pt>
+    <dgm:pt modelId="{45060046-6D24-4053-9722-CE27E4945F11}">
+      <dgm:prSet phldrT="[Text]"/>
+      <dgm:spPr>
+        <a:solidFill>
+          <a:srgbClr val="005AA9"/>
+        </a:solidFill>
+      </dgm:spPr>
+      <dgm:t>
+        <a:bodyPr/>
+        <a:lstStyle/>
+        <a:p>
+          <a:r>
+            <a:rPr lang="de-DE" dirty="0" smtClean="0"/>
+            <a:t>Zukünftige Vision</a:t>
+          </a:r>
+          <a:endParaRPr lang="de-DE" dirty="0"/>
+        </a:p>
+      </dgm:t>
+    </dgm:pt>
+    <dgm:pt modelId="{0C22DB43-AD4A-47E8-8690-7A0FC81803F9}" type="parTrans" cxnId="{54C22A2C-2957-4E5B-A799-CEBDB2F2B3D6}">
+      <dgm:prSet/>
+      <dgm:spPr/>
+      <dgm:t>
+        <a:bodyPr/>
+        <a:lstStyle/>
+        <a:p>
+          <a:endParaRPr lang="de-DE"/>
+        </a:p>
+      </dgm:t>
+    </dgm:pt>
+    <dgm:pt modelId="{9A98F613-EA9F-4553-902A-79CBE73C9130}" type="sibTrans" cxnId="{54C22A2C-2957-4E5B-A799-CEBDB2F2B3D6}">
+      <dgm:prSet/>
+      <dgm:spPr/>
+      <dgm:t>
+        <a:bodyPr/>
+        <a:lstStyle/>
+        <a:p>
+          <a:endParaRPr lang="de-DE"/>
+        </a:p>
+      </dgm:t>
+    </dgm:pt>
+    <dgm:pt modelId="{E95D953B-8834-475B-A90B-21464208104B}">
+      <dgm:prSet phldrT="[Text]"/>
+      <dgm:spPr>
+        <a:solidFill>
+          <a:srgbClr val="D9D9D9"/>
+        </a:solidFill>
+      </dgm:spPr>
+      <dgm:t>
+        <a:bodyPr/>
+        <a:lstStyle/>
+        <a:p>
+          <a:r>
+            <a:rPr lang="de-DE" dirty="0" smtClean="0"/>
+            <a:t>Live Demo</a:t>
+          </a:r>
+          <a:endParaRPr lang="de-DE" dirty="0"/>
+        </a:p>
+      </dgm:t>
+    </dgm:pt>
+    <dgm:pt modelId="{C7327062-E855-4EA7-B7F4-A7CA52F2DE57}" type="parTrans" cxnId="{5FFF2D33-36D0-4732-A286-FA07F795F7FA}">
+      <dgm:prSet/>
+      <dgm:spPr/>
+      <dgm:t>
+        <a:bodyPr/>
+        <a:lstStyle/>
+        <a:p>
+          <a:endParaRPr lang="de-DE"/>
+        </a:p>
+      </dgm:t>
+    </dgm:pt>
+    <dgm:pt modelId="{B343315B-0F53-472F-A3F8-50E72C394E69}" type="sibTrans" cxnId="{5FFF2D33-36D0-4732-A286-FA07F795F7FA}">
+      <dgm:prSet/>
+      <dgm:spPr/>
+      <dgm:t>
+        <a:bodyPr/>
+        <a:lstStyle/>
+        <a:p>
+          <a:endParaRPr lang="de-DE"/>
+        </a:p>
+      </dgm:t>
+    </dgm:pt>
+    <dgm:pt modelId="{87FB8AC5-8D3E-434D-AA2A-E691E1044F11}">
+      <dgm:prSet phldrT="[Text]"/>
+      <dgm:spPr>
+        <a:solidFill>
+          <a:schemeClr val="accent3">
+            <a:lumMod val="85000"/>
+          </a:schemeClr>
+        </a:solidFill>
+      </dgm:spPr>
+      <dgm:t>
+        <a:bodyPr/>
+        <a:lstStyle/>
+        <a:p>
+          <a:r>
+            <a:rPr lang="de-DE" dirty="0" smtClean="0"/>
+            <a:t>Diskussion</a:t>
+          </a:r>
+          <a:endParaRPr lang="de-DE" dirty="0"/>
+        </a:p>
+      </dgm:t>
+    </dgm:pt>
+    <dgm:pt modelId="{A0DC7861-C700-42E9-8572-8B1FF4A58B77}" type="parTrans" cxnId="{B14053D7-E653-4001-9CED-ED4C0F94E826}">
+      <dgm:prSet/>
+      <dgm:spPr/>
+      <dgm:t>
+        <a:bodyPr/>
+        <a:lstStyle/>
+        <a:p>
+          <a:endParaRPr lang="de-DE"/>
+        </a:p>
+      </dgm:t>
+    </dgm:pt>
+    <dgm:pt modelId="{9C7B8D6A-BBF2-4B91-8536-09DDEF0950F6}" type="sibTrans" cxnId="{B14053D7-E653-4001-9CED-ED4C0F94E826}">
+      <dgm:prSet/>
+      <dgm:spPr/>
+      <dgm:t>
+        <a:bodyPr/>
+        <a:lstStyle/>
+        <a:p>
+          <a:endParaRPr lang="de-DE"/>
+        </a:p>
+      </dgm:t>
+    </dgm:pt>
+    <dgm:pt modelId="{38E64900-0655-49A7-81A8-CBE292ECC20A}" type="pres">
+      <dgm:prSet presAssocID="{95ECB77F-7E75-47E2-90C0-5B0DDC98D652}" presName="Name0" presStyleCnt="0">
+        <dgm:presLayoutVars>
+          <dgm:chMax val="7"/>
+          <dgm:chPref val="7"/>
+          <dgm:dir/>
+        </dgm:presLayoutVars>
+      </dgm:prSet>
+      <dgm:spPr/>
+      <dgm:t>
+        <a:bodyPr/>
+        <a:lstStyle/>
+        <a:p>
+          <a:endParaRPr lang="de-DE"/>
+        </a:p>
+      </dgm:t>
+    </dgm:pt>
+    <dgm:pt modelId="{41921527-D604-4B3C-B292-C3FAC710B6E0}" type="pres">
+      <dgm:prSet presAssocID="{95ECB77F-7E75-47E2-90C0-5B0DDC98D652}" presName="Name1" presStyleCnt="0"/>
+      <dgm:spPr/>
+    </dgm:pt>
+    <dgm:pt modelId="{24F548E7-AE07-4894-BADE-1F0E78FED5F2}" type="pres">
+      <dgm:prSet presAssocID="{95ECB77F-7E75-47E2-90C0-5B0DDC98D652}" presName="cycle" presStyleCnt="0"/>
+      <dgm:spPr/>
+    </dgm:pt>
+    <dgm:pt modelId="{85B14CF3-E044-4530-B837-51EB3D31E253}" type="pres">
+      <dgm:prSet presAssocID="{95ECB77F-7E75-47E2-90C0-5B0DDC98D652}" presName="srcNode" presStyleLbl="node1" presStyleIdx="0" presStyleCnt="6"/>
+      <dgm:spPr/>
+    </dgm:pt>
+    <dgm:pt modelId="{506FFCA4-4592-4809-88A7-98FA0A62B2FE}" type="pres">
+      <dgm:prSet presAssocID="{95ECB77F-7E75-47E2-90C0-5B0DDC98D652}" presName="conn" presStyleLbl="parChTrans1D2" presStyleIdx="0" presStyleCnt="1"/>
+      <dgm:spPr/>
+      <dgm:t>
+        <a:bodyPr/>
+        <a:lstStyle/>
+        <a:p>
+          <a:endParaRPr lang="de-DE"/>
+        </a:p>
+      </dgm:t>
+    </dgm:pt>
+    <dgm:pt modelId="{A9072F6C-0160-407D-9F16-9719FF04123D}" type="pres">
+      <dgm:prSet presAssocID="{95ECB77F-7E75-47E2-90C0-5B0DDC98D652}" presName="extraNode" presStyleLbl="node1" presStyleIdx="0" presStyleCnt="6"/>
+      <dgm:spPr/>
+    </dgm:pt>
+    <dgm:pt modelId="{F2C99D21-937B-404F-8876-240D9394B3C1}" type="pres">
+      <dgm:prSet presAssocID="{95ECB77F-7E75-47E2-90C0-5B0DDC98D652}" presName="dstNode" presStyleLbl="node1" presStyleIdx="0" presStyleCnt="6"/>
+      <dgm:spPr/>
+    </dgm:pt>
+    <dgm:pt modelId="{94DED9F9-7D3B-4917-A97F-E1AEF1F131EB}" type="pres">
+      <dgm:prSet presAssocID="{38321699-6EAC-4AD8-B27B-ACE7FFF262B6}" presName="text_1" presStyleLbl="node1" presStyleIdx="0" presStyleCnt="6">
+        <dgm:presLayoutVars>
+          <dgm:bulletEnabled val="1"/>
+        </dgm:presLayoutVars>
+      </dgm:prSet>
+      <dgm:spPr/>
+      <dgm:t>
+        <a:bodyPr/>
+        <a:lstStyle/>
+        <a:p>
+          <a:endParaRPr lang="de-DE"/>
+        </a:p>
+      </dgm:t>
+    </dgm:pt>
+    <dgm:pt modelId="{EA93C56D-7480-4A40-ADC8-8DCA48FBF809}" type="pres">
+      <dgm:prSet presAssocID="{38321699-6EAC-4AD8-B27B-ACE7FFF262B6}" presName="accent_1" presStyleCnt="0"/>
+      <dgm:spPr/>
+    </dgm:pt>
+    <dgm:pt modelId="{F97BD3CF-5909-4AB8-8A53-77E6B09F8679}" type="pres">
+      <dgm:prSet presAssocID="{38321699-6EAC-4AD8-B27B-ACE7FFF262B6}" presName="accentRepeatNode" presStyleLbl="solidFgAcc1" presStyleIdx="0" presStyleCnt="6"/>
+      <dgm:spPr>
+        <a:ln>
+          <a:solidFill>
+            <a:schemeClr val="accent3">
+              <a:lumMod val="85000"/>
+            </a:schemeClr>
+          </a:solidFill>
+        </a:ln>
+      </dgm:spPr>
+    </dgm:pt>
+    <dgm:pt modelId="{8ECB0D0F-B2D2-4899-8B78-A157CB1D3F6B}" type="pres">
+      <dgm:prSet presAssocID="{A51BC3B9-C6C3-4F90-8DEB-5FC00F55FAC3}" presName="text_2" presStyleLbl="node1" presStyleIdx="1" presStyleCnt="6">
+        <dgm:presLayoutVars>
+          <dgm:bulletEnabled val="1"/>
+        </dgm:presLayoutVars>
+      </dgm:prSet>
+      <dgm:spPr/>
+      <dgm:t>
+        <a:bodyPr/>
+        <a:lstStyle/>
+        <a:p>
+          <a:endParaRPr lang="de-DE"/>
+        </a:p>
+      </dgm:t>
+    </dgm:pt>
+    <dgm:pt modelId="{6643544D-6CE7-496E-990D-8B19C4D80D37}" type="pres">
+      <dgm:prSet presAssocID="{A51BC3B9-C6C3-4F90-8DEB-5FC00F55FAC3}" presName="accent_2" presStyleCnt="0"/>
+      <dgm:spPr/>
+    </dgm:pt>
+    <dgm:pt modelId="{895D31D7-36CC-4FBA-9D6D-4B214AD7DFE0}" type="pres">
+      <dgm:prSet presAssocID="{A51BC3B9-C6C3-4F90-8DEB-5FC00F55FAC3}" presName="accentRepeatNode" presStyleLbl="solidFgAcc1" presStyleIdx="1" presStyleCnt="6"/>
+      <dgm:spPr>
+        <a:ln>
+          <a:solidFill>
+            <a:schemeClr val="accent3">
+              <a:lumMod val="85000"/>
+            </a:schemeClr>
+          </a:solidFill>
+        </a:ln>
+      </dgm:spPr>
+    </dgm:pt>
+    <dgm:pt modelId="{08F8990D-49AD-4487-90C5-A481D9A36092}" type="pres">
+      <dgm:prSet presAssocID="{CD0833F7-E376-457D-A71E-09FC73BFF92B}" presName="text_3" presStyleLbl="node1" presStyleIdx="2" presStyleCnt="6">
+        <dgm:presLayoutVars>
+          <dgm:bulletEnabled val="1"/>
+        </dgm:presLayoutVars>
+      </dgm:prSet>
+      <dgm:spPr/>
+      <dgm:t>
+        <a:bodyPr/>
+        <a:lstStyle/>
+        <a:p>
+          <a:endParaRPr lang="de-DE"/>
+        </a:p>
+      </dgm:t>
+    </dgm:pt>
+    <dgm:pt modelId="{B8B042CF-DA96-4A21-8164-DCCF19E2CB65}" type="pres">
+      <dgm:prSet presAssocID="{CD0833F7-E376-457D-A71E-09FC73BFF92B}" presName="accent_3" presStyleCnt="0"/>
+      <dgm:spPr/>
+    </dgm:pt>
+    <dgm:pt modelId="{6EDA35B2-D686-4460-AA1C-748D12A4BB2E}" type="pres">
+      <dgm:prSet presAssocID="{CD0833F7-E376-457D-A71E-09FC73BFF92B}" presName="accentRepeatNode" presStyleLbl="solidFgAcc1" presStyleIdx="2" presStyleCnt="6"/>
+      <dgm:spPr>
+        <a:ln>
+          <a:solidFill>
+            <a:srgbClr val="D9D9D9"/>
+          </a:solidFill>
+        </a:ln>
+      </dgm:spPr>
+      <dgm:t>
+        <a:bodyPr/>
+        <a:lstStyle/>
+        <a:p>
+          <a:endParaRPr lang="de-DE"/>
+        </a:p>
+      </dgm:t>
+    </dgm:pt>
+    <dgm:pt modelId="{5A5522D5-98B1-431C-862A-87D2AE6B6114}" type="pres">
+      <dgm:prSet presAssocID="{E95D953B-8834-475B-A90B-21464208104B}" presName="text_4" presStyleLbl="node1" presStyleIdx="3" presStyleCnt="6">
+        <dgm:presLayoutVars>
+          <dgm:bulletEnabled val="1"/>
+        </dgm:presLayoutVars>
+      </dgm:prSet>
+      <dgm:spPr/>
+      <dgm:t>
+        <a:bodyPr/>
+        <a:lstStyle/>
+        <a:p>
+          <a:endParaRPr lang="de-DE"/>
+        </a:p>
+      </dgm:t>
+    </dgm:pt>
+    <dgm:pt modelId="{EF8214B9-51FE-498D-B6E2-4A8348C96FB2}" type="pres">
+      <dgm:prSet presAssocID="{E95D953B-8834-475B-A90B-21464208104B}" presName="accent_4" presStyleCnt="0"/>
+      <dgm:spPr/>
+    </dgm:pt>
+    <dgm:pt modelId="{3F93D557-84C7-43AC-B142-29488EEB4D6E}" type="pres">
+      <dgm:prSet presAssocID="{E95D953B-8834-475B-A90B-21464208104B}" presName="accentRepeatNode" presStyleLbl="solidFgAcc1" presStyleIdx="3" presStyleCnt="6"/>
+      <dgm:spPr>
+        <a:ln>
+          <a:solidFill>
+            <a:srgbClr val="D9D9D9"/>
+          </a:solidFill>
+        </a:ln>
+      </dgm:spPr>
+      <dgm:t>
+        <a:bodyPr/>
+        <a:lstStyle/>
+        <a:p>
+          <a:endParaRPr lang="de-DE"/>
+        </a:p>
+      </dgm:t>
+    </dgm:pt>
+    <dgm:pt modelId="{1846E345-4193-43B8-A89A-FBAC2DEA3CE1}" type="pres">
+      <dgm:prSet presAssocID="{45060046-6D24-4053-9722-CE27E4945F11}" presName="text_5" presStyleLbl="node1" presStyleIdx="4" presStyleCnt="6">
+        <dgm:presLayoutVars>
+          <dgm:bulletEnabled val="1"/>
+        </dgm:presLayoutVars>
+      </dgm:prSet>
+      <dgm:spPr/>
+      <dgm:t>
+        <a:bodyPr/>
+        <a:lstStyle/>
+        <a:p>
+          <a:endParaRPr lang="de-DE"/>
+        </a:p>
+      </dgm:t>
+    </dgm:pt>
+    <dgm:pt modelId="{721A64CA-4A73-40D5-830D-E0F3C2797408}" type="pres">
+      <dgm:prSet presAssocID="{45060046-6D24-4053-9722-CE27E4945F11}" presName="accent_5" presStyleCnt="0"/>
+      <dgm:spPr/>
+    </dgm:pt>
+    <dgm:pt modelId="{00467386-1EFC-4EC6-8452-B2BDA7272B75}" type="pres">
+      <dgm:prSet presAssocID="{45060046-6D24-4053-9722-CE27E4945F11}" presName="accentRepeatNode" presStyleLbl="solidFgAcc1" presStyleIdx="4" presStyleCnt="6"/>
+      <dgm:spPr>
+        <a:ln>
+          <a:solidFill>
+            <a:srgbClr val="005AA9"/>
+          </a:solidFill>
+        </a:ln>
+      </dgm:spPr>
+      <dgm:t>
+        <a:bodyPr/>
+        <a:lstStyle/>
+        <a:p>
+          <a:endParaRPr lang="de-DE"/>
+        </a:p>
+      </dgm:t>
+    </dgm:pt>
+    <dgm:pt modelId="{34EAC2A8-ED4F-47AB-ABA4-B15FD3670046}" type="pres">
+      <dgm:prSet presAssocID="{87FB8AC5-8D3E-434D-AA2A-E691E1044F11}" presName="text_6" presStyleLbl="node1" presStyleIdx="5" presStyleCnt="6">
+        <dgm:presLayoutVars>
+          <dgm:bulletEnabled val="1"/>
+        </dgm:presLayoutVars>
+      </dgm:prSet>
+      <dgm:spPr/>
+      <dgm:t>
+        <a:bodyPr/>
+        <a:lstStyle/>
+        <a:p>
+          <a:endParaRPr lang="de-DE"/>
+        </a:p>
+      </dgm:t>
+    </dgm:pt>
+    <dgm:pt modelId="{045F4078-71A4-457F-BCFD-324FFEAC0A24}" type="pres">
+      <dgm:prSet presAssocID="{87FB8AC5-8D3E-434D-AA2A-E691E1044F11}" presName="accent_6" presStyleCnt="0"/>
+      <dgm:spPr/>
+    </dgm:pt>
+    <dgm:pt modelId="{FE3F0E8D-C743-48E9-B665-8D8E8AFB28E5}" type="pres">
+      <dgm:prSet presAssocID="{87FB8AC5-8D3E-434D-AA2A-E691E1044F11}" presName="accentRepeatNode" presStyleLbl="solidFgAcc1" presStyleIdx="5" presStyleCnt="6"/>
+      <dgm:spPr>
+        <a:ln>
+          <a:solidFill>
+            <a:schemeClr val="accent3">
+              <a:lumMod val="85000"/>
+            </a:schemeClr>
+          </a:solidFill>
+        </a:ln>
+      </dgm:spPr>
+    </dgm:pt>
+  </dgm:ptLst>
+  <dgm:cxnLst>
+    <dgm:cxn modelId="{72457938-9B53-4279-B462-CAD957A50A6C}" srcId="{95ECB77F-7E75-47E2-90C0-5B0DDC98D652}" destId="{CD0833F7-E376-457D-A71E-09FC73BFF92B}" srcOrd="2" destOrd="0" parTransId="{D846FAC5-99A1-44AD-AC9F-8D26D376FDD3}" sibTransId="{3DA33939-57E8-47EE-992C-63D2CAB2022F}"/>
+    <dgm:cxn modelId="{B7F416D5-367A-432B-A8B0-849A91ADB9C0}" type="presOf" srcId="{A51BC3B9-C6C3-4F90-8DEB-5FC00F55FAC3}" destId="{8ECB0D0F-B2D2-4899-8B78-A157CB1D3F6B}" srcOrd="0" destOrd="0" presId="urn:microsoft.com/office/officeart/2008/layout/VerticalCurvedList"/>
+    <dgm:cxn modelId="{A5AE94F4-BFA7-4AAD-AED3-5A912967E346}" type="presOf" srcId="{E95D953B-8834-475B-A90B-21464208104B}" destId="{5A5522D5-98B1-431C-862A-87D2AE6B6114}" srcOrd="0" destOrd="0" presId="urn:microsoft.com/office/officeart/2008/layout/VerticalCurvedList"/>
+    <dgm:cxn modelId="{22FD5ECD-96AB-4779-8BA8-D89B1B1613CD}" type="presOf" srcId="{45060046-6D24-4053-9722-CE27E4945F11}" destId="{1846E345-4193-43B8-A89A-FBAC2DEA3CE1}" srcOrd="0" destOrd="0" presId="urn:microsoft.com/office/officeart/2008/layout/VerticalCurvedList"/>
+    <dgm:cxn modelId="{A5D1FC92-89FF-419A-AC0D-75C708B640C7}" type="presOf" srcId="{1A926AD4-CAE4-4101-AE8D-570B2C62378B}" destId="{506FFCA4-4592-4809-88A7-98FA0A62B2FE}" srcOrd="0" destOrd="0" presId="urn:microsoft.com/office/officeart/2008/layout/VerticalCurvedList"/>
+    <dgm:cxn modelId="{516620AF-1C2B-4D03-AE69-7700D0655FC5}" srcId="{95ECB77F-7E75-47E2-90C0-5B0DDC98D652}" destId="{A51BC3B9-C6C3-4F90-8DEB-5FC00F55FAC3}" srcOrd="1" destOrd="0" parTransId="{FB4C850F-ADB2-4038-934D-454F131BB747}" sibTransId="{533DBDD4-7C73-461F-8E6E-7024B084AA9F}"/>
+    <dgm:cxn modelId="{A9B90B7F-C3E0-4F0C-A6E4-05CB57C6D74D}" type="presOf" srcId="{95ECB77F-7E75-47E2-90C0-5B0DDC98D652}" destId="{38E64900-0655-49A7-81A8-CBE292ECC20A}" srcOrd="0" destOrd="0" presId="urn:microsoft.com/office/officeart/2008/layout/VerticalCurvedList"/>
+    <dgm:cxn modelId="{5FFF2D33-36D0-4732-A286-FA07F795F7FA}" srcId="{95ECB77F-7E75-47E2-90C0-5B0DDC98D652}" destId="{E95D953B-8834-475B-A90B-21464208104B}" srcOrd="3" destOrd="0" parTransId="{C7327062-E855-4EA7-B7F4-A7CA52F2DE57}" sibTransId="{B343315B-0F53-472F-A3F8-50E72C394E69}"/>
+    <dgm:cxn modelId="{FAAB1983-77ED-4E7E-9B95-58C230122AE5}" srcId="{95ECB77F-7E75-47E2-90C0-5B0DDC98D652}" destId="{38321699-6EAC-4AD8-B27B-ACE7FFF262B6}" srcOrd="0" destOrd="0" parTransId="{BD4F7070-97CC-40EF-8C99-9322B9CA6DB3}" sibTransId="{1A926AD4-CAE4-4101-AE8D-570B2C62378B}"/>
+    <dgm:cxn modelId="{B14053D7-E653-4001-9CED-ED4C0F94E826}" srcId="{95ECB77F-7E75-47E2-90C0-5B0DDC98D652}" destId="{87FB8AC5-8D3E-434D-AA2A-E691E1044F11}" srcOrd="5" destOrd="0" parTransId="{A0DC7861-C700-42E9-8572-8B1FF4A58B77}" sibTransId="{9C7B8D6A-BBF2-4B91-8536-09DDEF0950F6}"/>
+    <dgm:cxn modelId="{4DF8D48E-F4CA-41BB-BCB7-06E9CE27030F}" type="presOf" srcId="{87FB8AC5-8D3E-434D-AA2A-E691E1044F11}" destId="{34EAC2A8-ED4F-47AB-ABA4-B15FD3670046}" srcOrd="0" destOrd="0" presId="urn:microsoft.com/office/officeart/2008/layout/VerticalCurvedList"/>
+    <dgm:cxn modelId="{039B7D0C-1D8C-4BE6-BF4E-0549B3882846}" type="presOf" srcId="{CD0833F7-E376-457D-A71E-09FC73BFF92B}" destId="{08F8990D-49AD-4487-90C5-A481D9A36092}" srcOrd="0" destOrd="0" presId="urn:microsoft.com/office/officeart/2008/layout/VerticalCurvedList"/>
+    <dgm:cxn modelId="{54C22A2C-2957-4E5B-A799-CEBDB2F2B3D6}" srcId="{95ECB77F-7E75-47E2-90C0-5B0DDC98D652}" destId="{45060046-6D24-4053-9722-CE27E4945F11}" srcOrd="4" destOrd="0" parTransId="{0C22DB43-AD4A-47E8-8690-7A0FC81803F9}" sibTransId="{9A98F613-EA9F-4553-902A-79CBE73C9130}"/>
+    <dgm:cxn modelId="{4DD0C732-3498-46F1-ADE3-AA4CB775DA14}" type="presOf" srcId="{38321699-6EAC-4AD8-B27B-ACE7FFF262B6}" destId="{94DED9F9-7D3B-4917-A97F-E1AEF1F131EB}" srcOrd="0" destOrd="0" presId="urn:microsoft.com/office/officeart/2008/layout/VerticalCurvedList"/>
+    <dgm:cxn modelId="{0E3C8F25-BD02-414F-97F5-ECB001B615C8}" type="presParOf" srcId="{38E64900-0655-49A7-81A8-CBE292ECC20A}" destId="{41921527-D604-4B3C-B292-C3FAC710B6E0}" srcOrd="0" destOrd="0" presId="urn:microsoft.com/office/officeart/2008/layout/VerticalCurvedList"/>
+    <dgm:cxn modelId="{BFE593BC-E12A-4432-A824-C42D1856D787}" type="presParOf" srcId="{41921527-D604-4B3C-B292-C3FAC710B6E0}" destId="{24F548E7-AE07-4894-BADE-1F0E78FED5F2}" srcOrd="0" destOrd="0" presId="urn:microsoft.com/office/officeart/2008/layout/VerticalCurvedList"/>
+    <dgm:cxn modelId="{1D2E34DF-E740-44D0-A112-CAF1F8C3BACB}" type="presParOf" srcId="{24F548E7-AE07-4894-BADE-1F0E78FED5F2}" destId="{85B14CF3-E044-4530-B837-51EB3D31E253}" srcOrd="0" destOrd="0" presId="urn:microsoft.com/office/officeart/2008/layout/VerticalCurvedList"/>
+    <dgm:cxn modelId="{D03F1D4E-18D7-4429-82A5-FAE7821FFD79}" type="presParOf" srcId="{24F548E7-AE07-4894-BADE-1F0E78FED5F2}" destId="{506FFCA4-4592-4809-88A7-98FA0A62B2FE}" srcOrd="1" destOrd="0" presId="urn:microsoft.com/office/officeart/2008/layout/VerticalCurvedList"/>
+    <dgm:cxn modelId="{75F64FBF-5D89-42A9-810D-C0BAEC3F518C}" type="presParOf" srcId="{24F548E7-AE07-4894-BADE-1F0E78FED5F2}" destId="{A9072F6C-0160-407D-9F16-9719FF04123D}" srcOrd="2" destOrd="0" presId="urn:microsoft.com/office/officeart/2008/layout/VerticalCurvedList"/>
+    <dgm:cxn modelId="{852FEFB1-92D7-4893-9295-7779EFF1DD31}" type="presParOf" srcId="{24F548E7-AE07-4894-BADE-1F0E78FED5F2}" destId="{F2C99D21-937B-404F-8876-240D9394B3C1}" srcOrd="3" destOrd="0" presId="urn:microsoft.com/office/officeart/2008/layout/VerticalCurvedList"/>
+    <dgm:cxn modelId="{733DD3B1-7A36-4872-B1AF-08A81869BE8E}" type="presParOf" srcId="{41921527-D604-4B3C-B292-C3FAC710B6E0}" destId="{94DED9F9-7D3B-4917-A97F-E1AEF1F131EB}" srcOrd="1" destOrd="0" presId="urn:microsoft.com/office/officeart/2008/layout/VerticalCurvedList"/>
+    <dgm:cxn modelId="{A6A37B7C-C2C1-4F2A-B0A4-4947F6D66CD9}" type="presParOf" srcId="{41921527-D604-4B3C-B292-C3FAC710B6E0}" destId="{EA93C56D-7480-4A40-ADC8-8DCA48FBF809}" srcOrd="2" destOrd="0" presId="urn:microsoft.com/office/officeart/2008/layout/VerticalCurvedList"/>
+    <dgm:cxn modelId="{E2925089-DC10-4D92-87DC-0A3977A772E4}" type="presParOf" srcId="{EA93C56D-7480-4A40-ADC8-8DCA48FBF809}" destId="{F97BD3CF-5909-4AB8-8A53-77E6B09F8679}" srcOrd="0" destOrd="0" presId="urn:microsoft.com/office/officeart/2008/layout/VerticalCurvedList"/>
+    <dgm:cxn modelId="{52D9EDA6-E9C1-4340-866D-D933CD8EF45D}" type="presParOf" srcId="{41921527-D604-4B3C-B292-C3FAC710B6E0}" destId="{8ECB0D0F-B2D2-4899-8B78-A157CB1D3F6B}" srcOrd="3" destOrd="0" presId="urn:microsoft.com/office/officeart/2008/layout/VerticalCurvedList"/>
+    <dgm:cxn modelId="{1BA049BB-612D-433B-9BBF-23272473196E}" type="presParOf" srcId="{41921527-D604-4B3C-B292-C3FAC710B6E0}" destId="{6643544D-6CE7-496E-990D-8B19C4D80D37}" srcOrd="4" destOrd="0" presId="urn:microsoft.com/office/officeart/2008/layout/VerticalCurvedList"/>
+    <dgm:cxn modelId="{36D4754A-AB43-4CA9-A9DA-BB50C512E247}" type="presParOf" srcId="{6643544D-6CE7-496E-990D-8B19C4D80D37}" destId="{895D31D7-36CC-4FBA-9D6D-4B214AD7DFE0}" srcOrd="0" destOrd="0" presId="urn:microsoft.com/office/officeart/2008/layout/VerticalCurvedList"/>
+    <dgm:cxn modelId="{B78BE20D-5BD8-4FB6-A71E-1216A3C81E13}" type="presParOf" srcId="{41921527-D604-4B3C-B292-C3FAC710B6E0}" destId="{08F8990D-49AD-4487-90C5-A481D9A36092}" srcOrd="5" destOrd="0" presId="urn:microsoft.com/office/officeart/2008/layout/VerticalCurvedList"/>
+    <dgm:cxn modelId="{B8398BC3-AE78-483B-805E-45D162A39D29}" type="presParOf" srcId="{41921527-D604-4B3C-B292-C3FAC710B6E0}" destId="{B8B042CF-DA96-4A21-8164-DCCF19E2CB65}" srcOrd="6" destOrd="0" presId="urn:microsoft.com/office/officeart/2008/layout/VerticalCurvedList"/>
+    <dgm:cxn modelId="{26BB54BB-8C54-44D0-B5E5-8C5909525F0A}" type="presParOf" srcId="{B8B042CF-DA96-4A21-8164-DCCF19E2CB65}" destId="{6EDA35B2-D686-4460-AA1C-748D12A4BB2E}" srcOrd="0" destOrd="0" presId="urn:microsoft.com/office/officeart/2008/layout/VerticalCurvedList"/>
+    <dgm:cxn modelId="{76EA40C7-43D9-4D9E-886A-610A41DF246A}" type="presParOf" srcId="{41921527-D604-4B3C-B292-C3FAC710B6E0}" destId="{5A5522D5-98B1-431C-862A-87D2AE6B6114}" srcOrd="7" destOrd="0" presId="urn:microsoft.com/office/officeart/2008/layout/VerticalCurvedList"/>
+    <dgm:cxn modelId="{8AEB8124-AF81-435F-B4EE-B16029290EF2}" type="presParOf" srcId="{41921527-D604-4B3C-B292-C3FAC710B6E0}" destId="{EF8214B9-51FE-498D-B6E2-4A8348C96FB2}" srcOrd="8" destOrd="0" presId="urn:microsoft.com/office/officeart/2008/layout/VerticalCurvedList"/>
+    <dgm:cxn modelId="{D038C073-266E-461E-9C98-2624E0E46FF1}" type="presParOf" srcId="{EF8214B9-51FE-498D-B6E2-4A8348C96FB2}" destId="{3F93D557-84C7-43AC-B142-29488EEB4D6E}" srcOrd="0" destOrd="0" presId="urn:microsoft.com/office/officeart/2008/layout/VerticalCurvedList"/>
+    <dgm:cxn modelId="{140762D9-65FD-40FE-A706-FB46FC2FE173}" type="presParOf" srcId="{41921527-D604-4B3C-B292-C3FAC710B6E0}" destId="{1846E345-4193-43B8-A89A-FBAC2DEA3CE1}" srcOrd="9" destOrd="0" presId="urn:microsoft.com/office/officeart/2008/layout/VerticalCurvedList"/>
+    <dgm:cxn modelId="{5F7B879E-748D-4A76-AD52-5816761A2415}" type="presParOf" srcId="{41921527-D604-4B3C-B292-C3FAC710B6E0}" destId="{721A64CA-4A73-40D5-830D-E0F3C2797408}" srcOrd="10" destOrd="0" presId="urn:microsoft.com/office/officeart/2008/layout/VerticalCurvedList"/>
+    <dgm:cxn modelId="{0138CD06-AE2E-4765-B9BB-2B863D4CD58B}" type="presParOf" srcId="{721A64CA-4A73-40D5-830D-E0F3C2797408}" destId="{00467386-1EFC-4EC6-8452-B2BDA7272B75}" srcOrd="0" destOrd="0" presId="urn:microsoft.com/office/officeart/2008/layout/VerticalCurvedList"/>
+    <dgm:cxn modelId="{9A2DC72C-7BB0-440A-B57A-B4BA30200730}" type="presParOf" srcId="{41921527-D604-4B3C-B292-C3FAC710B6E0}" destId="{34EAC2A8-ED4F-47AB-ABA4-B15FD3670046}" srcOrd="11" destOrd="0" presId="urn:microsoft.com/office/officeart/2008/layout/VerticalCurvedList"/>
+    <dgm:cxn modelId="{F36D255A-7376-40AD-BC93-4079173E273F}" type="presParOf" srcId="{41921527-D604-4B3C-B292-C3FAC710B6E0}" destId="{045F4078-71A4-457F-BCFD-324FFEAC0A24}" srcOrd="12" destOrd="0" presId="urn:microsoft.com/office/officeart/2008/layout/VerticalCurvedList"/>
+    <dgm:cxn modelId="{F421C09A-2E79-453A-93B6-12BB97E69566}" type="presParOf" srcId="{045F4078-71A4-457F-BCFD-324FFEAC0A24}" destId="{FE3F0E8D-C743-48E9-B665-8D8E8AFB28E5}" srcOrd="0" destOrd="0" presId="urn:microsoft.com/office/officeart/2008/layout/VerticalCurvedList"/>
+  </dgm:cxnLst>
+  <dgm:bg/>
+  <dgm:whole/>
+  <dgm:extLst>
+    <a:ext uri="http://schemas.microsoft.com/office/drawing/2008/diagram">
+      <dsp:dataModelExt xmlns:dsp="http://schemas.microsoft.com/office/drawing/2008/diagram" relId="rId6" minVer="http://schemas.openxmlformats.org/drawingml/2006/diagram"/>
+    </a:ext>
+  </dgm:extLst>
+</dgm:dataModel>
+</file>
+
+<file path=ppt/diagrams/data7.xml><?xml version="1.0" encoding="utf-8"?>
 <dgm:dataModel xmlns:dgm="http://schemas.openxmlformats.org/drawingml/2006/diagram" xmlns:a="http://schemas.openxmlformats.org/drawingml/2006/main">
   <dgm:ptLst>
     <dgm:pt modelId="{95ECB77F-7E75-47E2-90C0-5B0DDC98D652}" type="doc">
@@ -7688,7 +9010,7 @@
         <a:p>
           <a:r>
             <a:rPr lang="de-DE" dirty="0" smtClean="0"/>
-            <a:t>Platzhalter</a:t>
+            <a:t>Zukünftige Vision</a:t>
           </a:r>
           <a:endParaRPr lang="de-DE" dirty="0"/>
         </a:p>
@@ -7731,7 +9053,7 @@
         <a:p>
           <a:r>
             <a:rPr lang="de-DE" dirty="0" smtClean="0"/>
-            <a:t>Zukünftige Vision</a:t>
+            <a:t>Live Demo</a:t>
           </a:r>
           <a:endParaRPr lang="de-DE" dirty="0"/>
         </a:p>
@@ -8548,7 +9870,7 @@
           </a:pPr>
           <a:r>
             <a:rPr lang="de-DE" sz="2600" kern="1200" dirty="0" smtClean="0"/>
-            <a:t>Die zukünftige Vision</a:t>
+            <a:t>Live Demo</a:t>
           </a:r>
           <a:endParaRPr lang="de-DE" sz="2600" kern="1200" dirty="0"/>
         </a:p>
@@ -8662,7 +9984,7 @@
           </a:pPr>
           <a:r>
             <a:rPr lang="de-DE" sz="2600" kern="1200" dirty="0" smtClean="0"/>
-            <a:t>Platzhalter</a:t>
+            <a:t>Die zukünftige Vision</a:t>
           </a:r>
           <a:endParaRPr lang="de-DE" sz="2600" kern="1200" dirty="0"/>
         </a:p>
@@ -9293,7 +10615,7 @@
           </a:pPr>
           <a:r>
             <a:rPr lang="de-DE" sz="2600" kern="1200" dirty="0" smtClean="0"/>
-            <a:t>Zukünftige Vision</a:t>
+            <a:t>Live Demo</a:t>
           </a:r>
           <a:endParaRPr lang="de-DE" sz="2600" kern="1200" dirty="0"/>
         </a:p>
@@ -9411,7 +10733,7 @@
           </a:pPr>
           <a:r>
             <a:rPr lang="de-DE" sz="2600" kern="1200" dirty="0" smtClean="0"/>
-            <a:t>Platzhalter</a:t>
+            <a:t>Zukünftige Vision</a:t>
           </a:r>
           <a:endParaRPr lang="de-DE" sz="2600" kern="1200" dirty="0"/>
         </a:p>
@@ -10048,7 +11370,7 @@
           </a:pPr>
           <a:r>
             <a:rPr lang="de-DE" sz="2600" kern="1200" dirty="0" smtClean="0"/>
-            <a:t>Zukünftige Vision</a:t>
+            <a:t>Live Demo</a:t>
           </a:r>
           <a:endParaRPr lang="de-DE" sz="2600" kern="1200" dirty="0"/>
         </a:p>
@@ -10166,7 +11488,7 @@
           </a:pPr>
           <a:r>
             <a:rPr lang="de-DE" sz="2600" kern="1200" dirty="0" smtClean="0"/>
-            <a:t>Platzhalter</a:t>
+            <a:t>Zukünftige Vision</a:t>
           </a:r>
           <a:endParaRPr lang="de-DE" sz="2600" kern="1200" dirty="0"/>
         </a:p>
@@ -10803,7 +12125,7 @@
           </a:pPr>
           <a:r>
             <a:rPr lang="de-DE" sz="2600" kern="1200" dirty="0" smtClean="0"/>
-            <a:t>Zukünftige Vision</a:t>
+            <a:t>Live Demo</a:t>
           </a:r>
           <a:endParaRPr lang="de-DE" sz="2600" kern="1200" dirty="0"/>
         </a:p>
@@ -10921,7 +12243,7 @@
           </a:pPr>
           <a:r>
             <a:rPr lang="de-DE" sz="2600" kern="1200" dirty="0" smtClean="0"/>
-            <a:t>Platzhalter</a:t>
+            <a:t>Zukünftige Vision</a:t>
           </a:r>
           <a:endParaRPr lang="de-DE" sz="2600" kern="1200" dirty="0"/>
         </a:p>
@@ -11556,7 +12878,7 @@
           </a:pPr>
           <a:r>
             <a:rPr lang="de-DE" sz="2600" kern="1200" dirty="0" smtClean="0"/>
-            <a:t>Zukünftige Vision</a:t>
+            <a:t>Live Demo</a:t>
           </a:r>
           <a:endParaRPr lang="de-DE" sz="2600" kern="1200" dirty="0"/>
         </a:p>
@@ -11672,7 +12994,7 @@
           </a:pPr>
           <a:r>
             <a:rPr lang="de-DE" sz="2600" kern="1200" dirty="0" smtClean="0"/>
-            <a:t>Platzhalter</a:t>
+            <a:t>Zukünftige Vision</a:t>
           </a:r>
           <a:endParaRPr lang="de-DE" sz="2600" kern="1200" dirty="0"/>
         </a:p>
@@ -11849,6 +13171,753 @@
 </file>
 
 <file path=ppt/diagrams/drawing6.xml><?xml version="1.0" encoding="utf-8"?>
+<dsp:drawing xmlns:dgm="http://schemas.openxmlformats.org/drawingml/2006/diagram" xmlns:dsp="http://schemas.microsoft.com/office/drawing/2008/diagram" xmlns:a="http://schemas.openxmlformats.org/drawingml/2006/main">
+  <dsp:spTree>
+    <dsp:nvGrpSpPr>
+      <dsp:cNvPr id="0" name=""/>
+      <dsp:cNvGrpSpPr/>
+    </dsp:nvGrpSpPr>
+    <dsp:grpSpPr/>
+    <dsp:sp modelId="{506FFCA4-4592-4809-88A7-98FA0A62B2FE}">
+      <dsp:nvSpPr>
+        <dsp:cNvPr id="0" name=""/>
+        <dsp:cNvSpPr/>
+      </dsp:nvSpPr>
+      <dsp:spPr>
+        <a:xfrm>
+          <a:off x="-5128918" y="-785678"/>
+          <a:ext cx="6107861" cy="6107861"/>
+        </a:xfrm>
+        <a:prstGeom prst="blockArc">
+          <a:avLst>
+            <a:gd name="adj1" fmla="val 18900000"/>
+            <a:gd name="adj2" fmla="val 2700000"/>
+            <a:gd name="adj3" fmla="val 354"/>
+          </a:avLst>
+        </a:prstGeom>
+        <a:noFill/>
+        <a:ln w="25400" cap="flat" cmpd="sng" algn="ctr">
+          <a:solidFill>
+            <a:srgbClr val="005AA9"/>
+          </a:solidFill>
+          <a:prstDash val="solid"/>
+        </a:ln>
+        <a:effectLst/>
+      </dsp:spPr>
+      <dsp:style>
+        <a:lnRef idx="2">
+          <a:scrgbClr r="0" g="0" b="0"/>
+        </a:lnRef>
+        <a:fillRef idx="0">
+          <a:scrgbClr r="0" g="0" b="0"/>
+        </a:fillRef>
+        <a:effectRef idx="0">
+          <a:scrgbClr r="0" g="0" b="0"/>
+        </a:effectRef>
+        <a:fontRef idx="minor"/>
+      </dsp:style>
+    </dsp:sp>
+    <dsp:sp modelId="{94DED9F9-7D3B-4917-A97F-E1AEF1F131EB}">
+      <dsp:nvSpPr>
+        <dsp:cNvPr id="0" name=""/>
+        <dsp:cNvSpPr/>
+      </dsp:nvSpPr>
+      <dsp:spPr>
+        <a:xfrm>
+          <a:off x="365143" y="238892"/>
+          <a:ext cx="6125631" cy="477603"/>
+        </a:xfrm>
+        <a:prstGeom prst="rect">
+          <a:avLst/>
+        </a:prstGeom>
+        <a:solidFill>
+          <a:schemeClr val="accent3">
+            <a:lumMod val="85000"/>
+          </a:schemeClr>
+        </a:solidFill>
+        <a:ln w="25400" cap="flat" cmpd="sng" algn="ctr">
+          <a:solidFill>
+            <a:schemeClr val="lt1">
+              <a:hueOff val="0"/>
+              <a:satOff val="0"/>
+              <a:lumOff val="0"/>
+              <a:alphaOff val="0"/>
+            </a:schemeClr>
+          </a:solidFill>
+          <a:prstDash val="solid"/>
+        </a:ln>
+        <a:effectLst/>
+      </dsp:spPr>
+      <dsp:style>
+        <a:lnRef idx="2">
+          <a:scrgbClr r="0" g="0" b="0"/>
+        </a:lnRef>
+        <a:fillRef idx="1">
+          <a:scrgbClr r="0" g="0" b="0"/>
+        </a:fillRef>
+        <a:effectRef idx="0">
+          <a:scrgbClr r="0" g="0" b="0"/>
+        </a:effectRef>
+        <a:fontRef idx="minor">
+          <a:schemeClr val="lt1"/>
+        </a:fontRef>
+      </dsp:style>
+      <dsp:txBody>
+        <a:bodyPr spcFirstLastPara="0" vert="horz" wrap="square" lIns="379097" tIns="66040" rIns="66040" bIns="66040" numCol="1" spcCol="1270" anchor="ctr" anchorCtr="0">
+          <a:noAutofit/>
+        </a:bodyPr>
+        <a:lstStyle/>
+        <a:p>
+          <a:pPr lvl="0" algn="l" defTabSz="1155700">
+            <a:lnSpc>
+              <a:spcPct val="90000"/>
+            </a:lnSpc>
+            <a:spcBef>
+              <a:spcPct val="0"/>
+            </a:spcBef>
+            <a:spcAft>
+              <a:spcPct val="35000"/>
+            </a:spcAft>
+          </a:pPr>
+          <a:r>
+            <a:rPr lang="de-DE" sz="2600" kern="1200" dirty="0" smtClean="0"/>
+            <a:t>Die Idee</a:t>
+          </a:r>
+          <a:endParaRPr lang="de-DE" sz="2600" kern="1200" dirty="0"/>
+        </a:p>
+      </dsp:txBody>
+      <dsp:txXfrm>
+        <a:off x="365143" y="238892"/>
+        <a:ext cx="6125631" cy="477603"/>
+      </dsp:txXfrm>
+    </dsp:sp>
+    <dsp:sp modelId="{F97BD3CF-5909-4AB8-8A53-77E6B09F8679}">
+      <dsp:nvSpPr>
+        <dsp:cNvPr id="0" name=""/>
+        <dsp:cNvSpPr/>
+      </dsp:nvSpPr>
+      <dsp:spPr>
+        <a:xfrm>
+          <a:off x="66641" y="179191"/>
+          <a:ext cx="597003" cy="597003"/>
+        </a:xfrm>
+        <a:prstGeom prst="ellipse">
+          <a:avLst/>
+        </a:prstGeom>
+        <a:solidFill>
+          <a:schemeClr val="lt1">
+            <a:hueOff val="0"/>
+            <a:satOff val="0"/>
+            <a:lumOff val="0"/>
+            <a:alphaOff val="0"/>
+          </a:schemeClr>
+        </a:solidFill>
+        <a:ln w="25400" cap="flat" cmpd="sng" algn="ctr">
+          <a:solidFill>
+            <a:schemeClr val="accent3">
+              <a:lumMod val="85000"/>
+            </a:schemeClr>
+          </a:solidFill>
+          <a:prstDash val="solid"/>
+        </a:ln>
+        <a:effectLst/>
+      </dsp:spPr>
+      <dsp:style>
+        <a:lnRef idx="2">
+          <a:scrgbClr r="0" g="0" b="0"/>
+        </a:lnRef>
+        <a:fillRef idx="1">
+          <a:scrgbClr r="0" g="0" b="0"/>
+        </a:fillRef>
+        <a:effectRef idx="0">
+          <a:scrgbClr r="0" g="0" b="0"/>
+        </a:effectRef>
+        <a:fontRef idx="minor"/>
+      </dsp:style>
+    </dsp:sp>
+    <dsp:sp modelId="{8ECB0D0F-B2D2-4899-8B78-A157CB1D3F6B}">
+      <dsp:nvSpPr>
+        <dsp:cNvPr id="0" name=""/>
+        <dsp:cNvSpPr/>
+      </dsp:nvSpPr>
+      <dsp:spPr>
+        <a:xfrm>
+          <a:off x="758004" y="955206"/>
+          <a:ext cx="5732770" cy="477603"/>
+        </a:xfrm>
+        <a:prstGeom prst="rect">
+          <a:avLst/>
+        </a:prstGeom>
+        <a:solidFill>
+          <a:schemeClr val="accent3">
+            <a:lumMod val="85000"/>
+          </a:schemeClr>
+        </a:solidFill>
+        <a:ln w="25400" cap="flat" cmpd="sng" algn="ctr">
+          <a:solidFill>
+            <a:schemeClr val="lt1">
+              <a:hueOff val="0"/>
+              <a:satOff val="0"/>
+              <a:lumOff val="0"/>
+              <a:alphaOff val="0"/>
+            </a:schemeClr>
+          </a:solidFill>
+          <a:prstDash val="solid"/>
+        </a:ln>
+        <a:effectLst/>
+      </dsp:spPr>
+      <dsp:style>
+        <a:lnRef idx="2">
+          <a:scrgbClr r="0" g="0" b="0"/>
+        </a:lnRef>
+        <a:fillRef idx="1">
+          <a:scrgbClr r="0" g="0" b="0"/>
+        </a:fillRef>
+        <a:effectRef idx="0">
+          <a:scrgbClr r="0" g="0" b="0"/>
+        </a:effectRef>
+        <a:fontRef idx="minor">
+          <a:schemeClr val="lt1"/>
+        </a:fontRef>
+      </dsp:style>
+      <dsp:txBody>
+        <a:bodyPr spcFirstLastPara="0" vert="horz" wrap="square" lIns="379097" tIns="66040" rIns="66040" bIns="66040" numCol="1" spcCol="1270" anchor="ctr" anchorCtr="0">
+          <a:noAutofit/>
+        </a:bodyPr>
+        <a:lstStyle/>
+        <a:p>
+          <a:pPr lvl="0" algn="l" defTabSz="1155700">
+            <a:lnSpc>
+              <a:spcPct val="90000"/>
+            </a:lnSpc>
+            <a:spcBef>
+              <a:spcPct val="0"/>
+            </a:spcBef>
+            <a:spcAft>
+              <a:spcPct val="35000"/>
+            </a:spcAft>
+          </a:pPr>
+          <a:r>
+            <a:rPr lang="de-DE" sz="2600" kern="1200" dirty="0" smtClean="0"/>
+            <a:t>Unsere Umsetzung</a:t>
+          </a:r>
+          <a:endParaRPr lang="de-DE" sz="2600" kern="1200" dirty="0"/>
+        </a:p>
+      </dsp:txBody>
+      <dsp:txXfrm>
+        <a:off x="758004" y="955206"/>
+        <a:ext cx="5732770" cy="477603"/>
+      </dsp:txXfrm>
+    </dsp:sp>
+    <dsp:sp modelId="{895D31D7-36CC-4FBA-9D6D-4B214AD7DFE0}">
+      <dsp:nvSpPr>
+        <dsp:cNvPr id="0" name=""/>
+        <dsp:cNvSpPr/>
+      </dsp:nvSpPr>
+      <dsp:spPr>
+        <a:xfrm>
+          <a:off x="459502" y="895505"/>
+          <a:ext cx="597003" cy="597003"/>
+        </a:xfrm>
+        <a:prstGeom prst="ellipse">
+          <a:avLst/>
+        </a:prstGeom>
+        <a:solidFill>
+          <a:schemeClr val="lt1">
+            <a:hueOff val="0"/>
+            <a:satOff val="0"/>
+            <a:lumOff val="0"/>
+            <a:alphaOff val="0"/>
+          </a:schemeClr>
+        </a:solidFill>
+        <a:ln w="25400" cap="flat" cmpd="sng" algn="ctr">
+          <a:solidFill>
+            <a:schemeClr val="accent3">
+              <a:lumMod val="85000"/>
+            </a:schemeClr>
+          </a:solidFill>
+          <a:prstDash val="solid"/>
+        </a:ln>
+        <a:effectLst/>
+      </dsp:spPr>
+      <dsp:style>
+        <a:lnRef idx="2">
+          <a:scrgbClr r="0" g="0" b="0"/>
+        </a:lnRef>
+        <a:fillRef idx="1">
+          <a:scrgbClr r="0" g="0" b="0"/>
+        </a:fillRef>
+        <a:effectRef idx="0">
+          <a:scrgbClr r="0" g="0" b="0"/>
+        </a:effectRef>
+        <a:fontRef idx="minor"/>
+      </dsp:style>
+    </dsp:sp>
+    <dsp:sp modelId="{08F8990D-49AD-4487-90C5-A481D9A36092}">
+      <dsp:nvSpPr>
+        <dsp:cNvPr id="0" name=""/>
+        <dsp:cNvSpPr/>
+      </dsp:nvSpPr>
+      <dsp:spPr>
+        <a:xfrm>
+          <a:off x="937649" y="1671520"/>
+          <a:ext cx="5553124" cy="477603"/>
+        </a:xfrm>
+        <a:prstGeom prst="rect">
+          <a:avLst/>
+        </a:prstGeom>
+        <a:solidFill>
+          <a:srgbClr val="D9D9D9"/>
+        </a:solidFill>
+        <a:ln w="25400" cap="flat" cmpd="sng" algn="ctr">
+          <a:solidFill>
+            <a:schemeClr val="lt1">
+              <a:hueOff val="0"/>
+              <a:satOff val="0"/>
+              <a:lumOff val="0"/>
+              <a:alphaOff val="0"/>
+            </a:schemeClr>
+          </a:solidFill>
+          <a:prstDash val="solid"/>
+        </a:ln>
+        <a:effectLst/>
+      </dsp:spPr>
+      <dsp:style>
+        <a:lnRef idx="2">
+          <a:scrgbClr r="0" g="0" b="0"/>
+        </a:lnRef>
+        <a:fillRef idx="1">
+          <a:scrgbClr r="0" g="0" b="0"/>
+        </a:fillRef>
+        <a:effectRef idx="0">
+          <a:scrgbClr r="0" g="0" b="0"/>
+        </a:effectRef>
+        <a:fontRef idx="minor">
+          <a:schemeClr val="lt1"/>
+        </a:fontRef>
+      </dsp:style>
+      <dsp:txBody>
+        <a:bodyPr spcFirstLastPara="0" vert="horz" wrap="square" lIns="379097" tIns="66040" rIns="66040" bIns="66040" numCol="1" spcCol="1270" anchor="ctr" anchorCtr="0">
+          <a:noAutofit/>
+        </a:bodyPr>
+        <a:lstStyle/>
+        <a:p>
+          <a:pPr lvl="0" algn="l" defTabSz="1155700">
+            <a:lnSpc>
+              <a:spcPct val="90000"/>
+            </a:lnSpc>
+            <a:spcBef>
+              <a:spcPct val="0"/>
+            </a:spcBef>
+            <a:spcAft>
+              <a:spcPct val="35000"/>
+            </a:spcAft>
+          </a:pPr>
+          <a:r>
+            <a:rPr lang="de-DE" sz="2600" kern="1200" dirty="0" smtClean="0"/>
+            <a:t>Der Projektverlauf</a:t>
+          </a:r>
+          <a:endParaRPr lang="de-DE" sz="2600" kern="1200" dirty="0"/>
+        </a:p>
+      </dsp:txBody>
+      <dsp:txXfrm>
+        <a:off x="937649" y="1671520"/>
+        <a:ext cx="5553124" cy="477603"/>
+      </dsp:txXfrm>
+    </dsp:sp>
+    <dsp:sp modelId="{6EDA35B2-D686-4460-AA1C-748D12A4BB2E}">
+      <dsp:nvSpPr>
+        <dsp:cNvPr id="0" name=""/>
+        <dsp:cNvSpPr/>
+      </dsp:nvSpPr>
+      <dsp:spPr>
+        <a:xfrm>
+          <a:off x="639147" y="1611819"/>
+          <a:ext cx="597003" cy="597003"/>
+        </a:xfrm>
+        <a:prstGeom prst="ellipse">
+          <a:avLst/>
+        </a:prstGeom>
+        <a:solidFill>
+          <a:schemeClr val="lt1">
+            <a:hueOff val="0"/>
+            <a:satOff val="0"/>
+            <a:lumOff val="0"/>
+            <a:alphaOff val="0"/>
+          </a:schemeClr>
+        </a:solidFill>
+        <a:ln w="25400" cap="flat" cmpd="sng" algn="ctr">
+          <a:solidFill>
+            <a:srgbClr val="D9D9D9"/>
+          </a:solidFill>
+          <a:prstDash val="solid"/>
+        </a:ln>
+        <a:effectLst/>
+      </dsp:spPr>
+      <dsp:style>
+        <a:lnRef idx="2">
+          <a:scrgbClr r="0" g="0" b="0"/>
+        </a:lnRef>
+        <a:fillRef idx="1">
+          <a:scrgbClr r="0" g="0" b="0"/>
+        </a:fillRef>
+        <a:effectRef idx="0">
+          <a:scrgbClr r="0" g="0" b="0"/>
+        </a:effectRef>
+        <a:fontRef idx="minor"/>
+      </dsp:style>
+    </dsp:sp>
+    <dsp:sp modelId="{5A5522D5-98B1-431C-862A-87D2AE6B6114}">
+      <dsp:nvSpPr>
+        <dsp:cNvPr id="0" name=""/>
+        <dsp:cNvSpPr/>
+      </dsp:nvSpPr>
+      <dsp:spPr>
+        <a:xfrm>
+          <a:off x="937649" y="2387380"/>
+          <a:ext cx="5553124" cy="477603"/>
+        </a:xfrm>
+        <a:prstGeom prst="rect">
+          <a:avLst/>
+        </a:prstGeom>
+        <a:solidFill>
+          <a:srgbClr val="D9D9D9"/>
+        </a:solidFill>
+        <a:ln w="25400" cap="flat" cmpd="sng" algn="ctr">
+          <a:solidFill>
+            <a:schemeClr val="lt1">
+              <a:hueOff val="0"/>
+              <a:satOff val="0"/>
+              <a:lumOff val="0"/>
+              <a:alphaOff val="0"/>
+            </a:schemeClr>
+          </a:solidFill>
+          <a:prstDash val="solid"/>
+        </a:ln>
+        <a:effectLst/>
+      </dsp:spPr>
+      <dsp:style>
+        <a:lnRef idx="2">
+          <a:scrgbClr r="0" g="0" b="0"/>
+        </a:lnRef>
+        <a:fillRef idx="1">
+          <a:scrgbClr r="0" g="0" b="0"/>
+        </a:fillRef>
+        <a:effectRef idx="0">
+          <a:scrgbClr r="0" g="0" b="0"/>
+        </a:effectRef>
+        <a:fontRef idx="minor">
+          <a:schemeClr val="lt1"/>
+        </a:fontRef>
+      </dsp:style>
+      <dsp:txBody>
+        <a:bodyPr spcFirstLastPara="0" vert="horz" wrap="square" lIns="379097" tIns="66040" rIns="66040" bIns="66040" numCol="1" spcCol="1270" anchor="ctr" anchorCtr="0">
+          <a:noAutofit/>
+        </a:bodyPr>
+        <a:lstStyle/>
+        <a:p>
+          <a:pPr lvl="0" algn="l" defTabSz="1155700">
+            <a:lnSpc>
+              <a:spcPct val="90000"/>
+            </a:lnSpc>
+            <a:spcBef>
+              <a:spcPct val="0"/>
+            </a:spcBef>
+            <a:spcAft>
+              <a:spcPct val="35000"/>
+            </a:spcAft>
+          </a:pPr>
+          <a:r>
+            <a:rPr lang="de-DE" sz="2600" kern="1200" dirty="0" smtClean="0"/>
+            <a:t>Live Demo</a:t>
+          </a:r>
+          <a:endParaRPr lang="de-DE" sz="2600" kern="1200" dirty="0"/>
+        </a:p>
+      </dsp:txBody>
+      <dsp:txXfrm>
+        <a:off x="937649" y="2387380"/>
+        <a:ext cx="5553124" cy="477603"/>
+      </dsp:txXfrm>
+    </dsp:sp>
+    <dsp:sp modelId="{3F93D557-84C7-43AC-B142-29488EEB4D6E}">
+      <dsp:nvSpPr>
+        <dsp:cNvPr id="0" name=""/>
+        <dsp:cNvSpPr/>
+      </dsp:nvSpPr>
+      <dsp:spPr>
+        <a:xfrm>
+          <a:off x="639147" y="2327680"/>
+          <a:ext cx="597003" cy="597003"/>
+        </a:xfrm>
+        <a:prstGeom prst="ellipse">
+          <a:avLst/>
+        </a:prstGeom>
+        <a:solidFill>
+          <a:schemeClr val="lt1">
+            <a:hueOff val="0"/>
+            <a:satOff val="0"/>
+            <a:lumOff val="0"/>
+            <a:alphaOff val="0"/>
+          </a:schemeClr>
+        </a:solidFill>
+        <a:ln w="25400" cap="flat" cmpd="sng" algn="ctr">
+          <a:solidFill>
+            <a:srgbClr val="D9D9D9"/>
+          </a:solidFill>
+          <a:prstDash val="solid"/>
+        </a:ln>
+        <a:effectLst/>
+      </dsp:spPr>
+      <dsp:style>
+        <a:lnRef idx="2">
+          <a:scrgbClr r="0" g="0" b="0"/>
+        </a:lnRef>
+        <a:fillRef idx="1">
+          <a:scrgbClr r="0" g="0" b="0"/>
+        </a:fillRef>
+        <a:effectRef idx="0">
+          <a:scrgbClr r="0" g="0" b="0"/>
+        </a:effectRef>
+        <a:fontRef idx="minor"/>
+      </dsp:style>
+    </dsp:sp>
+    <dsp:sp modelId="{1846E345-4193-43B8-A89A-FBAC2DEA3CE1}">
+      <dsp:nvSpPr>
+        <dsp:cNvPr id="0" name=""/>
+        <dsp:cNvSpPr/>
+      </dsp:nvSpPr>
+      <dsp:spPr>
+        <a:xfrm>
+          <a:off x="758004" y="3103694"/>
+          <a:ext cx="5732770" cy="477603"/>
+        </a:xfrm>
+        <a:prstGeom prst="rect">
+          <a:avLst/>
+        </a:prstGeom>
+        <a:solidFill>
+          <a:srgbClr val="005AA9"/>
+        </a:solidFill>
+        <a:ln w="25400" cap="flat" cmpd="sng" algn="ctr">
+          <a:solidFill>
+            <a:schemeClr val="lt1">
+              <a:hueOff val="0"/>
+              <a:satOff val="0"/>
+              <a:lumOff val="0"/>
+              <a:alphaOff val="0"/>
+            </a:schemeClr>
+          </a:solidFill>
+          <a:prstDash val="solid"/>
+        </a:ln>
+        <a:effectLst/>
+      </dsp:spPr>
+      <dsp:style>
+        <a:lnRef idx="2">
+          <a:scrgbClr r="0" g="0" b="0"/>
+        </a:lnRef>
+        <a:fillRef idx="1">
+          <a:scrgbClr r="0" g="0" b="0"/>
+        </a:fillRef>
+        <a:effectRef idx="0">
+          <a:scrgbClr r="0" g="0" b="0"/>
+        </a:effectRef>
+        <a:fontRef idx="minor">
+          <a:schemeClr val="lt1"/>
+        </a:fontRef>
+      </dsp:style>
+      <dsp:txBody>
+        <a:bodyPr spcFirstLastPara="0" vert="horz" wrap="square" lIns="379097" tIns="66040" rIns="66040" bIns="66040" numCol="1" spcCol="1270" anchor="ctr" anchorCtr="0">
+          <a:noAutofit/>
+        </a:bodyPr>
+        <a:lstStyle/>
+        <a:p>
+          <a:pPr lvl="0" algn="l" defTabSz="1155700">
+            <a:lnSpc>
+              <a:spcPct val="90000"/>
+            </a:lnSpc>
+            <a:spcBef>
+              <a:spcPct val="0"/>
+            </a:spcBef>
+            <a:spcAft>
+              <a:spcPct val="35000"/>
+            </a:spcAft>
+          </a:pPr>
+          <a:r>
+            <a:rPr lang="de-DE" sz="2600" kern="1200" dirty="0" smtClean="0"/>
+            <a:t>Zukünftige Vision</a:t>
+          </a:r>
+          <a:endParaRPr lang="de-DE" sz="2600" kern="1200" dirty="0"/>
+        </a:p>
+      </dsp:txBody>
+      <dsp:txXfrm>
+        <a:off x="758004" y="3103694"/>
+        <a:ext cx="5732770" cy="477603"/>
+      </dsp:txXfrm>
+    </dsp:sp>
+    <dsp:sp modelId="{00467386-1EFC-4EC6-8452-B2BDA7272B75}">
+      <dsp:nvSpPr>
+        <dsp:cNvPr id="0" name=""/>
+        <dsp:cNvSpPr/>
+      </dsp:nvSpPr>
+      <dsp:spPr>
+        <a:xfrm>
+          <a:off x="459502" y="3043994"/>
+          <a:ext cx="597003" cy="597003"/>
+        </a:xfrm>
+        <a:prstGeom prst="ellipse">
+          <a:avLst/>
+        </a:prstGeom>
+        <a:solidFill>
+          <a:schemeClr val="lt1">
+            <a:hueOff val="0"/>
+            <a:satOff val="0"/>
+            <a:lumOff val="0"/>
+            <a:alphaOff val="0"/>
+          </a:schemeClr>
+        </a:solidFill>
+        <a:ln w="25400" cap="flat" cmpd="sng" algn="ctr">
+          <a:solidFill>
+            <a:srgbClr val="005AA9"/>
+          </a:solidFill>
+          <a:prstDash val="solid"/>
+        </a:ln>
+        <a:effectLst/>
+      </dsp:spPr>
+      <dsp:style>
+        <a:lnRef idx="2">
+          <a:scrgbClr r="0" g="0" b="0"/>
+        </a:lnRef>
+        <a:fillRef idx="1">
+          <a:scrgbClr r="0" g="0" b="0"/>
+        </a:fillRef>
+        <a:effectRef idx="0">
+          <a:scrgbClr r="0" g="0" b="0"/>
+        </a:effectRef>
+        <a:fontRef idx="minor"/>
+      </dsp:style>
+    </dsp:sp>
+    <dsp:sp modelId="{34EAC2A8-ED4F-47AB-ABA4-B15FD3670046}">
+      <dsp:nvSpPr>
+        <dsp:cNvPr id="0" name=""/>
+        <dsp:cNvSpPr/>
+      </dsp:nvSpPr>
+      <dsp:spPr>
+        <a:xfrm>
+          <a:off x="365143" y="3820008"/>
+          <a:ext cx="6125631" cy="477603"/>
+        </a:xfrm>
+        <a:prstGeom prst="rect">
+          <a:avLst/>
+        </a:prstGeom>
+        <a:solidFill>
+          <a:schemeClr val="accent3">
+            <a:lumMod val="85000"/>
+          </a:schemeClr>
+        </a:solidFill>
+        <a:ln w="25400" cap="flat" cmpd="sng" algn="ctr">
+          <a:solidFill>
+            <a:schemeClr val="lt1">
+              <a:hueOff val="0"/>
+              <a:satOff val="0"/>
+              <a:lumOff val="0"/>
+              <a:alphaOff val="0"/>
+            </a:schemeClr>
+          </a:solidFill>
+          <a:prstDash val="solid"/>
+        </a:ln>
+        <a:effectLst/>
+      </dsp:spPr>
+      <dsp:style>
+        <a:lnRef idx="2">
+          <a:scrgbClr r="0" g="0" b="0"/>
+        </a:lnRef>
+        <a:fillRef idx="1">
+          <a:scrgbClr r="0" g="0" b="0"/>
+        </a:fillRef>
+        <a:effectRef idx="0">
+          <a:scrgbClr r="0" g="0" b="0"/>
+        </a:effectRef>
+        <a:fontRef idx="minor">
+          <a:schemeClr val="lt1"/>
+        </a:fontRef>
+      </dsp:style>
+      <dsp:txBody>
+        <a:bodyPr spcFirstLastPara="0" vert="horz" wrap="square" lIns="379097" tIns="66040" rIns="66040" bIns="66040" numCol="1" spcCol="1270" anchor="ctr" anchorCtr="0">
+          <a:noAutofit/>
+        </a:bodyPr>
+        <a:lstStyle/>
+        <a:p>
+          <a:pPr lvl="0" algn="l" defTabSz="1155700">
+            <a:lnSpc>
+              <a:spcPct val="90000"/>
+            </a:lnSpc>
+            <a:spcBef>
+              <a:spcPct val="0"/>
+            </a:spcBef>
+            <a:spcAft>
+              <a:spcPct val="35000"/>
+            </a:spcAft>
+          </a:pPr>
+          <a:r>
+            <a:rPr lang="de-DE" sz="2600" kern="1200" dirty="0" smtClean="0"/>
+            <a:t>Diskussion</a:t>
+          </a:r>
+          <a:endParaRPr lang="de-DE" sz="2600" kern="1200" dirty="0"/>
+        </a:p>
+      </dsp:txBody>
+      <dsp:txXfrm>
+        <a:off x="365143" y="3820008"/>
+        <a:ext cx="6125631" cy="477603"/>
+      </dsp:txXfrm>
+    </dsp:sp>
+    <dsp:sp modelId="{FE3F0E8D-C743-48E9-B665-8D8E8AFB28E5}">
+      <dsp:nvSpPr>
+        <dsp:cNvPr id="0" name=""/>
+        <dsp:cNvSpPr/>
+      </dsp:nvSpPr>
+      <dsp:spPr>
+        <a:xfrm>
+          <a:off x="66641" y="3760308"/>
+          <a:ext cx="597003" cy="597003"/>
+        </a:xfrm>
+        <a:prstGeom prst="ellipse">
+          <a:avLst/>
+        </a:prstGeom>
+        <a:solidFill>
+          <a:schemeClr val="lt1">
+            <a:hueOff val="0"/>
+            <a:satOff val="0"/>
+            <a:lumOff val="0"/>
+            <a:alphaOff val="0"/>
+          </a:schemeClr>
+        </a:solidFill>
+        <a:ln w="25400" cap="flat" cmpd="sng" algn="ctr">
+          <a:solidFill>
+            <a:schemeClr val="accent3">
+              <a:lumMod val="85000"/>
+            </a:schemeClr>
+          </a:solidFill>
+          <a:prstDash val="solid"/>
+        </a:ln>
+        <a:effectLst/>
+      </dsp:spPr>
+      <dsp:style>
+        <a:lnRef idx="2">
+          <a:scrgbClr r="0" g="0" b="0"/>
+        </a:lnRef>
+        <a:fillRef idx="1">
+          <a:scrgbClr r="0" g="0" b="0"/>
+        </a:fillRef>
+        <a:effectRef idx="0">
+          <a:scrgbClr r="0" g="0" b="0"/>
+        </a:effectRef>
+        <a:fontRef idx="minor"/>
+      </dsp:style>
+    </dsp:sp>
+  </dsp:spTree>
+</dsp:drawing>
+</file>
+
+<file path=ppt/diagrams/drawing7.xml><?xml version="1.0" encoding="utf-8"?>
 <dsp:drawing xmlns:dgm="http://schemas.openxmlformats.org/drawingml/2006/diagram" xmlns:dsp="http://schemas.microsoft.com/office/drawing/2008/diagram" xmlns:a="http://schemas.openxmlformats.org/drawingml/2006/main">
   <dsp:spTree>
     <dsp:nvGrpSpPr>
@@ -12309,7 +14378,7 @@
           </a:pPr>
           <a:r>
             <a:rPr lang="de-DE" sz="2600" kern="1200" dirty="0" smtClean="0"/>
-            <a:t>Zukünftige Vision</a:t>
+            <a:t>Live Demo</a:t>
           </a:r>
           <a:endParaRPr lang="de-DE" sz="2600" kern="1200" dirty="0"/>
         </a:p>
@@ -12427,7 +14496,7 @@
           </a:pPr>
           <a:r>
             <a:rPr lang="de-DE" sz="2600" kern="1200" dirty="0" smtClean="0"/>
-            <a:t>Platzhalter</a:t>
+            <a:t>Zukünftige Vision</a:t>
           </a:r>
           <a:endParaRPr lang="de-DE" sz="2600" kern="1200" dirty="0"/>
         </a:p>
@@ -20267,6 +22336,1284 @@
 </dgm:layoutDef>
 </file>
 
+<file path=ppt/diagrams/layout7.xml><?xml version="1.0" encoding="utf-8"?>
+<dgm:layoutDef xmlns:dgm="http://schemas.openxmlformats.org/drawingml/2006/diagram" xmlns:a="http://schemas.openxmlformats.org/drawingml/2006/main" uniqueId="urn:microsoft.com/office/officeart/2008/layout/VerticalCurvedList">
+  <dgm:title val=""/>
+  <dgm:desc val=""/>
+  <dgm:catLst>
+    <dgm:cat type="list" pri="20000"/>
+  </dgm:catLst>
+  <dgm:sampData>
+    <dgm:dataModel>
+      <dgm:ptLst>
+        <dgm:pt modelId="0" type="doc"/>
+        <dgm:pt modelId="1">
+          <dgm:prSet phldr="1"/>
+        </dgm:pt>
+        <dgm:pt modelId="2">
+          <dgm:prSet phldr="1"/>
+        </dgm:pt>
+        <dgm:pt modelId="3">
+          <dgm:prSet phldr="1"/>
+        </dgm:pt>
+      </dgm:ptLst>
+      <dgm:cxnLst>
+        <dgm:cxn modelId="4" srcId="0" destId="1" srcOrd="0" destOrd="0"/>
+        <dgm:cxn modelId="5" srcId="0" destId="2" srcOrd="1" destOrd="0"/>
+        <dgm:cxn modelId="6" srcId="0" destId="3" srcOrd="2" destOrd="0"/>
+      </dgm:cxnLst>
+      <dgm:bg/>
+      <dgm:whole/>
+    </dgm:dataModel>
+  </dgm:sampData>
+  <dgm:styleData>
+    <dgm:dataModel>
+      <dgm:ptLst>
+        <dgm:pt modelId="0" type="doc"/>
+        <dgm:pt modelId="1">
+          <dgm:prSet phldr="1"/>
+        </dgm:pt>
+        <dgm:pt modelId="2">
+          <dgm:prSet phldr="1"/>
+        </dgm:pt>
+      </dgm:ptLst>
+      <dgm:cxnLst>
+        <dgm:cxn modelId="3" srcId="0" destId="1" srcOrd="0" destOrd="0"/>
+        <dgm:cxn modelId="4" srcId="0" destId="2" srcOrd="1" destOrd="0"/>
+      </dgm:cxnLst>
+      <dgm:bg/>
+      <dgm:whole/>
+    </dgm:dataModel>
+  </dgm:styleData>
+  <dgm:clrData>
+    <dgm:dataModel>
+      <dgm:ptLst>
+        <dgm:pt modelId="0" type="doc"/>
+        <dgm:pt modelId="1">
+          <dgm:prSet phldr="1"/>
+        </dgm:pt>
+        <dgm:pt modelId="2">
+          <dgm:prSet phldr="1"/>
+        </dgm:pt>
+        <dgm:pt modelId="3">
+          <dgm:prSet phldr="1"/>
+        </dgm:pt>
+        <dgm:pt modelId="4">
+          <dgm:prSet phldr="1"/>
+        </dgm:pt>
+      </dgm:ptLst>
+      <dgm:cxnLst>
+        <dgm:cxn modelId="5" srcId="0" destId="1" srcOrd="0" destOrd="0"/>
+        <dgm:cxn modelId="6" srcId="0" destId="2" srcOrd="1" destOrd="0"/>
+        <dgm:cxn modelId="7" srcId="0" destId="3" srcOrd="2" destOrd="0"/>
+        <dgm:cxn modelId="8" srcId="0" destId="4" srcOrd="3" destOrd="0"/>
+      </dgm:cxnLst>
+      <dgm:bg/>
+      <dgm:whole/>
+    </dgm:dataModel>
+  </dgm:clrData>
+  <dgm:layoutNode name="Name0">
+    <dgm:varLst>
+      <dgm:chMax val="7"/>
+      <dgm:chPref val="7"/>
+      <dgm:dir/>
+    </dgm:varLst>
+    <dgm:alg type="composite"/>
+    <dgm:shape xmlns:r="http://schemas.openxmlformats.org/officeDocument/2006/relationships" r:blip="">
+      <dgm:adjLst/>
+    </dgm:shape>
+    <dgm:constrLst>
+      <dgm:constr type="w" for="ch" refType="h" refFor="ch" op="gte" fact="0.8"/>
+    </dgm:constrLst>
+    <dgm:layoutNode name="Name1">
+      <dgm:alg type="composite"/>
+      <dgm:shape xmlns:r="http://schemas.openxmlformats.org/officeDocument/2006/relationships" r:blip="">
+        <dgm:adjLst/>
+      </dgm:shape>
+      <dgm:choose name="Name2">
+        <dgm:if name="Name3" func="var" arg="dir" op="equ" val="norm">
+          <dgm:choose name="Name4">
+            <dgm:if name="Name5" axis="ch" ptType="node" func="cnt" op="equ" val="1">
+              <dgm:constrLst>
+                <dgm:constr type="h" for="ch" forName="cycle" refType="h"/>
+                <dgm:constr type="w" for="ch" forName="cycle" refType="h" refFor="ch" refForName="cycle" fact="0.26"/>
+                <dgm:constr type="l" for="ch" forName="cycle"/>
+                <dgm:constr type="ctrY" for="ch" forName="cycle" refType="h" fact="0.5"/>
+                <dgm:constr type="diam" for="ch" forName="cycle" refType="h" fact="1.344"/>
+                <dgm:constr type="h" for="ch" forName="accent_1" refType="h" fact="0.625"/>
+                <dgm:constr type="w" for="ch" forName="accent_1" refType="h" refFor="ch" refForName="accent_1" op="equ"/>
+                <dgm:constr type="ctrY" for="ch" forName="accent_1" refType="h" fact="0.5"/>
+                <dgm:constr type="ctrX" for="ch" forName="accent_1" refType="h" fact="0.2253"/>
+                <dgm:constr type="l" for="ch" forName="text_1" refType="ctrX" refFor="ch" refForName="accent_1"/>
+                <dgm:constr type="r" for="ch" forName="text_1" refType="w"/>
+                <dgm:constr type="w" for="ch" forName="text_1" refType="h" refFor="ch" refForName="text_1" op="gte"/>
+                <dgm:constr type="h" for="ch" forName="text_1" refType="h" refFor="ch" refForName="accent_1" fact="0.8"/>
+                <dgm:constr type="ctrY" for="ch" forName="text_1" refType="ctrY" refFor="ch" refForName="accent_1"/>
+                <dgm:constr type="lMarg" for="ch" forName="text_1" refType="w" refFor="ch" refForName="accent_1" fact="1.8"/>
+                <dgm:constr type="primFontSz" for="ch" ptType="node" op="equ" val="65"/>
+              </dgm:constrLst>
+            </dgm:if>
+            <dgm:if name="Name6" axis="ch" ptType="node" func="cnt" op="equ" val="2">
+              <dgm:constrLst>
+                <dgm:constr type="h" for="ch" forName="cycle" refType="h"/>
+                <dgm:constr type="w" for="ch" forName="cycle" refType="h" refFor="ch" refForName="cycle" fact="0.26"/>
+                <dgm:constr type="l" for="ch" forName="cycle"/>
+                <dgm:constr type="ctrY" for="ch" forName="cycle" refType="h" fact="0.5"/>
+                <dgm:constr type="diam" for="ch" forName="cycle" refType="h" fact="1.344"/>
+                <dgm:constr type="h" for="ch" forName="accent_1" refType="h" fact="0.3571"/>
+                <dgm:constr type="w" for="ch" forName="accent_1" refType="h" refFor="ch" refForName="accent_1" op="equ"/>
+                <dgm:constr type="ctrY" for="ch" forName="accent_1" refType="h" fact="0.2857"/>
+                <dgm:constr type="ctrX" for="ch" forName="accent_1" refType="h" fact="0.1891"/>
+                <dgm:constr type="l" for="ch" forName="text_1" refType="ctrX" refFor="ch" refForName="accent_1"/>
+                <dgm:constr type="r" for="ch" forName="text_1" refType="w"/>
+                <dgm:constr type="w" for="ch" forName="text_1" refType="h" refFor="ch" refForName="text_1" op="gte"/>
+                <dgm:constr type="h" for="ch" forName="text_1" refType="h" refFor="ch" refForName="accent_1" fact="0.8"/>
+                <dgm:constr type="ctrY" for="ch" forName="text_1" refType="ctrY" refFor="ch" refForName="accent_1"/>
+                <dgm:constr type="lMarg" for="ch" forName="text_1" refType="w" refFor="ch" refForName="accent_1" fact="1.8"/>
+                <dgm:constr type="h" for="ch" forName="accent_2" refType="h" fact="0.3571"/>
+                <dgm:constr type="w" for="ch" forName="accent_2" refType="h" refFor="ch" refForName="accent_2" op="equ"/>
+                <dgm:constr type="ctrY" for="ch" forName="accent_2" refType="h" fact="0.7143"/>
+                <dgm:constr type="ctrX" for="ch" forName="accent_2" refType="h" fact="0.1891"/>
+                <dgm:constr type="l" for="ch" forName="text_2" refType="ctrX" refFor="ch" refForName="accent_2"/>
+                <dgm:constr type="r" for="ch" forName="text_2" refType="w"/>
+                <dgm:constr type="w" for="ch" forName="text_2" refType="h" refFor="ch" refForName="text_2" op="gte"/>
+                <dgm:constr type="h" for="ch" forName="text_2" refType="h" refFor="ch" refForName="accent_2" fact="0.8"/>
+                <dgm:constr type="ctrY" for="ch" forName="text_2" refType="ctrY" refFor="ch" refForName="accent_2"/>
+                <dgm:constr type="lMarg" for="ch" forName="text_2" refType="w" refFor="ch" refForName="accent_2" fact="1.8"/>
+                <dgm:constr type="primFontSz" for="ch" ptType="node" op="equ" val="65"/>
+              </dgm:constrLst>
+            </dgm:if>
+            <dgm:if name="Name7" axis="ch" ptType="node" func="cnt" op="equ" val="3">
+              <dgm:constrLst>
+                <dgm:constr type="h" for="ch" forName="cycle" refType="h"/>
+                <dgm:constr type="w" for="ch" forName="cycle" refType="h" refFor="ch" refForName="cycle" fact="0.26"/>
+                <dgm:constr type="l" for="ch" forName="cycle"/>
+                <dgm:constr type="ctrY" for="ch" forName="cycle" refType="h" fact="0.5"/>
+                <dgm:constr type="diam" for="ch" forName="cycle" refType="h" fact="1.344"/>
+                <dgm:constr type="h" for="ch" forName="accent_1" refType="h" fact="0.25"/>
+                <dgm:constr type="w" for="ch" forName="accent_1" refType="h" refFor="ch" refForName="accent_1" op="equ"/>
+                <dgm:constr type="ctrY" for="ch" forName="accent_1" refType="h" fact="0.2"/>
+                <dgm:constr type="ctrX" for="ch" forName="accent_1" refType="h" fact="0.1526"/>
+                <dgm:constr type="l" for="ch" forName="text_1" refType="ctrX" refFor="ch" refForName="accent_1"/>
+                <dgm:constr type="r" for="ch" forName="text_1" refType="w"/>
+                <dgm:constr type="w" for="ch" forName="text_1" refType="h" refFor="ch" refForName="text_1" op="gte"/>
+                <dgm:constr type="h" for="ch" forName="text_1" refType="h" refFor="ch" refForName="accent_1" fact="0.8"/>
+                <dgm:constr type="ctrY" for="ch" forName="text_1" refType="ctrY" refFor="ch" refForName="accent_1"/>
+                <dgm:constr type="lMarg" for="ch" forName="text_1" refType="w" refFor="ch" refForName="accent_1" fact="1.8"/>
+                <dgm:constr type="h" for="ch" forName="accent_2" refType="h" fact="0.25"/>
+                <dgm:constr type="w" for="ch" forName="accent_2" refType="h" refFor="ch" refForName="accent_2" op="equ"/>
+                <dgm:constr type="ctrY" for="ch" forName="accent_2" refType="h" fact="0.5"/>
+                <dgm:constr type="ctrX" for="ch" forName="accent_2" refType="h" fact="0.2253"/>
+                <dgm:constr type="l" for="ch" forName="text_2" refType="ctrX" refFor="ch" refForName="accent_2"/>
+                <dgm:constr type="r" for="ch" forName="text_2" refType="w"/>
+                <dgm:constr type="w" for="ch" forName="text_2" refType="h" refFor="ch" refForName="text_2" op="gte"/>
+                <dgm:constr type="h" for="ch" forName="text_2" refType="h" refFor="ch" refForName="accent_2" fact="0.8"/>
+                <dgm:constr type="ctrY" for="ch" forName="text_2" refType="ctrY" refFor="ch" refForName="accent_2"/>
+                <dgm:constr type="lMarg" for="ch" forName="text_2" refType="w" refFor="ch" refForName="accent_2" fact="1.8"/>
+                <dgm:constr type="h" for="ch" forName="accent_3" refType="h" fact="0.25"/>
+                <dgm:constr type="w" for="ch" forName="accent_3" refType="h" refFor="ch" refForName="accent_3" op="equ"/>
+                <dgm:constr type="ctrY" for="ch" forName="accent_3" refType="h" fact="0.8"/>
+                <dgm:constr type="ctrX" for="ch" forName="accent_3" refType="h" fact="0.1526"/>
+                <dgm:constr type="l" for="ch" forName="text_3" refType="ctrX" refFor="ch" refForName="accent_3"/>
+                <dgm:constr type="r" for="ch" forName="text_3" refType="w"/>
+                <dgm:constr type="w" for="ch" forName="text_3" refType="h" refFor="ch" refForName="text_3" op="gte"/>
+                <dgm:constr type="h" for="ch" forName="text_3" refType="h" refFor="ch" refForName="accent_3" fact="0.8"/>
+                <dgm:constr type="ctrY" for="ch" forName="text_3" refType="ctrY" refFor="ch" refForName="accent_3"/>
+                <dgm:constr type="lMarg" for="ch" forName="text_3" refType="w" refFor="ch" refForName="accent_3" fact="1.8"/>
+                <dgm:constr type="primFontSz" for="ch" ptType="node" op="equ" val="65"/>
+              </dgm:constrLst>
+            </dgm:if>
+            <dgm:if name="Name8" axis="ch" ptType="node" func="cnt" op="equ" val="4">
+              <dgm:constrLst>
+                <dgm:constr type="h" for="ch" forName="cycle" refType="h"/>
+                <dgm:constr type="w" for="ch" forName="cycle" refType="h" refFor="ch" refForName="cycle" fact="0.26"/>
+                <dgm:constr type="l" for="ch" forName="cycle"/>
+                <dgm:constr type="ctrY" for="ch" forName="cycle" refType="h" fact="0.5"/>
+                <dgm:constr type="diam" for="ch" forName="cycle" refType="h" fact="1.344"/>
+                <dgm:constr type="h" for="ch" forName="accent_1" refType="h" fact="0.1923"/>
+                <dgm:constr type="w" for="ch" forName="accent_1" refType="h" refFor="ch" refForName="accent_1" op="equ"/>
+                <dgm:constr type="ctrY" for="ch" forName="accent_1" refType="h" fact="0.1538"/>
+                <dgm:constr type="ctrX" for="ch" forName="accent_1" refType="h" fact="0.1268"/>
+                <dgm:constr type="l" for="ch" forName="text_1" refType="ctrX" refFor="ch" refForName="accent_1"/>
+                <dgm:constr type="r" for="ch" forName="text_1" refType="w"/>
+                <dgm:constr type="w" for="ch" forName="text_1" refType="h" refFor="ch" refForName="text_1" op="gte"/>
+                <dgm:constr type="h" for="ch" forName="text_1" refType="h" refFor="ch" refForName="accent_1" fact="0.8"/>
+                <dgm:constr type="ctrY" for="ch" forName="text_1" refType="ctrY" refFor="ch" refForName="accent_1"/>
+                <dgm:constr type="lMarg" for="ch" forName="text_1" refType="w" refFor="ch" refForName="accent_1" fact="1.8"/>
+                <dgm:constr type="h" for="ch" forName="accent_2" refType="h" fact="0.1923"/>
+                <dgm:constr type="w" for="ch" forName="accent_2" refType="h" refFor="ch" refForName="accent_2" op="equ"/>
+                <dgm:constr type="ctrY" for="ch" forName="accent_2" refType="h" fact="0.3846"/>
+                <dgm:constr type="ctrX" for="ch" forName="accent_2" refType="h" fact="0.215"/>
+                <dgm:constr type="l" for="ch" forName="text_2" refType="ctrX" refFor="ch" refForName="accent_2"/>
+                <dgm:constr type="r" for="ch" forName="text_2" refType="w"/>
+                <dgm:constr type="w" for="ch" forName="text_2" refType="h" refFor="ch" refForName="text_2" op="gte"/>
+                <dgm:constr type="h" for="ch" forName="text_2" refType="h" refFor="ch" refForName="accent_2" fact="0.8"/>
+                <dgm:constr type="ctrY" for="ch" forName="text_2" refType="ctrY" refFor="ch" refForName="accent_2"/>
+                <dgm:constr type="lMarg" for="ch" forName="text_2" refType="w" refFor="ch" refForName="accent_2" fact="1.8"/>
+                <dgm:constr type="h" for="ch" forName="accent_3" refType="h" fact="0.1923"/>
+                <dgm:constr type="w" for="ch" forName="accent_3" refType="h" refFor="ch" refForName="accent_3" op="equ"/>
+                <dgm:constr type="ctrY" for="ch" forName="accent_3" refType="h" fact="0.6154"/>
+                <dgm:constr type="ctrX" for="ch" forName="accent_3" refType="h" fact="0.215"/>
+                <dgm:constr type="l" for="ch" forName="text_3" refType="ctrX" refFor="ch" refForName="accent_3"/>
+                <dgm:constr type="r" for="ch" forName="text_3" refType="w"/>
+                <dgm:constr type="w" for="ch" forName="text_3" refType="h" refFor="ch" refForName="text_3" op="gte"/>
+                <dgm:constr type="h" for="ch" forName="text_3" refType="h" refFor="ch" refForName="accent_3" fact="0.8"/>
+                <dgm:constr type="ctrY" for="ch" forName="text_3" refType="ctrY" refFor="ch" refForName="accent_3"/>
+                <dgm:constr type="lMarg" for="ch" forName="text_3" refType="w" refFor="ch" refForName="accent_3" fact="1.8"/>
+                <dgm:constr type="h" for="ch" forName="accent_4" refType="h" fact="0.1923"/>
+                <dgm:constr type="w" for="ch" forName="accent_4" refType="h" refFor="ch" refForName="accent_4" op="equ"/>
+                <dgm:constr type="ctrY" for="ch" forName="accent_4" refType="h" fact="0.8462"/>
+                <dgm:constr type="ctrX" for="ch" forName="accent_4" refType="h" fact="0.1268"/>
+                <dgm:constr type="l" for="ch" forName="text_4" refType="ctrX" refFor="ch" refForName="accent_4"/>
+                <dgm:constr type="r" for="ch" forName="text_4" refType="w"/>
+                <dgm:constr type="w" for="ch" forName="text_4" refType="h" refFor="ch" refForName="text_4" op="gte"/>
+                <dgm:constr type="h" for="ch" forName="text_4" refType="h" refFor="ch" refForName="accent_4" fact="0.8"/>
+                <dgm:constr type="ctrY" for="ch" forName="text_4" refType="ctrY" refFor="ch" refForName="accent_4"/>
+                <dgm:constr type="lMarg" for="ch" forName="text_4" refType="w" refFor="ch" refForName="accent_4" fact="1.8"/>
+                <dgm:constr type="primFontSz" for="ch" ptType="node" op="equ" val="65"/>
+              </dgm:constrLst>
+            </dgm:if>
+            <dgm:if name="Name9" axis="ch" ptType="node" func="cnt" op="equ" val="5">
+              <dgm:constrLst>
+                <dgm:constr type="h" for="ch" forName="cycle" refType="h"/>
+                <dgm:constr type="w" for="ch" forName="cycle" refType="h" refFor="ch" refForName="cycle" fact="0.26"/>
+                <dgm:constr type="l" for="ch" forName="cycle"/>
+                <dgm:constr type="ctrY" for="ch" forName="cycle" refType="h" fact="0.5"/>
+                <dgm:constr type="diam" for="ch" forName="cycle" refType="h" fact="1.344"/>
+                <dgm:constr type="h" for="ch" forName="accent_1" refType="h" fact="0.1563"/>
+                <dgm:constr type="w" for="ch" forName="accent_1" refType="h" refFor="ch" refForName="accent_1" op="equ"/>
+                <dgm:constr type="ctrY" for="ch" forName="accent_1" refType="h" fact="0.125"/>
+                <dgm:constr type="ctrX" for="ch" forName="accent_1" refType="h" fact="0.1082"/>
+                <dgm:constr type="l" for="ch" forName="text_1" refType="ctrX" refFor="ch" refForName="accent_1"/>
+                <dgm:constr type="r" for="ch" forName="text_1" refType="w"/>
+                <dgm:constr type="w" for="ch" forName="text_1" refType="h" refFor="ch" refForName="text_1" op="gte"/>
+                <dgm:constr type="h" for="ch" forName="text_1" refType="h" refFor="ch" refForName="accent_1" fact="0.8"/>
+                <dgm:constr type="ctrY" for="ch" forName="text_1" refType="ctrY" refFor="ch" refForName="accent_1"/>
+                <dgm:constr type="lMarg" for="ch" forName="text_1" refType="w" refFor="ch" refForName="accent_1" fact="1.8"/>
+                <dgm:constr type="h" for="ch" forName="accent_2" refType="h" fact="0.1563"/>
+                <dgm:constr type="w" for="ch" forName="accent_2" refType="h" refFor="ch" refForName="accent_2" op="equ"/>
+                <dgm:constr type="ctrY" for="ch" forName="accent_2" refType="h" fact="0.3125"/>
+                <dgm:constr type="ctrX" for="ch" forName="accent_2" refType="h" fact="0.1978"/>
+                <dgm:constr type="l" for="ch" forName="text_2" refType="ctrX" refFor="ch" refForName="accent_2"/>
+                <dgm:constr type="r" for="ch" forName="text_2" refType="w"/>
+                <dgm:constr type="w" for="ch" forName="text_2" refType="h" refFor="ch" refForName="text_2" op="gte"/>
+                <dgm:constr type="h" for="ch" forName="text_2" refType="h" refFor="ch" refForName="accent_2" fact="0.8"/>
+                <dgm:constr type="ctrY" for="ch" forName="text_2" refType="ctrY" refFor="ch" refForName="accent_2"/>
+                <dgm:constr type="lMarg" for="ch" forName="text_2" refType="w" refFor="ch" refForName="accent_2" fact="1.8"/>
+                <dgm:constr type="h" for="ch" forName="accent_3" refType="h" fact="0.1563"/>
+                <dgm:constr type="w" for="ch" forName="accent_3" refType="h" refFor="ch" refForName="accent_3" op="equ"/>
+                <dgm:constr type="ctrY" for="ch" forName="accent_3" refType="h" fact="0.5"/>
+                <dgm:constr type="ctrX" for="ch" forName="accent_3" refType="h" fact="0.2253"/>
+                <dgm:constr type="l" for="ch" forName="text_3" refType="ctrX" refFor="ch" refForName="accent_3"/>
+                <dgm:constr type="r" for="ch" forName="text_3" refType="w"/>
+                <dgm:constr type="w" for="ch" forName="text_3" refType="h" refFor="ch" refForName="text_3" op="gte"/>
+                <dgm:constr type="h" for="ch" forName="text_3" refType="h" refFor="ch" refForName="accent_3" fact="0.8"/>
+                <dgm:constr type="ctrY" for="ch" forName="text_3" refType="ctrY" refFor="ch" refForName="accent_3"/>
+                <dgm:constr type="lMarg" for="ch" forName="text_3" refType="w" refFor="ch" refForName="accent_3" fact="1.8"/>
+                <dgm:constr type="h" for="ch" forName="accent_4" refType="h" fact="0.1563"/>
+                <dgm:constr type="w" for="ch" forName="accent_4" refType="h" refFor="ch" refForName="accent_4" op="equ"/>
+                <dgm:constr type="ctrY" for="ch" forName="accent_4" refType="h" fact="0.6875"/>
+                <dgm:constr type="ctrX" for="ch" forName="accent_4" refType="h" fact="0.1978"/>
+                <dgm:constr type="l" for="ch" forName="text_4" refType="ctrX" refFor="ch" refForName="accent_4"/>
+                <dgm:constr type="r" for="ch" forName="text_4" refType="w"/>
+                <dgm:constr type="w" for="ch" forName="text_4" refType="h" refFor="ch" refForName="text_4" op="gte"/>
+                <dgm:constr type="h" for="ch" forName="text_4" refType="h" refFor="ch" refForName="accent_4" fact="0.8"/>
+                <dgm:constr type="ctrY" for="ch" forName="text_4" refType="ctrY" refFor="ch" refForName="accent_4"/>
+                <dgm:constr type="lMarg" for="ch" forName="text_4" refType="w" refFor="ch" refForName="accent_4" fact="1.8"/>
+                <dgm:constr type="h" for="ch" forName="accent_5" refType="h" fact="0.1563"/>
+                <dgm:constr type="w" for="ch" forName="accent_5" refType="h" refFor="ch" refForName="accent_5" op="equ"/>
+                <dgm:constr type="ctrY" for="ch" forName="accent_5" refType="h" fact="0.875"/>
+                <dgm:constr type="ctrX" for="ch" forName="accent_5" refType="h" fact="0.1082"/>
+                <dgm:constr type="l" for="ch" forName="text_5" refType="ctrX" refFor="ch" refForName="accent_5"/>
+                <dgm:constr type="r" for="ch" forName="text_5" refType="w"/>
+                <dgm:constr type="w" for="ch" forName="text_5" refType="h" refFor="ch" refForName="text_5" op="gte"/>
+                <dgm:constr type="h" for="ch" forName="text_5" refType="h" refFor="ch" refForName="accent_5" fact="0.8"/>
+                <dgm:constr type="ctrY" for="ch" forName="text_5" refType="ctrY" refFor="ch" refForName="accent_5"/>
+                <dgm:constr type="lMarg" for="ch" forName="text_5" refType="w" refFor="ch" refForName="accent_5" fact="1.8"/>
+                <dgm:constr type="primFontSz" for="ch" ptType="node" op="equ" val="65"/>
+              </dgm:constrLst>
+            </dgm:if>
+            <dgm:if name="Name10" axis="ch" ptType="node" func="cnt" op="equ" val="6">
+              <dgm:constrLst>
+                <dgm:constr type="h" for="ch" forName="cycle" refType="h"/>
+                <dgm:constr type="w" for="ch" forName="cycle" refType="h" refFor="ch" refForName="cycle" fact="0.26"/>
+                <dgm:constr type="l" for="ch" forName="cycle"/>
+                <dgm:constr type="ctrY" for="ch" forName="cycle" refType="h" fact="0.5"/>
+                <dgm:constr type="diam" for="ch" forName="cycle" refType="h" fact="1.344"/>
+                <dgm:constr type="h" for="ch" forName="accent_1" refType="h" fact="0.1316"/>
+                <dgm:constr type="w" for="ch" forName="accent_1" refType="h" refFor="ch" refForName="accent_1" op="equ"/>
+                <dgm:constr type="ctrY" for="ch" forName="accent_1" refType="h" fact="0.1053"/>
+                <dgm:constr type="ctrX" for="ch" forName="accent_1" refType="h" fact="0.0943"/>
+                <dgm:constr type="l" for="ch" forName="text_1" refType="ctrX" refFor="ch" refForName="accent_1"/>
+                <dgm:constr type="r" for="ch" forName="text_1" refType="w"/>
+                <dgm:constr type="w" for="ch" forName="text_1" refType="h" refFor="ch" refForName="text_1" op="gte"/>
+                <dgm:constr type="h" for="ch" forName="text_1" refType="h" refFor="ch" refForName="accent_1" fact="0.8"/>
+                <dgm:constr type="ctrY" for="ch" forName="text_1" refType="ctrY" refFor="ch" refForName="accent_1"/>
+                <dgm:constr type="lMarg" for="ch" forName="text_1" refType="w" refFor="ch" refForName="accent_1" fact="1.8"/>
+                <dgm:constr type="h" for="ch" forName="accent_2" refType="h" fact="0.1316"/>
+                <dgm:constr type="w" for="ch" forName="accent_2" refType="h" refFor="ch" refForName="accent_2" op="equ"/>
+                <dgm:constr type="ctrY" for="ch" forName="accent_2" refType="h" fact="0.2632"/>
+                <dgm:constr type="ctrX" for="ch" forName="accent_2" refType="h" fact="0.1809"/>
+                <dgm:constr type="l" for="ch" forName="text_2" refType="ctrX" refFor="ch" refForName="accent_2"/>
+                <dgm:constr type="r" for="ch" forName="text_2" refType="w"/>
+                <dgm:constr type="w" for="ch" forName="text_2" refType="h" refFor="ch" refForName="text_2" op="gte"/>
+                <dgm:constr type="h" for="ch" forName="text_2" refType="h" refFor="ch" refForName="accent_2" fact="0.8"/>
+                <dgm:constr type="ctrY" for="ch" forName="text_2" refType="ctrY" refFor="ch" refForName="accent_2"/>
+                <dgm:constr type="lMarg" for="ch" forName="text_2" refType="w" refFor="ch" refForName="accent_2" fact="1.8"/>
+                <dgm:constr type="h" for="ch" forName="accent_3" refType="h" fact="0.1316"/>
+                <dgm:constr type="w" for="ch" forName="accent_3" refType="h" refFor="ch" refForName="accent_3" op="equ"/>
+                <dgm:constr type="ctrY" for="ch" forName="accent_3" refType="h" fact="0.4211"/>
+                <dgm:constr type="ctrX" for="ch" forName="accent_3" refType="h" fact="0.2205"/>
+                <dgm:constr type="l" for="ch" forName="text_3" refType="ctrX" refFor="ch" refForName="accent_3"/>
+                <dgm:constr type="r" for="ch" forName="text_3" refType="w"/>
+                <dgm:constr type="w" for="ch" forName="text_3" refType="h" refFor="ch" refForName="text_3" op="gte"/>
+                <dgm:constr type="h" for="ch" forName="text_3" refType="h" refFor="ch" refForName="accent_3" fact="0.8"/>
+                <dgm:constr type="ctrY" for="ch" forName="text_3" refType="ctrY" refFor="ch" refForName="accent_3"/>
+                <dgm:constr type="lMarg" for="ch" forName="text_3" refType="w" refFor="ch" refForName="accent_3" fact="1.8"/>
+                <dgm:constr type="h" for="ch" forName="accent_4" refType="h" fact="0.1316"/>
+                <dgm:constr type="w" for="ch" forName="accent_4" refType="h" refFor="ch" refForName="accent_4" op="equ"/>
+                <dgm:constr type="ctrY" for="ch" forName="accent_4" refType="h" fact="0.5789"/>
+                <dgm:constr type="ctrX" for="ch" forName="accent_4" refType="h" fact="0.2205"/>
+                <dgm:constr type="l" for="ch" forName="text_4" refType="ctrX" refFor="ch" refForName="accent_4"/>
+                <dgm:constr type="r" for="ch" forName="text_4" refType="w"/>
+                <dgm:constr type="w" for="ch" forName="text_4" refType="h" refFor="ch" refForName="text_4" op="gte"/>
+                <dgm:constr type="h" for="ch" forName="text_4" refType="h" refFor="ch" refForName="accent_4" fact="0.8"/>
+                <dgm:constr type="ctrY" for="ch" forName="text_4" refType="ctrY" refFor="ch" refForName="accent_4"/>
+                <dgm:constr type="lMarg" for="ch" forName="text_4" refType="w" refFor="ch" refForName="accent_4" fact="1.8"/>
+                <dgm:constr type="h" for="ch" forName="accent_5" refType="h" fact="0.1316"/>
+                <dgm:constr type="w" for="ch" forName="accent_5" refType="h" refFor="ch" refForName="accent_5" op="equ"/>
+                <dgm:constr type="ctrY" for="ch" forName="accent_5" refType="h" fact="0.7368"/>
+                <dgm:constr type="ctrX" for="ch" forName="accent_5" refType="h" fact="0.1809"/>
+                <dgm:constr type="l" for="ch" forName="text_5" refType="ctrX" refFor="ch" refForName="accent_5"/>
+                <dgm:constr type="r" for="ch" forName="text_5" refType="w"/>
+                <dgm:constr type="w" for="ch" forName="text_5" refType="h" refFor="ch" refForName="text_5" op="gte"/>
+                <dgm:constr type="h" for="ch" forName="text_5" refType="h" refFor="ch" refForName="accent_5" fact="0.8"/>
+                <dgm:constr type="ctrY" for="ch" forName="text_5" refType="ctrY" refFor="ch" refForName="accent_5"/>
+                <dgm:constr type="lMarg" for="ch" forName="text_5" refType="w" refFor="ch" refForName="accent_5" fact="1.8"/>
+                <dgm:constr type="h" for="ch" forName="accent_6" refType="h" fact="0.1316"/>
+                <dgm:constr type="w" for="ch" forName="accent_6" refType="h" refFor="ch" refForName="accent_6" op="equ"/>
+                <dgm:constr type="ctrY" for="ch" forName="accent_6" refType="h" fact="0.8947"/>
+                <dgm:constr type="ctrX" for="ch" forName="accent_6" refType="h" fact="0.0943"/>
+                <dgm:constr type="l" for="ch" forName="text_6" refType="ctrX" refFor="ch" refForName="accent_6"/>
+                <dgm:constr type="r" for="ch" forName="text_6" refType="w"/>
+                <dgm:constr type="w" for="ch" forName="text_6" refType="h" refFor="ch" refForName="text_6" op="gte"/>
+                <dgm:constr type="h" for="ch" forName="text_6" refType="h" refFor="ch" refForName="accent_6" fact="0.8"/>
+                <dgm:constr type="ctrY" for="ch" forName="text_6" refType="ctrY" refFor="ch" refForName="accent_6"/>
+                <dgm:constr type="lMarg" for="ch" forName="text_6" refType="w" refFor="ch" refForName="accent_6" fact="1.8"/>
+                <dgm:constr type="primFontSz" for="ch" ptType="node" op="equ" val="65"/>
+              </dgm:constrLst>
+            </dgm:if>
+            <dgm:else name="Name11">
+              <dgm:constrLst>
+                <dgm:constr type="h" for="ch" forName="cycle" refType="h"/>
+                <dgm:constr type="w" for="ch" forName="cycle" refType="h" refFor="ch" refForName="cycle" fact="0.26"/>
+                <dgm:constr type="l" for="ch" forName="cycle"/>
+                <dgm:constr type="ctrY" for="ch" forName="cycle" refType="h" fact="0.5"/>
+                <dgm:constr type="diam" for="ch" forName="cycle" refType="h" fact="1.344"/>
+                <dgm:constr type="h" for="ch" forName="accent_1" refType="h" fact="0.1136"/>
+                <dgm:constr type="w" for="ch" forName="accent_1" refType="h" refFor="ch" refForName="accent_1" op="equ"/>
+                <dgm:constr type="ctrY" for="ch" forName="accent_1" refType="h" fact="0.0909"/>
+                <dgm:constr type="ctrX" for="ch" forName="accent_1" refType="h" fact="0.0835"/>
+                <dgm:constr type="l" for="ch" forName="text_1" refType="ctrX" refFor="ch" refForName="accent_1"/>
+                <dgm:constr type="r" for="ch" forName="text_1" refType="w"/>
+                <dgm:constr type="w" for="ch" forName="text_1" refType="h" refFor="ch" refForName="text_1" op="gte"/>
+                <dgm:constr type="h" for="ch" forName="text_1" refType="h" refFor="ch" refForName="accent_1" fact="0.8"/>
+                <dgm:constr type="ctrY" for="ch" forName="text_1" refType="ctrY" refFor="ch" refForName="accent_1"/>
+                <dgm:constr type="lMarg" for="ch" forName="text_1" refType="w" refFor="ch" refForName="accent_1" fact="1.8"/>
+                <dgm:constr type="h" for="ch" forName="accent_2" refType="h" fact="0.1136"/>
+                <dgm:constr type="w" for="ch" forName="accent_2" refType="h" refFor="ch" refForName="accent_2" op="equ"/>
+                <dgm:constr type="ctrY" for="ch" forName="accent_2" refType="h" fact="0.2273"/>
+                <dgm:constr type="ctrX" for="ch" forName="accent_2" refType="h" fact="0.1658"/>
+                <dgm:constr type="l" for="ch" forName="text_2" refType="ctrX" refFor="ch" refForName="accent_2"/>
+                <dgm:constr type="r" for="ch" forName="text_2" refType="w"/>
+                <dgm:constr type="w" for="ch" forName="text_2" refType="h" refFor="ch" refForName="text_2" op="gte"/>
+                <dgm:constr type="h" for="ch" forName="text_2" refType="h" refFor="ch" refForName="accent_2" fact="0.8"/>
+                <dgm:constr type="ctrY" for="ch" forName="text_2" refType="ctrY" refFor="ch" refForName="accent_2"/>
+                <dgm:constr type="lMarg" for="ch" forName="text_2" refType="w" refFor="ch" refForName="accent_2" fact="1.8"/>
+                <dgm:constr type="h" for="ch" forName="accent_3" refType="h" fact="0.1136"/>
+                <dgm:constr type="w" for="ch" forName="accent_3" refType="h" refFor="ch" refForName="accent_3" op="equ"/>
+                <dgm:constr type="ctrY" for="ch" forName="accent_3" refType="h" fact="0.3636"/>
+                <dgm:constr type="ctrX" for="ch" forName="accent_3" refType="h" fact="0.2109"/>
+                <dgm:constr type="l" for="ch" forName="text_3" refType="ctrX" refFor="ch" refForName="accent_3"/>
+                <dgm:constr type="r" for="ch" forName="text_3" refType="w"/>
+                <dgm:constr type="w" for="ch" forName="text_3" refType="h" refFor="ch" refForName="text_3" op="gte"/>
+                <dgm:constr type="h" for="ch" forName="text_3" refType="h" refFor="ch" refForName="accent_3" fact="0.8"/>
+                <dgm:constr type="ctrY" for="ch" forName="text_3" refType="ctrY" refFor="ch" refForName="accent_3"/>
+                <dgm:constr type="lMarg" for="ch" forName="text_3" refType="w" refFor="ch" refForName="accent_3" fact="1.8"/>
+                <dgm:constr type="h" for="ch" forName="accent_4" refType="h" fact="0.1136"/>
+                <dgm:constr type="w" for="ch" forName="accent_4" refType="h" refFor="ch" refForName="accent_4" op="equ"/>
+                <dgm:constr type="ctrY" for="ch" forName="accent_4" refType="h" fact="0.5"/>
+                <dgm:constr type="ctrX" for="ch" forName="accent_4" refType="h" fact="0.2253"/>
+                <dgm:constr type="l" for="ch" forName="text_4" refType="ctrX" refFor="ch" refForName="accent_4"/>
+                <dgm:constr type="r" for="ch" forName="text_4" refType="w"/>
+                <dgm:constr type="w" for="ch" forName="text_4" refType="h" refFor="ch" refForName="text_4" op="gte"/>
+                <dgm:constr type="h" for="ch" forName="text_4" refType="h" refFor="ch" refForName="accent_4" fact="0.8"/>
+                <dgm:constr type="ctrY" for="ch" forName="text_4" refType="ctrY" refFor="ch" refForName="accent_4"/>
+                <dgm:constr type="lMarg" for="ch" forName="text_4" refType="w" refFor="ch" refForName="accent_4" fact="1.8"/>
+                <dgm:constr type="h" for="ch" forName="accent_5" refType="h" fact="0.1136"/>
+                <dgm:constr type="w" for="ch" forName="accent_5" refType="h" refFor="ch" refForName="accent_5" op="equ"/>
+                <dgm:constr type="ctrY" for="ch" forName="accent_5" refType="h" fact="0.6364"/>
+                <dgm:constr type="ctrX" for="ch" forName="accent_5" refType="h" fact="0.2109"/>
+                <dgm:constr type="l" for="ch" forName="text_5" refType="ctrX" refFor="ch" refForName="accent_5"/>
+                <dgm:constr type="r" for="ch" forName="text_5" refType="w"/>
+                <dgm:constr type="w" for="ch" forName="text_5" refType="h" refFor="ch" refForName="text_5" op="gte"/>
+                <dgm:constr type="h" for="ch" forName="text_5" refType="h" refFor="ch" refForName="accent_5" fact="0.8"/>
+                <dgm:constr type="ctrY" for="ch" forName="text_5" refType="ctrY" refFor="ch" refForName="accent_5"/>
+                <dgm:constr type="lMarg" for="ch" forName="text_5" refType="w" refFor="ch" refForName="accent_5" fact="1.8"/>
+                <dgm:constr type="h" for="ch" forName="accent_6" refType="h" fact="0.1136"/>
+                <dgm:constr type="w" for="ch" forName="accent_6" refType="h" refFor="ch" refForName="accent_6" op="equ"/>
+                <dgm:constr type="ctrY" for="ch" forName="accent_6" refType="h" fact="0.7727"/>
+                <dgm:constr type="ctrX" for="ch" forName="accent_6" refType="h" fact="0.1658"/>
+                <dgm:constr type="l" for="ch" forName="text_6" refType="ctrX" refFor="ch" refForName="accent_6"/>
+                <dgm:constr type="r" for="ch" forName="text_6" refType="w"/>
+                <dgm:constr type="w" for="ch" forName="text_6" refType="h" refFor="ch" refForName="text_6" op="gte"/>
+                <dgm:constr type="h" for="ch" forName="text_6" refType="h" refFor="ch" refForName="accent_6" fact="0.8"/>
+                <dgm:constr type="ctrY" for="ch" forName="text_6" refType="ctrY" refFor="ch" refForName="accent_6"/>
+                <dgm:constr type="lMarg" for="ch" forName="text_6" refType="w" refFor="ch" refForName="accent_6" fact="1.8"/>
+                <dgm:constr type="h" for="ch" forName="accent_7" refType="h" fact="0.1136"/>
+                <dgm:constr type="w" for="ch" forName="accent_7" refType="h" refFor="ch" refForName="accent_7" op="equ"/>
+                <dgm:constr type="ctrY" for="ch" forName="accent_7" refType="h" fact="0.9091"/>
+                <dgm:constr type="ctrX" for="ch" forName="accent_7" refType="h" fact="0.0835"/>
+                <dgm:constr type="l" for="ch" forName="text_7" refType="ctrX" refFor="ch" refForName="accent_7"/>
+                <dgm:constr type="r" for="ch" forName="text_7" refType="w"/>
+                <dgm:constr type="w" for="ch" forName="text_7" refType="h" refFor="ch" refForName="text_7" op="gte"/>
+                <dgm:constr type="h" for="ch" forName="text_7" refType="h" refFor="ch" refForName="accent_7" fact="0.8"/>
+                <dgm:constr type="ctrY" for="ch" forName="text_7" refType="ctrY" refFor="ch" refForName="accent_7"/>
+                <dgm:constr type="lMarg" for="ch" forName="text_7" refType="w" refFor="ch" refForName="accent_7" fact="1.8"/>
+                <dgm:constr type="primFontSz" for="ch" ptType="node" op="equ" val="65"/>
+              </dgm:constrLst>
+            </dgm:else>
+          </dgm:choose>
+        </dgm:if>
+        <dgm:else name="Name12">
+          <dgm:choose name="Name13">
+            <dgm:if name="Name14" axis="ch" ptType="node" func="cnt" op="equ" val="1">
+              <dgm:constrLst>
+                <dgm:constr type="h" for="ch" forName="cycle" refType="h"/>
+                <dgm:constr type="w" for="ch" forName="cycle" refType="h" refFor="ch" refForName="cycle" fact="0.26"/>
+                <dgm:constr type="r" for="ch" forName="cycle" refType="w"/>
+                <dgm:constr type="ctrY" for="ch" forName="cycle" refType="h" fact="0.5"/>
+                <dgm:constr type="diam" for="ch" forName="cycle" refType="h" fact="1.344"/>
+                <dgm:constr type="h" for="ch" forName="accent_1" refType="h" fact="0.625"/>
+                <dgm:constr type="w" for="ch" forName="accent_1" refType="h" refFor="ch" refForName="accent_1" op="equ"/>
+                <dgm:constr type="ctrY" for="ch" forName="accent_1" refType="h" fact="0.5"/>
+                <dgm:constr type="ctrX" for="ch" forName="accent_1" refType="w"/>
+                <dgm:constr type="ctrXOff" for="ch" forName="accent_1" refType="h" fact="-0.2253"/>
+                <dgm:constr type="r" for="ch" forName="text_1" refType="ctrX" refFor="ch" refForName="accent_1"/>
+                <dgm:constr type="rOff" for="ch" forName="text_1" refType="ctrXOff" refFor="ch" refForName="accent_1"/>
+                <dgm:constr type="l" for="ch" forName="text_1"/>
+                <dgm:constr type="w" for="ch" forName="text_1" refType="h" refFor="ch" refForName="text_1" op="gte"/>
+                <dgm:constr type="h" for="ch" forName="text_1" refType="h" refFor="ch" refForName="accent_1" fact="0.8"/>
+                <dgm:constr type="ctrY" for="ch" forName="text_1" refType="ctrY" refFor="ch" refForName="accent_1"/>
+                <dgm:constr type="rMarg" for="ch" forName="text_1" refType="w" refFor="ch" refForName="accent_1" fact="1.8"/>
+                <dgm:constr type="primFontSz" for="ch" ptType="node" op="equ" val="65"/>
+              </dgm:constrLst>
+            </dgm:if>
+            <dgm:if name="Name15" axis="ch" ptType="node" func="cnt" op="equ" val="2">
+              <dgm:constrLst>
+                <dgm:constr type="h" for="ch" forName="cycle" refType="h"/>
+                <dgm:constr type="w" for="ch" forName="cycle" refType="h" refFor="ch" refForName="cycle" fact="0.26"/>
+                <dgm:constr type="r" for="ch" forName="cycle" refType="w"/>
+                <dgm:constr type="ctrY" for="ch" forName="cycle" refType="h" fact="0.5"/>
+                <dgm:constr type="diam" for="ch" forName="cycle" refType="h" fact="1.344"/>
+                <dgm:constr type="h" for="ch" forName="accent_1" refType="h" fact="0.3571"/>
+                <dgm:constr type="w" for="ch" forName="accent_1" refType="h" refFor="ch" refForName="accent_1" op="equ"/>
+                <dgm:constr type="ctrY" for="ch" forName="accent_1" refType="h" fact="0.2857"/>
+                <dgm:constr type="ctrX" for="ch" forName="accent_1" refType="w"/>
+                <dgm:constr type="ctrXOff" for="ch" forName="accent_1" refType="h" fact="-0.1891"/>
+                <dgm:constr type="r" for="ch" forName="text_1" refType="ctrX" refFor="ch" refForName="accent_1"/>
+                <dgm:constr type="rOff" for="ch" forName="text_1" refType="ctrXOff" refFor="ch" refForName="accent_1"/>
+                <dgm:constr type="l" for="ch" forName="text_1"/>
+                <dgm:constr type="w" for="ch" forName="text_1" refType="h" refFor="ch" refForName="text_1" op="gte"/>
+                <dgm:constr type="h" for="ch" forName="text_1" refType="h" refFor="ch" refForName="accent_1" fact="0.8"/>
+                <dgm:constr type="ctrY" for="ch" forName="text_1" refType="ctrY" refFor="ch" refForName="accent_1"/>
+                <dgm:constr type="rMarg" for="ch" forName="text_1" refType="w" refFor="ch" refForName="accent_1" fact="1.8"/>
+                <dgm:constr type="h" for="ch" forName="accent_2" refType="h" fact="0.3571"/>
+                <dgm:constr type="w" for="ch" forName="accent_2" refType="h" refFor="ch" refForName="accent_2" op="equ"/>
+                <dgm:constr type="ctrY" for="ch" forName="accent_2" refType="h" fact="0.7143"/>
+                <dgm:constr type="ctrX" for="ch" forName="accent_2" refType="w"/>
+                <dgm:constr type="ctrXOff" for="ch" forName="accent_2" refType="h" fact="-0.1891"/>
+                <dgm:constr type="r" for="ch" forName="text_2" refType="ctrX" refFor="ch" refForName="accent_2"/>
+                <dgm:constr type="rOff" for="ch" forName="text_2" refType="ctrXOff" refFor="ch" refForName="accent_2"/>
+                <dgm:constr type="l" for="ch" forName="text_2"/>
+                <dgm:constr type="w" for="ch" forName="text_2" refType="h" refFor="ch" refForName="text_2" op="gte"/>
+                <dgm:constr type="h" for="ch" forName="text_2" refType="h" refFor="ch" refForName="accent_2" fact="0.8"/>
+                <dgm:constr type="ctrY" for="ch" forName="text_2" refType="ctrY" refFor="ch" refForName="accent_2"/>
+                <dgm:constr type="rMarg" for="ch" forName="text_2" refType="w" refFor="ch" refForName="accent_2" fact="1.8"/>
+                <dgm:constr type="primFontSz" for="ch" ptType="node" op="equ" val="65"/>
+              </dgm:constrLst>
+            </dgm:if>
+            <dgm:if name="Name16" axis="ch" ptType="node" func="cnt" op="equ" val="3">
+              <dgm:constrLst>
+                <dgm:constr type="h" for="ch" forName="cycle" refType="h"/>
+                <dgm:constr type="w" for="ch" forName="cycle" refType="h" refFor="ch" refForName="cycle" fact="0.26"/>
+                <dgm:constr type="r" for="ch" forName="cycle" refType="w"/>
+                <dgm:constr type="ctrY" for="ch" forName="cycle" refType="h" fact="0.5"/>
+                <dgm:constr type="diam" for="ch" forName="cycle" refType="h" fact="1.344"/>
+                <dgm:constr type="h" for="ch" forName="accent_1" refType="h" fact="0.25"/>
+                <dgm:constr type="w" for="ch" forName="accent_1" refType="h" refFor="ch" refForName="accent_1" op="equ"/>
+                <dgm:constr type="ctrY" for="ch" forName="accent_1" refType="h" fact="0.2"/>
+                <dgm:constr type="ctrX" for="ch" forName="accent_1" refType="w"/>
+                <dgm:constr type="ctrXOff" for="ch" forName="accent_1" refType="h" fact="-0.1526"/>
+                <dgm:constr type="r" for="ch" forName="text_1" refType="ctrX" refFor="ch" refForName="accent_1"/>
+                <dgm:constr type="rOff" for="ch" forName="text_1" refType="ctrXOff" refFor="ch" refForName="accent_1"/>
+                <dgm:constr type="l" for="ch" forName="text_1"/>
+                <dgm:constr type="w" for="ch" forName="text_1" refType="h" refFor="ch" refForName="text_1" op="gte"/>
+                <dgm:constr type="h" for="ch" forName="text_1" refType="h" refFor="ch" refForName="accent_1" fact="0.8"/>
+                <dgm:constr type="ctrY" for="ch" forName="text_1" refType="ctrY" refFor="ch" refForName="accent_1"/>
+                <dgm:constr type="rMarg" for="ch" forName="text_1" refType="w" refFor="ch" refForName="accent_1" fact="1.8"/>
+                <dgm:constr type="h" for="ch" forName="accent_2" refType="h" fact="0.25"/>
+                <dgm:constr type="w" for="ch" forName="accent_2" refType="h" refFor="ch" refForName="accent_2" op="equ"/>
+                <dgm:constr type="ctrY" for="ch" forName="accent_2" refType="h" fact="0.5"/>
+                <dgm:constr type="ctrX" for="ch" forName="accent_2" refType="w"/>
+                <dgm:constr type="ctrXOff" for="ch" forName="accent_2" refType="h" fact="-0.2253"/>
+                <dgm:constr type="r" for="ch" forName="text_2" refType="ctrX" refFor="ch" refForName="accent_2"/>
+                <dgm:constr type="rOff" for="ch" forName="text_2" refType="ctrXOff" refFor="ch" refForName="accent_2"/>
+                <dgm:constr type="l" for="ch" forName="text_2"/>
+                <dgm:constr type="w" for="ch" forName="text_2" refType="h" refFor="ch" refForName="text_2" op="gte"/>
+                <dgm:constr type="h" for="ch" forName="text_2" refType="h" refFor="ch" refForName="accent_2" fact="0.8"/>
+                <dgm:constr type="ctrY" for="ch" forName="text_2" refType="ctrY" refFor="ch" refForName="accent_2"/>
+                <dgm:constr type="rMarg" for="ch" forName="text_2" refType="w" refFor="ch" refForName="accent_2" fact="1.8"/>
+                <dgm:constr type="h" for="ch" forName="accent_3" refType="h" fact="0.25"/>
+                <dgm:constr type="w" for="ch" forName="accent_3" refType="h" refFor="ch" refForName="accent_3" op="equ"/>
+                <dgm:constr type="ctrY" for="ch" forName="accent_3" refType="h" fact="0.8"/>
+                <dgm:constr type="ctrX" for="ch" forName="accent_3" refType="w"/>
+                <dgm:constr type="ctrXOff" for="ch" forName="accent_3" refType="h" fact="-0.1526"/>
+                <dgm:constr type="r" for="ch" forName="text_3" refType="ctrX" refFor="ch" refForName="accent_3"/>
+                <dgm:constr type="rOff" for="ch" forName="text_3" refType="ctrXOff" refFor="ch" refForName="accent_3"/>
+                <dgm:constr type="l" for="ch" forName="text_3"/>
+                <dgm:constr type="w" for="ch" forName="text_3" refType="h" refFor="ch" refForName="text_3" op="gte"/>
+                <dgm:constr type="h" for="ch" forName="text_3" refType="h" refFor="ch" refForName="accent_3" fact="0.8"/>
+                <dgm:constr type="ctrY" for="ch" forName="text_3" refType="ctrY" refFor="ch" refForName="accent_3"/>
+                <dgm:constr type="rMarg" for="ch" forName="text_3" refType="w" refFor="ch" refForName="accent_3" fact="1.8"/>
+                <dgm:constr type="primFontSz" for="ch" ptType="node" op="equ" val="65"/>
+              </dgm:constrLst>
+            </dgm:if>
+            <dgm:if name="Name17" axis="ch" ptType="node" func="cnt" op="equ" val="4">
+              <dgm:constrLst>
+                <dgm:constr type="h" for="ch" forName="cycle" refType="h"/>
+                <dgm:constr type="w" for="ch" forName="cycle" refType="h" refFor="ch" refForName="cycle" fact="0.26"/>
+                <dgm:constr type="r" for="ch" forName="cycle" refType="w"/>
+                <dgm:constr type="ctrY" for="ch" forName="cycle" refType="h" fact="0.5"/>
+                <dgm:constr type="diam" for="ch" forName="cycle" refType="h" fact="1.344"/>
+                <dgm:constr type="h" for="ch" forName="accent_1" refType="h" fact="0.1923"/>
+                <dgm:constr type="w" for="ch" forName="accent_1" refType="h" refFor="ch" refForName="accent_1" op="equ"/>
+                <dgm:constr type="ctrY" for="ch" forName="accent_1" refType="h" fact="0.1538"/>
+                <dgm:constr type="ctrX" for="ch" forName="accent_1" refType="w"/>
+                <dgm:constr type="ctrXOff" for="ch" forName="accent_1" refType="h" fact="-0.1268"/>
+                <dgm:constr type="r" for="ch" forName="text_1" refType="ctrX" refFor="ch" refForName="accent_1"/>
+                <dgm:constr type="rOff" for="ch" forName="text_1" refType="ctrXOff" refFor="ch" refForName="accent_1"/>
+                <dgm:constr type="l" for="ch" forName="text_1"/>
+                <dgm:constr type="w" for="ch" forName="text_1" refType="h" refFor="ch" refForName="text_1" op="gte"/>
+                <dgm:constr type="h" for="ch" forName="text_1" refType="h" refFor="ch" refForName="accent_1" fact="0.8"/>
+                <dgm:constr type="ctrY" for="ch" forName="text_1" refType="ctrY" refFor="ch" refForName="accent_1"/>
+                <dgm:constr type="rMarg" for="ch" forName="text_1" refType="w" refFor="ch" refForName="accent_1" fact="1.8"/>
+                <dgm:constr type="h" for="ch" forName="accent_2" refType="h" fact="0.1923"/>
+                <dgm:constr type="w" for="ch" forName="accent_2" refType="h" refFor="ch" refForName="accent_2" op="equ"/>
+                <dgm:constr type="ctrY" for="ch" forName="accent_2" refType="h" fact="0.3846"/>
+                <dgm:constr type="ctrX" for="ch" forName="accent_2" refType="w"/>
+                <dgm:constr type="ctrXOff" for="ch" forName="accent_2" refType="h" fact="-0.215"/>
+                <dgm:constr type="r" for="ch" forName="text_2" refType="ctrX" refFor="ch" refForName="accent_2"/>
+                <dgm:constr type="rOff" for="ch" forName="text_2" refType="ctrXOff" refFor="ch" refForName="accent_2"/>
+                <dgm:constr type="l" for="ch" forName="text_2"/>
+                <dgm:constr type="w" for="ch" forName="text_2" refType="h" refFor="ch" refForName="text_2" op="gte"/>
+                <dgm:constr type="h" for="ch" forName="text_2" refType="h" refFor="ch" refForName="accent_2" fact="0.8"/>
+                <dgm:constr type="ctrY" for="ch" forName="text_2" refType="ctrY" refFor="ch" refForName="accent_2"/>
+                <dgm:constr type="rMarg" for="ch" forName="text_2" refType="w" refFor="ch" refForName="accent_2" fact="1.8"/>
+                <dgm:constr type="h" for="ch" forName="accent_3" refType="h" fact="0.1923"/>
+                <dgm:constr type="w" for="ch" forName="accent_3" refType="h" refFor="ch" refForName="accent_3" op="equ"/>
+                <dgm:constr type="ctrY" for="ch" forName="accent_3" refType="h" fact="0.6154"/>
+                <dgm:constr type="ctrX" for="ch" forName="accent_3" refType="w"/>
+                <dgm:constr type="ctrXOff" for="ch" forName="accent_3" refType="h" fact="-0.215"/>
+                <dgm:constr type="r" for="ch" forName="text_3" refType="ctrX" refFor="ch" refForName="accent_3"/>
+                <dgm:constr type="rOff" for="ch" forName="text_3" refType="ctrXOff" refFor="ch" refForName="accent_3"/>
+                <dgm:constr type="l" for="ch" forName="text_3"/>
+                <dgm:constr type="w" for="ch" forName="text_3" refType="h" refFor="ch" refForName="text_3" op="gte"/>
+                <dgm:constr type="h" for="ch" forName="text_3" refType="h" refFor="ch" refForName="accent_3" fact="0.8"/>
+                <dgm:constr type="ctrY" for="ch" forName="text_3" refType="ctrY" refFor="ch" refForName="accent_3"/>
+                <dgm:constr type="rMarg" for="ch" forName="text_3" refType="w" refFor="ch" refForName="accent_3" fact="1.8"/>
+                <dgm:constr type="h" for="ch" forName="accent_4" refType="h" fact="0.1923"/>
+                <dgm:constr type="w" for="ch" forName="accent_4" refType="h" refFor="ch" refForName="accent_4" op="equ"/>
+                <dgm:constr type="ctrY" for="ch" forName="accent_4" refType="h" fact="0.8462"/>
+                <dgm:constr type="ctrX" for="ch" forName="accent_4" refType="w"/>
+                <dgm:constr type="ctrXOff" for="ch" forName="accent_4" refType="h" fact="-0.1268"/>
+                <dgm:constr type="r" for="ch" forName="text_4" refType="ctrX" refFor="ch" refForName="accent_4"/>
+                <dgm:constr type="rOff" for="ch" forName="text_4" refType="ctrXOff" refFor="ch" refForName="accent_4"/>
+                <dgm:constr type="l" for="ch" forName="text_4"/>
+                <dgm:constr type="w" for="ch" forName="text_4" refType="h" refFor="ch" refForName="text_4" op="gte"/>
+                <dgm:constr type="h" for="ch" forName="text_4" refType="h" refFor="ch" refForName="accent_4" fact="0.8"/>
+                <dgm:constr type="ctrY" for="ch" forName="text_4" refType="ctrY" refFor="ch" refForName="accent_4"/>
+                <dgm:constr type="rMarg" for="ch" forName="text_4" refType="w" refFor="ch" refForName="accent_4" fact="1.8"/>
+                <dgm:constr type="primFontSz" for="ch" ptType="node" op="equ" val="65"/>
+              </dgm:constrLst>
+            </dgm:if>
+            <dgm:if name="Name18" axis="ch" ptType="node" func="cnt" op="equ" val="5">
+              <dgm:constrLst>
+                <dgm:constr type="h" for="ch" forName="cycle" refType="h"/>
+                <dgm:constr type="w" for="ch" forName="cycle" refType="h" refFor="ch" refForName="cycle" fact="0.26"/>
+                <dgm:constr type="r" for="ch" forName="cycle" refType="w"/>
+                <dgm:constr type="ctrY" for="ch" forName="cycle" refType="h" fact="0.5"/>
+                <dgm:constr type="diam" for="ch" forName="cycle" refType="h" fact="1.344"/>
+                <dgm:constr type="h" for="ch" forName="accent_1" refType="h" fact="0.1563"/>
+                <dgm:constr type="w" for="ch" forName="accent_1" refType="h" refFor="ch" refForName="accent_1" op="equ"/>
+                <dgm:constr type="ctrY" for="ch" forName="accent_1" refType="h" fact="0.125"/>
+                <dgm:constr type="ctrX" for="ch" forName="accent_1" refType="w"/>
+                <dgm:constr type="ctrXOff" for="ch" forName="accent_1" refType="h" fact="-0.1082"/>
+                <dgm:constr type="r" for="ch" forName="text_1" refType="ctrX" refFor="ch" refForName="accent_1"/>
+                <dgm:constr type="rOff" for="ch" forName="text_1" refType="ctrXOff" refFor="ch" refForName="accent_1"/>
+                <dgm:constr type="l" for="ch" forName="text_1"/>
+                <dgm:constr type="w" for="ch" forName="text_1" refType="h" refFor="ch" refForName="text_1" op="gte"/>
+                <dgm:constr type="h" for="ch" forName="text_1" refType="h" refFor="ch" refForName="accent_1" fact="0.8"/>
+                <dgm:constr type="ctrY" for="ch" forName="text_1" refType="ctrY" refFor="ch" refForName="accent_1"/>
+                <dgm:constr type="rMarg" for="ch" forName="text_1" refType="w" refFor="ch" refForName="accent_1" fact="1.8"/>
+                <dgm:constr type="h" for="ch" forName="accent_2" refType="h" fact="0.1563"/>
+                <dgm:constr type="w" for="ch" forName="accent_2" refType="h" refFor="ch" refForName="accent_2" op="equ"/>
+                <dgm:constr type="ctrY" for="ch" forName="accent_2" refType="h" fact="0.3125"/>
+                <dgm:constr type="ctrX" for="ch" forName="accent_2" refType="w"/>
+                <dgm:constr type="ctrXOff" for="ch" forName="accent_2" refType="h" fact="-0.1978"/>
+                <dgm:constr type="r" for="ch" forName="text_2" refType="ctrX" refFor="ch" refForName="accent_2"/>
+                <dgm:constr type="rOff" for="ch" forName="text_2" refType="ctrXOff" refFor="ch" refForName="accent_2"/>
+                <dgm:constr type="l" for="ch" forName="text_2"/>
+                <dgm:constr type="w" for="ch" forName="text_2" refType="h" refFor="ch" refForName="text_2" op="gte"/>
+                <dgm:constr type="h" for="ch" forName="text_2" refType="h" refFor="ch" refForName="accent_2" fact="0.8"/>
+                <dgm:constr type="ctrY" for="ch" forName="text_2" refType="ctrY" refFor="ch" refForName="accent_2"/>
+                <dgm:constr type="rMarg" for="ch" forName="text_2" refType="w" refFor="ch" refForName="accent_2" fact="1.8"/>
+                <dgm:constr type="h" for="ch" forName="accent_3" refType="h" fact="0.1563"/>
+                <dgm:constr type="w" for="ch" forName="accent_3" refType="h" refFor="ch" refForName="accent_3" op="equ"/>
+                <dgm:constr type="ctrY" for="ch" forName="accent_3" refType="h" fact="0.5"/>
+                <dgm:constr type="ctrX" for="ch" forName="accent_3" refType="w"/>
+                <dgm:constr type="ctrXOff" for="ch" forName="accent_3" refType="h" fact="-0.2253"/>
+                <dgm:constr type="r" for="ch" forName="text_3" refType="ctrX" refFor="ch" refForName="accent_3"/>
+                <dgm:constr type="rOff" for="ch" forName="text_3" refType="ctrXOff" refFor="ch" refForName="accent_3"/>
+                <dgm:constr type="l" for="ch" forName="text_3"/>
+                <dgm:constr type="w" for="ch" forName="text_3" refType="h" refFor="ch" refForName="text_3" op="gte"/>
+                <dgm:constr type="h" for="ch" forName="text_3" refType="h" refFor="ch" refForName="accent_3" fact="0.8"/>
+                <dgm:constr type="ctrY" for="ch" forName="text_3" refType="ctrY" refFor="ch" refForName="accent_3"/>
+                <dgm:constr type="rMarg" for="ch" forName="text_3" refType="w" refFor="ch" refForName="accent_3" fact="1.8"/>
+                <dgm:constr type="h" for="ch" forName="accent_4" refType="h" fact="0.1563"/>
+                <dgm:constr type="w" for="ch" forName="accent_4" refType="h" refFor="ch" refForName="accent_4" op="equ"/>
+                <dgm:constr type="ctrY" for="ch" forName="accent_4" refType="h" fact="0.6875"/>
+                <dgm:constr type="ctrX" for="ch" forName="accent_4" refType="w"/>
+                <dgm:constr type="ctrXOff" for="ch" forName="accent_4" refType="h" fact="-0.1978"/>
+                <dgm:constr type="r" for="ch" forName="text_4" refType="ctrX" refFor="ch" refForName="accent_4"/>
+                <dgm:constr type="rOff" for="ch" forName="text_4" refType="ctrXOff" refFor="ch" refForName="accent_4"/>
+                <dgm:constr type="l" for="ch" forName="text_4"/>
+                <dgm:constr type="w" for="ch" forName="text_4" refType="h" refFor="ch" refForName="text_4" op="gte"/>
+                <dgm:constr type="h" for="ch" forName="text_4" refType="h" refFor="ch" refForName="accent_4" fact="0.8"/>
+                <dgm:constr type="ctrY" for="ch" forName="text_4" refType="ctrY" refFor="ch" refForName="accent_4"/>
+                <dgm:constr type="rMarg" for="ch" forName="text_4" refType="w" refFor="ch" refForName="accent_4" fact="1.8"/>
+                <dgm:constr type="h" for="ch" forName="accent_5" refType="h" fact="0.1563"/>
+                <dgm:constr type="w" for="ch" forName="accent_5" refType="h" refFor="ch" refForName="accent_5" op="equ"/>
+                <dgm:constr type="ctrY" for="ch" forName="accent_5" refType="h" fact="0.875"/>
+                <dgm:constr type="ctrX" for="ch" forName="accent_5" refType="w"/>
+                <dgm:constr type="ctrXOff" for="ch" forName="accent_5" refType="h" fact="-0.1082"/>
+                <dgm:constr type="r" for="ch" forName="text_5" refType="ctrX" refFor="ch" refForName="accent_5"/>
+                <dgm:constr type="rOff" for="ch" forName="text_5" refType="ctrXOff" refFor="ch" refForName="accent_5"/>
+                <dgm:constr type="l" for="ch" forName="text_5"/>
+                <dgm:constr type="w" for="ch" forName="text_5" refType="h" refFor="ch" refForName="text_5" op="gte"/>
+                <dgm:constr type="h" for="ch" forName="text_5" refType="h" refFor="ch" refForName="accent_5" fact="0.8"/>
+                <dgm:constr type="ctrY" for="ch" forName="text_5" refType="ctrY" refFor="ch" refForName="accent_5"/>
+                <dgm:constr type="rMarg" for="ch" forName="text_5" refType="w" refFor="ch" refForName="accent_5" fact="1.8"/>
+                <dgm:constr type="primFontSz" for="ch" ptType="node" op="equ" val="65"/>
+              </dgm:constrLst>
+            </dgm:if>
+            <dgm:if name="Name19" axis="ch" ptType="node" func="cnt" op="equ" val="6">
+              <dgm:constrLst>
+                <dgm:constr type="h" for="ch" forName="cycle" refType="h"/>
+                <dgm:constr type="w" for="ch" forName="cycle" refType="h" refFor="ch" refForName="cycle" fact="0.26"/>
+                <dgm:constr type="r" for="ch" forName="cycle" refType="w"/>
+                <dgm:constr type="ctrY" for="ch" forName="cycle" refType="h" fact="0.5"/>
+                <dgm:constr type="diam" for="ch" forName="cycle" refType="h" fact="1.344"/>
+                <dgm:constr type="h" for="ch" forName="accent_1" refType="h" fact="0.1316"/>
+                <dgm:constr type="w" for="ch" forName="accent_1" refType="h" refFor="ch" refForName="accent_1" op="equ"/>
+                <dgm:constr type="ctrY" for="ch" forName="accent_1" refType="h" fact="0.1053"/>
+                <dgm:constr type="ctrX" for="ch" forName="accent_1" refType="w"/>
+                <dgm:constr type="ctrXOff" for="ch" forName="accent_1" refType="h" fact="-0.0943"/>
+                <dgm:constr type="r" for="ch" forName="text_1" refType="ctrX" refFor="ch" refForName="accent_1"/>
+                <dgm:constr type="rOff" for="ch" forName="text_1" refType="ctrXOff" refFor="ch" refForName="accent_1"/>
+                <dgm:constr type="l" for="ch" forName="text_1"/>
+                <dgm:constr type="w" for="ch" forName="text_1" refType="h" refFor="ch" refForName="text_1" op="gte"/>
+                <dgm:constr type="h" for="ch" forName="text_1" refType="h" refFor="ch" refForName="accent_1" fact="0.8"/>
+                <dgm:constr type="ctrY" for="ch" forName="text_1" refType="ctrY" refFor="ch" refForName="accent_1"/>
+                <dgm:constr type="rMarg" for="ch" forName="text_1" refType="w" refFor="ch" refForName="accent_1" fact="1.8"/>
+                <dgm:constr type="h" for="ch" forName="accent_2" refType="h" fact="0.1316"/>
+                <dgm:constr type="w" for="ch" forName="accent_2" refType="h" refFor="ch" refForName="accent_2" op="equ"/>
+                <dgm:constr type="ctrY" for="ch" forName="accent_2" refType="h" fact="0.2632"/>
+                <dgm:constr type="ctrX" for="ch" forName="accent_2" refType="w"/>
+                <dgm:constr type="ctrXOff" for="ch" forName="accent_2" refType="h" fact="-0.1809"/>
+                <dgm:constr type="r" for="ch" forName="text_2" refType="ctrX" refFor="ch" refForName="accent_2"/>
+                <dgm:constr type="rOff" for="ch" forName="text_2" refType="ctrXOff" refFor="ch" refForName="accent_2"/>
+                <dgm:constr type="l" for="ch" forName="text_2"/>
+                <dgm:constr type="w" for="ch" forName="text_2" refType="h" refFor="ch" refForName="text_2" op="gte"/>
+                <dgm:constr type="h" for="ch" forName="text_2" refType="h" refFor="ch" refForName="accent_2" fact="0.8"/>
+                <dgm:constr type="ctrY" for="ch" forName="text_2" refType="ctrY" refFor="ch" refForName="accent_2"/>
+                <dgm:constr type="rMarg" for="ch" forName="text_2" refType="w" refFor="ch" refForName="accent_2" fact="1.8"/>
+                <dgm:constr type="h" for="ch" forName="accent_3" refType="h" fact="0.1316"/>
+                <dgm:constr type="w" for="ch" forName="accent_3" refType="h" refFor="ch" refForName="accent_3" op="equ"/>
+                <dgm:constr type="ctrY" for="ch" forName="accent_3" refType="h" fact="0.4211"/>
+                <dgm:constr type="ctrX" for="ch" forName="accent_3" refType="w"/>
+                <dgm:constr type="ctrXOff" for="ch" forName="accent_3" refType="h" fact="-0.2205"/>
+                <dgm:constr type="r" for="ch" forName="text_3" refType="ctrX" refFor="ch" refForName="accent_3"/>
+                <dgm:constr type="rOff" for="ch" forName="text_3" refType="ctrXOff" refFor="ch" refForName="accent_3"/>
+                <dgm:constr type="l" for="ch" forName="text_3"/>
+                <dgm:constr type="w" for="ch" forName="text_3" refType="h" refFor="ch" refForName="text_3" op="gte"/>
+                <dgm:constr type="h" for="ch" forName="text_3" refType="h" refFor="ch" refForName="accent_3" fact="0.8"/>
+                <dgm:constr type="ctrY" for="ch" forName="text_3" refType="ctrY" refFor="ch" refForName="accent_3"/>
+                <dgm:constr type="rMarg" for="ch" forName="text_3" refType="w" refFor="ch" refForName="accent_3" fact="1.8"/>
+                <dgm:constr type="h" for="ch" forName="accent_4" refType="h" fact="0.1316"/>
+                <dgm:constr type="w" for="ch" forName="accent_4" refType="h" refFor="ch" refForName="accent_4" op="equ"/>
+                <dgm:constr type="ctrY" for="ch" forName="accent_4" refType="h" fact="0.5789"/>
+                <dgm:constr type="ctrX" for="ch" forName="accent_4" refType="w"/>
+                <dgm:constr type="ctrXOff" for="ch" forName="accent_4" refType="h" fact="-0.2205"/>
+                <dgm:constr type="r" for="ch" forName="text_4" refType="ctrX" refFor="ch" refForName="accent_4"/>
+                <dgm:constr type="rOff" for="ch" forName="text_4" refType="ctrXOff" refFor="ch" refForName="accent_4"/>
+                <dgm:constr type="l" for="ch" forName="text_4"/>
+                <dgm:constr type="w" for="ch" forName="text_4" refType="h" refFor="ch" refForName="text_4" op="gte"/>
+                <dgm:constr type="h" for="ch" forName="text_4" refType="h" refFor="ch" refForName="accent_4" fact="0.8"/>
+                <dgm:constr type="ctrY" for="ch" forName="text_4" refType="ctrY" refFor="ch" refForName="accent_4"/>
+                <dgm:constr type="rMarg" for="ch" forName="text_4" refType="w" refFor="ch" refForName="accent_4" fact="1.8"/>
+                <dgm:constr type="h" for="ch" forName="accent_5" refType="h" fact="0.1316"/>
+                <dgm:constr type="w" for="ch" forName="accent_5" refType="h" refFor="ch" refForName="accent_5" op="equ"/>
+                <dgm:constr type="ctrY" for="ch" forName="accent_5" refType="h" fact="0.7368"/>
+                <dgm:constr type="ctrX" for="ch" forName="accent_5" refType="w"/>
+                <dgm:constr type="ctrXOff" for="ch" forName="accent_5" refType="h" fact="-0.1809"/>
+                <dgm:constr type="r" for="ch" forName="text_5" refType="ctrX" refFor="ch" refForName="accent_5"/>
+                <dgm:constr type="rOff" for="ch" forName="text_5" refType="ctrXOff" refFor="ch" refForName="accent_5"/>
+                <dgm:constr type="l" for="ch" forName="text_5"/>
+                <dgm:constr type="w" for="ch" forName="text_5" refType="h" refFor="ch" refForName="text_5" op="gte"/>
+                <dgm:constr type="h" for="ch" forName="text_5" refType="h" refFor="ch" refForName="accent_5" fact="0.8"/>
+                <dgm:constr type="ctrY" for="ch" forName="text_5" refType="ctrY" refFor="ch" refForName="accent_5"/>
+                <dgm:constr type="rMarg" for="ch" forName="text_5" refType="w" refFor="ch" refForName="accent_5" fact="1.8"/>
+                <dgm:constr type="h" for="ch" forName="accent_6" refType="h" fact="0.1316"/>
+                <dgm:constr type="w" for="ch" forName="accent_6" refType="h" refFor="ch" refForName="accent_6" op="equ"/>
+                <dgm:constr type="ctrY" for="ch" forName="accent_6" refType="h" fact="0.8947"/>
+                <dgm:constr type="ctrX" for="ch" forName="accent_6" refType="w"/>
+                <dgm:constr type="ctrXOff" for="ch" forName="accent_6" refType="h" fact="-0.0943"/>
+                <dgm:constr type="r" for="ch" forName="text_6" refType="ctrX" refFor="ch" refForName="accent_6"/>
+                <dgm:constr type="rOff" for="ch" forName="text_6" refType="ctrXOff" refFor="ch" refForName="accent_6"/>
+                <dgm:constr type="l" for="ch" forName="text_6"/>
+                <dgm:constr type="w" for="ch" forName="text_6" refType="h" refFor="ch" refForName="text_6" op="gte"/>
+                <dgm:constr type="h" for="ch" forName="text_6" refType="h" refFor="ch" refForName="accent_6" fact="0.8"/>
+                <dgm:constr type="ctrY" for="ch" forName="text_6" refType="ctrY" refFor="ch" refForName="accent_6"/>
+                <dgm:constr type="rMarg" for="ch" forName="text_6" refType="w" refFor="ch" refForName="accent_6" fact="1.8"/>
+                <dgm:constr type="primFontSz" for="ch" ptType="node" op="equ" val="65"/>
+              </dgm:constrLst>
+            </dgm:if>
+            <dgm:else name="Name20">
+              <dgm:constrLst>
+                <dgm:constr type="h" for="ch" forName="cycle" refType="h"/>
+                <dgm:constr type="w" for="ch" forName="cycle" refType="h" refFor="ch" refForName="cycle" fact="0.26"/>
+                <dgm:constr type="r" for="ch" forName="cycle" refType="w"/>
+                <dgm:constr type="ctrY" for="ch" forName="cycle" refType="h" fact="0.5"/>
+                <dgm:constr type="diam" for="ch" forName="cycle" refType="h" fact="1.344"/>
+                <dgm:constr type="h" for="ch" forName="accent_1" refType="h" fact="0.1136"/>
+                <dgm:constr type="w" for="ch" forName="accent_1" refType="h" refFor="ch" refForName="accent_1" op="equ"/>
+                <dgm:constr type="ctrY" for="ch" forName="accent_1" refType="h" fact="0.0909"/>
+                <dgm:constr type="ctrX" for="ch" forName="accent_1" refType="w"/>
+                <dgm:constr type="ctrXOff" for="ch" forName="accent_1" refType="h" fact="-0.0835"/>
+                <dgm:constr type="r" for="ch" forName="text_1" refType="ctrX" refFor="ch" refForName="accent_1"/>
+                <dgm:constr type="rOff" for="ch" forName="text_1" refType="ctrXOff" refFor="ch" refForName="accent_1"/>
+                <dgm:constr type="l" for="ch" forName="text_1"/>
+                <dgm:constr type="w" for="ch" forName="text_1" refType="h" refFor="ch" refForName="text_1" op="gte"/>
+                <dgm:constr type="h" for="ch" forName="text_1" refType="h" refFor="ch" refForName="accent_1" fact="0.8"/>
+                <dgm:constr type="ctrY" for="ch" forName="text_1" refType="ctrY" refFor="ch" refForName="accent_1"/>
+                <dgm:constr type="rMarg" for="ch" forName="text_1" refType="w" refFor="ch" refForName="accent_1" fact="1.8"/>
+                <dgm:constr type="h" for="ch" forName="accent_2" refType="h" fact="0.1136"/>
+                <dgm:constr type="w" for="ch" forName="accent_2" refType="h" refFor="ch" refForName="accent_2" op="equ"/>
+                <dgm:constr type="ctrY" for="ch" forName="accent_2" refType="h" fact="0.2273"/>
+                <dgm:constr type="ctrX" for="ch" forName="accent_2" refType="w"/>
+                <dgm:constr type="ctrXOff" for="ch" forName="accent_2" refType="h" fact="-0.1658"/>
+                <dgm:constr type="r" for="ch" forName="text_2" refType="ctrX" refFor="ch" refForName="accent_2"/>
+                <dgm:constr type="rOff" for="ch" forName="text_2" refType="ctrXOff" refFor="ch" refForName="accent_2"/>
+                <dgm:constr type="l" for="ch" forName="text_2"/>
+                <dgm:constr type="w" for="ch" forName="text_2" refType="h" refFor="ch" refForName="text_2" op="gte"/>
+                <dgm:constr type="h" for="ch" forName="text_2" refType="h" refFor="ch" refForName="accent_2" fact="0.8"/>
+                <dgm:constr type="ctrY" for="ch" forName="text_2" refType="ctrY" refFor="ch" refForName="accent_2"/>
+                <dgm:constr type="rMarg" for="ch" forName="text_2" refType="w" refFor="ch" refForName="accent_2" fact="1.8"/>
+                <dgm:constr type="h" for="ch" forName="accent_3" refType="h" fact="0.1136"/>
+                <dgm:constr type="w" for="ch" forName="accent_3" refType="h" refFor="ch" refForName="accent_3" op="equ"/>
+                <dgm:constr type="ctrY" for="ch" forName="accent_3" refType="h" fact="0.3636"/>
+                <dgm:constr type="ctrX" for="ch" forName="accent_3" refType="w"/>
+                <dgm:constr type="ctrXOff" for="ch" forName="accent_3" refType="h" fact="-0.2109"/>
+                <dgm:constr type="r" for="ch" forName="text_3" refType="ctrX" refFor="ch" refForName="accent_3"/>
+                <dgm:constr type="rOff" for="ch" forName="text_3" refType="ctrXOff" refFor="ch" refForName="accent_3"/>
+                <dgm:constr type="l" for="ch" forName="text_3"/>
+                <dgm:constr type="w" for="ch" forName="text_3" refType="h" refFor="ch" refForName="text_3" op="gte"/>
+                <dgm:constr type="h" for="ch" forName="text_3" refType="h" refFor="ch" refForName="accent_3" fact="0.8"/>
+                <dgm:constr type="ctrY" for="ch" forName="text_3" refType="ctrY" refFor="ch" refForName="accent_3"/>
+                <dgm:constr type="rMarg" for="ch" forName="text_3" refType="w" refFor="ch" refForName="accent_3" fact="1.8"/>
+                <dgm:constr type="h" for="ch" forName="accent_4" refType="h" fact="0.1136"/>
+                <dgm:constr type="w" for="ch" forName="accent_4" refType="h" refFor="ch" refForName="accent_4" op="equ"/>
+                <dgm:constr type="ctrY" for="ch" forName="accent_4" refType="h" fact="0.5"/>
+                <dgm:constr type="ctrX" for="ch" forName="accent_4" refType="w"/>
+                <dgm:constr type="ctrXOff" for="ch" forName="accent_4" refType="h" fact="-0.2253"/>
+                <dgm:constr type="r" for="ch" forName="text_4" refType="ctrX" refFor="ch" refForName="accent_4"/>
+                <dgm:constr type="rOff" for="ch" forName="text_4" refType="ctrXOff" refFor="ch" refForName="accent_4"/>
+                <dgm:constr type="l" for="ch" forName="text_4"/>
+                <dgm:constr type="w" for="ch" forName="text_4" refType="h" refFor="ch" refForName="text_4" op="gte"/>
+                <dgm:constr type="h" for="ch" forName="text_4" refType="h" refFor="ch" refForName="accent_4" fact="0.8"/>
+                <dgm:constr type="ctrY" for="ch" forName="text_4" refType="ctrY" refFor="ch" refForName="accent_4"/>
+                <dgm:constr type="rMarg" for="ch" forName="text_4" refType="w" refFor="ch" refForName="accent_4" fact="1.8"/>
+                <dgm:constr type="h" for="ch" forName="accent_5" refType="h" fact="0.1136"/>
+                <dgm:constr type="w" for="ch" forName="accent_5" refType="h" refFor="ch" refForName="accent_5" op="equ"/>
+                <dgm:constr type="ctrY" for="ch" forName="accent_5" refType="h" fact="0.6364"/>
+                <dgm:constr type="ctrX" for="ch" forName="accent_5" refType="w"/>
+                <dgm:constr type="ctrXOff" for="ch" forName="accent_5" refType="h" fact="-0.2109"/>
+                <dgm:constr type="r" for="ch" forName="text_5" refType="ctrX" refFor="ch" refForName="accent_5"/>
+                <dgm:constr type="rOff" for="ch" forName="text_5" refType="ctrXOff" refFor="ch" refForName="accent_5"/>
+                <dgm:constr type="l" for="ch" forName="text_5"/>
+                <dgm:constr type="w" for="ch" forName="text_5" refType="h" refFor="ch" refForName="text_5" op="gte"/>
+                <dgm:constr type="h" for="ch" forName="text_5" refType="h" refFor="ch" refForName="accent_5" fact="0.8"/>
+                <dgm:constr type="ctrY" for="ch" forName="text_5" refType="ctrY" refFor="ch" refForName="accent_5"/>
+                <dgm:constr type="rMarg" for="ch" forName="text_5" refType="w" refFor="ch" refForName="accent_5" fact="1.8"/>
+                <dgm:constr type="h" for="ch" forName="accent_6" refType="h" fact="0.1136"/>
+                <dgm:constr type="w" for="ch" forName="accent_6" refType="h" refFor="ch" refForName="accent_6" op="equ"/>
+                <dgm:constr type="ctrY" for="ch" forName="accent_6" refType="h" fact="0.7727"/>
+                <dgm:constr type="ctrX" for="ch" forName="accent_6" refType="w"/>
+                <dgm:constr type="ctrXOff" for="ch" forName="accent_6" refType="h" fact="-0.1658"/>
+                <dgm:constr type="r" for="ch" forName="text_6" refType="ctrX" refFor="ch" refForName="accent_6"/>
+                <dgm:constr type="rOff" for="ch" forName="text_6" refType="ctrXOff" refFor="ch" refForName="accent_6"/>
+                <dgm:constr type="l" for="ch" forName="text_6"/>
+                <dgm:constr type="w" for="ch" forName="text_6" refType="h" refFor="ch" refForName="text_6" op="gte"/>
+                <dgm:constr type="h" for="ch" forName="text_6" refType="h" refFor="ch" refForName="accent_6" fact="0.8"/>
+                <dgm:constr type="ctrY" for="ch" forName="text_6" refType="ctrY" refFor="ch" refForName="accent_6"/>
+                <dgm:constr type="rMarg" for="ch" forName="text_6" refType="w" refFor="ch" refForName="accent_6" fact="1.8"/>
+                <dgm:constr type="h" for="ch" forName="accent_7" refType="h" fact="0.1136"/>
+                <dgm:constr type="w" for="ch" forName="accent_7" refType="h" refFor="ch" refForName="accent_7" op="equ"/>
+                <dgm:constr type="ctrY" for="ch" forName="accent_7" refType="h" fact="0.9091"/>
+                <dgm:constr type="ctrX" for="ch" forName="accent_7" refType="w"/>
+                <dgm:constr type="ctrXOff" for="ch" forName="accent_7" refType="h" fact="-0.0835"/>
+                <dgm:constr type="r" for="ch" forName="text_7" refType="ctrX" refFor="ch" refForName="accent_7"/>
+                <dgm:constr type="rOff" for="ch" forName="text_7" refType="ctrXOff" refFor="ch" refForName="accent_7"/>
+                <dgm:constr type="l" for="ch" forName="text_7"/>
+                <dgm:constr type="w" for="ch" forName="text_7" refType="h" refFor="ch" refForName="text_7" op="gte"/>
+                <dgm:constr type="h" for="ch" forName="text_7" refType="h" refFor="ch" refForName="accent_7" fact="0.8"/>
+                <dgm:constr type="ctrY" for="ch" forName="text_7" refType="ctrY" refFor="ch" refForName="accent_7"/>
+                <dgm:constr type="rMarg" for="ch" forName="text_7" refType="w" refFor="ch" refForName="accent_7" fact="1.8"/>
+                <dgm:constr type="primFontSz" for="ch" ptType="node" op="equ" val="65"/>
+              </dgm:constrLst>
+            </dgm:else>
+          </dgm:choose>
+        </dgm:else>
+      </dgm:choose>
+      <dgm:layoutNode name="cycle">
+        <dgm:choose name="Name21">
+          <dgm:if name="Name22" func="var" arg="dir" op="equ" val="norm">
+            <dgm:alg type="cycle">
+              <dgm:param type="stAng" val="45"/>
+              <dgm:param type="spanAng" val="90"/>
+            </dgm:alg>
+          </dgm:if>
+          <dgm:else name="Name23">
+            <dgm:alg type="cycle">
+              <dgm:param type="stAng" val="225"/>
+              <dgm:param type="spanAng" val="90"/>
+            </dgm:alg>
+          </dgm:else>
+        </dgm:choose>
+        <dgm:shape xmlns:r="http://schemas.openxmlformats.org/officeDocument/2006/relationships" r:blip="">
+          <dgm:adjLst/>
+        </dgm:shape>
+        <dgm:presOf/>
+        <dgm:constrLst>
+          <dgm:constr type="w" for="ch" val="1"/>
+          <dgm:constr type="h" for="ch" val="1"/>
+          <dgm:constr type="diam" for="ch" forName="conn" refType="diam"/>
+        </dgm:constrLst>
+        <dgm:layoutNode name="srcNode">
+          <dgm:alg type="sp"/>
+          <dgm:shape xmlns:r="http://schemas.openxmlformats.org/officeDocument/2006/relationships" type="rect" r:blip="" hideGeom="1">
+            <dgm:adjLst/>
+          </dgm:shape>
+          <dgm:presOf/>
+        </dgm:layoutNode>
+        <dgm:layoutNode name="conn" styleLbl="parChTrans1D2">
+          <dgm:alg type="conn">
+            <dgm:param type="connRout" val="curve"/>
+            <dgm:param type="srcNode" val="srcNode"/>
+            <dgm:param type="dstNode" val="dstNode"/>
+            <dgm:param type="begPts" val="ctr"/>
+            <dgm:param type="endPts" val="ctr"/>
+            <dgm:param type="endSty" val="noArr"/>
+          </dgm:alg>
+          <dgm:shape xmlns:r="http://schemas.openxmlformats.org/officeDocument/2006/relationships" type="conn" r:blip="">
+            <dgm:adjLst/>
+          </dgm:shape>
+          <dgm:presOf axis="desOrSelf" ptType="sibTrans" hideLastTrans="0" st="0" cnt="1"/>
+          <dgm:constrLst>
+            <dgm:constr type="begPad"/>
+            <dgm:constr type="endPad"/>
+          </dgm:constrLst>
+        </dgm:layoutNode>
+        <dgm:layoutNode name="extraNode">
+          <dgm:alg type="sp"/>
+          <dgm:shape xmlns:r="http://schemas.openxmlformats.org/officeDocument/2006/relationships" type="rect" r:blip="" hideGeom="1">
+            <dgm:adjLst/>
+          </dgm:shape>
+          <dgm:presOf/>
+        </dgm:layoutNode>
+        <dgm:layoutNode name="dstNode">
+          <dgm:alg type="sp"/>
+          <dgm:shape xmlns:r="http://schemas.openxmlformats.org/officeDocument/2006/relationships" type="rect" r:blip="" hideGeom="1">
+            <dgm:adjLst/>
+          </dgm:shape>
+          <dgm:presOf/>
+        </dgm:layoutNode>
+      </dgm:layoutNode>
+      <dgm:forEach name="wrapper" axis="self" ptType="parTrans">
+        <dgm:forEach name="wrapper2" axis="self" ptType="sibTrans" st="2">
+          <dgm:forEach name="accentRepeat" axis="self">
+            <dgm:layoutNode name="accentRepeatNode" styleLbl="solidFgAcc1">
+              <dgm:alg type="sp"/>
+              <dgm:shape xmlns:r="http://schemas.openxmlformats.org/officeDocument/2006/relationships" type="ellipse" r:blip="">
+                <dgm:adjLst/>
+              </dgm:shape>
+              <dgm:presOf/>
+            </dgm:layoutNode>
+          </dgm:forEach>
+        </dgm:forEach>
+      </dgm:forEach>
+      <dgm:forEach name="Name24" axis="ch" ptType="node" cnt="1">
+        <dgm:layoutNode name="text_1" styleLbl="node1">
+          <dgm:varLst>
+            <dgm:bulletEnabled val="1"/>
+          </dgm:varLst>
+          <dgm:choose name="Name25">
+            <dgm:if name="Name26" func="var" arg="dir" op="equ" val="norm">
+              <dgm:alg type="tx">
+                <dgm:param type="parTxLTRAlign" val="l"/>
+                <dgm:param type="shpTxLTRAlignCh" val="l"/>
+                <dgm:param type="parTxRTLAlign" val="l"/>
+                <dgm:param type="shpTxRTLAlignCh" val="l"/>
+              </dgm:alg>
+            </dgm:if>
+            <dgm:else name="Name27">
+              <dgm:alg type="tx">
+                <dgm:param type="parTxLTRAlign" val="r"/>
+                <dgm:param type="shpTxLTRAlignCh" val="r"/>
+                <dgm:param type="parTxRTLAlign" val="r"/>
+                <dgm:param type="shpTxRTLAlignCh" val="r"/>
+              </dgm:alg>
+            </dgm:else>
+          </dgm:choose>
+          <dgm:shape xmlns:r="http://schemas.openxmlformats.org/officeDocument/2006/relationships" type="rect" r:blip="">
+            <dgm:adjLst/>
+          </dgm:shape>
+          <dgm:presOf axis="desOrSelf" ptType="node"/>
+          <dgm:constrLst>
+            <dgm:constr type="primFontSz" val="65"/>
+            <dgm:constr type="lMarg" refType="primFontSz" fact="0.2"/>
+            <dgm:constr type="rMarg" refType="primFontSz" fact="0.2"/>
+            <dgm:constr type="tMarg" refType="primFontSz" fact="0.2"/>
+            <dgm:constr type="bMarg" refType="primFontSz" fact="0.2"/>
+          </dgm:constrLst>
+          <dgm:ruleLst>
+            <dgm:rule type="primFontSz" val="5" fact="NaN" max="NaN"/>
+          </dgm:ruleLst>
+        </dgm:layoutNode>
+        <dgm:layoutNode name="accent_1">
+          <dgm:alg type="sp"/>
+          <dgm:shape xmlns:r="http://schemas.openxmlformats.org/officeDocument/2006/relationships" r:blip="">
+            <dgm:adjLst/>
+          </dgm:shape>
+          <dgm:presOf/>
+          <dgm:constrLst/>
+          <dgm:forEach name="Name28" ref="accentRepeat"/>
+        </dgm:layoutNode>
+      </dgm:forEach>
+      <dgm:forEach name="Name29" axis="ch" ptType="node" st="2" cnt="1">
+        <dgm:layoutNode name="text_2" styleLbl="node1">
+          <dgm:varLst>
+            <dgm:bulletEnabled val="1"/>
+          </dgm:varLst>
+          <dgm:choose name="Name30">
+            <dgm:if name="Name31" func="var" arg="dir" op="equ" val="norm">
+              <dgm:alg type="tx">
+                <dgm:param type="parTxLTRAlign" val="l"/>
+                <dgm:param type="shpTxLTRAlignCh" val="l"/>
+                <dgm:param type="parTxRTLAlign" val="l"/>
+                <dgm:param type="shpTxRTLAlignCh" val="l"/>
+              </dgm:alg>
+            </dgm:if>
+            <dgm:else name="Name32">
+              <dgm:alg type="tx">
+                <dgm:param type="parTxLTRAlign" val="r"/>
+                <dgm:param type="shpTxLTRAlignCh" val="r"/>
+                <dgm:param type="parTxRTLAlign" val="r"/>
+                <dgm:param type="shpTxRTLAlignCh" val="r"/>
+              </dgm:alg>
+            </dgm:else>
+          </dgm:choose>
+          <dgm:shape xmlns:r="http://schemas.openxmlformats.org/officeDocument/2006/relationships" type="rect" r:blip="">
+            <dgm:adjLst/>
+          </dgm:shape>
+          <dgm:presOf axis="desOrSelf" ptType="node"/>
+          <dgm:constrLst>
+            <dgm:constr type="primFontSz" val="65"/>
+            <dgm:constr type="lMarg" refType="primFontSz" fact="0.2"/>
+            <dgm:constr type="rMarg" refType="primFontSz" fact="0.2"/>
+            <dgm:constr type="tMarg" refType="primFontSz" fact="0.2"/>
+            <dgm:constr type="bMarg" refType="primFontSz" fact="0.2"/>
+          </dgm:constrLst>
+          <dgm:ruleLst>
+            <dgm:rule type="primFontSz" val="5" fact="NaN" max="NaN"/>
+          </dgm:ruleLst>
+        </dgm:layoutNode>
+        <dgm:layoutNode name="accent_2">
+          <dgm:alg type="sp"/>
+          <dgm:shape xmlns:r="http://schemas.openxmlformats.org/officeDocument/2006/relationships" r:blip="">
+            <dgm:adjLst/>
+          </dgm:shape>
+          <dgm:presOf/>
+          <dgm:constrLst/>
+          <dgm:forEach name="Name33" ref="accentRepeat"/>
+        </dgm:layoutNode>
+      </dgm:forEach>
+      <dgm:forEach name="Name34" axis="ch" ptType="node" st="3" cnt="1">
+        <dgm:layoutNode name="text_3" styleLbl="node1">
+          <dgm:varLst>
+            <dgm:bulletEnabled val="1"/>
+          </dgm:varLst>
+          <dgm:choose name="Name35">
+            <dgm:if name="Name36" func="var" arg="dir" op="equ" val="norm">
+              <dgm:alg type="tx">
+                <dgm:param type="parTxLTRAlign" val="l"/>
+                <dgm:param type="shpTxLTRAlignCh" val="l"/>
+                <dgm:param type="parTxRTLAlign" val="l"/>
+                <dgm:param type="shpTxRTLAlignCh" val="l"/>
+              </dgm:alg>
+            </dgm:if>
+            <dgm:else name="Name37">
+              <dgm:alg type="tx">
+                <dgm:param type="parTxLTRAlign" val="r"/>
+                <dgm:param type="shpTxLTRAlignCh" val="r"/>
+                <dgm:param type="parTxRTLAlign" val="r"/>
+                <dgm:param type="shpTxRTLAlignCh" val="r"/>
+              </dgm:alg>
+            </dgm:else>
+          </dgm:choose>
+          <dgm:shape xmlns:r="http://schemas.openxmlformats.org/officeDocument/2006/relationships" type="rect" r:blip="">
+            <dgm:adjLst/>
+          </dgm:shape>
+          <dgm:presOf axis="desOrSelf" ptType="node"/>
+          <dgm:constrLst>
+            <dgm:constr type="primFontSz" val="65"/>
+            <dgm:constr type="lMarg" refType="primFontSz" fact="0.2"/>
+            <dgm:constr type="rMarg" refType="primFontSz" fact="0.2"/>
+            <dgm:constr type="tMarg" refType="primFontSz" fact="0.2"/>
+            <dgm:constr type="bMarg" refType="primFontSz" fact="0.2"/>
+          </dgm:constrLst>
+          <dgm:ruleLst>
+            <dgm:rule type="primFontSz" val="5" fact="NaN" max="NaN"/>
+          </dgm:ruleLst>
+        </dgm:layoutNode>
+        <dgm:layoutNode name="accent_3">
+          <dgm:alg type="sp"/>
+          <dgm:shape xmlns:r="http://schemas.openxmlformats.org/officeDocument/2006/relationships" r:blip="">
+            <dgm:adjLst/>
+          </dgm:shape>
+          <dgm:presOf/>
+          <dgm:constrLst/>
+          <dgm:forEach name="Name38" ref="accentRepeat"/>
+        </dgm:layoutNode>
+      </dgm:forEach>
+      <dgm:forEach name="Name39" axis="ch" ptType="node" st="4" cnt="1">
+        <dgm:layoutNode name="text_4" styleLbl="node1">
+          <dgm:varLst>
+            <dgm:bulletEnabled val="1"/>
+          </dgm:varLst>
+          <dgm:choose name="Name40">
+            <dgm:if name="Name41" func="var" arg="dir" op="equ" val="norm">
+              <dgm:alg type="tx">
+                <dgm:param type="parTxLTRAlign" val="l"/>
+                <dgm:param type="shpTxLTRAlignCh" val="l"/>
+                <dgm:param type="parTxRTLAlign" val="l"/>
+                <dgm:param type="shpTxRTLAlignCh" val="l"/>
+              </dgm:alg>
+            </dgm:if>
+            <dgm:else name="Name42">
+              <dgm:alg type="tx">
+                <dgm:param type="parTxLTRAlign" val="r"/>
+                <dgm:param type="shpTxLTRAlignCh" val="r"/>
+                <dgm:param type="parTxRTLAlign" val="r"/>
+                <dgm:param type="shpTxRTLAlignCh" val="r"/>
+              </dgm:alg>
+            </dgm:else>
+          </dgm:choose>
+          <dgm:shape xmlns:r="http://schemas.openxmlformats.org/officeDocument/2006/relationships" type="rect" r:blip="">
+            <dgm:adjLst/>
+          </dgm:shape>
+          <dgm:presOf axis="desOrSelf" ptType="node"/>
+          <dgm:constrLst>
+            <dgm:constr type="primFontSz" val="65"/>
+            <dgm:constr type="lMarg" refType="primFontSz" fact="0.2"/>
+            <dgm:constr type="rMarg" refType="primFontSz" fact="0.2"/>
+            <dgm:constr type="tMarg" refType="primFontSz" fact="0.2"/>
+            <dgm:constr type="bMarg" refType="primFontSz" fact="0.2"/>
+          </dgm:constrLst>
+          <dgm:ruleLst>
+            <dgm:rule type="primFontSz" val="5" fact="NaN" max="NaN"/>
+          </dgm:ruleLst>
+        </dgm:layoutNode>
+        <dgm:layoutNode name="accent_4">
+          <dgm:alg type="sp"/>
+          <dgm:shape xmlns:r="http://schemas.openxmlformats.org/officeDocument/2006/relationships" r:blip="">
+            <dgm:adjLst/>
+          </dgm:shape>
+          <dgm:presOf/>
+          <dgm:constrLst/>
+          <dgm:forEach name="Name43" ref="accentRepeat"/>
+        </dgm:layoutNode>
+      </dgm:forEach>
+      <dgm:forEach name="Name44" axis="ch" ptType="node" st="5" cnt="1">
+        <dgm:layoutNode name="text_5" styleLbl="node1">
+          <dgm:varLst>
+            <dgm:bulletEnabled val="1"/>
+          </dgm:varLst>
+          <dgm:choose name="Name45">
+            <dgm:if name="Name46" func="var" arg="dir" op="equ" val="norm">
+              <dgm:alg type="tx">
+                <dgm:param type="parTxLTRAlign" val="l"/>
+                <dgm:param type="shpTxLTRAlignCh" val="l"/>
+                <dgm:param type="parTxRTLAlign" val="l"/>
+                <dgm:param type="shpTxRTLAlignCh" val="l"/>
+              </dgm:alg>
+            </dgm:if>
+            <dgm:else name="Name47">
+              <dgm:alg type="tx">
+                <dgm:param type="parTxLTRAlign" val="r"/>
+                <dgm:param type="shpTxLTRAlignCh" val="r"/>
+                <dgm:param type="parTxRTLAlign" val="r"/>
+                <dgm:param type="shpTxRTLAlignCh" val="r"/>
+              </dgm:alg>
+            </dgm:else>
+          </dgm:choose>
+          <dgm:shape xmlns:r="http://schemas.openxmlformats.org/officeDocument/2006/relationships" type="rect" r:blip="">
+            <dgm:adjLst/>
+          </dgm:shape>
+          <dgm:presOf axis="desOrSelf" ptType="node"/>
+          <dgm:constrLst>
+            <dgm:constr type="primFontSz" val="65"/>
+            <dgm:constr type="lMarg" refType="primFontSz" fact="0.2"/>
+            <dgm:constr type="rMarg" refType="primFontSz" fact="0.2"/>
+            <dgm:constr type="tMarg" refType="primFontSz" fact="0.2"/>
+            <dgm:constr type="bMarg" refType="primFontSz" fact="0.2"/>
+          </dgm:constrLst>
+          <dgm:ruleLst>
+            <dgm:rule type="primFontSz" val="5" fact="NaN" max="NaN"/>
+          </dgm:ruleLst>
+        </dgm:layoutNode>
+        <dgm:layoutNode name="accent_5">
+          <dgm:alg type="sp"/>
+          <dgm:shape xmlns:r="http://schemas.openxmlformats.org/officeDocument/2006/relationships" r:blip="">
+            <dgm:adjLst/>
+          </dgm:shape>
+          <dgm:presOf/>
+          <dgm:constrLst/>
+          <dgm:forEach name="Name48" ref="accentRepeat"/>
+        </dgm:layoutNode>
+      </dgm:forEach>
+      <dgm:forEach name="Name49" axis="ch" ptType="node" st="6" cnt="1">
+        <dgm:layoutNode name="text_6" styleLbl="node1">
+          <dgm:varLst>
+            <dgm:bulletEnabled val="1"/>
+          </dgm:varLst>
+          <dgm:choose name="Name50">
+            <dgm:if name="Name51" func="var" arg="dir" op="equ" val="norm">
+              <dgm:alg type="tx">
+                <dgm:param type="parTxLTRAlign" val="l"/>
+                <dgm:param type="shpTxLTRAlignCh" val="l"/>
+                <dgm:param type="parTxRTLAlign" val="l"/>
+                <dgm:param type="shpTxRTLAlignCh" val="l"/>
+              </dgm:alg>
+            </dgm:if>
+            <dgm:else name="Name52">
+              <dgm:alg type="tx">
+                <dgm:param type="parTxLTRAlign" val="r"/>
+                <dgm:param type="shpTxLTRAlignCh" val="r"/>
+                <dgm:param type="parTxRTLAlign" val="r"/>
+                <dgm:param type="shpTxRTLAlignCh" val="r"/>
+              </dgm:alg>
+            </dgm:else>
+          </dgm:choose>
+          <dgm:shape xmlns:r="http://schemas.openxmlformats.org/officeDocument/2006/relationships" type="rect" r:blip="">
+            <dgm:adjLst/>
+          </dgm:shape>
+          <dgm:presOf axis="desOrSelf" ptType="node"/>
+          <dgm:constrLst>
+            <dgm:constr type="primFontSz" val="65"/>
+            <dgm:constr type="lMarg" refType="primFontSz" fact="0.2"/>
+            <dgm:constr type="rMarg" refType="primFontSz" fact="0.2"/>
+            <dgm:constr type="tMarg" refType="primFontSz" fact="0.2"/>
+            <dgm:constr type="bMarg" refType="primFontSz" fact="0.2"/>
+          </dgm:constrLst>
+          <dgm:ruleLst>
+            <dgm:rule type="primFontSz" val="5" fact="NaN" max="NaN"/>
+          </dgm:ruleLst>
+        </dgm:layoutNode>
+        <dgm:layoutNode name="accent_6">
+          <dgm:alg type="sp"/>
+          <dgm:shape xmlns:r="http://schemas.openxmlformats.org/officeDocument/2006/relationships" r:blip="">
+            <dgm:adjLst/>
+          </dgm:shape>
+          <dgm:presOf/>
+          <dgm:constrLst/>
+          <dgm:forEach name="Name53" ref="accentRepeat"/>
+        </dgm:layoutNode>
+      </dgm:forEach>
+      <dgm:forEach name="Name54" axis="ch" ptType="node" st="7" cnt="1">
+        <dgm:layoutNode name="text_7" styleLbl="node1">
+          <dgm:varLst>
+            <dgm:bulletEnabled val="1"/>
+          </dgm:varLst>
+          <dgm:choose name="Name55">
+            <dgm:if name="Name56" func="var" arg="dir" op="equ" val="norm">
+              <dgm:alg type="tx">
+                <dgm:param type="parTxLTRAlign" val="l"/>
+                <dgm:param type="shpTxLTRAlignCh" val="l"/>
+                <dgm:param type="parTxRTLAlign" val="l"/>
+                <dgm:param type="shpTxRTLAlignCh" val="l"/>
+              </dgm:alg>
+            </dgm:if>
+            <dgm:else name="Name57">
+              <dgm:alg type="tx">
+                <dgm:param type="parTxLTRAlign" val="r"/>
+                <dgm:param type="shpTxLTRAlignCh" val="r"/>
+                <dgm:param type="parTxRTLAlign" val="r"/>
+                <dgm:param type="shpTxRTLAlignCh" val="r"/>
+              </dgm:alg>
+            </dgm:else>
+          </dgm:choose>
+          <dgm:shape xmlns:r="http://schemas.openxmlformats.org/officeDocument/2006/relationships" type="rect" r:blip="">
+            <dgm:adjLst/>
+          </dgm:shape>
+          <dgm:presOf axis="desOrSelf" ptType="node"/>
+          <dgm:constrLst>
+            <dgm:constr type="primFontSz" val="65"/>
+            <dgm:constr type="lMarg" refType="primFontSz" fact="0.2"/>
+            <dgm:constr type="rMarg" refType="primFontSz" fact="0.2"/>
+            <dgm:constr type="tMarg" refType="primFontSz" fact="0.2"/>
+            <dgm:constr type="bMarg" refType="primFontSz" fact="0.2"/>
+          </dgm:constrLst>
+          <dgm:ruleLst>
+            <dgm:rule type="primFontSz" val="5" fact="NaN" max="NaN"/>
+          </dgm:ruleLst>
+        </dgm:layoutNode>
+        <dgm:layoutNode name="accent_7">
+          <dgm:alg type="sp"/>
+          <dgm:shape xmlns:r="http://schemas.openxmlformats.org/officeDocument/2006/relationships" r:blip="">
+            <dgm:adjLst/>
+          </dgm:shape>
+          <dgm:presOf/>
+          <dgm:constrLst/>
+          <dgm:forEach name="Name58" ref="accentRepeat"/>
+        </dgm:layoutNode>
+      </dgm:forEach>
+    </dgm:layoutNode>
+  </dgm:layoutNode>
+</dgm:layoutDef>
+</file>
+
 <file path=ppt/diagrams/quickStyle1.xml><?xml version="1.0" encoding="utf-8"?>
 <dgm:styleDef xmlns:dgm="http://schemas.openxmlformats.org/drawingml/2006/diagram" xmlns:a="http://schemas.openxmlformats.org/drawingml/2006/main" uniqueId="urn:microsoft.com/office/officeart/2005/8/quickstyle/simple1">
   <dgm:title val=""/>
@@ -25438,6 +28785,1040 @@
 </file>
 
 <file path=ppt/diagrams/quickStyle6.xml><?xml version="1.0" encoding="utf-8"?>
+<dgm:styleDef xmlns:dgm="http://schemas.openxmlformats.org/drawingml/2006/diagram" xmlns:a="http://schemas.openxmlformats.org/drawingml/2006/main" uniqueId="urn:microsoft.com/office/officeart/2005/8/quickstyle/simple1">
+  <dgm:title val=""/>
+  <dgm:desc val=""/>
+  <dgm:catLst>
+    <dgm:cat type="simple" pri="10100"/>
+  </dgm:catLst>
+  <dgm:scene3d>
+    <a:camera prst="orthographicFront"/>
+    <a:lightRig rig="threePt" dir="t"/>
+  </dgm:scene3d>
+  <dgm:styleLbl name="node0">
+    <dgm:scene3d>
+      <a:camera prst="orthographicFront"/>
+      <a:lightRig rig="threePt" dir="t"/>
+    </dgm:scene3d>
+    <dgm:sp3d/>
+    <dgm:txPr/>
+    <dgm:style>
+      <a:lnRef idx="2">
+        <a:scrgbClr r="0" g="0" b="0"/>
+      </a:lnRef>
+      <a:fillRef idx="1">
+        <a:scrgbClr r="0" g="0" b="0"/>
+      </a:fillRef>
+      <a:effectRef idx="0">
+        <a:scrgbClr r="0" g="0" b="0"/>
+      </a:effectRef>
+      <a:fontRef idx="minor">
+        <a:schemeClr val="lt1"/>
+      </a:fontRef>
+    </dgm:style>
+  </dgm:styleLbl>
+  <dgm:styleLbl name="lnNode1">
+    <dgm:scene3d>
+      <a:camera prst="orthographicFront"/>
+      <a:lightRig rig="threePt" dir="t"/>
+    </dgm:scene3d>
+    <dgm:sp3d/>
+    <dgm:txPr/>
+    <dgm:style>
+      <a:lnRef idx="2">
+        <a:scrgbClr r="0" g="0" b="0"/>
+      </a:lnRef>
+      <a:fillRef idx="1">
+        <a:scrgbClr r="0" g="0" b="0"/>
+      </a:fillRef>
+      <a:effectRef idx="0">
+        <a:scrgbClr r="0" g="0" b="0"/>
+      </a:effectRef>
+      <a:fontRef idx="minor">
+        <a:schemeClr val="lt1"/>
+      </a:fontRef>
+    </dgm:style>
+  </dgm:styleLbl>
+  <dgm:styleLbl name="vennNode1">
+    <dgm:scene3d>
+      <a:camera prst="orthographicFront"/>
+      <a:lightRig rig="threePt" dir="t"/>
+    </dgm:scene3d>
+    <dgm:sp3d/>
+    <dgm:txPr/>
+    <dgm:style>
+      <a:lnRef idx="2">
+        <a:scrgbClr r="0" g="0" b="0"/>
+      </a:lnRef>
+      <a:fillRef idx="1">
+        <a:scrgbClr r="0" g="0" b="0"/>
+      </a:fillRef>
+      <a:effectRef idx="0">
+        <a:scrgbClr r="0" g="0" b="0"/>
+      </a:effectRef>
+      <a:fontRef idx="minor">
+        <a:schemeClr val="tx1"/>
+      </a:fontRef>
+    </dgm:style>
+  </dgm:styleLbl>
+  <dgm:styleLbl name="alignNode1">
+    <dgm:scene3d>
+      <a:camera prst="orthographicFront"/>
+      <a:lightRig rig="threePt" dir="t"/>
+    </dgm:scene3d>
+    <dgm:sp3d/>
+    <dgm:txPr/>
+    <dgm:style>
+      <a:lnRef idx="2">
+        <a:scrgbClr r="0" g="0" b="0"/>
+      </a:lnRef>
+      <a:fillRef idx="1">
+        <a:scrgbClr r="0" g="0" b="0"/>
+      </a:fillRef>
+      <a:effectRef idx="0">
+        <a:scrgbClr r="0" g="0" b="0"/>
+      </a:effectRef>
+      <a:fontRef idx="minor">
+        <a:schemeClr val="lt1"/>
+      </a:fontRef>
+    </dgm:style>
+  </dgm:styleLbl>
+  <dgm:styleLbl name="node1">
+    <dgm:scene3d>
+      <a:camera prst="orthographicFront"/>
+      <a:lightRig rig="threePt" dir="t"/>
+    </dgm:scene3d>
+    <dgm:sp3d/>
+    <dgm:txPr/>
+    <dgm:style>
+      <a:lnRef idx="2">
+        <a:scrgbClr r="0" g="0" b="0"/>
+      </a:lnRef>
+      <a:fillRef idx="1">
+        <a:scrgbClr r="0" g="0" b="0"/>
+      </a:fillRef>
+      <a:effectRef idx="0">
+        <a:scrgbClr r="0" g="0" b="0"/>
+      </a:effectRef>
+      <a:fontRef idx="minor">
+        <a:schemeClr val="lt1"/>
+      </a:fontRef>
+    </dgm:style>
+  </dgm:styleLbl>
+  <dgm:styleLbl name="node2">
+    <dgm:scene3d>
+      <a:camera prst="orthographicFront"/>
+      <a:lightRig rig="threePt" dir="t"/>
+    </dgm:scene3d>
+    <dgm:sp3d/>
+    <dgm:txPr/>
+    <dgm:style>
+      <a:lnRef idx="2">
+        <a:scrgbClr r="0" g="0" b="0"/>
+      </a:lnRef>
+      <a:fillRef idx="1">
+        <a:scrgbClr r="0" g="0" b="0"/>
+      </a:fillRef>
+      <a:effectRef idx="0">
+        <a:scrgbClr r="0" g="0" b="0"/>
+      </a:effectRef>
+      <a:fontRef idx="minor">
+        <a:schemeClr val="lt1"/>
+      </a:fontRef>
+    </dgm:style>
+  </dgm:styleLbl>
+  <dgm:styleLbl name="node3">
+    <dgm:scene3d>
+      <a:camera prst="orthographicFront"/>
+      <a:lightRig rig="threePt" dir="t"/>
+    </dgm:scene3d>
+    <dgm:sp3d/>
+    <dgm:txPr/>
+    <dgm:style>
+      <a:lnRef idx="2">
+        <a:scrgbClr r="0" g="0" b="0"/>
+      </a:lnRef>
+      <a:fillRef idx="1">
+        <a:scrgbClr r="0" g="0" b="0"/>
+      </a:fillRef>
+      <a:effectRef idx="0">
+        <a:scrgbClr r="0" g="0" b="0"/>
+      </a:effectRef>
+      <a:fontRef idx="minor">
+        <a:schemeClr val="lt1"/>
+      </a:fontRef>
+    </dgm:style>
+  </dgm:styleLbl>
+  <dgm:styleLbl name="node4">
+    <dgm:scene3d>
+      <a:camera prst="orthographicFront"/>
+      <a:lightRig rig="threePt" dir="t"/>
+    </dgm:scene3d>
+    <dgm:sp3d/>
+    <dgm:txPr/>
+    <dgm:style>
+      <a:lnRef idx="2">
+        <a:scrgbClr r="0" g="0" b="0"/>
+      </a:lnRef>
+      <a:fillRef idx="1">
+        <a:scrgbClr r="0" g="0" b="0"/>
+      </a:fillRef>
+      <a:effectRef idx="0">
+        <a:scrgbClr r="0" g="0" b="0"/>
+      </a:effectRef>
+      <a:fontRef idx="minor">
+        <a:schemeClr val="lt1"/>
+      </a:fontRef>
+    </dgm:style>
+  </dgm:styleLbl>
+  <dgm:styleLbl name="fgImgPlace1">
+    <dgm:scene3d>
+      <a:camera prst="orthographicFront"/>
+      <a:lightRig rig="threePt" dir="t"/>
+    </dgm:scene3d>
+    <dgm:sp3d/>
+    <dgm:txPr/>
+    <dgm:style>
+      <a:lnRef idx="2">
+        <a:scrgbClr r="0" g="0" b="0"/>
+      </a:lnRef>
+      <a:fillRef idx="1">
+        <a:scrgbClr r="0" g="0" b="0"/>
+      </a:fillRef>
+      <a:effectRef idx="0">
+        <a:scrgbClr r="0" g="0" b="0"/>
+      </a:effectRef>
+      <a:fontRef idx="minor"/>
+    </dgm:style>
+  </dgm:styleLbl>
+  <dgm:styleLbl name="alignImgPlace1">
+    <dgm:scene3d>
+      <a:camera prst="orthographicFront"/>
+      <a:lightRig rig="threePt" dir="t"/>
+    </dgm:scene3d>
+    <dgm:sp3d/>
+    <dgm:txPr/>
+    <dgm:style>
+      <a:lnRef idx="2">
+        <a:scrgbClr r="0" g="0" b="0"/>
+      </a:lnRef>
+      <a:fillRef idx="1">
+        <a:scrgbClr r="0" g="0" b="0"/>
+      </a:fillRef>
+      <a:effectRef idx="0">
+        <a:scrgbClr r="0" g="0" b="0"/>
+      </a:effectRef>
+      <a:fontRef idx="minor"/>
+    </dgm:style>
+  </dgm:styleLbl>
+  <dgm:styleLbl name="bgImgPlace1">
+    <dgm:scene3d>
+      <a:camera prst="orthographicFront"/>
+      <a:lightRig rig="threePt" dir="t"/>
+    </dgm:scene3d>
+    <dgm:sp3d/>
+    <dgm:txPr/>
+    <dgm:style>
+      <a:lnRef idx="2">
+        <a:scrgbClr r="0" g="0" b="0"/>
+      </a:lnRef>
+      <a:fillRef idx="1">
+        <a:scrgbClr r="0" g="0" b="0"/>
+      </a:fillRef>
+      <a:effectRef idx="0">
+        <a:scrgbClr r="0" g="0" b="0"/>
+      </a:effectRef>
+      <a:fontRef idx="minor"/>
+    </dgm:style>
+  </dgm:styleLbl>
+  <dgm:styleLbl name="sibTrans2D1">
+    <dgm:scene3d>
+      <a:camera prst="orthographicFront"/>
+      <a:lightRig rig="threePt" dir="t"/>
+    </dgm:scene3d>
+    <dgm:sp3d/>
+    <dgm:txPr/>
+    <dgm:style>
+      <a:lnRef idx="0">
+        <a:scrgbClr r="0" g="0" b="0"/>
+      </a:lnRef>
+      <a:fillRef idx="1">
+        <a:scrgbClr r="0" g="0" b="0"/>
+      </a:fillRef>
+      <a:effectRef idx="0">
+        <a:scrgbClr r="0" g="0" b="0"/>
+      </a:effectRef>
+      <a:fontRef idx="minor">
+        <a:schemeClr val="lt1"/>
+      </a:fontRef>
+    </dgm:style>
+  </dgm:styleLbl>
+  <dgm:styleLbl name="fgSibTrans2D1">
+    <dgm:scene3d>
+      <a:camera prst="orthographicFront"/>
+      <a:lightRig rig="threePt" dir="t"/>
+    </dgm:scene3d>
+    <dgm:sp3d/>
+    <dgm:txPr/>
+    <dgm:style>
+      <a:lnRef idx="0">
+        <a:scrgbClr r="0" g="0" b="0"/>
+      </a:lnRef>
+      <a:fillRef idx="1">
+        <a:scrgbClr r="0" g="0" b="0"/>
+      </a:fillRef>
+      <a:effectRef idx="0">
+        <a:scrgbClr r="0" g="0" b="0"/>
+      </a:effectRef>
+      <a:fontRef idx="minor">
+        <a:schemeClr val="lt1"/>
+      </a:fontRef>
+    </dgm:style>
+  </dgm:styleLbl>
+  <dgm:styleLbl name="bgSibTrans2D1">
+    <dgm:scene3d>
+      <a:camera prst="orthographicFront"/>
+      <a:lightRig rig="threePt" dir="t"/>
+    </dgm:scene3d>
+    <dgm:sp3d/>
+    <dgm:txPr/>
+    <dgm:style>
+      <a:lnRef idx="0">
+        <a:scrgbClr r="0" g="0" b="0"/>
+      </a:lnRef>
+      <a:fillRef idx="1">
+        <a:scrgbClr r="0" g="0" b="0"/>
+      </a:fillRef>
+      <a:effectRef idx="0">
+        <a:scrgbClr r="0" g="0" b="0"/>
+      </a:effectRef>
+      <a:fontRef idx="minor">
+        <a:schemeClr val="lt1"/>
+      </a:fontRef>
+    </dgm:style>
+  </dgm:styleLbl>
+  <dgm:styleLbl name="sibTrans1D1">
+    <dgm:scene3d>
+      <a:camera prst="orthographicFront"/>
+      <a:lightRig rig="threePt" dir="t"/>
+    </dgm:scene3d>
+    <dgm:sp3d/>
+    <dgm:txPr/>
+    <dgm:style>
+      <a:lnRef idx="1">
+        <a:scrgbClr r="0" g="0" b="0"/>
+      </a:lnRef>
+      <a:fillRef idx="0">
+        <a:scrgbClr r="0" g="0" b="0"/>
+      </a:fillRef>
+      <a:effectRef idx="0">
+        <a:scrgbClr r="0" g="0" b="0"/>
+      </a:effectRef>
+      <a:fontRef idx="minor"/>
+    </dgm:style>
+  </dgm:styleLbl>
+  <dgm:styleLbl name="callout">
+    <dgm:scene3d>
+      <a:camera prst="orthographicFront"/>
+      <a:lightRig rig="threePt" dir="t"/>
+    </dgm:scene3d>
+    <dgm:sp3d/>
+    <dgm:txPr/>
+    <dgm:style>
+      <a:lnRef idx="2">
+        <a:scrgbClr r="0" g="0" b="0"/>
+      </a:lnRef>
+      <a:fillRef idx="1">
+        <a:scrgbClr r="0" g="0" b="0"/>
+      </a:fillRef>
+      <a:effectRef idx="0">
+        <a:scrgbClr r="0" g="0" b="0"/>
+      </a:effectRef>
+      <a:fontRef idx="minor"/>
+    </dgm:style>
+  </dgm:styleLbl>
+  <dgm:styleLbl name="asst0">
+    <dgm:scene3d>
+      <a:camera prst="orthographicFront"/>
+      <a:lightRig rig="threePt" dir="t"/>
+    </dgm:scene3d>
+    <dgm:sp3d/>
+    <dgm:txPr/>
+    <dgm:style>
+      <a:lnRef idx="2">
+        <a:scrgbClr r="0" g="0" b="0"/>
+      </a:lnRef>
+      <a:fillRef idx="1">
+        <a:scrgbClr r="0" g="0" b="0"/>
+      </a:fillRef>
+      <a:effectRef idx="0">
+        <a:scrgbClr r="0" g="0" b="0"/>
+      </a:effectRef>
+      <a:fontRef idx="minor">
+        <a:schemeClr val="lt1"/>
+      </a:fontRef>
+    </dgm:style>
+  </dgm:styleLbl>
+  <dgm:styleLbl name="asst1">
+    <dgm:scene3d>
+      <a:camera prst="orthographicFront"/>
+      <a:lightRig rig="threePt" dir="t"/>
+    </dgm:scene3d>
+    <dgm:sp3d/>
+    <dgm:txPr/>
+    <dgm:style>
+      <a:lnRef idx="2">
+        <a:scrgbClr r="0" g="0" b="0"/>
+      </a:lnRef>
+      <a:fillRef idx="1">
+        <a:scrgbClr r="0" g="0" b="0"/>
+      </a:fillRef>
+      <a:effectRef idx="0">
+        <a:scrgbClr r="0" g="0" b="0"/>
+      </a:effectRef>
+      <a:fontRef idx="minor">
+        <a:schemeClr val="lt1"/>
+      </a:fontRef>
+    </dgm:style>
+  </dgm:styleLbl>
+  <dgm:styleLbl name="asst2">
+    <dgm:scene3d>
+      <a:camera prst="orthographicFront"/>
+      <a:lightRig rig="threePt" dir="t"/>
+    </dgm:scene3d>
+    <dgm:sp3d/>
+    <dgm:txPr/>
+    <dgm:style>
+      <a:lnRef idx="2">
+        <a:scrgbClr r="0" g="0" b="0"/>
+      </a:lnRef>
+      <a:fillRef idx="1">
+        <a:scrgbClr r="0" g="0" b="0"/>
+      </a:fillRef>
+      <a:effectRef idx="0">
+        <a:scrgbClr r="0" g="0" b="0"/>
+      </a:effectRef>
+      <a:fontRef idx="minor">
+        <a:schemeClr val="lt1"/>
+      </a:fontRef>
+    </dgm:style>
+  </dgm:styleLbl>
+  <dgm:styleLbl name="asst3">
+    <dgm:scene3d>
+      <a:camera prst="orthographicFront"/>
+      <a:lightRig rig="threePt" dir="t"/>
+    </dgm:scene3d>
+    <dgm:sp3d/>
+    <dgm:txPr/>
+    <dgm:style>
+      <a:lnRef idx="2">
+        <a:scrgbClr r="0" g="0" b="0"/>
+      </a:lnRef>
+      <a:fillRef idx="1">
+        <a:scrgbClr r="0" g="0" b="0"/>
+      </a:fillRef>
+      <a:effectRef idx="0">
+        <a:scrgbClr r="0" g="0" b="0"/>
+      </a:effectRef>
+      <a:fontRef idx="minor">
+        <a:schemeClr val="lt1"/>
+      </a:fontRef>
+    </dgm:style>
+  </dgm:styleLbl>
+  <dgm:styleLbl name="asst4">
+    <dgm:scene3d>
+      <a:camera prst="orthographicFront"/>
+      <a:lightRig rig="threePt" dir="t"/>
+    </dgm:scene3d>
+    <dgm:sp3d/>
+    <dgm:txPr/>
+    <dgm:style>
+      <a:lnRef idx="2">
+        <a:scrgbClr r="0" g="0" b="0"/>
+      </a:lnRef>
+      <a:fillRef idx="1">
+        <a:scrgbClr r="0" g="0" b="0"/>
+      </a:fillRef>
+      <a:effectRef idx="0">
+        <a:scrgbClr r="0" g="0" b="0"/>
+      </a:effectRef>
+      <a:fontRef idx="minor">
+        <a:schemeClr val="lt1"/>
+      </a:fontRef>
+    </dgm:style>
+  </dgm:styleLbl>
+  <dgm:styleLbl name="parChTrans2D1">
+    <dgm:scene3d>
+      <a:camera prst="orthographicFront"/>
+      <a:lightRig rig="threePt" dir="t"/>
+    </dgm:scene3d>
+    <dgm:sp3d/>
+    <dgm:txPr/>
+    <dgm:style>
+      <a:lnRef idx="2">
+        <a:scrgbClr r="0" g="0" b="0"/>
+      </a:lnRef>
+      <a:fillRef idx="1">
+        <a:scrgbClr r="0" g="0" b="0"/>
+      </a:fillRef>
+      <a:effectRef idx="0">
+        <a:scrgbClr r="0" g="0" b="0"/>
+      </a:effectRef>
+      <a:fontRef idx="minor">
+        <a:schemeClr val="lt1"/>
+      </a:fontRef>
+    </dgm:style>
+  </dgm:styleLbl>
+  <dgm:styleLbl name="parChTrans2D2">
+    <dgm:scene3d>
+      <a:camera prst="orthographicFront"/>
+      <a:lightRig rig="threePt" dir="t"/>
+    </dgm:scene3d>
+    <dgm:sp3d/>
+    <dgm:txPr/>
+    <dgm:style>
+      <a:lnRef idx="2">
+        <a:scrgbClr r="0" g="0" b="0"/>
+      </a:lnRef>
+      <a:fillRef idx="1">
+        <a:scrgbClr r="0" g="0" b="0"/>
+      </a:fillRef>
+      <a:effectRef idx="0">
+        <a:scrgbClr r="0" g="0" b="0"/>
+      </a:effectRef>
+      <a:fontRef idx="minor">
+        <a:schemeClr val="lt1"/>
+      </a:fontRef>
+    </dgm:style>
+  </dgm:styleLbl>
+  <dgm:styleLbl name="parChTrans2D3">
+    <dgm:scene3d>
+      <a:camera prst="orthographicFront"/>
+      <a:lightRig rig="threePt" dir="t"/>
+    </dgm:scene3d>
+    <dgm:sp3d/>
+    <dgm:txPr/>
+    <dgm:style>
+      <a:lnRef idx="2">
+        <a:scrgbClr r="0" g="0" b="0"/>
+      </a:lnRef>
+      <a:fillRef idx="1">
+        <a:scrgbClr r="0" g="0" b="0"/>
+      </a:fillRef>
+      <a:effectRef idx="0">
+        <a:scrgbClr r="0" g="0" b="0"/>
+      </a:effectRef>
+      <a:fontRef idx="minor">
+        <a:schemeClr val="lt1"/>
+      </a:fontRef>
+    </dgm:style>
+  </dgm:styleLbl>
+  <dgm:styleLbl name="parChTrans2D4">
+    <dgm:scene3d>
+      <a:camera prst="orthographicFront"/>
+      <a:lightRig rig="threePt" dir="t"/>
+    </dgm:scene3d>
+    <dgm:sp3d/>
+    <dgm:txPr/>
+    <dgm:style>
+      <a:lnRef idx="2">
+        <a:scrgbClr r="0" g="0" b="0"/>
+      </a:lnRef>
+      <a:fillRef idx="1">
+        <a:scrgbClr r="0" g="0" b="0"/>
+      </a:fillRef>
+      <a:effectRef idx="0">
+        <a:scrgbClr r="0" g="0" b="0"/>
+      </a:effectRef>
+      <a:fontRef idx="minor">
+        <a:schemeClr val="lt1"/>
+      </a:fontRef>
+    </dgm:style>
+  </dgm:styleLbl>
+  <dgm:styleLbl name="parChTrans1D1">
+    <dgm:scene3d>
+      <a:camera prst="orthographicFront"/>
+      <a:lightRig rig="threePt" dir="t"/>
+    </dgm:scene3d>
+    <dgm:sp3d/>
+    <dgm:txPr/>
+    <dgm:style>
+      <a:lnRef idx="2">
+        <a:scrgbClr r="0" g="0" b="0"/>
+      </a:lnRef>
+      <a:fillRef idx="0">
+        <a:scrgbClr r="0" g="0" b="0"/>
+      </a:fillRef>
+      <a:effectRef idx="0">
+        <a:scrgbClr r="0" g="0" b="0"/>
+      </a:effectRef>
+      <a:fontRef idx="minor"/>
+    </dgm:style>
+  </dgm:styleLbl>
+  <dgm:styleLbl name="parChTrans1D2">
+    <dgm:scene3d>
+      <a:camera prst="orthographicFront"/>
+      <a:lightRig rig="threePt" dir="t"/>
+    </dgm:scene3d>
+    <dgm:sp3d/>
+    <dgm:txPr/>
+    <dgm:style>
+      <a:lnRef idx="2">
+        <a:scrgbClr r="0" g="0" b="0"/>
+      </a:lnRef>
+      <a:fillRef idx="0">
+        <a:scrgbClr r="0" g="0" b="0"/>
+      </a:fillRef>
+      <a:effectRef idx="0">
+        <a:scrgbClr r="0" g="0" b="0"/>
+      </a:effectRef>
+      <a:fontRef idx="minor"/>
+    </dgm:style>
+  </dgm:styleLbl>
+  <dgm:styleLbl name="parChTrans1D3">
+    <dgm:scene3d>
+      <a:camera prst="orthographicFront"/>
+      <a:lightRig rig="threePt" dir="t"/>
+    </dgm:scene3d>
+    <dgm:sp3d/>
+    <dgm:txPr/>
+    <dgm:style>
+      <a:lnRef idx="2">
+        <a:scrgbClr r="0" g="0" b="0"/>
+      </a:lnRef>
+      <a:fillRef idx="0">
+        <a:scrgbClr r="0" g="0" b="0"/>
+      </a:fillRef>
+      <a:effectRef idx="0">
+        <a:scrgbClr r="0" g="0" b="0"/>
+      </a:effectRef>
+      <a:fontRef idx="minor"/>
+    </dgm:style>
+  </dgm:styleLbl>
+  <dgm:styleLbl name="parChTrans1D4">
+    <dgm:scene3d>
+      <a:camera prst="orthographicFront"/>
+      <a:lightRig rig="threePt" dir="t"/>
+    </dgm:scene3d>
+    <dgm:sp3d/>
+    <dgm:txPr/>
+    <dgm:style>
+      <a:lnRef idx="2">
+        <a:scrgbClr r="0" g="0" b="0"/>
+      </a:lnRef>
+      <a:fillRef idx="0">
+        <a:scrgbClr r="0" g="0" b="0"/>
+      </a:fillRef>
+      <a:effectRef idx="0">
+        <a:scrgbClr r="0" g="0" b="0"/>
+      </a:effectRef>
+      <a:fontRef idx="minor"/>
+    </dgm:style>
+  </dgm:styleLbl>
+  <dgm:styleLbl name="fgAcc1">
+    <dgm:scene3d>
+      <a:camera prst="orthographicFront"/>
+      <a:lightRig rig="threePt" dir="t"/>
+    </dgm:scene3d>
+    <dgm:sp3d/>
+    <dgm:txPr/>
+    <dgm:style>
+      <a:lnRef idx="2">
+        <a:scrgbClr r="0" g="0" b="0"/>
+      </a:lnRef>
+      <a:fillRef idx="1">
+        <a:scrgbClr r="0" g="0" b="0"/>
+      </a:fillRef>
+      <a:effectRef idx="0">
+        <a:scrgbClr r="0" g="0" b="0"/>
+      </a:effectRef>
+      <a:fontRef idx="minor"/>
+    </dgm:style>
+  </dgm:styleLbl>
+  <dgm:styleLbl name="conFgAcc1">
+    <dgm:scene3d>
+      <a:camera prst="orthographicFront"/>
+      <a:lightRig rig="threePt" dir="t"/>
+    </dgm:scene3d>
+    <dgm:sp3d/>
+    <dgm:txPr/>
+    <dgm:style>
+      <a:lnRef idx="2">
+        <a:scrgbClr r="0" g="0" b="0"/>
+      </a:lnRef>
+      <a:fillRef idx="1">
+        <a:scrgbClr r="0" g="0" b="0"/>
+      </a:fillRef>
+      <a:effectRef idx="0">
+        <a:scrgbClr r="0" g="0" b="0"/>
+      </a:effectRef>
+      <a:fontRef idx="minor"/>
+    </dgm:style>
+  </dgm:styleLbl>
+  <dgm:styleLbl name="alignAcc1">
+    <dgm:scene3d>
+      <a:camera prst="orthographicFront"/>
+      <a:lightRig rig="threePt" dir="t"/>
+    </dgm:scene3d>
+    <dgm:sp3d/>
+    <dgm:txPr/>
+    <dgm:style>
+      <a:lnRef idx="2">
+        <a:scrgbClr r="0" g="0" b="0"/>
+      </a:lnRef>
+      <a:fillRef idx="1">
+        <a:scrgbClr r="0" g="0" b="0"/>
+      </a:fillRef>
+      <a:effectRef idx="0">
+        <a:scrgbClr r="0" g="0" b="0"/>
+      </a:effectRef>
+      <a:fontRef idx="minor"/>
+    </dgm:style>
+  </dgm:styleLbl>
+  <dgm:styleLbl name="trAlignAcc1">
+    <dgm:scene3d>
+      <a:camera prst="orthographicFront"/>
+      <a:lightRig rig="threePt" dir="t"/>
+    </dgm:scene3d>
+    <dgm:sp3d/>
+    <dgm:txPr/>
+    <dgm:style>
+      <a:lnRef idx="1">
+        <a:scrgbClr r="0" g="0" b="0"/>
+      </a:lnRef>
+      <a:fillRef idx="1">
+        <a:scrgbClr r="0" g="0" b="0"/>
+      </a:fillRef>
+      <a:effectRef idx="0">
+        <a:scrgbClr r="0" g="0" b="0"/>
+      </a:effectRef>
+      <a:fontRef idx="minor"/>
+    </dgm:style>
+  </dgm:styleLbl>
+  <dgm:styleLbl name="bgAcc1">
+    <dgm:scene3d>
+      <a:camera prst="orthographicFront"/>
+      <a:lightRig rig="threePt" dir="t"/>
+    </dgm:scene3d>
+    <dgm:sp3d/>
+    <dgm:txPr/>
+    <dgm:style>
+      <a:lnRef idx="2">
+        <a:scrgbClr r="0" g="0" b="0"/>
+      </a:lnRef>
+      <a:fillRef idx="1">
+        <a:scrgbClr r="0" g="0" b="0"/>
+      </a:fillRef>
+      <a:effectRef idx="0">
+        <a:scrgbClr r="0" g="0" b="0"/>
+      </a:effectRef>
+      <a:fontRef idx="minor"/>
+    </dgm:style>
+  </dgm:styleLbl>
+  <dgm:styleLbl name="solidFgAcc1">
+    <dgm:scene3d>
+      <a:camera prst="orthographicFront"/>
+      <a:lightRig rig="threePt" dir="t"/>
+    </dgm:scene3d>
+    <dgm:sp3d/>
+    <dgm:txPr/>
+    <dgm:style>
+      <a:lnRef idx="2">
+        <a:scrgbClr r="0" g="0" b="0"/>
+      </a:lnRef>
+      <a:fillRef idx="1">
+        <a:scrgbClr r="0" g="0" b="0"/>
+      </a:fillRef>
+      <a:effectRef idx="0">
+        <a:scrgbClr r="0" g="0" b="0"/>
+      </a:effectRef>
+      <a:fontRef idx="minor"/>
+    </dgm:style>
+  </dgm:styleLbl>
+  <dgm:styleLbl name="solidAlignAcc1">
+    <dgm:scene3d>
+      <a:camera prst="orthographicFront"/>
+      <a:lightRig rig="threePt" dir="t"/>
+    </dgm:scene3d>
+    <dgm:sp3d/>
+    <dgm:txPr/>
+    <dgm:style>
+      <a:lnRef idx="2">
+        <a:scrgbClr r="0" g="0" b="0"/>
+      </a:lnRef>
+      <a:fillRef idx="1">
+        <a:scrgbClr r="0" g="0" b="0"/>
+      </a:fillRef>
+      <a:effectRef idx="0">
+        <a:scrgbClr r="0" g="0" b="0"/>
+      </a:effectRef>
+      <a:fontRef idx="minor"/>
+    </dgm:style>
+  </dgm:styleLbl>
+  <dgm:styleLbl name="solidBgAcc1">
+    <dgm:scene3d>
+      <a:camera prst="orthographicFront"/>
+      <a:lightRig rig="threePt" dir="t"/>
+    </dgm:scene3d>
+    <dgm:sp3d/>
+    <dgm:txPr/>
+    <dgm:style>
+      <a:lnRef idx="2">
+        <a:scrgbClr r="0" g="0" b="0"/>
+      </a:lnRef>
+      <a:fillRef idx="1">
+        <a:scrgbClr r="0" g="0" b="0"/>
+      </a:fillRef>
+      <a:effectRef idx="0">
+        <a:scrgbClr r="0" g="0" b="0"/>
+      </a:effectRef>
+      <a:fontRef idx="minor"/>
+    </dgm:style>
+  </dgm:styleLbl>
+  <dgm:styleLbl name="fgAccFollowNode1">
+    <dgm:scene3d>
+      <a:camera prst="orthographicFront"/>
+      <a:lightRig rig="threePt" dir="t"/>
+    </dgm:scene3d>
+    <dgm:sp3d/>
+    <dgm:txPr/>
+    <dgm:style>
+      <a:lnRef idx="2">
+        <a:scrgbClr r="0" g="0" b="0"/>
+      </a:lnRef>
+      <a:fillRef idx="1">
+        <a:scrgbClr r="0" g="0" b="0"/>
+      </a:fillRef>
+      <a:effectRef idx="0">
+        <a:scrgbClr r="0" g="0" b="0"/>
+      </a:effectRef>
+      <a:fontRef idx="minor"/>
+    </dgm:style>
+  </dgm:styleLbl>
+  <dgm:styleLbl name="alignAccFollowNode1">
+    <dgm:scene3d>
+      <a:camera prst="orthographicFront"/>
+      <a:lightRig rig="threePt" dir="t"/>
+    </dgm:scene3d>
+    <dgm:sp3d/>
+    <dgm:txPr/>
+    <dgm:style>
+      <a:lnRef idx="2">
+        <a:scrgbClr r="0" g="0" b="0"/>
+      </a:lnRef>
+      <a:fillRef idx="1">
+        <a:scrgbClr r="0" g="0" b="0"/>
+      </a:fillRef>
+      <a:effectRef idx="0">
+        <a:scrgbClr r="0" g="0" b="0"/>
+      </a:effectRef>
+      <a:fontRef idx="minor"/>
+    </dgm:style>
+  </dgm:styleLbl>
+  <dgm:styleLbl name="bgAccFollowNode1">
+    <dgm:scene3d>
+      <a:camera prst="orthographicFront"/>
+      <a:lightRig rig="threePt" dir="t"/>
+    </dgm:scene3d>
+    <dgm:sp3d/>
+    <dgm:txPr/>
+    <dgm:style>
+      <a:lnRef idx="2">
+        <a:scrgbClr r="0" g="0" b="0"/>
+      </a:lnRef>
+      <a:fillRef idx="1">
+        <a:scrgbClr r="0" g="0" b="0"/>
+      </a:fillRef>
+      <a:effectRef idx="0">
+        <a:scrgbClr r="0" g="0" b="0"/>
+      </a:effectRef>
+      <a:fontRef idx="minor"/>
+    </dgm:style>
+  </dgm:styleLbl>
+  <dgm:styleLbl name="fgAcc0">
+    <dgm:scene3d>
+      <a:camera prst="orthographicFront"/>
+      <a:lightRig rig="threePt" dir="t"/>
+    </dgm:scene3d>
+    <dgm:sp3d/>
+    <dgm:txPr/>
+    <dgm:style>
+      <a:lnRef idx="2">
+        <a:scrgbClr r="0" g="0" b="0"/>
+      </a:lnRef>
+      <a:fillRef idx="1">
+        <a:scrgbClr r="0" g="0" b="0"/>
+      </a:fillRef>
+      <a:effectRef idx="0">
+        <a:scrgbClr r="0" g="0" b="0"/>
+      </a:effectRef>
+      <a:fontRef idx="minor"/>
+    </dgm:style>
+  </dgm:styleLbl>
+  <dgm:styleLbl name="fgAcc2">
+    <dgm:scene3d>
+      <a:camera prst="orthographicFront"/>
+      <a:lightRig rig="threePt" dir="t"/>
+    </dgm:scene3d>
+    <dgm:sp3d/>
+    <dgm:txPr/>
+    <dgm:style>
+      <a:lnRef idx="2">
+        <a:scrgbClr r="0" g="0" b="0"/>
+      </a:lnRef>
+      <a:fillRef idx="1">
+        <a:scrgbClr r="0" g="0" b="0"/>
+      </a:fillRef>
+      <a:effectRef idx="0">
+        <a:scrgbClr r="0" g="0" b="0"/>
+      </a:effectRef>
+      <a:fontRef idx="minor"/>
+    </dgm:style>
+  </dgm:styleLbl>
+  <dgm:styleLbl name="fgAcc3">
+    <dgm:scene3d>
+      <a:camera prst="orthographicFront"/>
+      <a:lightRig rig="threePt" dir="t"/>
+    </dgm:scene3d>
+    <dgm:sp3d/>
+    <dgm:txPr/>
+    <dgm:style>
+      <a:lnRef idx="2">
+        <a:scrgbClr r="0" g="0" b="0"/>
+      </a:lnRef>
+      <a:fillRef idx="1">
+        <a:scrgbClr r="0" g="0" b="0"/>
+      </a:fillRef>
+      <a:effectRef idx="0">
+        <a:scrgbClr r="0" g="0" b="0"/>
+      </a:effectRef>
+      <a:fontRef idx="minor"/>
+    </dgm:style>
+  </dgm:styleLbl>
+  <dgm:styleLbl name="fgAcc4">
+    <dgm:scene3d>
+      <a:camera prst="orthographicFront"/>
+      <a:lightRig rig="threePt" dir="t"/>
+    </dgm:scene3d>
+    <dgm:sp3d/>
+    <dgm:txPr/>
+    <dgm:style>
+      <a:lnRef idx="2">
+        <a:scrgbClr r="0" g="0" b="0"/>
+      </a:lnRef>
+      <a:fillRef idx="1">
+        <a:scrgbClr r="0" g="0" b="0"/>
+      </a:fillRef>
+      <a:effectRef idx="0">
+        <a:scrgbClr r="0" g="0" b="0"/>
+      </a:effectRef>
+      <a:fontRef idx="minor"/>
+    </dgm:style>
+  </dgm:styleLbl>
+  <dgm:styleLbl name="bgShp">
+    <dgm:scene3d>
+      <a:camera prst="orthographicFront"/>
+      <a:lightRig rig="threePt" dir="t"/>
+    </dgm:scene3d>
+    <dgm:sp3d/>
+    <dgm:txPr/>
+    <dgm:style>
+      <a:lnRef idx="0">
+        <a:scrgbClr r="0" g="0" b="0"/>
+      </a:lnRef>
+      <a:fillRef idx="1">
+        <a:scrgbClr r="0" g="0" b="0"/>
+      </a:fillRef>
+      <a:effectRef idx="0">
+        <a:scrgbClr r="0" g="0" b="0"/>
+      </a:effectRef>
+      <a:fontRef idx="minor"/>
+    </dgm:style>
+  </dgm:styleLbl>
+  <dgm:styleLbl name="dkBgShp">
+    <dgm:scene3d>
+      <a:camera prst="orthographicFront"/>
+      <a:lightRig rig="threePt" dir="t"/>
+    </dgm:scene3d>
+    <dgm:sp3d/>
+    <dgm:txPr/>
+    <dgm:style>
+      <a:lnRef idx="0">
+        <a:scrgbClr r="0" g="0" b="0"/>
+      </a:lnRef>
+      <a:fillRef idx="1">
+        <a:scrgbClr r="0" g="0" b="0"/>
+      </a:fillRef>
+      <a:effectRef idx="0">
+        <a:scrgbClr r="0" g="0" b="0"/>
+      </a:effectRef>
+      <a:fontRef idx="minor"/>
+    </dgm:style>
+  </dgm:styleLbl>
+  <dgm:styleLbl name="trBgShp">
+    <dgm:scene3d>
+      <a:camera prst="orthographicFront"/>
+      <a:lightRig rig="threePt" dir="t"/>
+    </dgm:scene3d>
+    <dgm:sp3d/>
+    <dgm:txPr/>
+    <dgm:style>
+      <a:lnRef idx="0">
+        <a:scrgbClr r="0" g="0" b="0"/>
+      </a:lnRef>
+      <a:fillRef idx="1">
+        <a:scrgbClr r="0" g="0" b="0"/>
+      </a:fillRef>
+      <a:effectRef idx="0">
+        <a:scrgbClr r="0" g="0" b="0"/>
+      </a:effectRef>
+      <a:fontRef idx="minor"/>
+    </dgm:style>
+  </dgm:styleLbl>
+  <dgm:styleLbl name="fgShp">
+    <dgm:scene3d>
+      <a:camera prst="orthographicFront"/>
+      <a:lightRig rig="threePt" dir="t"/>
+    </dgm:scene3d>
+    <dgm:sp3d/>
+    <dgm:txPr/>
+    <dgm:style>
+      <a:lnRef idx="2">
+        <a:scrgbClr r="0" g="0" b="0"/>
+      </a:lnRef>
+      <a:fillRef idx="1">
+        <a:scrgbClr r="0" g="0" b="0"/>
+      </a:fillRef>
+      <a:effectRef idx="0">
+        <a:scrgbClr r="0" g="0" b="0"/>
+      </a:effectRef>
+      <a:fontRef idx="minor"/>
+    </dgm:style>
+  </dgm:styleLbl>
+  <dgm:styleLbl name="revTx">
+    <dgm:scene3d>
+      <a:camera prst="orthographicFront"/>
+      <a:lightRig rig="threePt" dir="t"/>
+    </dgm:scene3d>
+    <dgm:sp3d/>
+    <dgm:txPr/>
+    <dgm:style>
+      <a:lnRef idx="0">
+        <a:scrgbClr r="0" g="0" b="0"/>
+      </a:lnRef>
+      <a:fillRef idx="0">
+        <a:scrgbClr r="0" g="0" b="0"/>
+      </a:fillRef>
+      <a:effectRef idx="0">
+        <a:scrgbClr r="0" g="0" b="0"/>
+      </a:effectRef>
+      <a:fontRef idx="minor"/>
+    </dgm:style>
+  </dgm:styleLbl>
+</dgm:styleDef>
+</file>
+
+<file path=ppt/diagrams/quickStyle7.xml><?xml version="1.0" encoding="utf-8"?>
 <dgm:styleDef xmlns:dgm="http://schemas.openxmlformats.org/drawingml/2006/diagram" xmlns:a="http://schemas.openxmlformats.org/drawingml/2006/main" uniqueId="urn:microsoft.com/office/officeart/2005/8/quickstyle/simple1">
   <dgm:title val=""/>
   <dgm:desc val=""/>
@@ -30844,6 +35225,269 @@
       </p:grpSpPr>
       <p:sp>
         <p:nvSpPr>
+          <p:cNvPr id="5" name="Titel 4"/>
+          <p:cNvSpPr>
+            <a:spLocks noGrp="1"/>
+          </p:cNvSpPr>
+          <p:nvPr>
+            <p:ph type="title"/>
+          </p:nvPr>
+        </p:nvSpPr>
+        <p:spPr/>
+        <p:txBody>
+          <a:bodyPr/>
+          <a:lstStyle/>
+          <a:p>
+            <a:r>
+              <a:rPr lang="de-DE" dirty="0" smtClean="0"/>
+              <a:t>Live Demo</a:t>
+            </a:r>
+            <a:endParaRPr lang="de-DE" dirty="0"/>
+          </a:p>
+        </p:txBody>
+      </p:sp>
+      <p:sp>
+        <p:nvSpPr>
+          <p:cNvPr id="7" name="Textplatzhalter 6"/>
+          <p:cNvSpPr>
+            <a:spLocks noGrp="1"/>
+          </p:cNvSpPr>
+          <p:nvPr>
+            <p:ph type="body" sz="quarter" idx="10"/>
+          </p:nvPr>
+        </p:nvSpPr>
+        <p:spPr/>
+        <p:txBody>
+          <a:bodyPr/>
+          <a:lstStyle/>
+          <a:p>
+            <a:r>
+              <a:rPr lang="de-DE" dirty="0" smtClean="0"/>
+              <a:t>Eine kleine Vorführung unseres MVP</a:t>
+            </a:r>
+            <a:endParaRPr lang="de-DE" dirty="0"/>
+          </a:p>
+        </p:txBody>
+      </p:sp>
+      <p:pic>
+        <p:nvPicPr>
+          <p:cNvPr id="1026" name="Picture 2" descr="https://www.sofort.com/var/sofort/storage/images/media/graphics/illus/131030-live-demo-kauefer-vh/52403-2-eng-DE/131030-live-demo-kauefer-vh_col-1-2.png"/>
+          <p:cNvPicPr>
+            <a:picLocks noChangeAspect="1" noChangeArrowheads="1"/>
+          </p:cNvPicPr>
+          <p:nvPr/>
+        </p:nvPicPr>
+        <p:blipFill>
+          <a:blip r:embed="rId2">
+            <a:extLst>
+              <a:ext uri="{28A0092B-C50C-407E-A947-70E740481C1C}">
+                <a14:useLocalDpi xmlns:a14="http://schemas.microsoft.com/office/drawing/2010/main" val="0"/>
+              </a:ext>
+            </a:extLst>
+          </a:blip>
+          <a:srcRect/>
+          <a:stretch>
+            <a:fillRect/>
+          </a:stretch>
+        </p:blipFill>
+        <p:spPr bwMode="auto">
+          <a:xfrm>
+            <a:off x="1001555" y="1883189"/>
+            <a:ext cx="4002493" cy="3201995"/>
+          </a:xfrm>
+          <a:prstGeom prst="rect">
+            <a:avLst/>
+          </a:prstGeom>
+          <a:noFill/>
+          <a:extLst>
+            <a:ext uri="{909E8E84-426E-40DD-AFC4-6F175D3DCCD1}">
+              <a14:hiddenFill xmlns:a14="http://schemas.microsoft.com/office/drawing/2010/main">
+                <a:solidFill>
+                  <a:srgbClr val="FFFFFF"/>
+                </a:solidFill>
+              </a14:hiddenFill>
+            </a:ext>
+          </a:extLst>
+        </p:spPr>
+      </p:pic>
+      <p:pic>
+        <p:nvPicPr>
+          <p:cNvPr id="1028" name="Picture 4" descr="http://www.clker.com/cliparts/y/5/5/B/R/Q/computer-mouse-md.png"/>
+          <p:cNvPicPr>
+            <a:picLocks noChangeAspect="1" noChangeArrowheads="1"/>
+          </p:cNvPicPr>
+          <p:nvPr/>
+        </p:nvPicPr>
+        <p:blipFill>
+          <a:blip r:embed="rId3">
+            <a:extLst>
+              <a:ext uri="{28A0092B-C50C-407E-A947-70E740481C1C}">
+                <a14:useLocalDpi xmlns:a14="http://schemas.microsoft.com/office/drawing/2010/main" val="0"/>
+              </a:ext>
+            </a:extLst>
+          </a:blip>
+          <a:srcRect/>
+          <a:stretch>
+            <a:fillRect/>
+          </a:stretch>
+        </p:blipFill>
+        <p:spPr bwMode="auto">
+          <a:xfrm>
+            <a:off x="5497923" y="4422130"/>
+            <a:ext cx="1810381" cy="1622053"/>
+          </a:xfrm>
+          <a:prstGeom prst="rect">
+            <a:avLst/>
+          </a:prstGeom>
+          <a:noFill/>
+          <a:extLst>
+            <a:ext uri="{909E8E84-426E-40DD-AFC4-6F175D3DCCD1}">
+              <a14:hiddenFill xmlns:a14="http://schemas.microsoft.com/office/drawing/2010/main">
+                <a:solidFill>
+                  <a:srgbClr val="FFFFFF"/>
+                </a:solidFill>
+              </a14:hiddenFill>
+            </a:ext>
+          </a:extLst>
+        </p:spPr>
+      </p:pic>
+    </p:spTree>
+    <p:extLst>
+      <p:ext uri="{BB962C8B-B14F-4D97-AF65-F5344CB8AC3E}">
+        <p14:creationId xmlns:p14="http://schemas.microsoft.com/office/powerpoint/2010/main" val="2975657715"/>
+      </p:ext>
+    </p:extLst>
+  </p:cSld>
+  <p:clrMapOvr>
+    <a:masterClrMapping/>
+  </p:clrMapOvr>
+  <mc:AlternateContent xmlns:mc="http://schemas.openxmlformats.org/markup-compatibility/2006" xmlns:p14="http://schemas.microsoft.com/office/powerpoint/2010/main">
+    <mc:Choice Requires="p14">
+      <p:transition p14:dur="0"/>
+    </mc:Choice>
+    <mc:Fallback xmlns="">
+      <p:transition/>
+    </mc:Fallback>
+  </mc:AlternateContent>
+  <p:timing>
+    <p:tnLst>
+      <p:par>
+        <p:cTn id="1" dur="indefinite" restart="never" nodeType="tmRoot"/>
+      </p:par>
+    </p:tnLst>
+  </p:timing>
+</p:sld>
+</file>
+
+<file path=ppt/slides/slide11.xml><?xml version="1.0" encoding="utf-8"?>
+<p:sld xmlns:a="http://schemas.openxmlformats.org/drawingml/2006/main" xmlns:r="http://schemas.openxmlformats.org/officeDocument/2006/relationships" xmlns:p="http://schemas.openxmlformats.org/presentationml/2006/main">
+  <p:cSld>
+    <p:spTree>
+      <p:nvGrpSpPr>
+        <p:cNvPr id="1" name=""/>
+        <p:cNvGrpSpPr/>
+        <p:nvPr/>
+      </p:nvGrpSpPr>
+      <p:grpSpPr>
+        <a:xfrm>
+          <a:off x="0" y="0"/>
+          <a:ext cx="0" cy="0"/>
+          <a:chOff x="0" y="0"/>
+          <a:chExt cx="0" cy="0"/>
+        </a:xfrm>
+      </p:grpSpPr>
+      <p:sp>
+        <p:nvSpPr>
+          <p:cNvPr id="4" name="Titel 3"/>
+          <p:cNvSpPr>
+            <a:spLocks noGrp="1"/>
+          </p:cNvSpPr>
+          <p:nvPr>
+            <p:ph type="title"/>
+          </p:nvPr>
+        </p:nvSpPr>
+        <p:spPr/>
+        <p:txBody>
+          <a:bodyPr/>
+          <a:lstStyle/>
+          <a:p>
+            <a:r>
+              <a:rPr lang="de-DE" dirty="0" smtClean="0"/>
+              <a:t>Agenda</a:t>
+            </a:r>
+            <a:endParaRPr lang="de-DE" dirty="0"/>
+          </a:p>
+        </p:txBody>
+      </p:sp>
+      <p:graphicFrame>
+        <p:nvGraphicFramePr>
+          <p:cNvPr id="7" name="Diagramm 6"/>
+          <p:cNvGraphicFramePr/>
+          <p:nvPr>
+            <p:extLst>
+              <p:ext uri="{D42A27DB-BD31-4B8C-83A1-F6EECF244321}">
+                <p14:modId xmlns:p14="http://schemas.microsoft.com/office/powerpoint/2010/main" val="2215923332"/>
+              </p:ext>
+            </p:extLst>
+          </p:nvPr>
+        </p:nvGraphicFramePr>
+        <p:xfrm>
+          <a:off x="250825" y="1700808"/>
+          <a:ext cx="6553424" cy="4536504"/>
+        </p:xfrm>
+        <a:graphic>
+          <a:graphicData uri="http://schemas.openxmlformats.org/drawingml/2006/diagram">
+            <dgm:relIds xmlns:dgm="http://schemas.openxmlformats.org/drawingml/2006/diagram" xmlns:r="http://schemas.openxmlformats.org/officeDocument/2006/relationships" r:dm="rId2" r:lo="rId3" r:qs="rId4" r:cs="rId5"/>
+          </a:graphicData>
+        </a:graphic>
+      </p:graphicFrame>
+    </p:spTree>
+    <p:extLst>
+      <p:ext uri="{BB962C8B-B14F-4D97-AF65-F5344CB8AC3E}">
+        <p14:creationId xmlns:p14="http://schemas.microsoft.com/office/powerpoint/2010/main" val="1533193843"/>
+      </p:ext>
+    </p:extLst>
+  </p:cSld>
+  <p:clrMapOvr>
+    <a:masterClrMapping/>
+  </p:clrMapOvr>
+  <mc:AlternateContent xmlns:mc="http://schemas.openxmlformats.org/markup-compatibility/2006" xmlns:p14="http://schemas.microsoft.com/office/powerpoint/2010/main">
+    <mc:Choice Requires="p14">
+      <p:transition p14:dur="0"/>
+    </mc:Choice>
+    <mc:Fallback xmlns="">
+      <p:transition/>
+    </mc:Fallback>
+  </mc:AlternateContent>
+  <p:timing>
+    <p:tnLst>
+      <p:par>
+        <p:cTn id="1" dur="indefinite" restart="never" nodeType="tmRoot"/>
+      </p:par>
+    </p:tnLst>
+  </p:timing>
+</p:sld>
+</file>
+
+<file path=ppt/slides/slide12.xml><?xml version="1.0" encoding="utf-8"?>
+<p:sld xmlns:a="http://schemas.openxmlformats.org/drawingml/2006/main" xmlns:r="http://schemas.openxmlformats.org/officeDocument/2006/relationships" xmlns:p="http://schemas.openxmlformats.org/presentationml/2006/main">
+  <p:cSld>
+    <p:spTree>
+      <p:nvGrpSpPr>
+        <p:cNvPr id="1" name=""/>
+        <p:cNvGrpSpPr/>
+        <p:nvPr/>
+      </p:nvGrpSpPr>
+      <p:grpSpPr>
+        <a:xfrm>
+          <a:off x="0" y="0"/>
+          <a:ext cx="0" cy="0"/>
+          <a:chOff x="0" y="0"/>
+          <a:chExt cx="0" cy="0"/>
+        </a:xfrm>
+      </p:grpSpPr>
+      <p:sp>
+        <p:nvSpPr>
           <p:cNvPr id="6" name="Inhaltsplatzhalter 5"/>
           <p:cNvSpPr>
             <a:spLocks noGrp="1"/>
@@ -30900,13 +35544,13 @@
               <a:rPr lang="de-DE" dirty="0" smtClean="0">
                 <a:sym typeface="Wingdings" panose="05000000000000000000" pitchFamily="2" charset="2"/>
               </a:rPr>
-              <a:t>Mitarbeiter </a:t>
+              <a:t></a:t>
             </a:r>
             <a:r>
-              <a:rPr lang="de-DE" dirty="0" err="1" smtClean="0">
+              <a:rPr lang="de-DE" dirty="0" smtClean="0">
                 <a:sym typeface="Wingdings" panose="05000000000000000000" pitchFamily="2" charset="2"/>
               </a:rPr>
-              <a:t>Compitition</a:t>
+              <a:t>Mitarbeiterwettbewerb</a:t>
             </a:r>
             <a:endParaRPr lang="de-DE" dirty="0" smtClean="0">
               <a:sym typeface="Wingdings" panose="05000000000000000000" pitchFamily="2" charset="2"/>
@@ -30935,6 +35579,22 @@
                 <a:sym typeface="Wingdings" panose="05000000000000000000" pitchFamily="2" charset="2"/>
               </a:rPr>
               <a:t>)</a:t>
+            </a:r>
+          </a:p>
+          <a:p>
+            <a:r>
+              <a:rPr lang="de-DE" dirty="0" smtClean="0">
+                <a:sym typeface="Wingdings" panose="05000000000000000000" pitchFamily="2" charset="2"/>
+              </a:rPr>
+              <a:t>-&gt; Heuristik und Gewichtung </a:t>
+            </a:r>
+          </a:p>
+          <a:p>
+            <a:r>
+              <a:rPr lang="de-DE" dirty="0" smtClean="0">
+                <a:sym typeface="Wingdings" panose="05000000000000000000" pitchFamily="2" charset="2"/>
+              </a:rPr>
+              <a:t>-&gt; Hinzunahme weiterer Attribute</a:t>
             </a:r>
             <a:endParaRPr lang="de-DE" dirty="0" smtClean="0"/>
           </a:p>
@@ -31021,7 +35681,7 @@
 </p:sld>
 </file>
 
-<file path=ppt/slides/slide11.xml><?xml version="1.0" encoding="utf-8"?>
+<file path=ppt/slides/slide13.xml><?xml version="1.0" encoding="utf-8"?>
 <p:sld xmlns:a="http://schemas.openxmlformats.org/drawingml/2006/main" xmlns:r="http://schemas.openxmlformats.org/officeDocument/2006/relationships" xmlns:p="http://schemas.openxmlformats.org/presentationml/2006/main">
   <p:cSld>
     <p:spTree>
@@ -31068,7 +35728,7 @@
           <p:nvPr>
             <p:extLst>
               <p:ext uri="{D42A27DB-BD31-4B8C-83A1-F6EECF244321}">
-                <p14:modId xmlns:p14="http://schemas.microsoft.com/office/powerpoint/2010/main" val="3130559446"/>
+                <p14:modId xmlns:p14="http://schemas.microsoft.com/office/powerpoint/2010/main" val="4192905876"/>
               </p:ext>
             </p:extLst>
           </p:nvPr>
@@ -31106,7 +35766,7 @@
 </p:sld>
 </file>
 
-<file path=ppt/slides/slide12.xml><?xml version="1.0" encoding="utf-8"?>
+<file path=ppt/slides/slide14.xml><?xml version="1.0" encoding="utf-8"?>
 <p:sld xmlns:a="http://schemas.openxmlformats.org/drawingml/2006/main" xmlns:r="http://schemas.openxmlformats.org/officeDocument/2006/relationships" xmlns:p="http://schemas.openxmlformats.org/presentationml/2006/main">
   <p:cSld>
     <p:spTree>
@@ -31213,8 +35873,8 @@
         </p:blipFill>
         <p:spPr bwMode="auto">
           <a:xfrm>
-            <a:off x="1259632" y="1530061"/>
-            <a:ext cx="6552728" cy="4707251"/>
+            <a:off x="228408" y="1844824"/>
+            <a:ext cx="5401295" cy="3870690"/>
           </a:xfrm>
           <a:prstGeom prst="rect">
             <a:avLst/>
@@ -31231,6 +35891,46 @@
           </a:extLst>
         </p:spPr>
       </p:pic>
+      <p:sp>
+        <p:nvSpPr>
+          <p:cNvPr id="3" name="Textfeld 2"/>
+          <p:cNvSpPr txBox="1"/>
+          <p:nvPr/>
+        </p:nvSpPr>
+        <p:spPr>
+          <a:xfrm>
+            <a:off x="5940152" y="1988840"/>
+            <a:ext cx="2973891" cy="646331"/>
+          </a:xfrm>
+          <a:prstGeom prst="rect">
+            <a:avLst/>
+          </a:prstGeom>
+          <a:noFill/>
+        </p:spPr>
+        <p:txBody>
+          <a:bodyPr wrap="none" rtlCol="0">
+            <a:spAutoFit/>
+          </a:bodyPr>
+          <a:lstStyle/>
+          <a:p>
+            <a:pPr marL="285750" indent="-285750">
+              <a:buFont typeface="Wingdings" panose="05000000000000000000" pitchFamily="2" charset="2"/>
+              <a:buChar char="Ø"/>
+            </a:pPr>
+            <a:r>
+              <a:rPr lang="de-DE" b="1" dirty="0" smtClean="0"/>
+              <a:t>10 Minuten Diskussion</a:t>
+            </a:r>
+          </a:p>
+          <a:p>
+            <a:pPr marL="285750" indent="-285750">
+              <a:buFont typeface="Wingdings" panose="05000000000000000000" pitchFamily="2" charset="2"/>
+              <a:buChar char="Ø"/>
+            </a:pPr>
+            <a:endParaRPr lang="de-DE" b="1" dirty="0" smtClean="0"/>
+          </a:p>
+        </p:txBody>
+      </p:sp>
     </p:spTree>
     <p:extLst>
       <p:ext uri="{BB962C8B-B14F-4D97-AF65-F5344CB8AC3E}">
@@ -31244,6 +35944,270 @@
   <mc:AlternateContent xmlns:mc="http://schemas.openxmlformats.org/markup-compatibility/2006" xmlns:p14="http://schemas.microsoft.com/office/powerpoint/2010/main">
     <mc:Choice Requires="p14">
       <p:transition p14:dur="10"/>
+    </mc:Choice>
+    <mc:Fallback xmlns="">
+      <p:transition/>
+    </mc:Fallback>
+  </mc:AlternateContent>
+  <p:timing>
+    <p:tnLst>
+      <p:par>
+        <p:cTn id="1" dur="indefinite" restart="never" nodeType="tmRoot"/>
+      </p:par>
+    </p:tnLst>
+  </p:timing>
+</p:sld>
+</file>
+
+<file path=ppt/slides/slide15.xml><?xml version="1.0" encoding="utf-8"?>
+<p:sld xmlns:a="http://schemas.openxmlformats.org/drawingml/2006/main" xmlns:r="http://schemas.openxmlformats.org/officeDocument/2006/relationships" xmlns:p="http://schemas.openxmlformats.org/presentationml/2006/main">
+  <p:cSld>
+    <p:spTree>
+      <p:nvGrpSpPr>
+        <p:cNvPr id="1" name=""/>
+        <p:cNvGrpSpPr/>
+        <p:nvPr/>
+      </p:nvGrpSpPr>
+      <p:grpSpPr>
+        <a:xfrm>
+          <a:off x="0" y="0"/>
+          <a:ext cx="0" cy="0"/>
+          <a:chOff x="0" y="0"/>
+          <a:chExt cx="0" cy="0"/>
+        </a:xfrm>
+      </p:grpSpPr>
+      <p:sp>
+        <p:nvSpPr>
+          <p:cNvPr id="2" name="Titel 1"/>
+          <p:cNvSpPr>
+            <a:spLocks noGrp="1"/>
+          </p:cNvSpPr>
+          <p:nvPr>
+            <p:ph type="title"/>
+          </p:nvPr>
+        </p:nvSpPr>
+        <p:spPr/>
+        <p:txBody>
+          <a:bodyPr/>
+          <a:lstStyle/>
+          <a:p>
+            <a:r>
+              <a:rPr lang="de-DE" dirty="0" smtClean="0"/>
+              <a:t>Diskussion</a:t>
+            </a:r>
+            <a:endParaRPr lang="de-DE" dirty="0"/>
+          </a:p>
+        </p:txBody>
+      </p:sp>
+      <p:sp>
+        <p:nvSpPr>
+          <p:cNvPr id="4" name="Textplatzhalter 3"/>
+          <p:cNvSpPr>
+            <a:spLocks noGrp="1"/>
+          </p:cNvSpPr>
+          <p:nvPr>
+            <p:ph type="body" sz="quarter" idx="10"/>
+          </p:nvPr>
+        </p:nvSpPr>
+        <p:spPr>
+          <a:xfrm>
+            <a:off x="363284" y="1012741"/>
+            <a:ext cx="7953132" cy="328027"/>
+          </a:xfrm>
+        </p:spPr>
+        <p:txBody>
+          <a:bodyPr/>
+          <a:lstStyle/>
+          <a:p>
+            <a:pPr>
+              <a:lnSpc>
+                <a:spcPct val="100000"/>
+              </a:lnSpc>
+            </a:pPr>
+            <a:r>
+              <a:rPr lang="de-DE" dirty="0" smtClean="0"/>
+              <a:t>Fragestellungen die uns Interessen und Ihr beantworten könnt</a:t>
+            </a:r>
+            <a:endParaRPr lang="de-DE" dirty="0"/>
+          </a:p>
+        </p:txBody>
+      </p:sp>
+      <p:sp>
+        <p:nvSpPr>
+          <p:cNvPr id="5" name="Ovale Legende 4"/>
+          <p:cNvSpPr/>
+          <p:nvPr/>
+        </p:nvSpPr>
+        <p:spPr bwMode="auto">
+          <a:xfrm flipH="1">
+            <a:off x="5399333" y="1736862"/>
+            <a:ext cx="3312367" cy="1368152"/>
+          </a:xfrm>
+          <a:prstGeom prst="wedgeEllipseCallout">
+            <a:avLst/>
+          </a:prstGeom>
+          <a:noFill/>
+          <a:ln w="7620">
+            <a:solidFill>
+              <a:srgbClr val="000000"/>
+            </a:solidFill>
+            <a:round/>
+            <a:headEnd/>
+            <a:tailEnd/>
+          </a:ln>
+        </p:spPr>
+        <p:txBody>
+          <a:bodyPr rtlCol="0" anchor="ctr"/>
+          <a:lstStyle/>
+          <a:p>
+            <a:pPr algn="ctr"/>
+            <a:r>
+              <a:rPr lang="de-DE" dirty="0" smtClean="0">
+                <a:latin typeface="+mn-lt"/>
+                <a:cs typeface="Tahoma" pitchFamily="34" charset="0"/>
+              </a:rPr>
+              <a:t>Was ist Eure Meinung zu unserer Idee ?</a:t>
+            </a:r>
+            <a:endParaRPr lang="de-DE" dirty="0">
+              <a:latin typeface="+mn-lt"/>
+              <a:cs typeface="Tahoma" pitchFamily="34" charset="0"/>
+            </a:endParaRPr>
+          </a:p>
+        </p:txBody>
+      </p:sp>
+      <p:sp>
+        <p:nvSpPr>
+          <p:cNvPr id="6" name="Ovale Legende 5"/>
+          <p:cNvSpPr/>
+          <p:nvPr/>
+        </p:nvSpPr>
+        <p:spPr bwMode="auto">
+          <a:xfrm>
+            <a:off x="611560" y="2420938"/>
+            <a:ext cx="4787772" cy="1440110"/>
+          </a:xfrm>
+          <a:prstGeom prst="wedgeEllipseCallout">
+            <a:avLst/>
+          </a:prstGeom>
+          <a:noFill/>
+          <a:ln w="7620">
+            <a:solidFill>
+              <a:srgbClr val="000000"/>
+            </a:solidFill>
+            <a:round/>
+            <a:headEnd/>
+            <a:tailEnd/>
+          </a:ln>
+        </p:spPr>
+        <p:txBody>
+          <a:bodyPr rtlCol="0" anchor="ctr"/>
+          <a:lstStyle/>
+          <a:p>
+            <a:pPr algn="ctr"/>
+            <a:r>
+              <a:rPr lang="de-DE">
+                <a:cs typeface="Tahoma" pitchFamily="34" charset="0"/>
+              </a:rPr>
+              <a:t>Hättet Ihr Interesse an einem solchen Unternehmensinternen Wettbewerb haben?</a:t>
+            </a:r>
+            <a:endParaRPr lang="de-DE" dirty="0">
+              <a:cs typeface="Tahoma" pitchFamily="34" charset="0"/>
+            </a:endParaRPr>
+          </a:p>
+        </p:txBody>
+      </p:sp>
+      <p:sp>
+        <p:nvSpPr>
+          <p:cNvPr id="7" name="Ovale Legende 6"/>
+          <p:cNvSpPr/>
+          <p:nvPr/>
+        </p:nvSpPr>
+        <p:spPr bwMode="auto">
+          <a:xfrm>
+            <a:off x="827584" y="4652963"/>
+            <a:ext cx="2629049" cy="1368152"/>
+          </a:xfrm>
+          <a:prstGeom prst="wedgeEllipseCallout">
+            <a:avLst/>
+          </a:prstGeom>
+          <a:noFill/>
+          <a:ln w="7620">
+            <a:solidFill>
+              <a:srgbClr val="000000"/>
+            </a:solidFill>
+            <a:round/>
+            <a:headEnd/>
+            <a:tailEnd/>
+          </a:ln>
+        </p:spPr>
+        <p:txBody>
+          <a:bodyPr rtlCol="0" anchor="ctr"/>
+          <a:lstStyle/>
+          <a:p>
+            <a:pPr algn="ctr"/>
+            <a:r>
+              <a:rPr lang="de-DE" dirty="0" smtClean="0">
+                <a:latin typeface="+mn-lt"/>
+                <a:cs typeface="Tahoma" pitchFamily="34" charset="0"/>
+              </a:rPr>
+              <a:t>….</a:t>
+            </a:r>
+            <a:endParaRPr lang="de-DE" dirty="0">
+              <a:latin typeface="+mn-lt"/>
+              <a:cs typeface="Tahoma" pitchFamily="34" charset="0"/>
+            </a:endParaRPr>
+          </a:p>
+        </p:txBody>
+      </p:sp>
+      <p:sp>
+        <p:nvSpPr>
+          <p:cNvPr id="8" name="Ovale Legende 7"/>
+          <p:cNvSpPr/>
+          <p:nvPr/>
+        </p:nvSpPr>
+        <p:spPr bwMode="auto">
+          <a:xfrm flipH="1">
+            <a:off x="3908198" y="3876014"/>
+            <a:ext cx="4896543" cy="1383821"/>
+          </a:xfrm>
+          <a:prstGeom prst="wedgeEllipseCallout">
+            <a:avLst/>
+          </a:prstGeom>
+          <a:noFill/>
+          <a:ln w="7620">
+            <a:solidFill>
+              <a:srgbClr val="000000"/>
+            </a:solidFill>
+            <a:round/>
+            <a:headEnd/>
+            <a:tailEnd/>
+          </a:ln>
+        </p:spPr>
+        <p:txBody>
+          <a:bodyPr rtlCol="0" anchor="ctr"/>
+          <a:lstStyle/>
+          <a:p>
+            <a:pPr algn="ctr"/>
+            <a:endParaRPr lang="de-DE" dirty="0">
+              <a:latin typeface="+mn-lt"/>
+              <a:cs typeface="Tahoma" pitchFamily="34" charset="0"/>
+            </a:endParaRPr>
+          </a:p>
+        </p:txBody>
+      </p:sp>
+    </p:spTree>
+    <p:extLst>
+      <p:ext uri="{BB962C8B-B14F-4D97-AF65-F5344CB8AC3E}">
+        <p14:creationId xmlns:p14="http://schemas.microsoft.com/office/powerpoint/2010/main" val="382869315"/>
+      </p:ext>
+    </p:extLst>
+  </p:cSld>
+  <p:clrMapOvr>
+    <a:masterClrMapping/>
+  </p:clrMapOvr>
+  <mc:AlternateContent xmlns:mc="http://schemas.openxmlformats.org/markup-compatibility/2006" xmlns:p14="http://schemas.microsoft.com/office/powerpoint/2010/main">
+    <mc:Choice Requires="p14">
+      <p:transition p14:dur="0"/>
     </mc:Choice>
     <mc:Fallback xmlns="">
       <p:transition/>
@@ -31306,7 +36270,7 @@
           <p:nvPr>
             <p:extLst>
               <p:ext uri="{D42A27DB-BD31-4B8C-83A1-F6EECF244321}">
-                <p14:modId xmlns:p14="http://schemas.microsoft.com/office/powerpoint/2010/main" val="4281692705"/>
+                <p14:modId xmlns:p14="http://schemas.microsoft.com/office/powerpoint/2010/main" val="2547442229"/>
               </p:ext>
             </p:extLst>
           </p:nvPr>
@@ -31396,7 +36360,7 @@
           <p:nvPr>
             <p:extLst>
               <p:ext uri="{D42A27DB-BD31-4B8C-83A1-F6EECF244321}">
-                <p14:modId xmlns:p14="http://schemas.microsoft.com/office/powerpoint/2010/main" val="1857788428"/>
+                <p14:modId xmlns:p14="http://schemas.microsoft.com/office/powerpoint/2010/main" val="532493892"/>
               </p:ext>
             </p:extLst>
           </p:nvPr>
@@ -31483,15 +36447,15 @@
             </a:pPr>
             <a:r>
               <a:rPr lang="de-DE" dirty="0" smtClean="0"/>
-              <a:t>Kleinere Boni / Geschenke für eine sichere und effiziente Fahrweisen (pro Monat / </a:t>
-            </a:r>
-            <a:r>
-              <a:rPr lang="de-DE" strike="sngStrike" dirty="0" smtClean="0"/>
-              <a:t>pro Quartal / pro Jahr</a:t>
+              <a:t>Kleinere Boni / Geschenke für eine sichere und effiziente Fahrweisen (pro Monat </a:t>
             </a:r>
             <a:r>
               <a:rPr lang="de-DE" dirty="0" smtClean="0"/>
-              <a:t>)</a:t>
+              <a:t>/ pro </a:t>
+            </a:r>
+            <a:r>
+              <a:rPr lang="de-DE" dirty="0" smtClean="0"/>
+              <a:t>Jahr)</a:t>
             </a:r>
           </a:p>
           <a:p>
@@ -31501,8 +36465,39 @@
             </a:pPr>
             <a:r>
               <a:rPr lang="de-DE" dirty="0" smtClean="0"/>
-              <a:t>geringe Abnutzung / Kosten durch ineffiziente und waghalsige Fahrweisen können mittels Mitarbeitermotivation verringert werden</a:t>
+              <a:t>geringe Abnutzung / Kosten durch ineffiziente und waghalsige Fahrweisen können mittels Mitarbeitermotivation verringert </a:t>
             </a:r>
+            <a:r>
+              <a:rPr lang="de-DE" dirty="0" smtClean="0"/>
+              <a:t>werden</a:t>
+            </a:r>
+          </a:p>
+          <a:p>
+            <a:pPr marL="342900" indent="-342900">
+              <a:buFont typeface="Arial" panose="020B0604020202020204" pitchFamily="34" charset="0"/>
+              <a:buChar char="•"/>
+            </a:pPr>
+            <a:r>
+              <a:rPr lang="de-DE" dirty="0" smtClean="0"/>
+              <a:t>Betriebsrat: </a:t>
+            </a:r>
+            <a:r>
+              <a:rPr lang="de-DE" dirty="0" err="1" smtClean="0"/>
+              <a:t>anonymisierung</a:t>
+            </a:r>
+            <a:r>
+              <a:rPr lang="de-DE" dirty="0" smtClean="0"/>
+              <a:t> von </a:t>
+            </a:r>
+            <a:r>
+              <a:rPr lang="de-DE" dirty="0" err="1" smtClean="0"/>
+              <a:t>daten</a:t>
+            </a:r>
+            <a:r>
+              <a:rPr lang="de-DE" dirty="0" smtClean="0"/>
+              <a:t> hinsichtlich genauer Tage / Orte </a:t>
+            </a:r>
+            <a:endParaRPr lang="de-DE" dirty="0" smtClean="0"/>
           </a:p>
           <a:p>
             <a:pPr marL="342900" indent="-342900">
@@ -31641,7 +36636,7 @@
           <p:nvPr>
             <p:extLst>
               <p:ext uri="{D42A27DB-BD31-4B8C-83A1-F6EECF244321}">
-                <p14:modId xmlns:p14="http://schemas.microsoft.com/office/powerpoint/2010/main" val="4289601421"/>
+                <p14:modId xmlns:p14="http://schemas.microsoft.com/office/powerpoint/2010/main" val="545617403"/>
               </p:ext>
             </p:extLst>
           </p:nvPr>
@@ -31912,7 +36907,7 @@
           <p:nvPr>
             <p:extLst>
               <p:ext uri="{D42A27DB-BD31-4B8C-83A1-F6EECF244321}">
-                <p14:modId xmlns:p14="http://schemas.microsoft.com/office/powerpoint/2010/main" val="405356158"/>
+                <p14:modId xmlns:p14="http://schemas.microsoft.com/office/powerpoint/2010/main" val="1453346490"/>
               </p:ext>
             </p:extLst>
           </p:nvPr>
@@ -31994,11 +36989,23 @@
           <a:p>
             <a:r>
               <a:rPr lang="de-DE" dirty="0" smtClean="0"/>
-              <a:t>1 Implementierung mittels SAPUI5 und SAP Hana </a:t>
+              <a:t>1 Implementierung mittels SAPUI5 und </a:t>
+            </a:r>
+            <a:r>
+              <a:rPr lang="de-DE" dirty="0" smtClean="0"/>
+              <a:t>„SAP </a:t>
+            </a:r>
+            <a:r>
+              <a:rPr lang="de-DE" dirty="0" smtClean="0"/>
+              <a:t>Hana </a:t>
             </a:r>
             <a:r>
               <a:rPr lang="de-DE" dirty="0" err="1" smtClean="0"/>
               <a:t>Platform</a:t>
+            </a:r>
+            <a:r>
+              <a:rPr lang="de-DE" dirty="0" smtClean="0"/>
+              <a:t>“</a:t>
             </a:r>
             <a:endParaRPr lang="de-DE" dirty="0" smtClean="0"/>
           </a:p>
@@ -32194,7 +37201,7 @@
           <p:nvPr>
             <p:extLst>
               <p:ext uri="{D42A27DB-BD31-4B8C-83A1-F6EECF244321}">
-                <p14:modId xmlns:p14="http://schemas.microsoft.com/office/powerpoint/2010/main" val="936880154"/>
+                <p14:modId xmlns:p14="http://schemas.microsoft.com/office/powerpoint/2010/main" val="577596597"/>
               </p:ext>
             </p:extLst>
           </p:nvPr>
